--- a/学部_中間発表_1821144.pptx
+++ b/学部_中間発表_1821144.pptx
@@ -3812,7 +3812,15 @@
             </a:r>
             <a:r>
               <a:rPr lang="ja-JP" altLang="en-US" dirty="0" smtClean="0"/>
-              <a:t>する大量音楽のジャンル付け</a:t>
+              <a:t>する大量音楽の</a:t>
+            </a:r>
+            <a:r>
+              <a:rPr lang="ja-JP" altLang="en-US" dirty="0" smtClean="0"/>
+              <a:t>ジャンル分けと</a:t>
+            </a:r>
+            <a:r>
+              <a:rPr lang="ja-JP" altLang="en-US" dirty="0" smtClean="0"/>
+              <a:t>そのマッチング</a:t>
             </a:r>
             <a:endParaRPr kumimoji="1" lang="ja-JP" altLang="en-US" dirty="0"/>
           </a:p>
@@ -3957,6 +3965,13 @@
   <p:clrMapOvr>
     <a:masterClrMapping/>
   </p:clrMapOvr>
+  <p:timing>
+    <p:tnLst>
+      <p:par>
+        <p:cTn id="1" dur="indefinite" restart="never" nodeType="tmRoot"/>
+      </p:par>
+    </p:tnLst>
+  </p:timing>
 </p:sld>
 </file>
 
@@ -4011,16 +4026,42 @@
         </p:nvSpPr>
         <p:spPr/>
         <p:txBody>
-          <a:bodyPr/>
+          <a:bodyPr>
+            <a:normAutofit/>
+          </a:bodyPr>
           <a:lstStyle/>
           <a:p>
             <a:pPr marL="0" indent="0">
               <a:buNone/>
             </a:pPr>
             <a:r>
+              <a:rPr kumimoji="1" lang="en-US" altLang="ja-JP" dirty="0" smtClean="0"/>
+              <a:t>2021</a:t>
+            </a:r>
+            <a:r>
               <a:rPr kumimoji="1" lang="ja-JP" altLang="en-US" dirty="0" smtClean="0"/>
-              <a:t>現在では誰でも音楽データをインターネット上にアップロードできるようになっている。その音楽データのジャンル分けをしたい。</a:t>
-            </a:r>
+              <a:t>年現在では誰でも音楽データをインターネット上にアップロードできるようになっている。</a:t>
+            </a:r>
+            <a:endParaRPr kumimoji="1" lang="en-US" altLang="ja-JP" dirty="0" smtClean="0"/>
+          </a:p>
+          <a:p>
+            <a:pPr marL="0" indent="0">
+              <a:buNone/>
+            </a:pPr>
+            <a:r>
+              <a:rPr lang="ja-JP" altLang="en-US" dirty="0"/>
+              <a:t>その</a:t>
+            </a:r>
+            <a:r>
+              <a:rPr lang="ja-JP" altLang="en-US" dirty="0" smtClean="0"/>
+              <a:t>ため音楽データがインターネット上に大量に存在するため、負荷分散を利用しないと大量のデータを処理することが難しくなってきている。</a:t>
+            </a:r>
+            <a:endParaRPr kumimoji="1" lang="en-US" altLang="ja-JP" dirty="0" smtClean="0"/>
+          </a:p>
+          <a:p>
+            <a:pPr marL="0" indent="0">
+              <a:buNone/>
+            </a:pPr>
             <a:endParaRPr kumimoji="1" lang="en-US" altLang="ja-JP" dirty="0" smtClean="0"/>
           </a:p>
           <a:p>
@@ -4028,28 +4069,6 @@
               <a:buNone/>
             </a:pPr>
             <a:endParaRPr lang="en-US" altLang="ja-JP" dirty="0"/>
-          </a:p>
-          <a:p>
-            <a:pPr marL="0" indent="0">
-              <a:buNone/>
-            </a:pPr>
-            <a:r>
-              <a:rPr kumimoji="1" lang="ja-JP" altLang="en-US" dirty="0" smtClean="0"/>
-              <a:t>ジャンル分けをすることで観光地推薦動画</a:t>
-            </a:r>
-            <a:r>
-              <a:rPr kumimoji="1" lang="ja-JP" altLang="en-US" dirty="0" smtClean="0"/>
-              <a:t>に合わせて</a:t>
-            </a:r>
-            <a:r>
-              <a:rPr kumimoji="1" lang="en-US" altLang="ja-JP" dirty="0" smtClean="0"/>
-              <a:t>BGM</a:t>
-            </a:r>
-            <a:r>
-              <a:rPr kumimoji="1" lang="ja-JP" altLang="en-US" dirty="0" smtClean="0"/>
-              <a:t>を設定することで、より観光地をイメージしやすくしたい。</a:t>
-            </a:r>
-            <a:endParaRPr kumimoji="1" lang="ja-JP" altLang="en-US" dirty="0"/>
           </a:p>
         </p:txBody>
       </p:sp>
@@ -4072,7 +4091,7 @@
               <a:rPr kumimoji="1" lang="ja-JP" altLang="en-US" smtClean="0"/>
               <a:t>2</a:t>
             </a:fld>
-            <a:endParaRPr kumimoji="1" lang="ja-JP" altLang="en-US"/>
+            <a:endParaRPr kumimoji="1" lang="ja-JP" altLang="en-US" dirty="0"/>
           </a:p>
         </p:txBody>
       </p:sp>
@@ -4086,6 +4105,13 @@
   <p:clrMapOvr>
     <a:masterClrMapping/>
   </p:clrMapOvr>
+  <p:timing>
+    <p:tnLst>
+      <p:par>
+        <p:cTn id="1" dur="indefinite" restart="never" nodeType="tmRoot"/>
+      </p:par>
+    </p:tnLst>
+  </p:timing>
 </p:sld>
 </file>
 
@@ -4273,7 +4299,15 @@
             </a:pPr>
             <a:r>
               <a:rPr kumimoji="1" lang="ja-JP" altLang="en-US" dirty="0" smtClean="0"/>
-              <a:t>ジャンル分けした音楽と観光地推薦動画を合わせる想定をしているため音楽と動画をどのようにマッチングさせるか。</a:t>
+              <a:t>ジャンル分けした音楽と観光地推薦動画を合わせる想定をしているため、ジャンル分けした音楽と動画をどのように組み合わせるとより</a:t>
+            </a:r>
+            <a:r>
+              <a:rPr lang="ja-JP" altLang="en-US" dirty="0" smtClean="0"/>
+              <a:t>イメージしやすくなるか</a:t>
+            </a:r>
+            <a:r>
+              <a:rPr kumimoji="1" lang="ja-JP" altLang="en-US" dirty="0" smtClean="0"/>
+              <a:t>。</a:t>
             </a:r>
             <a:endParaRPr kumimoji="1" lang="ja-JP" altLang="en-US" dirty="0"/>
           </a:p>
@@ -4374,9 +4408,20 @@
             </a:pPr>
             <a:r>
               <a:rPr lang="ja-JP" altLang="en-US" dirty="0"/>
-              <a:t>現在ではアップロードされる音楽データが大量なため、その大量の音楽データを高速に処理する必要が出てきた。</a:t>
-            </a:r>
-            <a:endParaRPr lang="en-US" altLang="ja-JP" dirty="0"/>
+              <a:t>ジャンル分けをすることでより観光地推薦動画</a:t>
+            </a:r>
+            <a:r>
+              <a:rPr lang="ja-JP" altLang="en-US" dirty="0" smtClean="0"/>
+              <a:t>に合う</a:t>
+            </a:r>
+            <a:r>
+              <a:rPr lang="en-US" altLang="ja-JP" dirty="0" smtClean="0"/>
+              <a:t>BGM</a:t>
+            </a:r>
+            <a:r>
+              <a:rPr lang="ja-JP" altLang="en-US" dirty="0"/>
+              <a:t>を設定することで、より観光地をイメージしやすくしたい。</a:t>
+            </a:r>
           </a:p>
           <a:p>
             <a:pPr marL="0" indent="0">
@@ -4389,12 +4434,20 @@
               <a:buNone/>
             </a:pPr>
             <a:r>
-              <a:rPr lang="en-US" altLang="ja-JP" dirty="0"/>
+              <a:rPr lang="en-US" altLang="ja-JP" dirty="0" smtClean="0"/>
               <a:t>1</a:t>
             </a:r>
             <a:r>
               <a:rPr lang="ja-JP" altLang="en-US" dirty="0"/>
-              <a:t>代のみで処理する場合、処理する速度にも限界があるため処理を複数台に分けることでさらに高速化を目指す必要がある。</a:t>
+              <a:t>台</a:t>
+            </a:r>
+            <a:r>
+              <a:rPr lang="ja-JP" altLang="en-US" dirty="0" smtClean="0"/>
+              <a:t>のみ</a:t>
+            </a:r>
+            <a:r>
+              <a:rPr lang="ja-JP" altLang="en-US" dirty="0"/>
+              <a:t>で処理する場合、処理する速度にも限界があるため処理を複数台に分けることでさらに高速化を目指す必要がある。</a:t>
             </a:r>
           </a:p>
           <a:p>
@@ -4500,7 +4553,15 @@
             </a:pPr>
             <a:r>
               <a:rPr kumimoji="1" lang="ja-JP" altLang="en-US" dirty="0" smtClean="0"/>
-              <a:t>観光地推薦で推薦される観光地に合う音楽を付けることで観光地の印象をより深くすることを目的とする。</a:t>
+              <a:t>観光地推薦で推薦される観光地に合う音楽を付けることで、観光地</a:t>
+            </a:r>
+            <a:r>
+              <a:rPr lang="ja-JP" altLang="en-US" dirty="0" smtClean="0"/>
+              <a:t>をより</a:t>
+            </a:r>
+            <a:r>
+              <a:rPr kumimoji="1" lang="ja-JP" altLang="en-US" dirty="0" smtClean="0"/>
+              <a:t>印象深くすることを目的とする。</a:t>
             </a:r>
             <a:endParaRPr kumimoji="1" lang="ja-JP" altLang="en-US" dirty="0"/>
           </a:p>
@@ -4779,16 +4840,6 @@
               <a:buNone/>
             </a:pPr>
             <a:endParaRPr lang="en-US" altLang="ja-JP" dirty="0"/>
-          </a:p>
-          <a:p>
-            <a:pPr marL="0" indent="0">
-              <a:buNone/>
-            </a:pPr>
-            <a:r>
-              <a:rPr kumimoji="1" lang="ja-JP" altLang="en-US" dirty="0" smtClean="0"/>
-              <a:t>・論文執筆</a:t>
-            </a:r>
-            <a:endParaRPr kumimoji="1" lang="ja-JP" altLang="en-US" dirty="0"/>
           </a:p>
         </p:txBody>
       </p:sp>

--- a/学部_中間発表_1821144.pptx
+++ b/学部_中間発表_1821144.pptx
@@ -10,11 +10,11 @@
   <p:sldIdLst>
     <p:sldId id="256" r:id="rId2"/>
     <p:sldId id="257" r:id="rId3"/>
-    <p:sldId id="258" r:id="rId4"/>
-    <p:sldId id="259" r:id="rId5"/>
-    <p:sldId id="260" r:id="rId6"/>
-    <p:sldId id="261" r:id="rId7"/>
-    <p:sldId id="262" r:id="rId8"/>
+    <p:sldId id="260" r:id="rId4"/>
+    <p:sldId id="261" r:id="rId5"/>
+    <p:sldId id="259" r:id="rId6"/>
+    <p:sldId id="262" r:id="rId7"/>
+    <p:sldId id="258" r:id="rId8"/>
     <p:sldId id="264" r:id="rId9"/>
   </p:sldIdLst>
   <p:sldSz cx="9144000" cy="6858000" type="screen4x3"/>
@@ -233,7 +233,7 @@
           <a:p>
             <a:fld id="{27571B5F-C8EC-4379-AD76-80FD414F3861}" type="datetimeFigureOut">
               <a:rPr kumimoji="1" lang="ja-JP" altLang="en-US" smtClean="0"/>
-              <a:t>2021/7/21</a:t>
+              <a:t>2021/7/23</a:t>
             </a:fld>
             <a:endParaRPr kumimoji="1" lang="ja-JP" altLang="en-US"/>
           </a:p>
@@ -752,7 +752,7 @@
           <a:p>
             <a:fld id="{22C6F9C5-C6AA-409B-AF03-98D7346F1423}" type="datetime1">
               <a:rPr kumimoji="1" lang="ja-JP" altLang="en-US" smtClean="0"/>
-              <a:t>2021/7/21</a:t>
+              <a:t>2021/7/23</a:t>
             </a:fld>
             <a:endParaRPr kumimoji="1" lang="ja-JP" altLang="en-US"/>
           </a:p>
@@ -955,7 +955,7 @@
           <a:p>
             <a:fld id="{22E0F957-B7A6-49B1-8F7C-E83B3F2002DA}" type="datetime1">
               <a:rPr kumimoji="1" lang="ja-JP" altLang="en-US" smtClean="0"/>
-              <a:t>2021/7/21</a:t>
+              <a:t>2021/7/23</a:t>
             </a:fld>
             <a:endParaRPr kumimoji="1" lang="ja-JP" altLang="en-US"/>
           </a:p>
@@ -1168,7 +1168,7 @@
           <a:p>
             <a:fld id="{DE6F7DB3-2648-413C-8B2E-93728F539CCD}" type="datetime1">
               <a:rPr kumimoji="1" lang="ja-JP" altLang="en-US" smtClean="0"/>
-              <a:t>2021/7/21</a:t>
+              <a:t>2021/7/23</a:t>
             </a:fld>
             <a:endParaRPr kumimoji="1" lang="ja-JP" altLang="en-US"/>
           </a:p>
@@ -1371,7 +1371,7 @@
           <a:p>
             <a:fld id="{A2D1DE2A-14E7-4A39-B37E-D38A93E354FC}" type="datetime1">
               <a:rPr kumimoji="1" lang="ja-JP" altLang="en-US" smtClean="0"/>
-              <a:t>2021/7/21</a:t>
+              <a:t>2021/7/23</a:t>
             </a:fld>
             <a:endParaRPr kumimoji="1" lang="ja-JP" altLang="en-US"/>
           </a:p>
@@ -1620,7 +1620,7 @@
           <a:p>
             <a:fld id="{991EEB29-6570-4D17-BF07-A0C0B34BA0FB}" type="datetime1">
               <a:rPr kumimoji="1" lang="ja-JP" altLang="en-US" smtClean="0"/>
-              <a:t>2021/7/21</a:t>
+              <a:t>2021/7/23</a:t>
             </a:fld>
             <a:endParaRPr kumimoji="1" lang="ja-JP" altLang="en-US"/>
           </a:p>
@@ -1917,7 +1917,7 @@
           <a:p>
             <a:fld id="{892B6420-66A4-43C3-BA46-EBDFB60516F0}" type="datetime1">
               <a:rPr kumimoji="1" lang="ja-JP" altLang="en-US" smtClean="0"/>
-              <a:t>2021/7/21</a:t>
+              <a:t>2021/7/23</a:t>
             </a:fld>
             <a:endParaRPr kumimoji="1" lang="ja-JP" altLang="en-US"/>
           </a:p>
@@ -2349,7 +2349,7 @@
           <a:p>
             <a:fld id="{5BE63C90-8833-49EB-8DFB-3A87587C56DF}" type="datetime1">
               <a:rPr kumimoji="1" lang="ja-JP" altLang="en-US" smtClean="0"/>
-              <a:t>2021/7/21</a:t>
+              <a:t>2021/7/23</a:t>
             </a:fld>
             <a:endParaRPr kumimoji="1" lang="ja-JP" altLang="en-US"/>
           </a:p>
@@ -2468,7 +2468,7 @@
           <a:p>
             <a:fld id="{FDB7B118-9258-4B93-98B1-2227223B18EF}" type="datetime1">
               <a:rPr kumimoji="1" lang="ja-JP" altLang="en-US" smtClean="0"/>
-              <a:t>2021/7/21</a:t>
+              <a:t>2021/7/23</a:t>
             </a:fld>
             <a:endParaRPr kumimoji="1" lang="ja-JP" altLang="en-US"/>
           </a:p>
@@ -2564,7 +2564,7 @@
           <a:p>
             <a:fld id="{9C334A37-8FFC-49D6-A0F3-FC06101E023C}" type="datetime1">
               <a:rPr kumimoji="1" lang="ja-JP" altLang="en-US" smtClean="0"/>
-              <a:t>2021/7/21</a:t>
+              <a:t>2021/7/23</a:t>
             </a:fld>
             <a:endParaRPr kumimoji="1" lang="ja-JP" altLang="en-US"/>
           </a:p>
@@ -2874,7 +2874,7 @@
           <a:p>
             <a:fld id="{0FAD949F-32A5-4343-9078-C3A89D3064D3}" type="datetime1">
               <a:rPr kumimoji="1" lang="ja-JP" altLang="en-US" smtClean="0"/>
-              <a:t>2021/7/21</a:t>
+              <a:t>2021/7/23</a:t>
             </a:fld>
             <a:endParaRPr kumimoji="1" lang="ja-JP" altLang="en-US"/>
           </a:p>
@@ -3132,7 +3132,7 @@
           <a:p>
             <a:fld id="{58C4534D-9999-497B-9C6B-5769B1D800E5}" type="datetime1">
               <a:rPr kumimoji="1" lang="ja-JP" altLang="en-US" smtClean="0"/>
-              <a:t>2021/7/21</a:t>
+              <a:t>2021/7/23</a:t>
             </a:fld>
             <a:endParaRPr kumimoji="1" lang="ja-JP" altLang="en-US"/>
           </a:p>
@@ -3378,7 +3378,7 @@
           <a:p>
             <a:fld id="{D73E1257-0E7D-4620-84B9-7FC7BB2FC946}" type="datetime1">
               <a:rPr kumimoji="1" lang="ja-JP" altLang="en-US" smtClean="0"/>
-              <a:t>2021/7/21</a:t>
+              <a:t>2021/7/23</a:t>
             </a:fld>
             <a:endParaRPr kumimoji="1" lang="ja-JP" altLang="en-US"/>
           </a:p>
@@ -3812,15 +3812,7 @@
             </a:r>
             <a:r>
               <a:rPr lang="ja-JP" altLang="en-US" dirty="0" smtClean="0"/>
-              <a:t>する大量音楽の</a:t>
-            </a:r>
-            <a:r>
-              <a:rPr lang="ja-JP" altLang="en-US" dirty="0" smtClean="0"/>
-              <a:t>ジャンル分けと</a:t>
-            </a:r>
-            <a:r>
-              <a:rPr lang="ja-JP" altLang="en-US" dirty="0" smtClean="0"/>
-              <a:t>そのマッチング</a:t>
+              <a:t>する大量音楽のジャンル分けとそのマッチング</a:t>
             </a:r>
             <a:endParaRPr kumimoji="1" lang="ja-JP" altLang="en-US" dirty="0"/>
           </a:p>
@@ -3945,7 +3937,7 @@
             </a:r>
             <a:r>
               <a:rPr lang="en-US" altLang="ja-JP" sz="1350" dirty="0" smtClean="0"/>
-              <a:t>16</a:t>
+              <a:t>29</a:t>
             </a:r>
             <a:r>
               <a:rPr lang="ja-JP" altLang="en-US" sz="1350" dirty="0" smtClean="0"/>
@@ -4035,28 +4027,42 @@
               <a:buNone/>
             </a:pPr>
             <a:r>
-              <a:rPr kumimoji="1" lang="en-US" altLang="ja-JP" dirty="0" smtClean="0"/>
-              <a:t>2021</a:t>
-            </a:r>
-            <a:r>
-              <a:rPr kumimoji="1" lang="ja-JP" altLang="en-US" dirty="0" smtClean="0"/>
-              <a:t>年現在では誰でも音楽データをインターネット上にアップロードできるようになっている。</a:t>
-            </a:r>
-            <a:endParaRPr kumimoji="1" lang="en-US" altLang="ja-JP" dirty="0" smtClean="0"/>
+              <a:rPr lang="ja-JP" altLang="en-US" dirty="0" smtClean="0"/>
+              <a:t>・現在</a:t>
+            </a:r>
+            <a:r>
+              <a:rPr lang="ja-JP" altLang="en-US" dirty="0"/>
+              <a:t>の観光地推薦</a:t>
+            </a:r>
+            <a:r>
+              <a:rPr lang="ja-JP" altLang="en-US" dirty="0" smtClean="0"/>
+              <a:t>でシステムでは推薦される観光地の情報は，画像が主なため観光地のイメージをつかみづらいと感じた．</a:t>
+            </a:r>
+            <a:endParaRPr lang="en-US" altLang="ja-JP" dirty="0" smtClean="0"/>
           </a:p>
           <a:p>
             <a:pPr marL="0" indent="0">
               <a:buNone/>
             </a:pPr>
-            <a:r>
-              <a:rPr lang="ja-JP" altLang="en-US" dirty="0"/>
-              <a:t>その</a:t>
-            </a:r>
-            <a:r>
-              <a:rPr lang="ja-JP" altLang="en-US" dirty="0" smtClean="0"/>
-              <a:t>ため音楽データがインターネット上に大量に存在するため、負荷分散を利用しないと大量のデータを処理することが難しくなってきている。</a:t>
-            </a:r>
-            <a:endParaRPr kumimoji="1" lang="en-US" altLang="ja-JP" dirty="0" smtClean="0"/>
+            <a:endParaRPr lang="en-US" altLang="ja-JP" dirty="0" smtClean="0"/>
+          </a:p>
+          <a:p>
+            <a:pPr marL="0" indent="0">
+              <a:buNone/>
+            </a:pPr>
+            <a:endParaRPr lang="en-US" altLang="ja-JP" dirty="0" smtClean="0"/>
+          </a:p>
+          <a:p>
+            <a:pPr marL="0" indent="0">
+              <a:buNone/>
+            </a:pPr>
+            <a:endParaRPr lang="en-US" altLang="ja-JP" dirty="0"/>
+          </a:p>
+          <a:p>
+            <a:pPr marL="0" indent="0">
+              <a:buNone/>
+            </a:pPr>
+            <a:endParaRPr lang="en-US" altLang="ja-JP" dirty="0" smtClean="0"/>
           </a:p>
           <a:p>
             <a:pPr marL="0" indent="0">
@@ -4149,7 +4155,7 @@
           <a:p>
             <a:r>
               <a:rPr kumimoji="1" lang="ja-JP" altLang="en-US" dirty="0"/>
-              <a:t>関連研究</a:t>
+              <a:t>研究動機</a:t>
             </a:r>
           </a:p>
         </p:txBody>
@@ -4164,33 +4170,52 @@
             <p:ph idx="1"/>
           </p:nvPr>
         </p:nvSpPr>
-        <p:spPr/>
-        <p:txBody>
-          <a:bodyPr/>
+        <p:spPr>
+          <a:xfrm>
+            <a:off x="628650" y="1526650"/>
+            <a:ext cx="7886700" cy="4650313"/>
+          </a:xfrm>
+        </p:spPr>
+        <p:txBody>
+          <a:bodyPr>
+            <a:normAutofit fontScale="92500" lnSpcReduction="10000"/>
+          </a:bodyPr>
           <a:lstStyle/>
           <a:p>
             <a:pPr marL="0" indent="0">
               <a:buNone/>
             </a:pPr>
             <a:r>
-              <a:rPr kumimoji="1" lang="ja-JP" altLang="en-US" dirty="0" smtClean="0"/>
-              <a:t>音楽動画への印象評価データセット構築とその特性の調査</a:t>
-            </a:r>
-            <a:endParaRPr kumimoji="1" lang="en-US" altLang="ja-JP" dirty="0" smtClean="0"/>
+              <a:rPr lang="ja-JP" altLang="en-US" dirty="0" smtClean="0"/>
+              <a:t>・ただ</a:t>
+            </a:r>
+            <a:r>
+              <a:rPr lang="ja-JP" altLang="en-US" dirty="0"/>
+              <a:t>の画像であって</a:t>
+            </a:r>
+            <a:r>
+              <a:rPr lang="ja-JP" altLang="en-US" dirty="0" smtClean="0"/>
+              <a:t>も効果音や</a:t>
+            </a:r>
+            <a:r>
+              <a:rPr lang="en-US" altLang="ja-JP" dirty="0" smtClean="0"/>
+              <a:t>BGM</a:t>
+            </a:r>
+            <a:r>
+              <a:rPr lang="ja-JP" altLang="en-US" dirty="0" err="1" smtClean="0"/>
+              <a:t>が適</a:t>
+            </a:r>
+            <a:r>
+              <a:rPr lang="ja-JP" altLang="en-US" dirty="0" smtClean="0"/>
+              <a:t>切に使用されていると，その画像から得られる情報量は変わってくる．</a:t>
+            </a:r>
+            <a:endParaRPr lang="en-US" altLang="ja-JP" dirty="0" smtClean="0"/>
           </a:p>
           <a:p>
             <a:pPr marL="0" indent="0">
               <a:buNone/>
             </a:pPr>
-            <a:r>
-              <a:rPr kumimoji="1" lang="en-US" altLang="ja-JP" dirty="0" smtClean="0"/>
-              <a:t>[2015]</a:t>
-            </a:r>
-            <a:r>
-              <a:rPr kumimoji="1" lang="ja-JP" altLang="en-US" dirty="0" smtClean="0"/>
-              <a:t>大野直樹、中村聡史、山本岳洋、後藤真孝</a:t>
-            </a:r>
-            <a:endParaRPr kumimoji="1" lang="en-US" altLang="ja-JP" dirty="0" smtClean="0"/>
+            <a:endParaRPr lang="en-US" altLang="ja-JP" dirty="0"/>
           </a:p>
           <a:p>
             <a:pPr marL="0" indent="0">
@@ -4198,8 +4223,84 @@
             </a:pPr>
             <a:r>
               <a:rPr lang="ja-JP" altLang="en-US" dirty="0" smtClean="0"/>
-              <a:t>こちらの印象評価を参考にした</a:t>
-            </a:r>
+              <a:t>・音楽データをジャンル分けし観光地推薦動画とマッチングすることで，ユーザーにより観光地をイメージしやすくなるのではないかと考えた．</a:t>
+            </a:r>
+            <a:endParaRPr lang="ja-JP" altLang="en-US" dirty="0"/>
+          </a:p>
+          <a:p>
+            <a:pPr marL="0" indent="0">
+              <a:buNone/>
+            </a:pPr>
+            <a:endParaRPr lang="en-US" altLang="ja-JP" dirty="0"/>
+          </a:p>
+          <a:p>
+            <a:pPr marL="0" indent="0">
+              <a:buNone/>
+            </a:pPr>
+            <a:r>
+              <a:rPr lang="ja-JP" altLang="en-US" dirty="0" smtClean="0"/>
+              <a:t>・</a:t>
+            </a:r>
+            <a:r>
+              <a:rPr lang="en-US" altLang="ja-JP" dirty="0" smtClean="0"/>
+              <a:t>1</a:t>
+            </a:r>
+            <a:r>
+              <a:rPr lang="ja-JP" altLang="en-US" dirty="0"/>
+              <a:t>台</a:t>
+            </a:r>
+            <a:r>
+              <a:rPr lang="ja-JP" altLang="en-US" dirty="0" smtClean="0"/>
+              <a:t>のサーバーで大量のデータを処理</a:t>
+            </a:r>
+            <a:r>
+              <a:rPr lang="ja-JP" altLang="en-US" dirty="0"/>
+              <a:t>する</a:t>
+            </a:r>
+            <a:r>
+              <a:rPr lang="ja-JP" altLang="en-US" dirty="0" smtClean="0"/>
+              <a:t>場合，処理</a:t>
+            </a:r>
+            <a:r>
+              <a:rPr lang="ja-JP" altLang="en-US" dirty="0"/>
+              <a:t>する速度にも限界が</a:t>
+            </a:r>
+            <a:r>
+              <a:rPr lang="ja-JP" altLang="en-US" dirty="0" smtClean="0"/>
+              <a:t>ある．</a:t>
+            </a:r>
+            <a:endParaRPr lang="en-US" altLang="ja-JP" dirty="0" smtClean="0"/>
+          </a:p>
+          <a:p>
+            <a:pPr marL="0" indent="0">
+              <a:buNone/>
+            </a:pPr>
+            <a:r>
+              <a:rPr lang="ja-JP" altLang="en-US" dirty="0" smtClean="0"/>
+              <a:t>処理</a:t>
+            </a:r>
+            <a:r>
+              <a:rPr lang="ja-JP" altLang="en-US" dirty="0"/>
+              <a:t>を複</a:t>
+            </a:r>
+            <a:r>
+              <a:rPr lang="ja-JP" altLang="en-US" dirty="0" smtClean="0"/>
+              <a:t>数台のサーバーに</a:t>
+            </a:r>
+            <a:r>
+              <a:rPr lang="ja-JP" altLang="en-US" dirty="0"/>
+              <a:t>分けること</a:t>
+            </a:r>
+            <a:r>
+              <a:rPr lang="ja-JP" altLang="en-US" dirty="0" smtClean="0"/>
+              <a:t>で処理の効率を上げる必要があると感じた．</a:t>
+            </a:r>
+            <a:endParaRPr lang="ja-JP" altLang="en-US" dirty="0"/>
+          </a:p>
+          <a:p>
+            <a:pPr marL="0" indent="0">
+              <a:buNone/>
+            </a:pPr>
             <a:endParaRPr kumimoji="1" lang="ja-JP" altLang="en-US" dirty="0"/>
           </a:p>
         </p:txBody>
@@ -4230,7 +4331,7 @@
     </p:spTree>
     <p:extLst>
       <p:ext uri="{BB962C8B-B14F-4D97-AF65-F5344CB8AC3E}">
-        <p14:creationId xmlns:p14="http://schemas.microsoft.com/office/powerpoint/2010/main" val="3769541672"/>
+        <p14:creationId xmlns:p14="http://schemas.microsoft.com/office/powerpoint/2010/main" val="3482704347"/>
       </p:ext>
     </p:extLst>
   </p:cSld>
@@ -4274,7 +4375,7 @@
           <a:p>
             <a:r>
               <a:rPr kumimoji="1" lang="ja-JP" altLang="en-US" dirty="0"/>
-              <a:t>研究課題</a:t>
+              <a:t>研究目的</a:t>
             </a:r>
           </a:p>
         </p:txBody>
@@ -4299,15 +4400,7 @@
             </a:pPr>
             <a:r>
               <a:rPr kumimoji="1" lang="ja-JP" altLang="en-US" dirty="0" smtClean="0"/>
-              <a:t>ジャンル分けした音楽と観光地推薦動画を合わせる想定をしているため、ジャンル分けした音楽と動画をどのように組み合わせるとより</a:t>
-            </a:r>
-            <a:r>
-              <a:rPr lang="ja-JP" altLang="en-US" dirty="0" smtClean="0"/>
-              <a:t>イメージしやすくなるか</a:t>
-            </a:r>
-            <a:r>
-              <a:rPr kumimoji="1" lang="ja-JP" altLang="en-US" dirty="0" smtClean="0"/>
-              <a:t>。</a:t>
+              <a:t>インターネット上に投稿された大量の音楽データをジャンル分けし，観光地推薦動画とマッチングするシステムの作成．</a:t>
             </a:r>
             <a:endParaRPr kumimoji="1" lang="ja-JP" altLang="en-US" dirty="0"/>
           </a:p>
@@ -4339,7 +4432,7 @@
     </p:spTree>
     <p:extLst>
       <p:ext uri="{BB962C8B-B14F-4D97-AF65-F5344CB8AC3E}">
-        <p14:creationId xmlns:p14="http://schemas.microsoft.com/office/powerpoint/2010/main" val="1923407823"/>
+        <p14:creationId xmlns:p14="http://schemas.microsoft.com/office/powerpoint/2010/main" val="114472190"/>
       </p:ext>
     </p:extLst>
   </p:cSld>
@@ -4383,7 +4476,7 @@
           <a:p>
             <a:r>
               <a:rPr kumimoji="1" lang="ja-JP" altLang="en-US" dirty="0"/>
-              <a:t>研究動機</a:t>
+              <a:t>研究課題</a:t>
             </a:r>
           </a:p>
         </p:txBody>
@@ -4407,53 +4500,29 @@
               <a:buNone/>
             </a:pPr>
             <a:r>
-              <a:rPr lang="ja-JP" altLang="en-US" dirty="0"/>
-              <a:t>ジャンル分けをすることでより観光地推薦動画</a:t>
+              <a:rPr kumimoji="1" lang="ja-JP" altLang="en-US" dirty="0" smtClean="0"/>
+              <a:t>ジャンル分けした音楽と観光地推薦動画を合わせる想定をしている</a:t>
+            </a:r>
+            <a:r>
+              <a:rPr kumimoji="1" lang="ja-JP" altLang="en-US" dirty="0" smtClean="0"/>
+              <a:t>ため，ジャンル</a:t>
+            </a:r>
+            <a:r>
+              <a:rPr kumimoji="1" lang="ja-JP" altLang="en-US" dirty="0" smtClean="0"/>
+              <a:t>分けした音楽と動画をどのように組み合わせるとより</a:t>
             </a:r>
             <a:r>
               <a:rPr lang="ja-JP" altLang="en-US" dirty="0" smtClean="0"/>
-              <a:t>に合う</a:t>
-            </a:r>
-            <a:r>
-              <a:rPr lang="en-US" altLang="ja-JP" dirty="0" smtClean="0"/>
-              <a:t>BGM</a:t>
-            </a:r>
-            <a:r>
-              <a:rPr lang="ja-JP" altLang="en-US" dirty="0"/>
-              <a:t>を設定することで、より観光地をイメージしやすくしたい。</a:t>
-            </a:r>
-          </a:p>
-          <a:p>
-            <a:pPr marL="0" indent="0">
-              <a:buNone/>
-            </a:pPr>
-            <a:endParaRPr lang="en-US" altLang="ja-JP" dirty="0"/>
-          </a:p>
-          <a:p>
-            <a:pPr marL="0" indent="0">
-              <a:buNone/>
-            </a:pPr>
-            <a:r>
-              <a:rPr lang="en-US" altLang="ja-JP" dirty="0" smtClean="0"/>
-              <a:t>1</a:t>
-            </a:r>
-            <a:r>
-              <a:rPr lang="ja-JP" altLang="en-US" dirty="0"/>
-              <a:t>台</a:t>
+              <a:t>イメージしやすくなる</a:t>
             </a:r>
             <a:r>
               <a:rPr lang="ja-JP" altLang="en-US" dirty="0" smtClean="0"/>
-              <a:t>のみ</a:t>
-            </a:r>
-            <a:r>
-              <a:rPr lang="ja-JP" altLang="en-US" dirty="0"/>
-              <a:t>で処理する場合、処理する速度にも限界があるため処理を複数台に分けることでさらに高速化を目指す必要がある。</a:t>
-            </a:r>
-          </a:p>
-          <a:p>
-            <a:pPr marL="0" indent="0">
-              <a:buNone/>
-            </a:pPr>
+              <a:t>か</a:t>
+            </a:r>
+            <a:r>
+              <a:rPr kumimoji="1" lang="ja-JP" altLang="en-US" dirty="0" smtClean="0"/>
+              <a:t>．</a:t>
+            </a:r>
             <a:endParaRPr kumimoji="1" lang="ja-JP" altLang="en-US" dirty="0"/>
           </a:p>
         </p:txBody>
@@ -4484,7 +4553,7 @@
     </p:spTree>
     <p:extLst>
       <p:ext uri="{BB962C8B-B14F-4D97-AF65-F5344CB8AC3E}">
-        <p14:creationId xmlns:p14="http://schemas.microsoft.com/office/powerpoint/2010/main" val="3482704347"/>
+        <p14:creationId xmlns:p14="http://schemas.microsoft.com/office/powerpoint/2010/main" val="1923407823"/>
       </p:ext>
     </p:extLst>
   </p:cSld>
@@ -4521,48 +4590,54 @@
             <p:ph type="title"/>
           </p:nvPr>
         </p:nvSpPr>
+        <p:spPr>
+          <a:xfrm>
+            <a:off x="628650" y="365127"/>
+            <a:ext cx="3172073" cy="891180"/>
+          </a:xfrm>
+        </p:spPr>
+        <p:txBody>
+          <a:bodyPr/>
+          <a:lstStyle/>
+          <a:p>
+            <a:r>
+              <a:rPr lang="ja-JP" altLang="en-US" dirty="0"/>
+              <a:t>提案方式図</a:t>
+            </a:r>
+            <a:endParaRPr kumimoji="1" lang="ja-JP" altLang="en-US" dirty="0"/>
+          </a:p>
+        </p:txBody>
+      </p:sp>
+      <p:sp>
+        <p:nvSpPr>
+          <p:cNvPr id="3" name="コンテンツ プレースホルダー 2"/>
+          <p:cNvSpPr>
+            <a:spLocks noGrp="1"/>
+          </p:cNvSpPr>
+          <p:nvPr>
+            <p:ph idx="1"/>
+          </p:nvPr>
+        </p:nvSpPr>
         <p:spPr/>
         <p:txBody>
           <a:bodyPr/>
           <a:lstStyle/>
           <a:p>
-            <a:r>
-              <a:rPr kumimoji="1" lang="ja-JP" altLang="en-US" dirty="0"/>
-              <a:t>研究目的</a:t>
-            </a:r>
-          </a:p>
-        </p:txBody>
-      </p:sp>
-      <p:sp>
-        <p:nvSpPr>
-          <p:cNvPr id="3" name="コンテンツ プレースホルダー 2"/>
-          <p:cNvSpPr>
-            <a:spLocks noGrp="1"/>
-          </p:cNvSpPr>
-          <p:nvPr>
-            <p:ph idx="1"/>
-          </p:nvPr>
-        </p:nvSpPr>
-        <p:spPr/>
-        <p:txBody>
-          <a:bodyPr/>
-          <a:lstStyle/>
-          <a:p>
             <a:pPr marL="0" indent="0">
               <a:buNone/>
             </a:pPr>
-            <a:r>
-              <a:rPr kumimoji="1" lang="ja-JP" altLang="en-US" dirty="0" smtClean="0"/>
-              <a:t>観光地推薦で推薦される観光地に合う音楽を付けることで、観光地</a:t>
-            </a:r>
-            <a:r>
-              <a:rPr lang="ja-JP" altLang="en-US" dirty="0" smtClean="0"/>
-              <a:t>をより</a:t>
-            </a:r>
-            <a:r>
-              <a:rPr kumimoji="1" lang="ja-JP" altLang="en-US" dirty="0" smtClean="0"/>
-              <a:t>印象深くすることを目的とする。</a:t>
-            </a:r>
+            <a:endParaRPr kumimoji="1" lang="en-US" altLang="ja-JP" dirty="0" smtClean="0"/>
+          </a:p>
+          <a:p>
+            <a:pPr marL="0" indent="0">
+              <a:buNone/>
+            </a:pPr>
+            <a:endParaRPr lang="en-US" altLang="ja-JP" dirty="0"/>
+          </a:p>
+          <a:p>
+            <a:pPr marL="0" indent="0">
+              <a:buNone/>
+            </a:pPr>
             <a:endParaRPr kumimoji="1" lang="ja-JP" altLang="en-US" dirty="0"/>
           </a:p>
         </p:txBody>
@@ -4590,10 +4665,634 @@
           </a:p>
         </p:txBody>
       </p:sp>
+      <p:sp>
+        <p:nvSpPr>
+          <p:cNvPr id="6" name="フローチャート: 磁気ディスク 5"/>
+          <p:cNvSpPr/>
+          <p:nvPr/>
+        </p:nvSpPr>
+        <p:spPr>
+          <a:xfrm>
+            <a:off x="1456572" y="1671210"/>
+            <a:ext cx="1518699" cy="811034"/>
+          </a:xfrm>
+          <a:prstGeom prst="flowChartMagneticDisk">
+            <a:avLst/>
+          </a:prstGeom>
+        </p:spPr>
+        <p:style>
+          <a:lnRef idx="2">
+            <a:schemeClr val="accent1">
+              <a:shade val="50000"/>
+            </a:schemeClr>
+          </a:lnRef>
+          <a:fillRef idx="1">
+            <a:schemeClr val="accent1"/>
+          </a:fillRef>
+          <a:effectRef idx="0">
+            <a:schemeClr val="accent1"/>
+          </a:effectRef>
+          <a:fontRef idx="minor">
+            <a:schemeClr val="lt1"/>
+          </a:fontRef>
+        </p:style>
+        <p:txBody>
+          <a:bodyPr rtlCol="0" anchor="ctr"/>
+          <a:lstStyle/>
+          <a:p>
+            <a:pPr algn="ctr"/>
+            <a:r>
+              <a:rPr kumimoji="1" lang="ja-JP" altLang="en-US" dirty="0" smtClean="0"/>
+              <a:t>音楽データベース</a:t>
+            </a:r>
+            <a:endParaRPr kumimoji="1" lang="ja-JP" altLang="en-US" dirty="0"/>
+          </a:p>
+        </p:txBody>
+      </p:sp>
+      <p:sp>
+        <p:nvSpPr>
+          <p:cNvPr id="8" name="下矢印 7"/>
+          <p:cNvSpPr/>
+          <p:nvPr/>
+        </p:nvSpPr>
+        <p:spPr>
+          <a:xfrm rot="16200000">
+            <a:off x="611889" y="1523290"/>
+            <a:ext cx="239041" cy="1087591"/>
+          </a:xfrm>
+          <a:prstGeom prst="downArrow">
+            <a:avLst/>
+          </a:prstGeom>
+        </p:spPr>
+        <p:style>
+          <a:lnRef idx="2">
+            <a:schemeClr val="accent1">
+              <a:shade val="50000"/>
+            </a:schemeClr>
+          </a:lnRef>
+          <a:fillRef idx="1">
+            <a:schemeClr val="accent1"/>
+          </a:fillRef>
+          <a:effectRef idx="0">
+            <a:schemeClr val="accent1"/>
+          </a:effectRef>
+          <a:fontRef idx="minor">
+            <a:schemeClr val="lt1"/>
+          </a:fontRef>
+        </p:style>
+        <p:txBody>
+          <a:bodyPr rtlCol="0" anchor="ctr"/>
+          <a:lstStyle/>
+          <a:p>
+            <a:pPr algn="ctr"/>
+            <a:endParaRPr kumimoji="1" lang="ja-JP" altLang="en-US"/>
+          </a:p>
+        </p:txBody>
+      </p:sp>
+      <p:sp>
+        <p:nvSpPr>
+          <p:cNvPr id="9" name="テキスト ボックス 8"/>
+          <p:cNvSpPr txBox="1"/>
+          <p:nvPr/>
+        </p:nvSpPr>
+        <p:spPr>
+          <a:xfrm>
+            <a:off x="25460" y="1331060"/>
+            <a:ext cx="2115048" cy="646331"/>
+          </a:xfrm>
+          <a:prstGeom prst="rect">
+            <a:avLst/>
+          </a:prstGeom>
+          <a:noFill/>
+        </p:spPr>
+        <p:txBody>
+          <a:bodyPr wrap="square" rtlCol="0">
+            <a:spAutoFit/>
+          </a:bodyPr>
+          <a:lstStyle/>
+          <a:p>
+            <a:r>
+              <a:rPr kumimoji="1" lang="ja-JP" altLang="en-US" dirty="0" smtClean="0"/>
+              <a:t>投稿された著作権フリーの音楽</a:t>
+            </a:r>
+            <a:endParaRPr kumimoji="1" lang="ja-JP" altLang="en-US" dirty="0"/>
+          </a:p>
+        </p:txBody>
+      </p:sp>
+      <p:sp>
+        <p:nvSpPr>
+          <p:cNvPr id="11" name="フローチャート: 磁気ディスク 10"/>
+          <p:cNvSpPr/>
+          <p:nvPr/>
+        </p:nvSpPr>
+        <p:spPr>
+          <a:xfrm>
+            <a:off x="383146" y="3646758"/>
+            <a:ext cx="2146852" cy="811034"/>
+          </a:xfrm>
+          <a:prstGeom prst="flowChartMagneticDisk">
+            <a:avLst/>
+          </a:prstGeom>
+        </p:spPr>
+        <p:style>
+          <a:lnRef idx="2">
+            <a:schemeClr val="accent1">
+              <a:shade val="50000"/>
+            </a:schemeClr>
+          </a:lnRef>
+          <a:fillRef idx="1">
+            <a:schemeClr val="accent1"/>
+          </a:fillRef>
+          <a:effectRef idx="0">
+            <a:schemeClr val="accent1"/>
+          </a:effectRef>
+          <a:fontRef idx="minor">
+            <a:schemeClr val="lt1"/>
+          </a:fontRef>
+        </p:style>
+        <p:txBody>
+          <a:bodyPr rtlCol="0" anchor="ctr"/>
+          <a:lstStyle/>
+          <a:p>
+            <a:pPr algn="ctr"/>
+            <a:r>
+              <a:rPr lang="ja-JP" altLang="en-US" dirty="0" smtClean="0"/>
+              <a:t>観光地</a:t>
+            </a:r>
+            <a:r>
+              <a:rPr lang="ja-JP" altLang="en-US" dirty="0"/>
+              <a:t>推薦</a:t>
+            </a:r>
+            <a:r>
+              <a:rPr lang="ja-JP" altLang="en-US" dirty="0" smtClean="0"/>
+              <a:t>動画データベース</a:t>
+            </a:r>
+            <a:endParaRPr kumimoji="1" lang="ja-JP" altLang="en-US" dirty="0"/>
+          </a:p>
+        </p:txBody>
+      </p:sp>
+      <p:sp>
+        <p:nvSpPr>
+          <p:cNvPr id="12" name="下矢印 11"/>
+          <p:cNvSpPr/>
+          <p:nvPr/>
+        </p:nvSpPr>
+        <p:spPr>
+          <a:xfrm rot="16200000">
+            <a:off x="3482217" y="1661743"/>
+            <a:ext cx="178807" cy="829964"/>
+          </a:xfrm>
+          <a:prstGeom prst="downArrow">
+            <a:avLst/>
+          </a:prstGeom>
+        </p:spPr>
+        <p:style>
+          <a:lnRef idx="2">
+            <a:schemeClr val="accent1">
+              <a:shade val="50000"/>
+            </a:schemeClr>
+          </a:lnRef>
+          <a:fillRef idx="1">
+            <a:schemeClr val="accent1"/>
+          </a:fillRef>
+          <a:effectRef idx="0">
+            <a:schemeClr val="accent1"/>
+          </a:effectRef>
+          <a:fontRef idx="minor">
+            <a:schemeClr val="lt1"/>
+          </a:fontRef>
+        </p:style>
+        <p:txBody>
+          <a:bodyPr rtlCol="0" anchor="ctr"/>
+          <a:lstStyle/>
+          <a:p>
+            <a:pPr algn="ctr"/>
+            <a:endParaRPr kumimoji="1" lang="ja-JP" altLang="en-US"/>
+          </a:p>
+        </p:txBody>
+      </p:sp>
+      <p:sp>
+        <p:nvSpPr>
+          <p:cNvPr id="14" name="フローチャート: 磁気ディスク 13"/>
+          <p:cNvSpPr/>
+          <p:nvPr/>
+        </p:nvSpPr>
+        <p:spPr>
+          <a:xfrm>
+            <a:off x="6758857" y="1658722"/>
+            <a:ext cx="2202014" cy="836008"/>
+          </a:xfrm>
+          <a:prstGeom prst="flowChartMagneticDisk">
+            <a:avLst/>
+          </a:prstGeom>
+        </p:spPr>
+        <p:style>
+          <a:lnRef idx="2">
+            <a:schemeClr val="accent1">
+              <a:shade val="50000"/>
+            </a:schemeClr>
+          </a:lnRef>
+          <a:fillRef idx="1">
+            <a:schemeClr val="accent1"/>
+          </a:fillRef>
+          <a:effectRef idx="0">
+            <a:schemeClr val="accent1"/>
+          </a:effectRef>
+          <a:fontRef idx="minor">
+            <a:schemeClr val="lt1"/>
+          </a:fontRef>
+        </p:style>
+        <p:txBody>
+          <a:bodyPr rtlCol="0" anchor="ctr"/>
+          <a:lstStyle/>
+          <a:p>
+            <a:pPr algn="ctr"/>
+            <a:r>
+              <a:rPr kumimoji="1" lang="ja-JP" altLang="en-US" dirty="0" smtClean="0"/>
+              <a:t>ジャンル分けされた音楽データベース</a:t>
+            </a:r>
+            <a:endParaRPr kumimoji="1" lang="ja-JP" altLang="en-US" dirty="0"/>
+          </a:p>
+        </p:txBody>
+      </p:sp>
+      <p:sp>
+        <p:nvSpPr>
+          <p:cNvPr id="15" name="右矢印 14"/>
+          <p:cNvSpPr/>
+          <p:nvPr/>
+        </p:nvSpPr>
+        <p:spPr>
+          <a:xfrm>
+            <a:off x="5830850" y="1924981"/>
+            <a:ext cx="779412" cy="241148"/>
+          </a:xfrm>
+          <a:prstGeom prst="rightArrow">
+            <a:avLst/>
+          </a:prstGeom>
+        </p:spPr>
+        <p:style>
+          <a:lnRef idx="2">
+            <a:schemeClr val="accent1">
+              <a:shade val="50000"/>
+            </a:schemeClr>
+          </a:lnRef>
+          <a:fillRef idx="1">
+            <a:schemeClr val="accent1"/>
+          </a:fillRef>
+          <a:effectRef idx="0">
+            <a:schemeClr val="accent1"/>
+          </a:effectRef>
+          <a:fontRef idx="minor">
+            <a:schemeClr val="lt1"/>
+          </a:fontRef>
+        </p:style>
+        <p:txBody>
+          <a:bodyPr rtlCol="0" anchor="ctr"/>
+          <a:lstStyle/>
+          <a:p>
+            <a:pPr algn="ctr"/>
+            <a:endParaRPr kumimoji="1" lang="ja-JP" altLang="en-US"/>
+          </a:p>
+        </p:txBody>
+      </p:sp>
+      <p:sp>
+        <p:nvSpPr>
+          <p:cNvPr id="16" name="テキスト ボックス 15"/>
+          <p:cNvSpPr txBox="1"/>
+          <p:nvPr/>
+        </p:nvSpPr>
+        <p:spPr>
+          <a:xfrm>
+            <a:off x="4792025" y="4583877"/>
+            <a:ext cx="2472607" cy="646331"/>
+          </a:xfrm>
+          <a:prstGeom prst="rect">
+            <a:avLst/>
+          </a:prstGeom>
+          <a:noFill/>
+        </p:spPr>
+        <p:txBody>
+          <a:bodyPr wrap="square" rtlCol="0">
+            <a:spAutoFit/>
+          </a:bodyPr>
+          <a:lstStyle/>
+          <a:p>
+            <a:r>
+              <a:rPr kumimoji="1" lang="ja-JP" altLang="en-US" dirty="0" smtClean="0"/>
+              <a:t>観光地の印象と音楽のジャンルでマッチング</a:t>
+            </a:r>
+            <a:endParaRPr kumimoji="1" lang="ja-JP" altLang="en-US" dirty="0"/>
+          </a:p>
+        </p:txBody>
+      </p:sp>
+      <p:sp>
+        <p:nvSpPr>
+          <p:cNvPr id="19" name="フローチャート: 磁気ディスク 18"/>
+          <p:cNvSpPr/>
+          <p:nvPr/>
+        </p:nvSpPr>
+        <p:spPr>
+          <a:xfrm>
+            <a:off x="6758857" y="5480191"/>
+            <a:ext cx="2202014" cy="868438"/>
+          </a:xfrm>
+          <a:prstGeom prst="flowChartMagneticDisk">
+            <a:avLst/>
+          </a:prstGeom>
+        </p:spPr>
+        <p:style>
+          <a:lnRef idx="2">
+            <a:schemeClr val="accent1">
+              <a:shade val="50000"/>
+            </a:schemeClr>
+          </a:lnRef>
+          <a:fillRef idx="1">
+            <a:schemeClr val="accent1"/>
+          </a:fillRef>
+          <a:effectRef idx="0">
+            <a:schemeClr val="accent1"/>
+          </a:effectRef>
+          <a:fontRef idx="minor">
+            <a:schemeClr val="lt1"/>
+          </a:fontRef>
+        </p:style>
+        <p:txBody>
+          <a:bodyPr rtlCol="0" anchor="ctr"/>
+          <a:lstStyle/>
+          <a:p>
+            <a:pPr algn="ctr"/>
+            <a:r>
+              <a:rPr lang="en-US" altLang="ja-JP" dirty="0" smtClean="0"/>
+              <a:t>BGM</a:t>
+            </a:r>
+            <a:r>
+              <a:rPr lang="ja-JP" altLang="en-US" dirty="0" smtClean="0"/>
+              <a:t>付き観光地</a:t>
+            </a:r>
+            <a:r>
+              <a:rPr lang="ja-JP" altLang="en-US" dirty="0"/>
+              <a:t>推薦</a:t>
+            </a:r>
+            <a:r>
+              <a:rPr lang="ja-JP" altLang="en-US" dirty="0" smtClean="0"/>
+              <a:t>動画データベース</a:t>
+            </a:r>
+            <a:endParaRPr kumimoji="1" lang="ja-JP" altLang="en-US" dirty="0"/>
+          </a:p>
+        </p:txBody>
+      </p:sp>
+      <p:sp>
+        <p:nvSpPr>
+          <p:cNvPr id="20" name="縦巻き 19"/>
+          <p:cNvSpPr/>
+          <p:nvPr/>
+        </p:nvSpPr>
+        <p:spPr>
+          <a:xfrm>
+            <a:off x="4059022" y="1469755"/>
+            <a:ext cx="1822753" cy="1213940"/>
+          </a:xfrm>
+          <a:prstGeom prst="verticalScroll">
+            <a:avLst/>
+          </a:prstGeom>
+          <a:solidFill>
+            <a:srgbClr val="00B050"/>
+          </a:solidFill>
+        </p:spPr>
+        <p:style>
+          <a:lnRef idx="2">
+            <a:schemeClr val="accent1">
+              <a:shade val="50000"/>
+            </a:schemeClr>
+          </a:lnRef>
+          <a:fillRef idx="1">
+            <a:schemeClr val="accent1"/>
+          </a:fillRef>
+          <a:effectRef idx="0">
+            <a:schemeClr val="accent1"/>
+          </a:effectRef>
+          <a:fontRef idx="minor">
+            <a:schemeClr val="lt1"/>
+          </a:fontRef>
+        </p:style>
+        <p:txBody>
+          <a:bodyPr rtlCol="0" anchor="ctr"/>
+          <a:lstStyle/>
+          <a:p>
+            <a:pPr algn="ctr"/>
+            <a:r>
+              <a:rPr kumimoji="1" lang="ja-JP" altLang="en-US" dirty="0" smtClean="0"/>
+              <a:t>ジャンル分けシステム</a:t>
+            </a:r>
+            <a:endParaRPr kumimoji="1" lang="ja-JP" altLang="en-US" dirty="0"/>
+          </a:p>
+        </p:txBody>
+      </p:sp>
+      <p:sp>
+        <p:nvSpPr>
+          <p:cNvPr id="21" name="縦巻き 20"/>
+          <p:cNvSpPr/>
+          <p:nvPr/>
+        </p:nvSpPr>
+        <p:spPr>
+          <a:xfrm>
+            <a:off x="6610261" y="3337233"/>
+            <a:ext cx="2302904" cy="1213940"/>
+          </a:xfrm>
+          <a:prstGeom prst="verticalScroll">
+            <a:avLst/>
+          </a:prstGeom>
+          <a:solidFill>
+            <a:srgbClr val="00B050"/>
+          </a:solidFill>
+        </p:spPr>
+        <p:style>
+          <a:lnRef idx="2">
+            <a:schemeClr val="accent1">
+              <a:shade val="50000"/>
+            </a:schemeClr>
+          </a:lnRef>
+          <a:fillRef idx="1">
+            <a:schemeClr val="accent1"/>
+          </a:fillRef>
+          <a:effectRef idx="0">
+            <a:schemeClr val="accent1"/>
+          </a:effectRef>
+          <a:fontRef idx="minor">
+            <a:schemeClr val="lt1"/>
+          </a:fontRef>
+        </p:style>
+        <p:txBody>
+          <a:bodyPr rtlCol="0" anchor="ctr"/>
+          <a:lstStyle/>
+          <a:p>
+            <a:pPr algn="ctr"/>
+            <a:r>
+              <a:rPr lang="ja-JP" altLang="en-US" dirty="0"/>
+              <a:t>動画と音楽</a:t>
+            </a:r>
+            <a:r>
+              <a:rPr lang="ja-JP" altLang="en-US" dirty="0" smtClean="0"/>
+              <a:t>のマッチングシステム</a:t>
+            </a:r>
+            <a:endParaRPr kumimoji="1" lang="ja-JP" altLang="en-US" dirty="0"/>
+          </a:p>
+        </p:txBody>
+      </p:sp>
+      <p:sp>
+        <p:nvSpPr>
+          <p:cNvPr id="22" name="右矢印 21"/>
+          <p:cNvSpPr/>
+          <p:nvPr/>
+        </p:nvSpPr>
+        <p:spPr>
+          <a:xfrm>
+            <a:off x="2822713" y="3933006"/>
+            <a:ext cx="3635237" cy="238539"/>
+          </a:xfrm>
+          <a:prstGeom prst="rightArrow">
+            <a:avLst/>
+          </a:prstGeom>
+        </p:spPr>
+        <p:style>
+          <a:lnRef idx="2">
+            <a:schemeClr val="accent1">
+              <a:shade val="50000"/>
+            </a:schemeClr>
+          </a:lnRef>
+          <a:fillRef idx="1">
+            <a:schemeClr val="accent1"/>
+          </a:fillRef>
+          <a:effectRef idx="0">
+            <a:schemeClr val="accent1"/>
+          </a:effectRef>
+          <a:fontRef idx="minor">
+            <a:schemeClr val="lt1"/>
+          </a:fontRef>
+        </p:style>
+        <p:txBody>
+          <a:bodyPr rtlCol="0" anchor="ctr"/>
+          <a:lstStyle/>
+          <a:p>
+            <a:pPr algn="ctr"/>
+            <a:endParaRPr kumimoji="1" lang="ja-JP" altLang="en-US"/>
+          </a:p>
+        </p:txBody>
+      </p:sp>
+      <p:sp>
+        <p:nvSpPr>
+          <p:cNvPr id="23" name="下矢印 22"/>
+          <p:cNvSpPr/>
+          <p:nvPr/>
+        </p:nvSpPr>
+        <p:spPr>
+          <a:xfrm>
+            <a:off x="7092564" y="4745546"/>
+            <a:ext cx="1393957" cy="666808"/>
+          </a:xfrm>
+          <a:prstGeom prst="downArrow">
+            <a:avLst/>
+          </a:prstGeom>
+        </p:spPr>
+        <p:style>
+          <a:lnRef idx="2">
+            <a:schemeClr val="accent1">
+              <a:shade val="50000"/>
+            </a:schemeClr>
+          </a:lnRef>
+          <a:fillRef idx="1">
+            <a:schemeClr val="accent1"/>
+          </a:fillRef>
+          <a:effectRef idx="0">
+            <a:schemeClr val="accent1"/>
+          </a:effectRef>
+          <a:fontRef idx="minor">
+            <a:schemeClr val="lt1"/>
+          </a:fontRef>
+        </p:style>
+        <p:txBody>
+          <a:bodyPr rtlCol="0" anchor="ctr"/>
+          <a:lstStyle/>
+          <a:p>
+            <a:pPr algn="ctr"/>
+            <a:endParaRPr kumimoji="1" lang="ja-JP" altLang="en-US"/>
+          </a:p>
+        </p:txBody>
+      </p:sp>
+      <p:sp>
+        <p:nvSpPr>
+          <p:cNvPr id="24" name="下矢印 23"/>
+          <p:cNvSpPr/>
+          <p:nvPr/>
+        </p:nvSpPr>
+        <p:spPr>
+          <a:xfrm>
+            <a:off x="7036905" y="2649145"/>
+            <a:ext cx="1542552" cy="516422"/>
+          </a:xfrm>
+          <a:prstGeom prst="downArrow">
+            <a:avLst/>
+          </a:prstGeom>
+        </p:spPr>
+        <p:style>
+          <a:lnRef idx="2">
+            <a:schemeClr val="accent1">
+              <a:shade val="50000"/>
+            </a:schemeClr>
+          </a:lnRef>
+          <a:fillRef idx="1">
+            <a:schemeClr val="accent1"/>
+          </a:fillRef>
+          <a:effectRef idx="0">
+            <a:schemeClr val="accent1"/>
+          </a:effectRef>
+          <a:fontRef idx="minor">
+            <a:schemeClr val="lt1"/>
+          </a:fontRef>
+        </p:style>
+        <p:txBody>
+          <a:bodyPr rtlCol="0" anchor="ctr"/>
+          <a:lstStyle/>
+          <a:p>
+            <a:pPr algn="ctr"/>
+            <a:endParaRPr kumimoji="1" lang="ja-JP" altLang="en-US"/>
+          </a:p>
+        </p:txBody>
+      </p:sp>
+      <p:sp>
+        <p:nvSpPr>
+          <p:cNvPr id="25" name="テキスト ボックス 24"/>
+          <p:cNvSpPr txBox="1"/>
+          <p:nvPr/>
+        </p:nvSpPr>
+        <p:spPr>
+          <a:xfrm>
+            <a:off x="2903030" y="1121019"/>
+            <a:ext cx="1337180" cy="935062"/>
+          </a:xfrm>
+          <a:prstGeom prst="rect">
+            <a:avLst/>
+          </a:prstGeom>
+          <a:noFill/>
+        </p:spPr>
+        <p:txBody>
+          <a:bodyPr wrap="square" rtlCol="0">
+            <a:spAutoFit/>
+          </a:bodyPr>
+          <a:lstStyle/>
+          <a:p>
+            <a:r>
+              <a:rPr kumimoji="1" lang="ja-JP" altLang="en-US" dirty="0" smtClean="0"/>
+              <a:t>いくつかのサーバーに処理を分散</a:t>
+            </a:r>
+            <a:endParaRPr kumimoji="1" lang="ja-JP" altLang="en-US" dirty="0"/>
+          </a:p>
+        </p:txBody>
+      </p:sp>
     </p:spTree>
     <p:extLst>
       <p:ext uri="{BB962C8B-B14F-4D97-AF65-F5344CB8AC3E}">
-        <p14:creationId xmlns:p14="http://schemas.microsoft.com/office/powerpoint/2010/main" val="114472190"/>
+        <p14:creationId xmlns:p14="http://schemas.microsoft.com/office/powerpoint/2010/main" val="4224668961"/>
       </p:ext>
     </p:extLst>
   </p:cSld>
@@ -4637,7 +5336,7 @@
           <a:p>
             <a:r>
               <a:rPr kumimoji="1" lang="ja-JP" altLang="en-US" dirty="0"/>
-              <a:t>本研究のアプローチ</a:t>
+              <a:t>関連研究</a:t>
             </a:r>
           </a:p>
         </p:txBody>
@@ -4652,49 +5351,296 @@
             <p:ph idx="1"/>
           </p:nvPr>
         </p:nvSpPr>
-        <p:spPr/>
-        <p:txBody>
-          <a:bodyPr/>
+        <p:spPr>
+          <a:xfrm>
+            <a:off x="628650" y="1399430"/>
+            <a:ext cx="7886700" cy="5128591"/>
+          </a:xfrm>
+        </p:spPr>
+        <p:txBody>
+          <a:bodyPr>
+            <a:normAutofit fontScale="92500" lnSpcReduction="10000"/>
+          </a:bodyPr>
           <a:lstStyle/>
           <a:p>
             <a:pPr marL="0" indent="0">
               <a:buNone/>
             </a:pPr>
             <a:r>
-              <a:rPr kumimoji="1" lang="ja-JP" altLang="en-US" dirty="0" smtClean="0"/>
-              <a:t>ラウンドロビン方式を利用することでいくつかのサーバーに処理を割り振ることで高速化を実現する。</a:t>
-            </a:r>
-            <a:endParaRPr kumimoji="1" lang="en-US" altLang="ja-JP" dirty="0" smtClean="0"/>
+              <a:rPr kumimoji="1" lang="ja-JP" altLang="en-US" dirty="0" smtClean="0">
+                <a:latin typeface="+mn-ea"/>
+              </a:rPr>
+              <a:t>・「音楽</a:t>
+            </a:r>
+            <a:r>
+              <a:rPr kumimoji="1" lang="ja-JP" altLang="en-US" dirty="0" smtClean="0">
+                <a:latin typeface="+mn-ea"/>
+              </a:rPr>
+              <a:t>動画への印象評価データセット構築とその特性の</a:t>
+            </a:r>
+            <a:r>
+              <a:rPr kumimoji="1" lang="ja-JP" altLang="en-US" dirty="0" smtClean="0">
+                <a:latin typeface="+mn-ea"/>
+              </a:rPr>
+              <a:t>調査」</a:t>
+            </a:r>
+            <a:endParaRPr kumimoji="1" lang="en-US" altLang="ja-JP" dirty="0" smtClean="0">
+              <a:latin typeface="+mn-ea"/>
+            </a:endParaRPr>
           </a:p>
           <a:p>
             <a:pPr marL="0" indent="0">
               <a:buNone/>
             </a:pPr>
-            <a:endParaRPr lang="en-US" altLang="ja-JP" dirty="0"/>
+            <a:r>
+              <a:rPr kumimoji="1" lang="ja-JP" altLang="en-US" dirty="0" smtClean="0">
+                <a:latin typeface="+mn-ea"/>
+              </a:rPr>
+              <a:t>大野直樹，中村聡史，山本</a:t>
+            </a:r>
+            <a:r>
+              <a:rPr kumimoji="1" lang="ja-JP" altLang="en-US" dirty="0" smtClean="0">
+                <a:latin typeface="+mn-ea"/>
+              </a:rPr>
+              <a:t>岳</a:t>
+            </a:r>
+            <a:r>
+              <a:rPr kumimoji="1" lang="ja-JP" altLang="en-US" dirty="0" smtClean="0">
+                <a:latin typeface="+mn-ea"/>
+              </a:rPr>
+              <a:t>洋，</a:t>
+            </a:r>
+            <a:r>
+              <a:rPr lang="ja-JP" altLang="en-US" dirty="0" smtClean="0">
+                <a:latin typeface="+mn-ea"/>
+              </a:rPr>
+              <a:t>後藤真孝，情報処理学会</a:t>
+            </a:r>
+            <a:endParaRPr kumimoji="1" lang="en-US" altLang="ja-JP" dirty="0" smtClean="0">
+              <a:latin typeface="+mn-ea"/>
+            </a:endParaRPr>
           </a:p>
           <a:p>
             <a:pPr marL="0" indent="0">
               <a:buNone/>
             </a:pPr>
-            <a:r>
-              <a:rPr kumimoji="1" lang="ja-JP" altLang="en-US" dirty="0" smtClean="0"/>
-              <a:t>観光地推薦動画の印象を深めるために音楽をジャンル分けするため曲の長さを</a:t>
-            </a:r>
-            <a:r>
-              <a:rPr kumimoji="1" lang="en-US" altLang="ja-JP" dirty="0" smtClean="0"/>
-              <a:t>30</a:t>
-            </a:r>
-            <a:r>
-              <a:rPr kumimoji="1" lang="ja-JP" altLang="en-US" dirty="0" smtClean="0"/>
-              <a:t>秒程度と想定している。</a:t>
-            </a:r>
-            <a:endParaRPr kumimoji="1" lang="en-US" altLang="ja-JP" dirty="0" smtClean="0"/>
+            <a:endParaRPr kumimoji="1" lang="en-US" altLang="ja-JP" dirty="0">
+              <a:latin typeface="+mn-ea"/>
+            </a:endParaRPr>
           </a:p>
           <a:p>
             <a:pPr marL="0" indent="0">
               <a:buNone/>
             </a:pPr>
-            <a:endParaRPr lang="en-US" altLang="ja-JP" dirty="0"/>
+            <a:r>
+              <a:rPr lang="ja-JP" altLang="en-US" dirty="0" smtClean="0">
+                <a:latin typeface="+mn-ea"/>
+              </a:rPr>
+              <a:t>・「</a:t>
+            </a:r>
+            <a:r>
+              <a:rPr lang="ja-JP" altLang="en-US" b="1" dirty="0">
+                <a:latin typeface="+mn-ea"/>
+              </a:rPr>
+              <a:t>動画特徴量からの印象推定に基づく動画</a:t>
+            </a:r>
+            <a:r>
+              <a:rPr lang="en-US" altLang="ja-JP" b="1" dirty="0">
+                <a:latin typeface="+mn-ea"/>
+              </a:rPr>
+              <a:t>BGM </a:t>
+            </a:r>
+            <a:r>
+              <a:rPr lang="ja-JP" altLang="en-US" b="1" dirty="0">
+                <a:latin typeface="+mn-ea"/>
+              </a:rPr>
+              <a:t>の自動素材選出</a:t>
+            </a:r>
+            <a:r>
+              <a:rPr lang="ja-JP" altLang="en-US" dirty="0" smtClean="0">
+                <a:latin typeface="+mn-ea"/>
+              </a:rPr>
+              <a:t>」</a:t>
+            </a:r>
+            <a:r>
+              <a:rPr lang="ja-JP" altLang="en-US" dirty="0">
+                <a:latin typeface="+mn-ea"/>
+              </a:rPr>
+              <a:t/>
+            </a:r>
+            <a:br>
+              <a:rPr lang="ja-JP" altLang="en-US" dirty="0">
+                <a:latin typeface="+mn-ea"/>
+              </a:rPr>
+            </a:br>
+            <a:r>
+              <a:rPr lang="ja-JP" altLang="en-US" dirty="0" smtClean="0">
+                <a:latin typeface="+mn-ea"/>
+              </a:rPr>
+              <a:t>清水，</a:t>
+            </a:r>
+            <a:r>
+              <a:rPr lang="en-US" altLang="ja-JP" dirty="0" smtClean="0">
+                <a:latin typeface="+mn-ea"/>
+              </a:rPr>
+              <a:t> </a:t>
+            </a:r>
+            <a:r>
+              <a:rPr lang="ja-JP" altLang="en-US" dirty="0" smtClean="0">
+                <a:latin typeface="+mn-ea"/>
+              </a:rPr>
+              <a:t>菅野，</a:t>
+            </a:r>
+            <a:r>
+              <a:rPr lang="en-US" altLang="ja-JP" dirty="0" smtClean="0">
+                <a:latin typeface="+mn-ea"/>
+              </a:rPr>
+              <a:t> </a:t>
+            </a:r>
+            <a:r>
+              <a:rPr lang="ja-JP" altLang="en-US" dirty="0" smtClean="0">
+                <a:latin typeface="+mn-ea"/>
+              </a:rPr>
+              <a:t>伊藤，</a:t>
+            </a:r>
+            <a:r>
+              <a:rPr lang="en-US" altLang="ja-JP" dirty="0" smtClean="0">
+                <a:latin typeface="+mn-ea"/>
+              </a:rPr>
+              <a:t> </a:t>
+            </a:r>
+            <a:r>
+              <a:rPr lang="ja-JP" altLang="en-US" dirty="0" smtClean="0">
+                <a:latin typeface="+mn-ea"/>
+              </a:rPr>
+              <a:t>嵯峨山，</a:t>
+            </a:r>
+            <a:r>
+              <a:rPr lang="en-US" altLang="ja-JP" dirty="0" smtClean="0">
+                <a:latin typeface="+mn-ea"/>
+              </a:rPr>
+              <a:t> </a:t>
+            </a:r>
+            <a:r>
+              <a:rPr lang="ja-JP" altLang="en-US" dirty="0" smtClean="0">
+                <a:latin typeface="+mn-ea"/>
+              </a:rPr>
+              <a:t>高塚，</a:t>
+            </a:r>
+            <a:r>
+              <a:rPr lang="en-US" altLang="ja-JP" dirty="0">
+                <a:latin typeface="+mn-ea"/>
+              </a:rPr>
+              <a:t> </a:t>
+            </a:r>
+            <a:r>
+              <a:rPr lang="en-US" altLang="ja-JP" dirty="0" smtClean="0">
+                <a:latin typeface="+mn-ea"/>
+              </a:rPr>
+              <a:t>NICOGRAPH 2016</a:t>
+            </a:r>
+          </a:p>
+          <a:p>
+            <a:pPr marL="0" indent="0">
+              <a:buNone/>
+            </a:pPr>
+            <a:endParaRPr lang="en-US" altLang="ja-JP" dirty="0" smtClean="0">
+              <a:latin typeface="+mn-ea"/>
+            </a:endParaRPr>
+          </a:p>
+          <a:p>
+            <a:pPr marL="0" indent="0">
+              <a:buNone/>
+            </a:pPr>
+            <a:r>
+              <a:rPr lang="ja-JP" altLang="en-US" dirty="0" smtClean="0">
+                <a:latin typeface="+mn-ea"/>
+              </a:rPr>
+              <a:t>・「</a:t>
+            </a:r>
+            <a:r>
+              <a:rPr lang="en-US" altLang="ja-JP" dirty="0">
+                <a:latin typeface="+mn-ea"/>
+              </a:rPr>
+              <a:t>DIVA</a:t>
+            </a:r>
+            <a:r>
+              <a:rPr lang="ja-JP" altLang="en-US" dirty="0">
+                <a:latin typeface="+mn-ea"/>
+              </a:rPr>
+              <a:t>：</a:t>
+            </a:r>
+            <a:r>
+              <a:rPr lang="ja-JP" altLang="en-US" dirty="0" smtClean="0">
+                <a:latin typeface="+mn-ea"/>
+              </a:rPr>
+              <a:t>画像</a:t>
+            </a:r>
+            <a:r>
+              <a:rPr lang="ja-JP" altLang="en-US" dirty="0">
+                <a:latin typeface="+mn-ea"/>
+              </a:rPr>
+              <a:t>の印象に合わせた音楽自動アレンジの一手法の提案</a:t>
+            </a:r>
+            <a:r>
+              <a:rPr lang="ja-JP" altLang="en-US" dirty="0" smtClean="0">
+                <a:latin typeface="+mn-ea"/>
+              </a:rPr>
+              <a:t>」</a:t>
+            </a:r>
+            <a:endParaRPr lang="en-US" altLang="ja-JP" dirty="0">
+              <a:latin typeface="+mn-ea"/>
+            </a:endParaRPr>
+          </a:p>
+          <a:p>
+            <a:pPr marL="0" indent="0">
+              <a:buNone/>
+            </a:pPr>
+            <a:r>
+              <a:rPr lang="ja-JP" altLang="en-US" dirty="0">
+                <a:latin typeface="+mn-ea"/>
+              </a:rPr>
+              <a:t>大山</a:t>
+            </a:r>
+            <a:r>
+              <a:rPr lang="en-US" altLang="ja-JP" dirty="0">
+                <a:latin typeface="+mn-ea"/>
+              </a:rPr>
+              <a:t>, </a:t>
+            </a:r>
+            <a:r>
+              <a:rPr lang="ja-JP" altLang="en-US" dirty="0">
+                <a:latin typeface="+mn-ea"/>
+              </a:rPr>
+              <a:t>伊藤</a:t>
+            </a:r>
+            <a:r>
+              <a:rPr lang="en-US" altLang="ja-JP" dirty="0" smtClean="0">
+                <a:latin typeface="+mn-ea"/>
+              </a:rPr>
+              <a:t>,</a:t>
+            </a:r>
+            <a:r>
+              <a:rPr lang="ja-JP" altLang="en-US" dirty="0" smtClean="0">
+                <a:latin typeface="+mn-ea"/>
+              </a:rPr>
+              <a:t>芸術</a:t>
+            </a:r>
+            <a:r>
+              <a:rPr lang="ja-JP" altLang="en-US" dirty="0">
+                <a:latin typeface="+mn-ea"/>
+              </a:rPr>
+              <a:t>科学会論文誌</a:t>
+            </a:r>
+            <a:endParaRPr lang="en-US" altLang="ja-JP" dirty="0" smtClean="0">
+              <a:latin typeface="+mn-ea"/>
+            </a:endParaRPr>
+          </a:p>
+          <a:p>
+            <a:pPr marL="0" indent="0">
+              <a:buNone/>
+            </a:pPr>
+            <a:endParaRPr kumimoji="1" lang="en-US" altLang="ja-JP" dirty="0"/>
           </a:p>
           <a:p>
             <a:pPr marL="0" indent="0">
@@ -4730,7 +5676,7 @@
     </p:spTree>
     <p:extLst>
       <p:ext uri="{BB962C8B-B14F-4D97-AF65-F5344CB8AC3E}">
-        <p14:creationId xmlns:p14="http://schemas.microsoft.com/office/powerpoint/2010/main" val="4224668961"/>
+        <p14:creationId xmlns:p14="http://schemas.microsoft.com/office/powerpoint/2010/main" val="3769541672"/>
       </p:ext>
     </p:extLst>
   </p:cSld>
@@ -4781,70 +5727,6 @@
       </p:sp>
       <p:sp>
         <p:nvSpPr>
-          <p:cNvPr id="3" name="コンテンツ プレースホルダー 2"/>
-          <p:cNvSpPr>
-            <a:spLocks noGrp="1"/>
-          </p:cNvSpPr>
-          <p:nvPr>
-            <p:ph idx="1"/>
-          </p:nvPr>
-        </p:nvSpPr>
-        <p:spPr/>
-        <p:txBody>
-          <a:bodyPr/>
-          <a:lstStyle/>
-          <a:p>
-            <a:pPr marL="0" indent="0">
-              <a:buNone/>
-            </a:pPr>
-            <a:r>
-              <a:rPr kumimoji="1" lang="ja-JP" altLang="en-US" dirty="0" smtClean="0"/>
-              <a:t>・画像認識でのジャンル分けシステムの作成</a:t>
-            </a:r>
-            <a:endParaRPr kumimoji="1" lang="en-US" altLang="ja-JP" dirty="0" smtClean="0"/>
-          </a:p>
-          <a:p>
-            <a:pPr marL="0" indent="0">
-              <a:buNone/>
-            </a:pPr>
-            <a:endParaRPr lang="en-US" altLang="ja-JP" dirty="0"/>
-          </a:p>
-          <a:p>
-            <a:pPr marL="0" indent="0">
-              <a:buNone/>
-            </a:pPr>
-            <a:r>
-              <a:rPr kumimoji="1" lang="ja-JP" altLang="en-US" dirty="0" smtClean="0"/>
-              <a:t>・ラウンドロビンシステムの作成</a:t>
-            </a:r>
-            <a:endParaRPr kumimoji="1" lang="en-US" altLang="ja-JP" dirty="0" smtClean="0"/>
-          </a:p>
-          <a:p>
-            <a:pPr marL="0" indent="0">
-              <a:buNone/>
-            </a:pPr>
-            <a:endParaRPr lang="en-US" altLang="ja-JP" dirty="0"/>
-          </a:p>
-          <a:p>
-            <a:pPr marL="0" indent="0">
-              <a:buNone/>
-            </a:pPr>
-            <a:r>
-              <a:rPr kumimoji="1" lang="ja-JP" altLang="en-US" dirty="0" smtClean="0"/>
-              <a:t>・観光地推薦動画とジャンル分けした音楽のマッチングシステムの作成</a:t>
-            </a:r>
-            <a:endParaRPr kumimoji="1" lang="en-US" altLang="ja-JP" dirty="0" smtClean="0"/>
-          </a:p>
-          <a:p>
-            <a:pPr marL="0" indent="0">
-              <a:buNone/>
-            </a:pPr>
-            <a:endParaRPr lang="en-US" altLang="ja-JP" dirty="0"/>
-          </a:p>
-        </p:txBody>
-      </p:sp>
-      <p:sp>
-        <p:nvSpPr>
           <p:cNvPr id="4" name="スライド番号プレースホルダー 3"/>
           <p:cNvSpPr>
             <a:spLocks noGrp="1"/>
@@ -4862,6 +5744,741 @@
               <a:rPr kumimoji="1" lang="ja-JP" altLang="en-US" smtClean="0"/>
               <a:t>8</a:t>
             </a:fld>
+            <a:endParaRPr kumimoji="1" lang="ja-JP" altLang="en-US"/>
+          </a:p>
+        </p:txBody>
+      </p:sp>
+      <p:graphicFrame>
+        <p:nvGraphicFramePr>
+          <p:cNvPr id="9" name="コンテンツ プレースホルダー 8"/>
+          <p:cNvGraphicFramePr>
+            <a:graphicFrameLocks noGrp="1"/>
+          </p:cNvGraphicFramePr>
+          <p:nvPr>
+            <p:ph idx="1"/>
+            <p:extLst>
+              <p:ext uri="{D42A27DB-BD31-4B8C-83A1-F6EECF244321}">
+                <p14:modId xmlns:p14="http://schemas.microsoft.com/office/powerpoint/2010/main" val="3819386531"/>
+              </p:ext>
+            </p:extLst>
+          </p:nvPr>
+        </p:nvGraphicFramePr>
+        <p:xfrm>
+          <a:off x="174930" y="1825624"/>
+          <a:ext cx="8754384" cy="4002303"/>
+        </p:xfrm>
+        <a:graphic>
+          <a:graphicData uri="http://schemas.openxmlformats.org/drawingml/2006/table">
+            <a:tbl>
+              <a:tblPr firstRow="1" bandRow="1">
+                <a:tableStyleId>{5C22544A-7EE6-4342-B048-85BDC9FD1C3A}</a:tableStyleId>
+              </a:tblPr>
+              <a:tblGrid>
+                <a:gridCol w="1717480">
+                  <a:extLst>
+                    <a:ext uri="{9D8B030D-6E8A-4147-A177-3AD203B41FA5}">
+                      <a16:colId xmlns:a16="http://schemas.microsoft.com/office/drawing/2014/main" val="4294196838"/>
+                    </a:ext>
+                  </a:extLst>
+                </a:gridCol>
+                <a:gridCol w="1319917">
+                  <a:extLst>
+                    <a:ext uri="{9D8B030D-6E8A-4147-A177-3AD203B41FA5}">
+                      <a16:colId xmlns:a16="http://schemas.microsoft.com/office/drawing/2014/main" val="3440366830"/>
+                    </a:ext>
+                  </a:extLst>
+                </a:gridCol>
+                <a:gridCol w="1339795">
+                  <a:extLst>
+                    <a:ext uri="{9D8B030D-6E8A-4147-A177-3AD203B41FA5}">
+                      <a16:colId xmlns:a16="http://schemas.microsoft.com/office/drawing/2014/main" val="1434366611"/>
+                    </a:ext>
+                  </a:extLst>
+                </a:gridCol>
+                <a:gridCol w="1459064">
+                  <a:extLst>
+                    <a:ext uri="{9D8B030D-6E8A-4147-A177-3AD203B41FA5}">
+                      <a16:colId xmlns:a16="http://schemas.microsoft.com/office/drawing/2014/main" val="3634247511"/>
+                    </a:ext>
+                  </a:extLst>
+                </a:gridCol>
+                <a:gridCol w="1459064">
+                  <a:extLst>
+                    <a:ext uri="{9D8B030D-6E8A-4147-A177-3AD203B41FA5}">
+                      <a16:colId xmlns:a16="http://schemas.microsoft.com/office/drawing/2014/main" val="2239060761"/>
+                    </a:ext>
+                  </a:extLst>
+                </a:gridCol>
+                <a:gridCol w="1459064">
+                  <a:extLst>
+                    <a:ext uri="{9D8B030D-6E8A-4147-A177-3AD203B41FA5}">
+                      <a16:colId xmlns:a16="http://schemas.microsoft.com/office/drawing/2014/main" val="3446364010"/>
+                    </a:ext>
+                  </a:extLst>
+                </a:gridCol>
+              </a:tblGrid>
+              <a:tr h="602581">
+                <a:tc>
+                  <a:txBody>
+                    <a:bodyPr/>
+                    <a:lstStyle/>
+                    <a:p>
+                      <a:endParaRPr kumimoji="1" lang="ja-JP" altLang="en-US" dirty="0"/>
+                    </a:p>
+                  </a:txBody>
+                  <a:tcPr/>
+                </a:tc>
+                <a:tc>
+                  <a:txBody>
+                    <a:bodyPr/>
+                    <a:lstStyle/>
+                    <a:p>
+                      <a:r>
+                        <a:rPr kumimoji="1" lang="en-US" altLang="ja-JP" dirty="0" smtClean="0"/>
+                        <a:t>8</a:t>
+                      </a:r>
+                      <a:r>
+                        <a:rPr kumimoji="1" lang="ja-JP" altLang="en-US" dirty="0" smtClean="0"/>
+                        <a:t>月</a:t>
+                      </a:r>
+                      <a:endParaRPr kumimoji="1" lang="ja-JP" altLang="en-US" dirty="0"/>
+                    </a:p>
+                  </a:txBody>
+                  <a:tcPr/>
+                </a:tc>
+                <a:tc>
+                  <a:txBody>
+                    <a:bodyPr/>
+                    <a:lstStyle/>
+                    <a:p>
+                      <a:r>
+                        <a:rPr kumimoji="1" lang="en-US" altLang="ja-JP" dirty="0" smtClean="0"/>
+                        <a:t>9</a:t>
+                      </a:r>
+                      <a:r>
+                        <a:rPr kumimoji="1" lang="ja-JP" altLang="en-US" dirty="0" smtClean="0"/>
+                        <a:t>月</a:t>
+                      </a:r>
+                      <a:endParaRPr kumimoji="1" lang="ja-JP" altLang="en-US" dirty="0"/>
+                    </a:p>
+                  </a:txBody>
+                  <a:tcPr/>
+                </a:tc>
+                <a:tc>
+                  <a:txBody>
+                    <a:bodyPr/>
+                    <a:lstStyle/>
+                    <a:p>
+                      <a:r>
+                        <a:rPr kumimoji="1" lang="en-US" altLang="ja-JP" dirty="0" smtClean="0"/>
+                        <a:t>10</a:t>
+                      </a:r>
+                      <a:r>
+                        <a:rPr kumimoji="1" lang="ja-JP" altLang="en-US" dirty="0" smtClean="0"/>
+                        <a:t>月</a:t>
+                      </a:r>
+                      <a:endParaRPr kumimoji="1" lang="ja-JP" altLang="en-US" dirty="0"/>
+                    </a:p>
+                  </a:txBody>
+                  <a:tcPr/>
+                </a:tc>
+                <a:tc>
+                  <a:txBody>
+                    <a:bodyPr/>
+                    <a:lstStyle/>
+                    <a:p>
+                      <a:r>
+                        <a:rPr kumimoji="1" lang="en-US" altLang="ja-JP" dirty="0" smtClean="0"/>
+                        <a:t>11</a:t>
+                      </a:r>
+                      <a:r>
+                        <a:rPr kumimoji="1" lang="ja-JP" altLang="en-US" dirty="0" smtClean="0"/>
+                        <a:t>月</a:t>
+                      </a:r>
+                      <a:endParaRPr kumimoji="1" lang="ja-JP" altLang="en-US" dirty="0"/>
+                    </a:p>
+                  </a:txBody>
+                  <a:tcPr/>
+                </a:tc>
+                <a:tc>
+                  <a:txBody>
+                    <a:bodyPr/>
+                    <a:lstStyle/>
+                    <a:p>
+                      <a:r>
+                        <a:rPr kumimoji="1" lang="en-US" altLang="ja-JP" dirty="0" smtClean="0"/>
+                        <a:t>12</a:t>
+                      </a:r>
+                      <a:r>
+                        <a:rPr kumimoji="1" lang="ja-JP" altLang="en-US" dirty="0" smtClean="0"/>
+                        <a:t>月</a:t>
+                      </a:r>
+                      <a:endParaRPr kumimoji="1" lang="ja-JP" altLang="en-US" dirty="0"/>
+                    </a:p>
+                  </a:txBody>
+                  <a:tcPr/>
+                </a:tc>
+                <a:extLst>
+                  <a:ext uri="{0D108BD9-81ED-4DB2-BD59-A6C34878D82A}">
+                    <a16:rowId xmlns:a16="http://schemas.microsoft.com/office/drawing/2014/main" val="2294066461"/>
+                  </a:ext>
+                </a:extLst>
+              </a:tr>
+              <a:tr h="617145">
+                <a:tc>
+                  <a:txBody>
+                    <a:bodyPr/>
+                    <a:lstStyle/>
+                    <a:p>
+                      <a:r>
+                        <a:rPr kumimoji="1" lang="ja-JP" altLang="en-US" dirty="0" smtClean="0"/>
+                        <a:t>ジャンル分けシステム作成</a:t>
+                      </a:r>
+                      <a:endParaRPr kumimoji="1" lang="ja-JP" altLang="en-US" dirty="0"/>
+                    </a:p>
+                  </a:txBody>
+                  <a:tcPr/>
+                </a:tc>
+                <a:tc>
+                  <a:txBody>
+                    <a:bodyPr/>
+                    <a:lstStyle/>
+                    <a:p>
+                      <a:endParaRPr kumimoji="1" lang="ja-JP" altLang="en-US" dirty="0"/>
+                    </a:p>
+                  </a:txBody>
+                  <a:tcPr/>
+                </a:tc>
+                <a:tc>
+                  <a:txBody>
+                    <a:bodyPr/>
+                    <a:lstStyle/>
+                    <a:p>
+                      <a:endParaRPr kumimoji="1" lang="ja-JP" altLang="en-US"/>
+                    </a:p>
+                  </a:txBody>
+                  <a:tcPr/>
+                </a:tc>
+                <a:tc>
+                  <a:txBody>
+                    <a:bodyPr/>
+                    <a:lstStyle/>
+                    <a:p>
+                      <a:endParaRPr kumimoji="1" lang="ja-JP" altLang="en-US"/>
+                    </a:p>
+                  </a:txBody>
+                  <a:tcPr/>
+                </a:tc>
+                <a:tc>
+                  <a:txBody>
+                    <a:bodyPr/>
+                    <a:lstStyle/>
+                    <a:p>
+                      <a:endParaRPr kumimoji="1" lang="ja-JP" altLang="en-US"/>
+                    </a:p>
+                  </a:txBody>
+                  <a:tcPr/>
+                </a:tc>
+                <a:tc>
+                  <a:txBody>
+                    <a:bodyPr/>
+                    <a:lstStyle/>
+                    <a:p>
+                      <a:endParaRPr kumimoji="1" lang="ja-JP" altLang="en-US"/>
+                    </a:p>
+                  </a:txBody>
+                  <a:tcPr/>
+                </a:tc>
+                <a:extLst>
+                  <a:ext uri="{0D108BD9-81ED-4DB2-BD59-A6C34878D82A}">
+                    <a16:rowId xmlns:a16="http://schemas.microsoft.com/office/drawing/2014/main" val="2477603613"/>
+                  </a:ext>
+                </a:extLst>
+              </a:tr>
+              <a:tr h="602581">
+                <a:tc>
+                  <a:txBody>
+                    <a:bodyPr/>
+                    <a:lstStyle/>
+                    <a:p>
+                      <a:r>
+                        <a:rPr kumimoji="1" lang="ja-JP" altLang="en-US" dirty="0" smtClean="0"/>
+                        <a:t>負荷分散システム作成</a:t>
+                      </a:r>
+                      <a:endParaRPr kumimoji="1" lang="ja-JP" altLang="en-US" dirty="0"/>
+                    </a:p>
+                  </a:txBody>
+                  <a:tcPr/>
+                </a:tc>
+                <a:tc>
+                  <a:txBody>
+                    <a:bodyPr/>
+                    <a:lstStyle/>
+                    <a:p>
+                      <a:endParaRPr kumimoji="1" lang="ja-JP" altLang="en-US" dirty="0"/>
+                    </a:p>
+                  </a:txBody>
+                  <a:tcPr/>
+                </a:tc>
+                <a:tc>
+                  <a:txBody>
+                    <a:bodyPr/>
+                    <a:lstStyle/>
+                    <a:p>
+                      <a:endParaRPr kumimoji="1" lang="ja-JP" altLang="en-US" dirty="0"/>
+                    </a:p>
+                  </a:txBody>
+                  <a:tcPr/>
+                </a:tc>
+                <a:tc>
+                  <a:txBody>
+                    <a:bodyPr/>
+                    <a:lstStyle/>
+                    <a:p>
+                      <a:endParaRPr kumimoji="1" lang="ja-JP" altLang="en-US" dirty="0"/>
+                    </a:p>
+                  </a:txBody>
+                  <a:tcPr/>
+                </a:tc>
+                <a:tc>
+                  <a:txBody>
+                    <a:bodyPr/>
+                    <a:lstStyle/>
+                    <a:p>
+                      <a:endParaRPr kumimoji="1" lang="ja-JP" altLang="en-US"/>
+                    </a:p>
+                  </a:txBody>
+                  <a:tcPr/>
+                </a:tc>
+                <a:tc>
+                  <a:txBody>
+                    <a:bodyPr/>
+                    <a:lstStyle/>
+                    <a:p>
+                      <a:endParaRPr kumimoji="1" lang="ja-JP" altLang="en-US" dirty="0"/>
+                    </a:p>
+                  </a:txBody>
+                  <a:tcPr/>
+                </a:tc>
+                <a:extLst>
+                  <a:ext uri="{0D108BD9-81ED-4DB2-BD59-A6C34878D82A}">
+                    <a16:rowId xmlns:a16="http://schemas.microsoft.com/office/drawing/2014/main" val="3097430126"/>
+                  </a:ext>
+                </a:extLst>
+              </a:tr>
+              <a:tr h="602581">
+                <a:tc>
+                  <a:txBody>
+                    <a:bodyPr/>
+                    <a:lstStyle/>
+                    <a:p>
+                      <a:r>
+                        <a:rPr kumimoji="1" lang="ja-JP" altLang="en-US" dirty="0" smtClean="0"/>
+                        <a:t>音楽と動画のマッチングシステム作成</a:t>
+                      </a:r>
+                      <a:endParaRPr kumimoji="1" lang="ja-JP" altLang="en-US" dirty="0"/>
+                    </a:p>
+                  </a:txBody>
+                  <a:tcPr/>
+                </a:tc>
+                <a:tc>
+                  <a:txBody>
+                    <a:bodyPr/>
+                    <a:lstStyle/>
+                    <a:p>
+                      <a:endParaRPr kumimoji="1" lang="ja-JP" altLang="en-US" dirty="0"/>
+                    </a:p>
+                  </a:txBody>
+                  <a:tcPr/>
+                </a:tc>
+                <a:tc>
+                  <a:txBody>
+                    <a:bodyPr/>
+                    <a:lstStyle/>
+                    <a:p>
+                      <a:endParaRPr kumimoji="1" lang="ja-JP" altLang="en-US" dirty="0"/>
+                    </a:p>
+                  </a:txBody>
+                  <a:tcPr/>
+                </a:tc>
+                <a:tc>
+                  <a:txBody>
+                    <a:bodyPr/>
+                    <a:lstStyle/>
+                    <a:p>
+                      <a:endParaRPr kumimoji="1" lang="ja-JP" altLang="en-US"/>
+                    </a:p>
+                  </a:txBody>
+                  <a:tcPr/>
+                </a:tc>
+                <a:tc>
+                  <a:txBody>
+                    <a:bodyPr/>
+                    <a:lstStyle/>
+                    <a:p>
+                      <a:endParaRPr kumimoji="1" lang="ja-JP" altLang="en-US"/>
+                    </a:p>
+                  </a:txBody>
+                  <a:tcPr/>
+                </a:tc>
+                <a:tc>
+                  <a:txBody>
+                    <a:bodyPr/>
+                    <a:lstStyle/>
+                    <a:p>
+                      <a:endParaRPr kumimoji="1" lang="ja-JP" altLang="en-US" dirty="0"/>
+                    </a:p>
+                  </a:txBody>
+                  <a:tcPr/>
+                </a:tc>
+                <a:extLst>
+                  <a:ext uri="{0D108BD9-81ED-4DB2-BD59-A6C34878D82A}">
+                    <a16:rowId xmlns:a16="http://schemas.microsoft.com/office/drawing/2014/main" val="191451268"/>
+                  </a:ext>
+                </a:extLst>
+              </a:tr>
+              <a:tr h="602581">
+                <a:tc>
+                  <a:txBody>
+                    <a:bodyPr/>
+                    <a:lstStyle/>
+                    <a:p>
+                      <a:r>
+                        <a:rPr kumimoji="1" lang="ja-JP" altLang="en-US" dirty="0" smtClean="0"/>
+                        <a:t>実験評価</a:t>
+                      </a:r>
+                      <a:endParaRPr kumimoji="1" lang="ja-JP" altLang="en-US" dirty="0"/>
+                    </a:p>
+                  </a:txBody>
+                  <a:tcPr/>
+                </a:tc>
+                <a:tc>
+                  <a:txBody>
+                    <a:bodyPr/>
+                    <a:lstStyle/>
+                    <a:p>
+                      <a:endParaRPr kumimoji="1" lang="ja-JP" altLang="en-US" dirty="0"/>
+                    </a:p>
+                  </a:txBody>
+                  <a:tcPr/>
+                </a:tc>
+                <a:tc>
+                  <a:txBody>
+                    <a:bodyPr/>
+                    <a:lstStyle/>
+                    <a:p>
+                      <a:endParaRPr kumimoji="1" lang="ja-JP" altLang="en-US"/>
+                    </a:p>
+                  </a:txBody>
+                  <a:tcPr/>
+                </a:tc>
+                <a:tc>
+                  <a:txBody>
+                    <a:bodyPr/>
+                    <a:lstStyle/>
+                    <a:p>
+                      <a:endParaRPr kumimoji="1" lang="ja-JP" altLang="en-US"/>
+                    </a:p>
+                  </a:txBody>
+                  <a:tcPr/>
+                </a:tc>
+                <a:tc>
+                  <a:txBody>
+                    <a:bodyPr/>
+                    <a:lstStyle/>
+                    <a:p>
+                      <a:endParaRPr kumimoji="1" lang="ja-JP" altLang="en-US"/>
+                    </a:p>
+                  </a:txBody>
+                  <a:tcPr/>
+                </a:tc>
+                <a:tc>
+                  <a:txBody>
+                    <a:bodyPr/>
+                    <a:lstStyle/>
+                    <a:p>
+                      <a:endParaRPr kumimoji="1" lang="ja-JP" altLang="en-US" dirty="0"/>
+                    </a:p>
+                  </a:txBody>
+                  <a:tcPr/>
+                </a:tc>
+                <a:extLst>
+                  <a:ext uri="{0D108BD9-81ED-4DB2-BD59-A6C34878D82A}">
+                    <a16:rowId xmlns:a16="http://schemas.microsoft.com/office/drawing/2014/main" val="1312769470"/>
+                  </a:ext>
+                </a:extLst>
+              </a:tr>
+              <a:tr h="602581">
+                <a:tc>
+                  <a:txBody>
+                    <a:bodyPr/>
+                    <a:lstStyle/>
+                    <a:p>
+                      <a:r>
+                        <a:rPr kumimoji="1" lang="ja-JP" altLang="en-US" dirty="0" smtClean="0"/>
+                        <a:t>論文執筆</a:t>
+                      </a:r>
+                      <a:endParaRPr kumimoji="1" lang="ja-JP" altLang="en-US" dirty="0"/>
+                    </a:p>
+                  </a:txBody>
+                  <a:tcPr/>
+                </a:tc>
+                <a:tc>
+                  <a:txBody>
+                    <a:bodyPr/>
+                    <a:lstStyle/>
+                    <a:p>
+                      <a:endParaRPr kumimoji="1" lang="ja-JP" altLang="en-US" dirty="0"/>
+                    </a:p>
+                  </a:txBody>
+                  <a:tcPr/>
+                </a:tc>
+                <a:tc>
+                  <a:txBody>
+                    <a:bodyPr/>
+                    <a:lstStyle/>
+                    <a:p>
+                      <a:endParaRPr kumimoji="1" lang="ja-JP" altLang="en-US"/>
+                    </a:p>
+                  </a:txBody>
+                  <a:tcPr/>
+                </a:tc>
+                <a:tc>
+                  <a:txBody>
+                    <a:bodyPr/>
+                    <a:lstStyle/>
+                    <a:p>
+                      <a:endParaRPr kumimoji="1" lang="ja-JP" altLang="en-US"/>
+                    </a:p>
+                  </a:txBody>
+                  <a:tcPr/>
+                </a:tc>
+                <a:tc>
+                  <a:txBody>
+                    <a:bodyPr/>
+                    <a:lstStyle/>
+                    <a:p>
+                      <a:endParaRPr kumimoji="1" lang="ja-JP" altLang="en-US"/>
+                    </a:p>
+                  </a:txBody>
+                  <a:tcPr/>
+                </a:tc>
+                <a:tc>
+                  <a:txBody>
+                    <a:bodyPr/>
+                    <a:lstStyle/>
+                    <a:p>
+                      <a:endParaRPr kumimoji="1" lang="ja-JP" altLang="en-US" dirty="0"/>
+                    </a:p>
+                  </a:txBody>
+                  <a:tcPr/>
+                </a:tc>
+                <a:extLst>
+                  <a:ext uri="{0D108BD9-81ED-4DB2-BD59-A6C34878D82A}">
+                    <a16:rowId xmlns:a16="http://schemas.microsoft.com/office/drawing/2014/main" val="28434322"/>
+                  </a:ext>
+                </a:extLst>
+              </a:tr>
+            </a:tbl>
+          </a:graphicData>
+        </a:graphic>
+      </p:graphicFrame>
+      <p:sp>
+        <p:nvSpPr>
+          <p:cNvPr id="10" name="右矢印 9"/>
+          <p:cNvSpPr/>
+          <p:nvPr/>
+        </p:nvSpPr>
+        <p:spPr>
+          <a:xfrm>
+            <a:off x="1956021" y="2647784"/>
+            <a:ext cx="1224501" cy="214686"/>
+          </a:xfrm>
+          <a:prstGeom prst="rightArrow">
+            <a:avLst/>
+          </a:prstGeom>
+        </p:spPr>
+        <p:style>
+          <a:lnRef idx="2">
+            <a:schemeClr val="accent1">
+              <a:shade val="50000"/>
+            </a:schemeClr>
+          </a:lnRef>
+          <a:fillRef idx="1">
+            <a:schemeClr val="accent1"/>
+          </a:fillRef>
+          <a:effectRef idx="0">
+            <a:schemeClr val="accent1"/>
+          </a:effectRef>
+          <a:fontRef idx="minor">
+            <a:schemeClr val="lt1"/>
+          </a:fontRef>
+        </p:style>
+        <p:txBody>
+          <a:bodyPr rtlCol="0" anchor="ctr"/>
+          <a:lstStyle/>
+          <a:p>
+            <a:pPr algn="ctr"/>
+            <a:endParaRPr kumimoji="1" lang="ja-JP" altLang="en-US"/>
+          </a:p>
+        </p:txBody>
+      </p:sp>
+      <p:sp>
+        <p:nvSpPr>
+          <p:cNvPr id="11" name="右矢印 10"/>
+          <p:cNvSpPr/>
+          <p:nvPr/>
+        </p:nvSpPr>
+        <p:spPr>
+          <a:xfrm>
+            <a:off x="3180522" y="3213651"/>
+            <a:ext cx="1351721" cy="245165"/>
+          </a:xfrm>
+          <a:prstGeom prst="rightArrow">
+            <a:avLst/>
+          </a:prstGeom>
+        </p:spPr>
+        <p:style>
+          <a:lnRef idx="2">
+            <a:schemeClr val="accent1">
+              <a:shade val="50000"/>
+            </a:schemeClr>
+          </a:lnRef>
+          <a:fillRef idx="1">
+            <a:schemeClr val="accent1"/>
+          </a:fillRef>
+          <a:effectRef idx="0">
+            <a:schemeClr val="accent1"/>
+          </a:effectRef>
+          <a:fontRef idx="minor">
+            <a:schemeClr val="lt1"/>
+          </a:fontRef>
+        </p:style>
+        <p:txBody>
+          <a:bodyPr rtlCol="0" anchor="ctr"/>
+          <a:lstStyle/>
+          <a:p>
+            <a:pPr algn="ctr"/>
+            <a:endParaRPr kumimoji="1" lang="ja-JP" altLang="en-US"/>
+          </a:p>
+        </p:txBody>
+      </p:sp>
+      <p:sp>
+        <p:nvSpPr>
+          <p:cNvPr id="12" name="右矢印 11"/>
+          <p:cNvSpPr/>
+          <p:nvPr/>
+        </p:nvSpPr>
+        <p:spPr>
+          <a:xfrm>
+            <a:off x="4678016" y="3967701"/>
+            <a:ext cx="1969274" cy="381661"/>
+          </a:xfrm>
+          <a:prstGeom prst="rightArrow">
+            <a:avLst/>
+          </a:prstGeom>
+        </p:spPr>
+        <p:style>
+          <a:lnRef idx="2">
+            <a:schemeClr val="accent1">
+              <a:shade val="50000"/>
+            </a:schemeClr>
+          </a:lnRef>
+          <a:fillRef idx="1">
+            <a:schemeClr val="accent1"/>
+          </a:fillRef>
+          <a:effectRef idx="0">
+            <a:schemeClr val="accent1"/>
+          </a:effectRef>
+          <a:fontRef idx="minor">
+            <a:schemeClr val="lt1"/>
+          </a:fontRef>
+        </p:style>
+        <p:txBody>
+          <a:bodyPr rtlCol="0" anchor="ctr"/>
+          <a:lstStyle/>
+          <a:p>
+            <a:pPr algn="ctr"/>
+            <a:endParaRPr kumimoji="1" lang="ja-JP" altLang="en-US"/>
+          </a:p>
+        </p:txBody>
+      </p:sp>
+      <p:sp>
+        <p:nvSpPr>
+          <p:cNvPr id="13" name="右矢印 12"/>
+          <p:cNvSpPr/>
+          <p:nvPr/>
+        </p:nvSpPr>
+        <p:spPr>
+          <a:xfrm>
+            <a:off x="6647290" y="4798612"/>
+            <a:ext cx="767301" cy="234564"/>
+          </a:xfrm>
+          <a:prstGeom prst="rightArrow">
+            <a:avLst/>
+          </a:prstGeom>
+        </p:spPr>
+        <p:style>
+          <a:lnRef idx="2">
+            <a:schemeClr val="accent1">
+              <a:shade val="50000"/>
+            </a:schemeClr>
+          </a:lnRef>
+          <a:fillRef idx="1">
+            <a:schemeClr val="accent1"/>
+          </a:fillRef>
+          <a:effectRef idx="0">
+            <a:schemeClr val="accent1"/>
+          </a:effectRef>
+          <a:fontRef idx="minor">
+            <a:schemeClr val="lt1"/>
+          </a:fontRef>
+        </p:style>
+        <p:txBody>
+          <a:bodyPr rtlCol="0" anchor="ctr"/>
+          <a:lstStyle/>
+          <a:p>
+            <a:pPr algn="ctr"/>
+            <a:endParaRPr kumimoji="1" lang="ja-JP" altLang="en-US"/>
+          </a:p>
+        </p:txBody>
+      </p:sp>
+      <p:sp>
+        <p:nvSpPr>
+          <p:cNvPr id="14" name="右矢印 13"/>
+          <p:cNvSpPr/>
+          <p:nvPr/>
+        </p:nvSpPr>
+        <p:spPr>
+          <a:xfrm>
+            <a:off x="6647290" y="5422790"/>
+            <a:ext cx="2202512" cy="246153"/>
+          </a:xfrm>
+          <a:prstGeom prst="rightArrow">
+            <a:avLst/>
+          </a:prstGeom>
+        </p:spPr>
+        <p:style>
+          <a:lnRef idx="2">
+            <a:schemeClr val="accent1">
+              <a:shade val="50000"/>
+            </a:schemeClr>
+          </a:lnRef>
+          <a:fillRef idx="1">
+            <a:schemeClr val="accent1"/>
+          </a:fillRef>
+          <a:effectRef idx="0">
+            <a:schemeClr val="accent1"/>
+          </a:effectRef>
+          <a:fontRef idx="minor">
+            <a:schemeClr val="lt1"/>
+          </a:fontRef>
+        </p:style>
+        <p:txBody>
+          <a:bodyPr rtlCol="0" anchor="ctr"/>
+          <a:lstStyle/>
+          <a:p>
+            <a:pPr algn="ctr"/>
             <a:endParaRPr kumimoji="1" lang="ja-JP" altLang="en-US"/>
           </a:p>
         </p:txBody>

--- a/学部_中間発表_1821144.pptx
+++ b/学部_中間発表_1821144.pptx
@@ -5,7 +5,7 @@
     <p:sldMasterId id="2147483660" r:id="rId1"/>
   </p:sldMasterIdLst>
   <p:notesMasterIdLst>
-    <p:notesMasterId r:id="rId10"/>
+    <p:notesMasterId r:id="rId11"/>
   </p:notesMasterIdLst>
   <p:sldIdLst>
     <p:sldId id="256" r:id="rId2"/>
@@ -14,8 +14,9 @@
     <p:sldId id="261" r:id="rId5"/>
     <p:sldId id="259" r:id="rId6"/>
     <p:sldId id="262" r:id="rId7"/>
-    <p:sldId id="258" r:id="rId8"/>
-    <p:sldId id="264" r:id="rId9"/>
+    <p:sldId id="265" r:id="rId8"/>
+    <p:sldId id="258" r:id="rId9"/>
+    <p:sldId id="264" r:id="rId10"/>
   </p:sldIdLst>
   <p:sldSz cx="9144000" cy="6858000" type="screen4x3"/>
   <p:notesSz cx="6858000" cy="9144000"/>
@@ -5335,9 +5336,10 @@
           <a:lstStyle/>
           <a:p>
             <a:r>
-              <a:rPr kumimoji="1" lang="ja-JP" altLang="en-US" dirty="0"/>
-              <a:t>関連研究</a:t>
-            </a:r>
+              <a:rPr kumimoji="1" lang="ja-JP" altLang="en-US" dirty="0" smtClean="0"/>
+              <a:t>進捗状況</a:t>
+            </a:r>
+            <a:endParaRPr kumimoji="1" lang="ja-JP" altLang="en-US" dirty="0"/>
           </a:p>
         </p:txBody>
       </p:sp>
@@ -5351,332 +5353,80 @@
             <p:ph idx="1"/>
           </p:nvPr>
         </p:nvSpPr>
+        <p:spPr/>
+        <p:txBody>
+          <a:bodyPr/>
+          <a:lstStyle/>
+          <a:p>
+            <a:pPr marL="0" indent="0">
+              <a:buNone/>
+            </a:pPr>
+            <a:r>
+              <a:rPr kumimoji="1" lang="ja-JP" altLang="en-US" dirty="0" smtClean="0"/>
+              <a:t>音楽データをスペクトログラムという横軸に時間、縦軸に周波数を表したヒートマップを作成するプログラムの作成をした。</a:t>
+            </a:r>
+            <a:endParaRPr kumimoji="1" lang="ja-JP" altLang="en-US" dirty="0"/>
+          </a:p>
+        </p:txBody>
+      </p:sp>
+      <p:sp>
+        <p:nvSpPr>
+          <p:cNvPr id="4" name="スライド番号プレースホルダー 3"/>
+          <p:cNvSpPr>
+            <a:spLocks noGrp="1"/>
+          </p:cNvSpPr>
+          <p:nvPr>
+            <p:ph type="sldNum" sz="quarter" idx="12"/>
+          </p:nvPr>
+        </p:nvSpPr>
+        <p:spPr/>
+        <p:txBody>
+          <a:bodyPr/>
+          <a:lstStyle/>
+          <a:p>
+            <a:fld id="{B4451160-128F-4DAD-AE29-4A8CC0E7B9E9}" type="slidenum">
+              <a:rPr lang="ja-JP" altLang="en-US" smtClean="0"/>
+              <a:pPr/>
+              <a:t>7</a:t>
+            </a:fld>
+            <a:endParaRPr lang="ja-JP" altLang="en-US" dirty="0"/>
+          </a:p>
+        </p:txBody>
+      </p:sp>
+      <p:pic>
+        <p:nvPicPr>
+          <p:cNvPr id="5" name="図 4"/>
+          <p:cNvPicPr>
+            <a:picLocks noChangeAspect="1"/>
+          </p:cNvPicPr>
+          <p:nvPr/>
+        </p:nvPicPr>
+        <p:blipFill>
+          <a:blip r:embed="rId2">
+            <a:extLst>
+              <a:ext uri="{28A0092B-C50C-407E-A947-70E740481C1C}">
+                <a14:useLocalDpi xmlns:a14="http://schemas.microsoft.com/office/drawing/2010/main" val="0"/>
+              </a:ext>
+            </a:extLst>
+          </a:blip>
+          <a:stretch>
+            <a:fillRect/>
+          </a:stretch>
+        </p:blipFill>
         <p:spPr>
           <a:xfrm>
-            <a:off x="628650" y="1399430"/>
-            <a:ext cx="7886700" cy="5128591"/>
+            <a:off x="912379" y="3431569"/>
+            <a:ext cx="7319241" cy="2619374"/>
           </a:xfrm>
+          <a:prstGeom prst="rect">
+            <a:avLst/>
+          </a:prstGeom>
         </p:spPr>
-        <p:txBody>
-          <a:bodyPr>
-            <a:normAutofit fontScale="92500" lnSpcReduction="10000"/>
-          </a:bodyPr>
-          <a:lstStyle/>
-          <a:p>
-            <a:pPr marL="0" indent="0">
-              <a:buNone/>
-            </a:pPr>
-            <a:r>
-              <a:rPr kumimoji="1" lang="ja-JP" altLang="en-US" dirty="0" smtClean="0">
-                <a:latin typeface="+mn-ea"/>
-              </a:rPr>
-              <a:t>・「音楽</a:t>
-            </a:r>
-            <a:r>
-              <a:rPr kumimoji="1" lang="ja-JP" altLang="en-US" dirty="0" smtClean="0">
-                <a:latin typeface="+mn-ea"/>
-              </a:rPr>
-              <a:t>動画への印象評価データセット構築とその特性の</a:t>
-            </a:r>
-            <a:r>
-              <a:rPr kumimoji="1" lang="ja-JP" altLang="en-US" dirty="0" smtClean="0">
-                <a:latin typeface="+mn-ea"/>
-              </a:rPr>
-              <a:t>調査」</a:t>
-            </a:r>
-            <a:endParaRPr kumimoji="1" lang="en-US" altLang="ja-JP" dirty="0" smtClean="0">
-              <a:latin typeface="+mn-ea"/>
-            </a:endParaRPr>
-          </a:p>
-          <a:p>
-            <a:pPr marL="0" indent="0">
-              <a:buNone/>
-            </a:pPr>
-            <a:r>
-              <a:rPr kumimoji="1" lang="ja-JP" altLang="en-US" dirty="0" smtClean="0">
-                <a:latin typeface="+mn-ea"/>
-              </a:rPr>
-              <a:t>大野直樹，中村聡史，山本</a:t>
-            </a:r>
-            <a:r>
-              <a:rPr kumimoji="1" lang="ja-JP" altLang="en-US" dirty="0" smtClean="0">
-                <a:latin typeface="+mn-ea"/>
-              </a:rPr>
-              <a:t>岳</a:t>
-            </a:r>
-            <a:r>
-              <a:rPr kumimoji="1" lang="ja-JP" altLang="en-US" dirty="0" smtClean="0">
-                <a:latin typeface="+mn-ea"/>
-              </a:rPr>
-              <a:t>洋，</a:t>
-            </a:r>
-            <a:r>
-              <a:rPr lang="ja-JP" altLang="en-US" dirty="0" smtClean="0">
-                <a:latin typeface="+mn-ea"/>
-              </a:rPr>
-              <a:t>後藤真孝，情報処理学会</a:t>
-            </a:r>
-            <a:endParaRPr kumimoji="1" lang="en-US" altLang="ja-JP" dirty="0" smtClean="0">
-              <a:latin typeface="+mn-ea"/>
-            </a:endParaRPr>
-          </a:p>
-          <a:p>
-            <a:pPr marL="0" indent="0">
-              <a:buNone/>
-            </a:pPr>
-            <a:endParaRPr kumimoji="1" lang="en-US" altLang="ja-JP" dirty="0">
-              <a:latin typeface="+mn-ea"/>
-            </a:endParaRPr>
-          </a:p>
-          <a:p>
-            <a:pPr marL="0" indent="0">
-              <a:buNone/>
-            </a:pPr>
-            <a:r>
-              <a:rPr lang="ja-JP" altLang="en-US" dirty="0" smtClean="0">
-                <a:latin typeface="+mn-ea"/>
-              </a:rPr>
-              <a:t>・「</a:t>
-            </a:r>
-            <a:r>
-              <a:rPr lang="ja-JP" altLang="en-US" b="1" dirty="0">
-                <a:latin typeface="+mn-ea"/>
-              </a:rPr>
-              <a:t>動画特徴量からの印象推定に基づく動画</a:t>
-            </a:r>
-            <a:r>
-              <a:rPr lang="en-US" altLang="ja-JP" b="1" dirty="0">
-                <a:latin typeface="+mn-ea"/>
-              </a:rPr>
-              <a:t>BGM </a:t>
-            </a:r>
-            <a:r>
-              <a:rPr lang="ja-JP" altLang="en-US" b="1" dirty="0">
-                <a:latin typeface="+mn-ea"/>
-              </a:rPr>
-              <a:t>の自動素材選出</a:t>
-            </a:r>
-            <a:r>
-              <a:rPr lang="ja-JP" altLang="en-US" dirty="0" smtClean="0">
-                <a:latin typeface="+mn-ea"/>
-              </a:rPr>
-              <a:t>」</a:t>
-            </a:r>
-            <a:r>
-              <a:rPr lang="ja-JP" altLang="en-US" dirty="0">
-                <a:latin typeface="+mn-ea"/>
-              </a:rPr>
-              <a:t/>
-            </a:r>
-            <a:br>
-              <a:rPr lang="ja-JP" altLang="en-US" dirty="0">
-                <a:latin typeface="+mn-ea"/>
-              </a:rPr>
-            </a:br>
-            <a:r>
-              <a:rPr lang="ja-JP" altLang="en-US" dirty="0" smtClean="0">
-                <a:latin typeface="+mn-ea"/>
-              </a:rPr>
-              <a:t>清水，</a:t>
-            </a:r>
-            <a:r>
-              <a:rPr lang="en-US" altLang="ja-JP" dirty="0" smtClean="0">
-                <a:latin typeface="+mn-ea"/>
-              </a:rPr>
-              <a:t> </a:t>
-            </a:r>
-            <a:r>
-              <a:rPr lang="ja-JP" altLang="en-US" dirty="0" smtClean="0">
-                <a:latin typeface="+mn-ea"/>
-              </a:rPr>
-              <a:t>菅野，</a:t>
-            </a:r>
-            <a:r>
-              <a:rPr lang="en-US" altLang="ja-JP" dirty="0" smtClean="0">
-                <a:latin typeface="+mn-ea"/>
-              </a:rPr>
-              <a:t> </a:t>
-            </a:r>
-            <a:r>
-              <a:rPr lang="ja-JP" altLang="en-US" dirty="0" smtClean="0">
-                <a:latin typeface="+mn-ea"/>
-              </a:rPr>
-              <a:t>伊藤，</a:t>
-            </a:r>
-            <a:r>
-              <a:rPr lang="en-US" altLang="ja-JP" dirty="0" smtClean="0">
-                <a:latin typeface="+mn-ea"/>
-              </a:rPr>
-              <a:t> </a:t>
-            </a:r>
-            <a:r>
-              <a:rPr lang="ja-JP" altLang="en-US" dirty="0" smtClean="0">
-                <a:latin typeface="+mn-ea"/>
-              </a:rPr>
-              <a:t>嵯峨山，</a:t>
-            </a:r>
-            <a:r>
-              <a:rPr lang="en-US" altLang="ja-JP" dirty="0" smtClean="0">
-                <a:latin typeface="+mn-ea"/>
-              </a:rPr>
-              <a:t> </a:t>
-            </a:r>
-            <a:r>
-              <a:rPr lang="ja-JP" altLang="en-US" dirty="0" smtClean="0">
-                <a:latin typeface="+mn-ea"/>
-              </a:rPr>
-              <a:t>高塚，</a:t>
-            </a:r>
-            <a:r>
-              <a:rPr lang="en-US" altLang="ja-JP" dirty="0">
-                <a:latin typeface="+mn-ea"/>
-              </a:rPr>
-              <a:t> </a:t>
-            </a:r>
-            <a:r>
-              <a:rPr lang="en-US" altLang="ja-JP" dirty="0" smtClean="0">
-                <a:latin typeface="+mn-ea"/>
-              </a:rPr>
-              <a:t>NICOGRAPH 2016</a:t>
-            </a:r>
-          </a:p>
-          <a:p>
-            <a:pPr marL="0" indent="0">
-              <a:buNone/>
-            </a:pPr>
-            <a:endParaRPr lang="en-US" altLang="ja-JP" dirty="0" smtClean="0">
-              <a:latin typeface="+mn-ea"/>
-            </a:endParaRPr>
-          </a:p>
-          <a:p>
-            <a:pPr marL="0" indent="0">
-              <a:buNone/>
-            </a:pPr>
-            <a:r>
-              <a:rPr lang="ja-JP" altLang="en-US" dirty="0" smtClean="0">
-                <a:latin typeface="+mn-ea"/>
-              </a:rPr>
-              <a:t>・「</a:t>
-            </a:r>
-            <a:r>
-              <a:rPr lang="en-US" altLang="ja-JP" dirty="0">
-                <a:latin typeface="+mn-ea"/>
-              </a:rPr>
-              <a:t>DIVA</a:t>
-            </a:r>
-            <a:r>
-              <a:rPr lang="ja-JP" altLang="en-US" dirty="0">
-                <a:latin typeface="+mn-ea"/>
-              </a:rPr>
-              <a:t>：</a:t>
-            </a:r>
-            <a:r>
-              <a:rPr lang="ja-JP" altLang="en-US" dirty="0" smtClean="0">
-                <a:latin typeface="+mn-ea"/>
-              </a:rPr>
-              <a:t>画像</a:t>
-            </a:r>
-            <a:r>
-              <a:rPr lang="ja-JP" altLang="en-US" dirty="0">
-                <a:latin typeface="+mn-ea"/>
-              </a:rPr>
-              <a:t>の印象に合わせた音楽自動アレンジの一手法の提案</a:t>
-            </a:r>
-            <a:r>
-              <a:rPr lang="ja-JP" altLang="en-US" dirty="0" smtClean="0">
-                <a:latin typeface="+mn-ea"/>
-              </a:rPr>
-              <a:t>」</a:t>
-            </a:r>
-            <a:endParaRPr lang="en-US" altLang="ja-JP" dirty="0">
-              <a:latin typeface="+mn-ea"/>
-            </a:endParaRPr>
-          </a:p>
-          <a:p>
-            <a:pPr marL="0" indent="0">
-              <a:buNone/>
-            </a:pPr>
-            <a:r>
-              <a:rPr lang="ja-JP" altLang="en-US" dirty="0">
-                <a:latin typeface="+mn-ea"/>
-              </a:rPr>
-              <a:t>大山</a:t>
-            </a:r>
-            <a:r>
-              <a:rPr lang="en-US" altLang="ja-JP" dirty="0">
-                <a:latin typeface="+mn-ea"/>
-              </a:rPr>
-              <a:t>, </a:t>
-            </a:r>
-            <a:r>
-              <a:rPr lang="ja-JP" altLang="en-US" dirty="0">
-                <a:latin typeface="+mn-ea"/>
-              </a:rPr>
-              <a:t>伊藤</a:t>
-            </a:r>
-            <a:r>
-              <a:rPr lang="en-US" altLang="ja-JP" dirty="0" smtClean="0">
-                <a:latin typeface="+mn-ea"/>
-              </a:rPr>
-              <a:t>,</a:t>
-            </a:r>
-            <a:r>
-              <a:rPr lang="ja-JP" altLang="en-US" dirty="0" smtClean="0">
-                <a:latin typeface="+mn-ea"/>
-              </a:rPr>
-              <a:t>芸術</a:t>
-            </a:r>
-            <a:r>
-              <a:rPr lang="ja-JP" altLang="en-US" dirty="0">
-                <a:latin typeface="+mn-ea"/>
-              </a:rPr>
-              <a:t>科学会論文誌</a:t>
-            </a:r>
-            <a:endParaRPr lang="en-US" altLang="ja-JP" dirty="0" smtClean="0">
-              <a:latin typeface="+mn-ea"/>
-            </a:endParaRPr>
-          </a:p>
-          <a:p>
-            <a:pPr marL="0" indent="0">
-              <a:buNone/>
-            </a:pPr>
-            <a:endParaRPr kumimoji="1" lang="en-US" altLang="ja-JP" dirty="0"/>
-          </a:p>
-          <a:p>
-            <a:pPr marL="0" indent="0">
-              <a:buNone/>
-            </a:pPr>
-            <a:endParaRPr kumimoji="1" lang="ja-JP" altLang="en-US" dirty="0"/>
-          </a:p>
-        </p:txBody>
-      </p:sp>
-      <p:sp>
-        <p:nvSpPr>
-          <p:cNvPr id="4" name="スライド番号プレースホルダー 3"/>
-          <p:cNvSpPr>
-            <a:spLocks noGrp="1"/>
-          </p:cNvSpPr>
-          <p:nvPr>
-            <p:ph type="sldNum" sz="quarter" idx="12"/>
-          </p:nvPr>
-        </p:nvSpPr>
-        <p:spPr/>
-        <p:txBody>
-          <a:bodyPr/>
-          <a:lstStyle/>
-          <a:p>
-            <a:fld id="{B4451160-128F-4DAD-AE29-4A8CC0E7B9E9}" type="slidenum">
-              <a:rPr kumimoji="1" lang="ja-JP" altLang="en-US" smtClean="0"/>
-              <a:t>7</a:t>
-            </a:fld>
-            <a:endParaRPr kumimoji="1" lang="ja-JP" altLang="en-US"/>
-          </a:p>
-        </p:txBody>
-      </p:sp>
+      </p:pic>
     </p:spTree>
     <p:extLst>
       <p:ext uri="{BB962C8B-B14F-4D97-AF65-F5344CB8AC3E}">
-        <p14:creationId xmlns:p14="http://schemas.microsoft.com/office/powerpoint/2010/main" val="3769541672"/>
+        <p14:creationId xmlns:p14="http://schemas.microsoft.com/office/powerpoint/2010/main" val="3872963283"/>
       </p:ext>
     </p:extLst>
   </p:cSld>
@@ -5720,8 +5470,317 @@
           <a:p>
             <a:r>
               <a:rPr kumimoji="1" lang="ja-JP" altLang="en-US" dirty="0"/>
-              <a:t>今後のスケジュール</a:t>
-            </a:r>
+              <a:t>関連研究</a:t>
+            </a:r>
+          </a:p>
+        </p:txBody>
+      </p:sp>
+      <p:sp>
+        <p:nvSpPr>
+          <p:cNvPr id="3" name="コンテンツ プレースホルダー 2"/>
+          <p:cNvSpPr>
+            <a:spLocks noGrp="1"/>
+          </p:cNvSpPr>
+          <p:nvPr>
+            <p:ph idx="1"/>
+          </p:nvPr>
+        </p:nvSpPr>
+        <p:spPr>
+          <a:xfrm>
+            <a:off x="628650" y="1399430"/>
+            <a:ext cx="7886700" cy="5128591"/>
+          </a:xfrm>
+        </p:spPr>
+        <p:txBody>
+          <a:bodyPr>
+            <a:normAutofit fontScale="92500" lnSpcReduction="10000"/>
+          </a:bodyPr>
+          <a:lstStyle/>
+          <a:p>
+            <a:pPr marL="0" indent="0">
+              <a:buNone/>
+            </a:pPr>
+            <a:r>
+              <a:rPr kumimoji="1" lang="ja-JP" altLang="en-US" dirty="0" smtClean="0">
+                <a:latin typeface="+mn-ea"/>
+              </a:rPr>
+              <a:t>・「音楽</a:t>
+            </a:r>
+            <a:r>
+              <a:rPr kumimoji="1" lang="ja-JP" altLang="en-US" dirty="0" smtClean="0">
+                <a:latin typeface="+mn-ea"/>
+              </a:rPr>
+              <a:t>動画への印象評価データセット構築とその特性の</a:t>
+            </a:r>
+            <a:r>
+              <a:rPr kumimoji="1" lang="ja-JP" altLang="en-US" dirty="0" smtClean="0">
+                <a:latin typeface="+mn-ea"/>
+              </a:rPr>
+              <a:t>調査」</a:t>
+            </a:r>
+            <a:endParaRPr kumimoji="1" lang="en-US" altLang="ja-JP" dirty="0" smtClean="0">
+              <a:latin typeface="+mn-ea"/>
+            </a:endParaRPr>
+          </a:p>
+          <a:p>
+            <a:pPr marL="0" indent="0">
+              <a:buNone/>
+            </a:pPr>
+            <a:r>
+              <a:rPr kumimoji="1" lang="ja-JP" altLang="en-US" dirty="0" smtClean="0">
+                <a:latin typeface="+mn-ea"/>
+              </a:rPr>
+              <a:t>大野直樹，中村聡史，山本</a:t>
+            </a:r>
+            <a:r>
+              <a:rPr kumimoji="1" lang="ja-JP" altLang="en-US" dirty="0" smtClean="0">
+                <a:latin typeface="+mn-ea"/>
+              </a:rPr>
+              <a:t>岳</a:t>
+            </a:r>
+            <a:r>
+              <a:rPr kumimoji="1" lang="ja-JP" altLang="en-US" dirty="0" smtClean="0">
+                <a:latin typeface="+mn-ea"/>
+              </a:rPr>
+              <a:t>洋，</a:t>
+            </a:r>
+            <a:r>
+              <a:rPr lang="ja-JP" altLang="en-US" dirty="0" smtClean="0">
+                <a:latin typeface="+mn-ea"/>
+              </a:rPr>
+              <a:t>後藤真孝，情報処理学会</a:t>
+            </a:r>
+            <a:endParaRPr kumimoji="1" lang="en-US" altLang="ja-JP" dirty="0" smtClean="0">
+              <a:latin typeface="+mn-ea"/>
+            </a:endParaRPr>
+          </a:p>
+          <a:p>
+            <a:pPr marL="0" indent="0">
+              <a:buNone/>
+            </a:pPr>
+            <a:endParaRPr kumimoji="1" lang="en-US" altLang="ja-JP" dirty="0">
+              <a:latin typeface="+mn-ea"/>
+            </a:endParaRPr>
+          </a:p>
+          <a:p>
+            <a:pPr marL="0" indent="0">
+              <a:buNone/>
+            </a:pPr>
+            <a:r>
+              <a:rPr lang="ja-JP" altLang="en-US" dirty="0" smtClean="0">
+                <a:latin typeface="+mn-ea"/>
+              </a:rPr>
+              <a:t>・「</a:t>
+            </a:r>
+            <a:r>
+              <a:rPr lang="ja-JP" altLang="en-US" b="1" dirty="0">
+                <a:latin typeface="+mn-ea"/>
+              </a:rPr>
+              <a:t>動画特徴量からの印象推定に基づく動画</a:t>
+            </a:r>
+            <a:r>
+              <a:rPr lang="en-US" altLang="ja-JP" b="1" dirty="0">
+                <a:latin typeface="+mn-ea"/>
+              </a:rPr>
+              <a:t>BGM </a:t>
+            </a:r>
+            <a:r>
+              <a:rPr lang="ja-JP" altLang="en-US" b="1" dirty="0">
+                <a:latin typeface="+mn-ea"/>
+              </a:rPr>
+              <a:t>の自動素材選出</a:t>
+            </a:r>
+            <a:r>
+              <a:rPr lang="ja-JP" altLang="en-US" dirty="0" smtClean="0">
+                <a:latin typeface="+mn-ea"/>
+              </a:rPr>
+              <a:t>」</a:t>
+            </a:r>
+            <a:r>
+              <a:rPr lang="ja-JP" altLang="en-US" dirty="0">
+                <a:latin typeface="+mn-ea"/>
+              </a:rPr>
+              <a:t/>
+            </a:r>
+            <a:br>
+              <a:rPr lang="ja-JP" altLang="en-US" dirty="0">
+                <a:latin typeface="+mn-ea"/>
+              </a:rPr>
+            </a:br>
+            <a:r>
+              <a:rPr lang="ja-JP" altLang="en-US" dirty="0" smtClean="0">
+                <a:latin typeface="+mn-ea"/>
+              </a:rPr>
+              <a:t>清水，</a:t>
+            </a:r>
+            <a:r>
+              <a:rPr lang="en-US" altLang="ja-JP" dirty="0" smtClean="0">
+                <a:latin typeface="+mn-ea"/>
+              </a:rPr>
+              <a:t> </a:t>
+            </a:r>
+            <a:r>
+              <a:rPr lang="ja-JP" altLang="en-US" dirty="0" smtClean="0">
+                <a:latin typeface="+mn-ea"/>
+              </a:rPr>
+              <a:t>菅野，</a:t>
+            </a:r>
+            <a:r>
+              <a:rPr lang="en-US" altLang="ja-JP" dirty="0" smtClean="0">
+                <a:latin typeface="+mn-ea"/>
+              </a:rPr>
+              <a:t> </a:t>
+            </a:r>
+            <a:r>
+              <a:rPr lang="ja-JP" altLang="en-US" dirty="0" smtClean="0">
+                <a:latin typeface="+mn-ea"/>
+              </a:rPr>
+              <a:t>伊藤，</a:t>
+            </a:r>
+            <a:r>
+              <a:rPr lang="en-US" altLang="ja-JP" dirty="0" smtClean="0">
+                <a:latin typeface="+mn-ea"/>
+              </a:rPr>
+              <a:t> </a:t>
+            </a:r>
+            <a:r>
+              <a:rPr lang="ja-JP" altLang="en-US" dirty="0" smtClean="0">
+                <a:latin typeface="+mn-ea"/>
+              </a:rPr>
+              <a:t>嵯峨山，</a:t>
+            </a:r>
+            <a:r>
+              <a:rPr lang="en-US" altLang="ja-JP" dirty="0" smtClean="0">
+                <a:latin typeface="+mn-ea"/>
+              </a:rPr>
+              <a:t> </a:t>
+            </a:r>
+            <a:r>
+              <a:rPr lang="ja-JP" altLang="en-US" dirty="0" smtClean="0">
+                <a:latin typeface="+mn-ea"/>
+              </a:rPr>
+              <a:t>高塚，</a:t>
+            </a:r>
+            <a:r>
+              <a:rPr lang="en-US" altLang="ja-JP" dirty="0">
+                <a:latin typeface="+mn-ea"/>
+              </a:rPr>
+              <a:t> </a:t>
+            </a:r>
+            <a:r>
+              <a:rPr lang="en-US" altLang="ja-JP" dirty="0" smtClean="0">
+                <a:latin typeface="+mn-ea"/>
+              </a:rPr>
+              <a:t>NICOGRAPH 2016</a:t>
+            </a:r>
+          </a:p>
+          <a:p>
+            <a:pPr marL="0" indent="0">
+              <a:buNone/>
+            </a:pPr>
+            <a:endParaRPr lang="en-US" altLang="ja-JP" dirty="0" smtClean="0">
+              <a:latin typeface="+mn-ea"/>
+            </a:endParaRPr>
+          </a:p>
+          <a:p>
+            <a:pPr marL="0" indent="0">
+              <a:buNone/>
+            </a:pPr>
+            <a:r>
+              <a:rPr lang="ja-JP" altLang="en-US" dirty="0" smtClean="0">
+                <a:latin typeface="+mn-ea"/>
+              </a:rPr>
+              <a:t>・「</a:t>
+            </a:r>
+            <a:r>
+              <a:rPr lang="en-US" altLang="ja-JP" dirty="0">
+                <a:latin typeface="+mn-ea"/>
+              </a:rPr>
+              <a:t>DIVA</a:t>
+            </a:r>
+            <a:r>
+              <a:rPr lang="ja-JP" altLang="en-US" dirty="0">
+                <a:latin typeface="+mn-ea"/>
+              </a:rPr>
+              <a:t>：</a:t>
+            </a:r>
+            <a:r>
+              <a:rPr lang="ja-JP" altLang="en-US" dirty="0" smtClean="0">
+                <a:latin typeface="+mn-ea"/>
+              </a:rPr>
+              <a:t>画像</a:t>
+            </a:r>
+            <a:r>
+              <a:rPr lang="ja-JP" altLang="en-US" dirty="0">
+                <a:latin typeface="+mn-ea"/>
+              </a:rPr>
+              <a:t>の印象に合わせた音楽自動アレンジの一手法の提案</a:t>
+            </a:r>
+            <a:r>
+              <a:rPr lang="ja-JP" altLang="en-US" dirty="0" smtClean="0">
+                <a:latin typeface="+mn-ea"/>
+              </a:rPr>
+              <a:t>」</a:t>
+            </a:r>
+            <a:endParaRPr lang="en-US" altLang="ja-JP" dirty="0">
+              <a:latin typeface="+mn-ea"/>
+            </a:endParaRPr>
+          </a:p>
+          <a:p>
+            <a:pPr marL="0" indent="0">
+              <a:buNone/>
+            </a:pPr>
+            <a:r>
+              <a:rPr lang="ja-JP" altLang="en-US" dirty="0">
+                <a:latin typeface="+mn-ea"/>
+              </a:rPr>
+              <a:t>大山</a:t>
+            </a:r>
+            <a:r>
+              <a:rPr lang="en-US" altLang="ja-JP" dirty="0">
+                <a:latin typeface="+mn-ea"/>
+              </a:rPr>
+              <a:t>, </a:t>
+            </a:r>
+            <a:r>
+              <a:rPr lang="ja-JP" altLang="en-US" dirty="0">
+                <a:latin typeface="+mn-ea"/>
+              </a:rPr>
+              <a:t>伊藤</a:t>
+            </a:r>
+            <a:r>
+              <a:rPr lang="en-US" altLang="ja-JP" dirty="0" smtClean="0">
+                <a:latin typeface="+mn-ea"/>
+              </a:rPr>
+              <a:t>,</a:t>
+            </a:r>
+            <a:r>
+              <a:rPr lang="ja-JP" altLang="en-US" dirty="0" smtClean="0">
+                <a:latin typeface="+mn-ea"/>
+              </a:rPr>
+              <a:t>芸術</a:t>
+            </a:r>
+            <a:r>
+              <a:rPr lang="ja-JP" altLang="en-US" dirty="0">
+                <a:latin typeface="+mn-ea"/>
+              </a:rPr>
+              <a:t>科学会論文誌</a:t>
+            </a:r>
+            <a:endParaRPr lang="en-US" altLang="ja-JP" dirty="0" smtClean="0">
+              <a:latin typeface="+mn-ea"/>
+            </a:endParaRPr>
+          </a:p>
+          <a:p>
+            <a:pPr marL="0" indent="0">
+              <a:buNone/>
+            </a:pPr>
+            <a:endParaRPr kumimoji="1" lang="en-US" altLang="ja-JP" dirty="0"/>
+          </a:p>
+          <a:p>
+            <a:pPr marL="0" indent="0">
+              <a:buNone/>
+            </a:pPr>
+            <a:endParaRPr kumimoji="1" lang="ja-JP" altLang="en-US" dirty="0"/>
           </a:p>
         </p:txBody>
       </p:sp>
@@ -5743,6 +5802,81 @@
             <a:fld id="{B4451160-128F-4DAD-AE29-4A8CC0E7B9E9}" type="slidenum">
               <a:rPr kumimoji="1" lang="ja-JP" altLang="en-US" smtClean="0"/>
               <a:t>8</a:t>
+            </a:fld>
+            <a:endParaRPr kumimoji="1" lang="ja-JP" altLang="en-US"/>
+          </a:p>
+        </p:txBody>
+      </p:sp>
+    </p:spTree>
+    <p:extLst>
+      <p:ext uri="{BB962C8B-B14F-4D97-AF65-F5344CB8AC3E}">
+        <p14:creationId xmlns:p14="http://schemas.microsoft.com/office/powerpoint/2010/main" val="3769541672"/>
+      </p:ext>
+    </p:extLst>
+  </p:cSld>
+  <p:clrMapOvr>
+    <a:masterClrMapping/>
+  </p:clrMapOvr>
+</p:sld>
+</file>
+
+<file path=ppt/slides/slide9.xml><?xml version="1.0" encoding="utf-8"?>
+<p:sld xmlns:a="http://schemas.openxmlformats.org/drawingml/2006/main" xmlns:r="http://schemas.openxmlformats.org/officeDocument/2006/relationships" xmlns:p="http://schemas.openxmlformats.org/presentationml/2006/main">
+  <p:cSld>
+    <p:spTree>
+      <p:nvGrpSpPr>
+        <p:cNvPr id="1" name=""/>
+        <p:cNvGrpSpPr/>
+        <p:nvPr/>
+      </p:nvGrpSpPr>
+      <p:grpSpPr>
+        <a:xfrm>
+          <a:off x="0" y="0"/>
+          <a:ext cx="0" cy="0"/>
+          <a:chOff x="0" y="0"/>
+          <a:chExt cx="0" cy="0"/>
+        </a:xfrm>
+      </p:grpSpPr>
+      <p:sp>
+        <p:nvSpPr>
+          <p:cNvPr id="2" name="タイトル 1"/>
+          <p:cNvSpPr>
+            <a:spLocks noGrp="1"/>
+          </p:cNvSpPr>
+          <p:nvPr>
+            <p:ph type="title"/>
+          </p:nvPr>
+        </p:nvSpPr>
+        <p:spPr/>
+        <p:txBody>
+          <a:bodyPr/>
+          <a:lstStyle/>
+          <a:p>
+            <a:r>
+              <a:rPr kumimoji="1" lang="ja-JP" altLang="en-US" dirty="0"/>
+              <a:t>今後のスケジュール</a:t>
+            </a:r>
+          </a:p>
+        </p:txBody>
+      </p:sp>
+      <p:sp>
+        <p:nvSpPr>
+          <p:cNvPr id="4" name="スライド番号プレースホルダー 3"/>
+          <p:cNvSpPr>
+            <a:spLocks noGrp="1"/>
+          </p:cNvSpPr>
+          <p:nvPr>
+            <p:ph type="sldNum" sz="quarter" idx="12"/>
+          </p:nvPr>
+        </p:nvSpPr>
+        <p:spPr/>
+        <p:txBody>
+          <a:bodyPr/>
+          <a:lstStyle/>
+          <a:p>
+            <a:fld id="{B4451160-128F-4DAD-AE29-4A8CC0E7B9E9}" type="slidenum">
+              <a:rPr kumimoji="1" lang="ja-JP" altLang="en-US" smtClean="0"/>
+              <a:t>9</a:t>
             </a:fld>
             <a:endParaRPr kumimoji="1" lang="ja-JP" altLang="en-US"/>
           </a:p>

--- a/学部_中間発表_1821144.pptx
+++ b/学部_中間発表_1821144.pptx
@@ -11,8 +11,8 @@
     <p:sldId id="256" r:id="rId2"/>
     <p:sldId id="257" r:id="rId3"/>
     <p:sldId id="260" r:id="rId4"/>
-    <p:sldId id="261" r:id="rId5"/>
-    <p:sldId id="259" r:id="rId6"/>
+    <p:sldId id="259" r:id="rId5"/>
+    <p:sldId id="261" r:id="rId6"/>
     <p:sldId id="262" r:id="rId7"/>
     <p:sldId id="265" r:id="rId8"/>
     <p:sldId id="258" r:id="rId9"/>
@@ -4033,11 +4033,15 @@
             </a:r>
             <a:r>
               <a:rPr lang="ja-JP" altLang="en-US" dirty="0"/>
-              <a:t>の観光地推薦</a:t>
+              <a:t>の観光地</a:t>
             </a:r>
             <a:r>
               <a:rPr lang="ja-JP" altLang="en-US" dirty="0" smtClean="0"/>
-              <a:t>でシステムでは推薦される観光地の情報は，画像が主なため観光地のイメージをつかみづらいと感じた．</a:t>
+              <a:t>推薦システム</a:t>
+            </a:r>
+            <a:r>
+              <a:rPr lang="ja-JP" altLang="en-US" dirty="0" smtClean="0"/>
+              <a:t>では推薦される観光地の情報は，画像が主なため観光地のイメージをつかみづらいと感じた．</a:t>
             </a:r>
             <a:endParaRPr lang="en-US" altLang="ja-JP" dirty="0" smtClean="0"/>
           </a:p>
@@ -4294,7 +4298,19 @@
             </a:r>
             <a:r>
               <a:rPr lang="ja-JP" altLang="en-US" dirty="0" smtClean="0"/>
-              <a:t>で処理の効率を上げる必要があると感じた．</a:t>
+              <a:t>で処理の効率を上げる必要がある</a:t>
+            </a:r>
+            <a:r>
+              <a:rPr lang="ja-JP" altLang="en-US" dirty="0" smtClean="0"/>
+              <a:t>と</a:t>
+            </a:r>
+            <a:r>
+              <a:rPr lang="ja-JP" altLang="en-US" dirty="0"/>
+              <a:t>考えた</a:t>
+            </a:r>
+            <a:r>
+              <a:rPr lang="ja-JP" altLang="en-US" dirty="0" smtClean="0"/>
+              <a:t>．</a:t>
             </a:r>
             <a:endParaRPr lang="ja-JP" altLang="en-US" dirty="0"/>
           </a:p>
@@ -4376,7 +4392,7 @@
           <a:p>
             <a:r>
               <a:rPr kumimoji="1" lang="ja-JP" altLang="en-US" dirty="0"/>
-              <a:t>研究目的</a:t>
+              <a:t>研究課題</a:t>
             </a:r>
           </a:p>
         </p:txBody>
@@ -4401,7 +4417,23 @@
             </a:pPr>
             <a:r>
               <a:rPr kumimoji="1" lang="ja-JP" altLang="en-US" dirty="0" smtClean="0"/>
-              <a:t>インターネット上に投稿された大量の音楽データをジャンル分けし，観光地推薦動画とマッチングするシステムの作成．</a:t>
+              <a:t>ジャンル分けした音楽と観光地推薦動画を合わせる想定をしているため，ジャンル分けした音楽と動画をどのように組み合わせると</a:t>
+            </a:r>
+            <a:r>
+              <a:rPr kumimoji="1" lang="ja-JP" altLang="en-US" dirty="0" smtClean="0"/>
+              <a:t>より観光地を</a:t>
+            </a:r>
+            <a:r>
+              <a:rPr lang="ja-JP" altLang="en-US" dirty="0" smtClean="0"/>
+              <a:t>イメージ</a:t>
+            </a:r>
+            <a:r>
+              <a:rPr lang="ja-JP" altLang="en-US" dirty="0" smtClean="0"/>
+              <a:t>しやすくなるか</a:t>
+            </a:r>
+            <a:r>
+              <a:rPr kumimoji="1" lang="ja-JP" altLang="en-US" dirty="0" smtClean="0"/>
+              <a:t>．</a:t>
             </a:r>
             <a:endParaRPr kumimoji="1" lang="ja-JP" altLang="en-US" dirty="0"/>
           </a:p>
@@ -4433,7 +4465,7 @@
     </p:spTree>
     <p:extLst>
       <p:ext uri="{BB962C8B-B14F-4D97-AF65-F5344CB8AC3E}">
-        <p14:creationId xmlns:p14="http://schemas.microsoft.com/office/powerpoint/2010/main" val="114472190"/>
+        <p14:creationId xmlns:p14="http://schemas.microsoft.com/office/powerpoint/2010/main" val="1923407823"/>
       </p:ext>
     </p:extLst>
   </p:cSld>
@@ -4477,7 +4509,7 @@
           <a:p>
             <a:r>
               <a:rPr kumimoji="1" lang="ja-JP" altLang="en-US" dirty="0"/>
-              <a:t>研究課題</a:t>
+              <a:t>研究目的</a:t>
             </a:r>
           </a:p>
         </p:txBody>
@@ -4502,27 +4534,7 @@
             </a:pPr>
             <a:r>
               <a:rPr kumimoji="1" lang="ja-JP" altLang="en-US" dirty="0" smtClean="0"/>
-              <a:t>ジャンル分けした音楽と観光地推薦動画を合わせる想定をしている</a:t>
-            </a:r>
-            <a:r>
-              <a:rPr kumimoji="1" lang="ja-JP" altLang="en-US" dirty="0" smtClean="0"/>
-              <a:t>ため，ジャンル</a:t>
-            </a:r>
-            <a:r>
-              <a:rPr kumimoji="1" lang="ja-JP" altLang="en-US" dirty="0" smtClean="0"/>
-              <a:t>分けした音楽と動画をどのように組み合わせるとより</a:t>
-            </a:r>
-            <a:r>
-              <a:rPr lang="ja-JP" altLang="en-US" dirty="0" smtClean="0"/>
-              <a:t>イメージしやすくなる</a:t>
-            </a:r>
-            <a:r>
-              <a:rPr lang="ja-JP" altLang="en-US" dirty="0" smtClean="0"/>
-              <a:t>か</a:t>
-            </a:r>
-            <a:r>
-              <a:rPr kumimoji="1" lang="ja-JP" altLang="en-US" dirty="0" smtClean="0"/>
-              <a:t>．</a:t>
+              <a:t>インターネット上に投稿された大量の音楽データをジャンル分けし，観光地推薦動画とマッチングするシステムの作成．</a:t>
             </a:r>
             <a:endParaRPr kumimoji="1" lang="ja-JP" altLang="en-US" dirty="0"/>
           </a:p>
@@ -4554,7 +4566,7 @@
     </p:spTree>
     <p:extLst>
       <p:ext uri="{BB962C8B-B14F-4D97-AF65-F5344CB8AC3E}">
-        <p14:creationId xmlns:p14="http://schemas.microsoft.com/office/powerpoint/2010/main" val="1923407823"/>
+        <p14:creationId xmlns:p14="http://schemas.microsoft.com/office/powerpoint/2010/main" val="114472190"/>
       </p:ext>
     </p:extLst>
   </p:cSld>
@@ -4598,12 +4610,14 @@
           </a:xfrm>
         </p:spPr>
         <p:txBody>
-          <a:bodyPr/>
-          <a:lstStyle/>
-          <a:p>
-            <a:r>
-              <a:rPr lang="ja-JP" altLang="en-US" dirty="0"/>
-              <a:t>提案方式図</a:t>
+          <a:bodyPr>
+            <a:normAutofit fontScale="90000"/>
+          </a:bodyPr>
+          <a:lstStyle/>
+          <a:p>
+            <a:r>
+              <a:rPr lang="ja-JP" altLang="en-US"/>
+              <a:t>システム概要</a:t>
             </a:r>
             <a:endParaRPr kumimoji="1" lang="ja-JP" altLang="en-US" dirty="0"/>
           </a:p>
@@ -5504,45 +5518,21 @@
               <a:rPr kumimoji="1" lang="ja-JP" altLang="en-US" dirty="0" smtClean="0">
                 <a:latin typeface="+mn-ea"/>
               </a:rPr>
-              <a:t>・「音楽</a:t>
-            </a:r>
+              <a:t>・「音楽動画への印象評価データセット構築とその特性の調査」</a:t>
+            </a:r>
+            <a:endParaRPr kumimoji="1" lang="en-US" altLang="ja-JP" dirty="0" smtClean="0">
+              <a:latin typeface="+mn-ea"/>
+            </a:endParaRPr>
+          </a:p>
+          <a:p>
+            <a:pPr marL="0" indent="0">
+              <a:buNone/>
+            </a:pPr>
             <a:r>
               <a:rPr kumimoji="1" lang="ja-JP" altLang="en-US" dirty="0" smtClean="0">
                 <a:latin typeface="+mn-ea"/>
               </a:rPr>
-              <a:t>動画への印象評価データセット構築とその特性の</a:t>
-            </a:r>
-            <a:r>
-              <a:rPr kumimoji="1" lang="ja-JP" altLang="en-US" dirty="0" smtClean="0">
-                <a:latin typeface="+mn-ea"/>
-              </a:rPr>
-              <a:t>調査」</a:t>
-            </a:r>
-            <a:endParaRPr kumimoji="1" lang="en-US" altLang="ja-JP" dirty="0" smtClean="0">
-              <a:latin typeface="+mn-ea"/>
-            </a:endParaRPr>
-          </a:p>
-          <a:p>
-            <a:pPr marL="0" indent="0">
-              <a:buNone/>
-            </a:pPr>
-            <a:r>
-              <a:rPr kumimoji="1" lang="ja-JP" altLang="en-US" dirty="0" smtClean="0">
-                <a:latin typeface="+mn-ea"/>
-              </a:rPr>
-              <a:t>大野直樹，中村聡史，山本</a:t>
-            </a:r>
-            <a:r>
-              <a:rPr kumimoji="1" lang="ja-JP" altLang="en-US" dirty="0" smtClean="0">
-                <a:latin typeface="+mn-ea"/>
-              </a:rPr>
-              <a:t>岳</a:t>
-            </a:r>
-            <a:r>
-              <a:rPr kumimoji="1" lang="ja-JP" altLang="en-US" dirty="0" smtClean="0">
-                <a:latin typeface="+mn-ea"/>
-              </a:rPr>
-              <a:t>洋，</a:t>
+              <a:t>大野直樹，中村聡史，山本岳洋，</a:t>
             </a:r>
             <a:r>
               <a:rPr lang="ja-JP" altLang="en-US" dirty="0" smtClean="0">

--- a/学部_中間発表_1821144.pptx
+++ b/学部_中間発表_1821144.pptx
@@ -14,8 +14,8 @@
     <p:sldId id="259" r:id="rId5"/>
     <p:sldId id="261" r:id="rId6"/>
     <p:sldId id="262" r:id="rId7"/>
-    <p:sldId id="265" r:id="rId8"/>
-    <p:sldId id="258" r:id="rId9"/>
+    <p:sldId id="258" r:id="rId8"/>
+    <p:sldId id="265" r:id="rId9"/>
     <p:sldId id="264" r:id="rId10"/>
   </p:sldIdLst>
   <p:sldSz cx="9144000" cy="6858000" type="screen4x3"/>
@@ -234,7 +234,7 @@
           <a:p>
             <a:fld id="{27571B5F-C8EC-4379-AD76-80FD414F3861}" type="datetimeFigureOut">
               <a:rPr kumimoji="1" lang="ja-JP" altLang="en-US" smtClean="0"/>
-              <a:t>2021/7/23</a:t>
+              <a:t>2021/7/26</a:t>
             </a:fld>
             <a:endParaRPr kumimoji="1" lang="ja-JP" altLang="en-US"/>
           </a:p>
@@ -753,7 +753,7 @@
           <a:p>
             <a:fld id="{22C6F9C5-C6AA-409B-AF03-98D7346F1423}" type="datetime1">
               <a:rPr kumimoji="1" lang="ja-JP" altLang="en-US" smtClean="0"/>
-              <a:t>2021/7/23</a:t>
+              <a:t>2021/7/26</a:t>
             </a:fld>
             <a:endParaRPr kumimoji="1" lang="ja-JP" altLang="en-US"/>
           </a:p>
@@ -956,7 +956,7 @@
           <a:p>
             <a:fld id="{22E0F957-B7A6-49B1-8F7C-E83B3F2002DA}" type="datetime1">
               <a:rPr kumimoji="1" lang="ja-JP" altLang="en-US" smtClean="0"/>
-              <a:t>2021/7/23</a:t>
+              <a:t>2021/7/26</a:t>
             </a:fld>
             <a:endParaRPr kumimoji="1" lang="ja-JP" altLang="en-US"/>
           </a:p>
@@ -1169,7 +1169,7 @@
           <a:p>
             <a:fld id="{DE6F7DB3-2648-413C-8B2E-93728F539CCD}" type="datetime1">
               <a:rPr kumimoji="1" lang="ja-JP" altLang="en-US" smtClean="0"/>
-              <a:t>2021/7/23</a:t>
+              <a:t>2021/7/26</a:t>
             </a:fld>
             <a:endParaRPr kumimoji="1" lang="ja-JP" altLang="en-US"/>
           </a:p>
@@ -1372,7 +1372,7 @@
           <a:p>
             <a:fld id="{A2D1DE2A-14E7-4A39-B37E-D38A93E354FC}" type="datetime1">
               <a:rPr kumimoji="1" lang="ja-JP" altLang="en-US" smtClean="0"/>
-              <a:t>2021/7/23</a:t>
+              <a:t>2021/7/26</a:t>
             </a:fld>
             <a:endParaRPr kumimoji="1" lang="ja-JP" altLang="en-US"/>
           </a:p>
@@ -1621,7 +1621,7 @@
           <a:p>
             <a:fld id="{991EEB29-6570-4D17-BF07-A0C0B34BA0FB}" type="datetime1">
               <a:rPr kumimoji="1" lang="ja-JP" altLang="en-US" smtClean="0"/>
-              <a:t>2021/7/23</a:t>
+              <a:t>2021/7/26</a:t>
             </a:fld>
             <a:endParaRPr kumimoji="1" lang="ja-JP" altLang="en-US"/>
           </a:p>
@@ -1918,7 +1918,7 @@
           <a:p>
             <a:fld id="{892B6420-66A4-43C3-BA46-EBDFB60516F0}" type="datetime1">
               <a:rPr kumimoji="1" lang="ja-JP" altLang="en-US" smtClean="0"/>
-              <a:t>2021/7/23</a:t>
+              <a:t>2021/7/26</a:t>
             </a:fld>
             <a:endParaRPr kumimoji="1" lang="ja-JP" altLang="en-US"/>
           </a:p>
@@ -2350,7 +2350,7 @@
           <a:p>
             <a:fld id="{5BE63C90-8833-49EB-8DFB-3A87587C56DF}" type="datetime1">
               <a:rPr kumimoji="1" lang="ja-JP" altLang="en-US" smtClean="0"/>
-              <a:t>2021/7/23</a:t>
+              <a:t>2021/7/26</a:t>
             </a:fld>
             <a:endParaRPr kumimoji="1" lang="ja-JP" altLang="en-US"/>
           </a:p>
@@ -2469,7 +2469,7 @@
           <a:p>
             <a:fld id="{FDB7B118-9258-4B93-98B1-2227223B18EF}" type="datetime1">
               <a:rPr kumimoji="1" lang="ja-JP" altLang="en-US" smtClean="0"/>
-              <a:t>2021/7/23</a:t>
+              <a:t>2021/7/26</a:t>
             </a:fld>
             <a:endParaRPr kumimoji="1" lang="ja-JP" altLang="en-US"/>
           </a:p>
@@ -2565,7 +2565,7 @@
           <a:p>
             <a:fld id="{9C334A37-8FFC-49D6-A0F3-FC06101E023C}" type="datetime1">
               <a:rPr kumimoji="1" lang="ja-JP" altLang="en-US" smtClean="0"/>
-              <a:t>2021/7/23</a:t>
+              <a:t>2021/7/26</a:t>
             </a:fld>
             <a:endParaRPr kumimoji="1" lang="ja-JP" altLang="en-US"/>
           </a:p>
@@ -2875,7 +2875,7 @@
           <a:p>
             <a:fld id="{0FAD949F-32A5-4343-9078-C3A89D3064D3}" type="datetime1">
               <a:rPr kumimoji="1" lang="ja-JP" altLang="en-US" smtClean="0"/>
-              <a:t>2021/7/23</a:t>
+              <a:t>2021/7/26</a:t>
             </a:fld>
             <a:endParaRPr kumimoji="1" lang="ja-JP" altLang="en-US"/>
           </a:p>
@@ -3133,7 +3133,7 @@
           <a:p>
             <a:fld id="{58C4534D-9999-497B-9C6B-5769B1D800E5}" type="datetime1">
               <a:rPr kumimoji="1" lang="ja-JP" altLang="en-US" smtClean="0"/>
-              <a:t>2021/7/23</a:t>
+              <a:t>2021/7/26</a:t>
             </a:fld>
             <a:endParaRPr kumimoji="1" lang="ja-JP" altLang="en-US"/>
           </a:p>
@@ -3379,7 +3379,7 @@
           <a:p>
             <a:fld id="{D73E1257-0E7D-4620-84B9-7FC7BB2FC946}" type="datetime1">
               <a:rPr kumimoji="1" lang="ja-JP" altLang="en-US" smtClean="0"/>
-              <a:t>2021/7/23</a:t>
+              <a:t>2021/7/26</a:t>
             </a:fld>
             <a:endParaRPr kumimoji="1" lang="ja-JP" altLang="en-US"/>
           </a:p>
@@ -4028,20 +4028,46 @@
               <a:buNone/>
             </a:pPr>
             <a:r>
+              <a:rPr lang="ja-JP" altLang="en-US" smtClean="0"/>
+              <a:t>・</a:t>
+            </a:r>
+            <a:r>
+              <a:rPr lang="ja-JP" altLang="en-US" smtClean="0"/>
+              <a:t>既存</a:t>
+            </a:r>
+            <a:r>
+              <a:rPr lang="ja-JP" altLang="en-US" smtClean="0"/>
+              <a:t>の</a:t>
+            </a:r>
+            <a:r>
+              <a:rPr lang="ja-JP" altLang="en-US" dirty="0"/>
+              <a:t>観光地</a:t>
+            </a:r>
+            <a:r>
               <a:rPr lang="ja-JP" altLang="en-US" dirty="0" smtClean="0"/>
-              <a:t>・現在</a:t>
+              <a:t>推薦システムでは推薦される観光地の情報は，画像が</a:t>
+            </a:r>
+            <a:r>
+              <a:rPr lang="ja-JP" altLang="en-US" dirty="0" smtClean="0"/>
+              <a:t>主</a:t>
             </a:r>
             <a:r>
               <a:rPr lang="ja-JP" altLang="en-US" dirty="0"/>
-              <a:t>の観光地</a:t>
+              <a:t>で</a:t>
             </a:r>
             <a:r>
               <a:rPr lang="ja-JP" altLang="en-US" dirty="0" smtClean="0"/>
-              <a:t>推薦システム</a:t>
-            </a:r>
+              <a:t>ある．</a:t>
+            </a:r>
+            <a:endParaRPr lang="en-US" altLang="ja-JP" dirty="0" smtClean="0"/>
+          </a:p>
+          <a:p>
+            <a:pPr marL="0" indent="0">
+              <a:buNone/>
+            </a:pPr>
             <a:r>
               <a:rPr lang="ja-JP" altLang="en-US" dirty="0" smtClean="0"/>
-              <a:t>では推薦される観光地の情報は，画像が主なため観光地のイメージをつかみづらいと感じた．</a:t>
+              <a:t>画像よりも動画を使用したほうが観光地をより印象深くできるのではないだろうか。</a:t>
             </a:r>
             <a:endParaRPr lang="en-US" altLang="ja-JP" dirty="0" smtClean="0"/>
           </a:p>
@@ -4228,7 +4254,31 @@
             </a:pPr>
             <a:r>
               <a:rPr lang="ja-JP" altLang="en-US" dirty="0" smtClean="0"/>
-              <a:t>・音楽データをジャンル分けし観光地推薦動画とマッチングすることで，ユーザーにより観光地をイメージしやすくなるのではないかと考えた．</a:t>
+              <a:t>・音楽データをジャンル分けし観光地推薦動画とマッチングすること</a:t>
+            </a:r>
+            <a:r>
+              <a:rPr lang="ja-JP" altLang="en-US" dirty="0" smtClean="0"/>
+              <a:t>でユーザーに、より</a:t>
+            </a:r>
+            <a:r>
+              <a:rPr lang="ja-JP" altLang="en-US" dirty="0" smtClean="0"/>
+              <a:t>観光地</a:t>
+            </a:r>
+            <a:r>
+              <a:rPr lang="ja-JP" altLang="en-US" dirty="0" smtClean="0"/>
+              <a:t>を</a:t>
+            </a:r>
+            <a:r>
+              <a:rPr lang="ja-JP" altLang="en-US" dirty="0" smtClean="0"/>
+              <a:t>印象深くできる</a:t>
+            </a:r>
+            <a:r>
+              <a:rPr lang="ja-JP" altLang="en-US" dirty="0" smtClean="0"/>
+              <a:t>と</a:t>
+            </a:r>
+            <a:r>
+              <a:rPr lang="ja-JP" altLang="en-US" dirty="0" smtClean="0"/>
+              <a:t>考えた．</a:t>
             </a:r>
             <a:endParaRPr lang="ja-JP" altLang="en-US" dirty="0"/>
           </a:p>
@@ -4298,11 +4348,7 @@
             </a:r>
             <a:r>
               <a:rPr lang="ja-JP" altLang="en-US" dirty="0" smtClean="0"/>
-              <a:t>で処理の効率を上げる必要がある</a:t>
-            </a:r>
-            <a:r>
-              <a:rPr lang="ja-JP" altLang="en-US" dirty="0" smtClean="0"/>
-              <a:t>と</a:t>
+              <a:t>で処理の効率を上げる必要があると</a:t>
             </a:r>
             <a:r>
               <a:rPr lang="ja-JP" altLang="en-US" dirty="0"/>
@@ -4409,33 +4455,137 @@
         </p:nvSpPr>
         <p:spPr/>
         <p:txBody>
-          <a:bodyPr/>
+          <a:bodyPr>
+            <a:normAutofit/>
+          </a:bodyPr>
           <a:lstStyle/>
           <a:p>
             <a:pPr marL="0" indent="0">
               <a:buNone/>
             </a:pPr>
             <a:r>
+              <a:rPr kumimoji="1" lang="en-US" altLang="ja-JP" dirty="0" smtClean="0"/>
+              <a:t>*8</a:t>
+            </a:r>
+            <a:r>
+              <a:rPr kumimoji="1" lang="ja-JP" altLang="en-US" dirty="0" err="1" smtClean="0"/>
+              <a:t>つの</a:t>
+            </a:r>
+            <a:r>
               <a:rPr kumimoji="1" lang="ja-JP" altLang="en-US" dirty="0" smtClean="0"/>
-              <a:t>ジャンル分けした音楽と観光地推薦動画を合わせる想定をしているため，ジャンル分けした音楽と動画をどのように組み合わせると</a:t>
+              <a:t>印象軸にジャンル</a:t>
             </a:r>
             <a:r>
               <a:rPr kumimoji="1" lang="ja-JP" altLang="en-US" dirty="0" smtClean="0"/>
-              <a:t>より観光地を</a:t>
+              <a:t>分けした音楽と観光地推薦動画を合わせる想定をしているため，ジャンル分けした音楽と動画をどのように組み合わせるとより</a:t>
+            </a:r>
+            <a:r>
+              <a:rPr kumimoji="1" lang="ja-JP" altLang="en-US" dirty="0" smtClean="0"/>
+              <a:t>観光地</a:t>
+            </a:r>
+            <a:r>
+              <a:rPr lang="ja-JP" altLang="en-US" dirty="0"/>
+              <a:t>の印象</a:t>
             </a:r>
             <a:r>
               <a:rPr lang="ja-JP" altLang="en-US" dirty="0" smtClean="0"/>
-              <a:t>イメージ</a:t>
+              <a:t>を残</a:t>
             </a:r>
             <a:r>
               <a:rPr lang="ja-JP" altLang="en-US" dirty="0" smtClean="0"/>
-              <a:t>しやすくなるか</a:t>
+              <a:t>しやすく</a:t>
+            </a:r>
+            <a:r>
+              <a:rPr lang="ja-JP" altLang="en-US" dirty="0" smtClean="0"/>
+              <a:t>なるか</a:t>
             </a:r>
             <a:r>
               <a:rPr kumimoji="1" lang="ja-JP" altLang="en-US" dirty="0" smtClean="0"/>
               <a:t>．</a:t>
             </a:r>
-            <a:endParaRPr kumimoji="1" lang="ja-JP" altLang="en-US" dirty="0"/>
+            <a:endParaRPr kumimoji="1" lang="en-US" altLang="ja-JP" dirty="0" smtClean="0"/>
+          </a:p>
+          <a:p>
+            <a:pPr marL="0" indent="0">
+              <a:buNone/>
+            </a:pPr>
+            <a:endParaRPr lang="en-US" altLang="ja-JP" dirty="0"/>
+          </a:p>
+          <a:p>
+            <a:pPr marL="0" indent="0">
+              <a:buNone/>
+            </a:pPr>
+            <a:r>
+              <a:rPr kumimoji="1" lang="en-US" altLang="ja-JP" dirty="0" smtClean="0"/>
+              <a:t>*8</a:t>
+            </a:r>
+            <a:r>
+              <a:rPr kumimoji="1" lang="ja-JP" altLang="en-US" dirty="0" err="1" smtClean="0"/>
+              <a:t>つの</a:t>
+            </a:r>
+            <a:r>
+              <a:rPr kumimoji="1" lang="ja-JP" altLang="en-US" dirty="0" smtClean="0"/>
+              <a:t>印象軸</a:t>
+            </a:r>
+            <a:endParaRPr kumimoji="1" lang="en-US" altLang="ja-JP" dirty="0" smtClean="0"/>
+          </a:p>
+          <a:p>
+            <a:pPr marL="0" indent="0">
+              <a:buNone/>
+            </a:pPr>
+            <a:r>
+              <a:rPr lang="ja-JP" altLang="en-US" dirty="0" smtClean="0"/>
+              <a:t>堂々、元気が出る、切ない、激しい、滑稽、かわいい</a:t>
+            </a:r>
+            <a:endParaRPr lang="en-US" altLang="ja-JP" dirty="0" smtClean="0"/>
+          </a:p>
+          <a:p>
+            <a:pPr marL="0" indent="0">
+              <a:buNone/>
+            </a:pPr>
+            <a:r>
+              <a:rPr kumimoji="1" lang="en-US" altLang="ja-JP" sz="2200" dirty="0" smtClean="0"/>
+              <a:t>Valance</a:t>
+            </a:r>
+            <a:r>
+              <a:rPr kumimoji="1" lang="ja-JP" altLang="en-US" sz="2200" dirty="0" smtClean="0"/>
+              <a:t>（</a:t>
+            </a:r>
+            <a:r>
+              <a:rPr lang="ja-JP" altLang="en-US" sz="2200" dirty="0" smtClean="0"/>
+              <a:t>明るい</a:t>
+            </a:r>
+            <a:r>
+              <a:rPr lang="ja-JP" altLang="en-US" sz="2200" dirty="0"/>
+              <a:t>気持になる、楽しい、暗い気持ちになる、</a:t>
+            </a:r>
+            <a:r>
+              <a:rPr lang="ja-JP" altLang="en-US" sz="2200" dirty="0" smtClean="0"/>
+              <a:t>悲しい）</a:t>
+            </a:r>
+            <a:endParaRPr kumimoji="1" lang="en-US" altLang="ja-JP" sz="2200" dirty="0" smtClean="0"/>
+          </a:p>
+          <a:p>
+            <a:pPr marL="0" indent="0">
+              <a:buNone/>
+            </a:pPr>
+            <a:r>
+              <a:rPr kumimoji="1" lang="en-US" altLang="ja-JP" sz="2100" dirty="0" smtClean="0"/>
+              <a:t>Arousal</a:t>
+            </a:r>
+            <a:r>
+              <a:rPr kumimoji="1" lang="ja-JP" altLang="en-US" sz="2100" dirty="0" smtClean="0"/>
+              <a:t>（</a:t>
+            </a:r>
+            <a:r>
+              <a:rPr lang="ja-JP" altLang="en-US" sz="2100" dirty="0" smtClean="0"/>
+              <a:t>激しい</a:t>
+            </a:r>
+            <a:r>
+              <a:rPr lang="ja-JP" altLang="en-US" sz="2100" dirty="0"/>
+              <a:t>、積極的な、強気な、穏やかな、消極的な、弱気な）</a:t>
+            </a:r>
+            <a:endParaRPr kumimoji="1" lang="ja-JP" altLang="en-US" sz="2100" dirty="0"/>
           </a:p>
         </p:txBody>
       </p:sp>
@@ -4533,8 +4683,82 @@
               <a:buNone/>
             </a:pPr>
             <a:r>
+              <a:rPr lang="ja-JP" altLang="en-US" dirty="0" smtClean="0"/>
+              <a:t>・</a:t>
+            </a:r>
+            <a:r>
+              <a:rPr lang="en-US" altLang="ja-JP" dirty="0" smtClean="0"/>
+              <a:t>SNS</a:t>
+            </a:r>
+            <a:r>
               <a:rPr kumimoji="1" lang="ja-JP" altLang="en-US" dirty="0" smtClean="0"/>
-              <a:t>インターネット上に投稿された大量の音楽データをジャンル分けし，観光地推薦動画とマッチングするシステムの作成．</a:t>
+              <a:t>などに</a:t>
+            </a:r>
+            <a:r>
+              <a:rPr kumimoji="1" lang="ja-JP" altLang="en-US" dirty="0" smtClean="0"/>
+              <a:t>投稿された大量の音楽データをジャンル分けし，観光地推薦動画とマッチング</a:t>
+            </a:r>
+            <a:r>
+              <a:rPr kumimoji="1" lang="ja-JP" altLang="en-US" dirty="0" smtClean="0"/>
+              <a:t>する</a:t>
+            </a:r>
+            <a:r>
+              <a:rPr lang="ja-JP" altLang="en-US" dirty="0"/>
+              <a:t>手法の</a:t>
+            </a:r>
+            <a:r>
+              <a:rPr lang="ja-JP" altLang="en-US" dirty="0" smtClean="0"/>
+              <a:t>提案</a:t>
+            </a:r>
+            <a:r>
+              <a:rPr kumimoji="1" lang="ja-JP" altLang="en-US" dirty="0" smtClean="0"/>
+              <a:t>．</a:t>
+            </a:r>
+            <a:endParaRPr kumimoji="1" lang="en-US" altLang="ja-JP" dirty="0" smtClean="0"/>
+          </a:p>
+          <a:p>
+            <a:pPr marL="0" indent="0">
+              <a:buNone/>
+            </a:pPr>
+            <a:endParaRPr lang="en-US" altLang="ja-JP" dirty="0"/>
+          </a:p>
+          <a:p>
+            <a:pPr marL="0" indent="0">
+              <a:buNone/>
+            </a:pPr>
+            <a:r>
+              <a:rPr kumimoji="1" lang="ja-JP" altLang="en-US" dirty="0" smtClean="0"/>
+              <a:t>・実験システムの作成．</a:t>
+            </a:r>
+            <a:endParaRPr kumimoji="1" lang="en-US" altLang="ja-JP" dirty="0" smtClean="0"/>
+          </a:p>
+          <a:p>
+            <a:pPr marL="0" indent="0">
+              <a:buNone/>
+            </a:pPr>
+            <a:endParaRPr lang="en-US" altLang="ja-JP" dirty="0"/>
+          </a:p>
+          <a:p>
+            <a:pPr marL="0" indent="0">
+              <a:buNone/>
+            </a:pPr>
+            <a:endParaRPr kumimoji="1" lang="en-US" altLang="ja-JP" dirty="0" smtClean="0"/>
+          </a:p>
+          <a:p>
+            <a:pPr marL="0" indent="0">
+              <a:buNone/>
+            </a:pPr>
+            <a:r>
+              <a:rPr lang="ja-JP" altLang="en-US" dirty="0" smtClean="0"/>
+              <a:t>・</a:t>
+            </a:r>
+            <a:r>
+              <a:rPr lang="ja-JP" altLang="en-US" dirty="0"/>
+              <a:t>実験</a:t>
+            </a:r>
+            <a:r>
+              <a:rPr lang="ja-JP" altLang="en-US" dirty="0" smtClean="0"/>
+              <a:t>による、実現可能性の評価．</a:t>
             </a:r>
             <a:endParaRPr kumimoji="1" lang="ja-JP" altLang="en-US" dirty="0"/>
           </a:p>
@@ -4616,7 +4840,7 @@
           <a:lstStyle/>
           <a:p>
             <a:r>
-              <a:rPr lang="ja-JP" altLang="en-US"/>
+              <a:rPr lang="ja-JP" altLang="en-US" dirty="0"/>
               <a:t>システム概要</a:t>
             </a:r>
             <a:endParaRPr kumimoji="1" lang="ja-JP" altLang="en-US" dirty="0"/>
@@ -5064,8 +5288,8 @@
         </p:nvSpPr>
         <p:spPr>
           <a:xfrm>
-            <a:off x="4059022" y="1469755"/>
-            <a:ext cx="1822753" cy="1213940"/>
+            <a:off x="4009620" y="1469755"/>
+            <a:ext cx="1750990" cy="1213940"/>
           </a:xfrm>
           <a:prstGeom prst="verticalScroll">
             <a:avLst/>
@@ -5097,7 +5321,11 @@
             <a:pPr algn="ctr"/>
             <a:r>
               <a:rPr kumimoji="1" lang="ja-JP" altLang="en-US" dirty="0" smtClean="0"/>
-              <a:t>ジャンル分けシステム</a:t>
+              <a:t>ジャンル</a:t>
+            </a:r>
+            <a:r>
+              <a:rPr lang="ja-JP" altLang="en-US" dirty="0" smtClean="0"/>
+              <a:t>分けシステム</a:t>
             </a:r>
             <a:endParaRPr kumimoji="1" lang="ja-JP" altLang="en-US" dirty="0"/>
           </a:p>
@@ -5282,8 +5510,8 @@
         </p:nvSpPr>
         <p:spPr>
           <a:xfrm>
-            <a:off x="2903030" y="1121019"/>
-            <a:ext cx="1337180" cy="935062"/>
+            <a:off x="2342728" y="2455311"/>
+            <a:ext cx="1756094" cy="738664"/>
           </a:xfrm>
           <a:prstGeom prst="rect">
             <a:avLst/>
@@ -5297,10 +5525,34 @@
           <a:lstStyle/>
           <a:p>
             <a:r>
-              <a:rPr kumimoji="1" lang="ja-JP" altLang="en-US" dirty="0" smtClean="0"/>
-              <a:t>いくつかのサーバーに処理を分散</a:t>
-            </a:r>
-            <a:endParaRPr kumimoji="1" lang="ja-JP" altLang="en-US" dirty="0"/>
+              <a:rPr lang="ja-JP" altLang="en-US" sz="1400" dirty="0"/>
+              <a:t>ラウンドロビンを利用</a:t>
+            </a:r>
+            <a:r>
+              <a:rPr lang="ja-JP" altLang="en-US" sz="1400" dirty="0" smtClean="0"/>
+              <a:t>し、</a:t>
+            </a:r>
+            <a:r>
+              <a:rPr kumimoji="1" lang="ja-JP" altLang="en-US" sz="1400" dirty="0" smtClean="0"/>
+              <a:t>いくつ</a:t>
+            </a:r>
+            <a:r>
+              <a:rPr kumimoji="1" lang="ja-JP" altLang="en-US" sz="1400" dirty="0" smtClean="0"/>
+              <a:t>かの</a:t>
+            </a:r>
+            <a:r>
+              <a:rPr kumimoji="1" lang="ja-JP" altLang="en-US" sz="1400" dirty="0" smtClean="0"/>
+              <a:t>サーバーに処理を</a:t>
+            </a:r>
+            <a:r>
+              <a:rPr kumimoji="1" lang="ja-JP" altLang="en-US" sz="1400" dirty="0" err="1" smtClean="0"/>
+              <a:t>に</a:t>
+            </a:r>
+            <a:r>
+              <a:rPr kumimoji="1" lang="ja-JP" altLang="en-US" sz="1400" dirty="0" smtClean="0"/>
+              <a:t>分散</a:t>
+            </a:r>
+            <a:endParaRPr kumimoji="1" lang="ja-JP" altLang="en-US" sz="1400" dirty="0"/>
           </a:p>
         </p:txBody>
       </p:sp>
@@ -5350,21 +5602,305 @@
           <a:lstStyle/>
           <a:p>
             <a:r>
-              <a:rPr kumimoji="1" lang="ja-JP" altLang="en-US" dirty="0" smtClean="0"/>
-              <a:t>進捗状況</a:t>
-            </a:r>
+              <a:rPr kumimoji="1" lang="ja-JP" altLang="en-US" dirty="0"/>
+              <a:t>関連研究</a:t>
+            </a:r>
+          </a:p>
+        </p:txBody>
+      </p:sp>
+      <p:sp>
+        <p:nvSpPr>
+          <p:cNvPr id="3" name="コンテンツ プレースホルダー 2"/>
+          <p:cNvSpPr>
+            <a:spLocks noGrp="1"/>
+          </p:cNvSpPr>
+          <p:nvPr>
+            <p:ph idx="1"/>
+          </p:nvPr>
+        </p:nvSpPr>
+        <p:spPr>
+          <a:xfrm>
+            <a:off x="628650" y="1399430"/>
+            <a:ext cx="7886700" cy="5128591"/>
+          </a:xfrm>
+        </p:spPr>
+        <p:txBody>
+          <a:bodyPr>
+            <a:normAutofit fontScale="92500" lnSpcReduction="10000"/>
+          </a:bodyPr>
+          <a:lstStyle/>
+          <a:p>
+            <a:pPr marL="0" indent="0">
+              <a:buNone/>
+            </a:pPr>
+            <a:r>
+              <a:rPr kumimoji="1" lang="ja-JP" altLang="en-US" dirty="0" smtClean="0">
+                <a:latin typeface="+mn-ea"/>
+              </a:rPr>
+              <a:t>・「音楽動画への印象評価データセット構築とその特性の調査」</a:t>
+            </a:r>
+            <a:endParaRPr kumimoji="1" lang="en-US" altLang="ja-JP" dirty="0" smtClean="0">
+              <a:latin typeface="+mn-ea"/>
+            </a:endParaRPr>
+          </a:p>
+          <a:p>
+            <a:pPr marL="0" indent="0">
+              <a:buNone/>
+            </a:pPr>
+            <a:r>
+              <a:rPr kumimoji="1" lang="ja-JP" altLang="en-US" dirty="0" smtClean="0">
+                <a:latin typeface="+mn-ea"/>
+              </a:rPr>
+              <a:t>大野直樹，中村聡史，山本岳洋，</a:t>
+            </a:r>
+            <a:r>
+              <a:rPr lang="ja-JP" altLang="en-US" dirty="0" smtClean="0">
+                <a:latin typeface="+mn-ea"/>
+              </a:rPr>
+              <a:t>後藤真孝，情報処理学会</a:t>
+            </a:r>
+            <a:endParaRPr kumimoji="1" lang="en-US" altLang="ja-JP" dirty="0" smtClean="0">
+              <a:latin typeface="+mn-ea"/>
+            </a:endParaRPr>
+          </a:p>
+          <a:p>
+            <a:pPr marL="0" indent="0">
+              <a:buNone/>
+            </a:pPr>
+            <a:endParaRPr kumimoji="1" lang="en-US" altLang="ja-JP" dirty="0">
+              <a:latin typeface="+mn-ea"/>
+            </a:endParaRPr>
+          </a:p>
+          <a:p>
+            <a:pPr marL="0" indent="0">
+              <a:buNone/>
+            </a:pPr>
+            <a:r>
+              <a:rPr lang="ja-JP" altLang="en-US" dirty="0" smtClean="0">
+                <a:latin typeface="+mn-ea"/>
+              </a:rPr>
+              <a:t>・「</a:t>
+            </a:r>
+            <a:r>
+              <a:rPr lang="ja-JP" altLang="en-US" b="1" dirty="0">
+                <a:latin typeface="+mn-ea"/>
+              </a:rPr>
+              <a:t>動画特徴量からの印象推定に基づく動画</a:t>
+            </a:r>
+            <a:r>
+              <a:rPr lang="en-US" altLang="ja-JP" b="1" dirty="0">
+                <a:latin typeface="+mn-ea"/>
+              </a:rPr>
+              <a:t>BGM </a:t>
+            </a:r>
+            <a:r>
+              <a:rPr lang="ja-JP" altLang="en-US" b="1" dirty="0">
+                <a:latin typeface="+mn-ea"/>
+              </a:rPr>
+              <a:t>の自動素材選出</a:t>
+            </a:r>
+            <a:r>
+              <a:rPr lang="ja-JP" altLang="en-US" dirty="0" smtClean="0">
+                <a:latin typeface="+mn-ea"/>
+              </a:rPr>
+              <a:t>」</a:t>
+            </a:r>
+            <a:r>
+              <a:rPr lang="ja-JP" altLang="en-US" dirty="0">
+                <a:latin typeface="+mn-ea"/>
+              </a:rPr>
+              <a:t/>
+            </a:r>
+            <a:br>
+              <a:rPr lang="ja-JP" altLang="en-US" dirty="0">
+                <a:latin typeface="+mn-ea"/>
+              </a:rPr>
+            </a:br>
+            <a:r>
+              <a:rPr lang="ja-JP" altLang="en-US" dirty="0" smtClean="0">
+                <a:latin typeface="+mn-ea"/>
+              </a:rPr>
+              <a:t>清水，</a:t>
+            </a:r>
+            <a:r>
+              <a:rPr lang="en-US" altLang="ja-JP" dirty="0" smtClean="0">
+                <a:latin typeface="+mn-ea"/>
+              </a:rPr>
+              <a:t> </a:t>
+            </a:r>
+            <a:r>
+              <a:rPr lang="ja-JP" altLang="en-US" dirty="0" smtClean="0">
+                <a:latin typeface="+mn-ea"/>
+              </a:rPr>
+              <a:t>菅野，</a:t>
+            </a:r>
+            <a:r>
+              <a:rPr lang="en-US" altLang="ja-JP" dirty="0" smtClean="0">
+                <a:latin typeface="+mn-ea"/>
+              </a:rPr>
+              <a:t> </a:t>
+            </a:r>
+            <a:r>
+              <a:rPr lang="ja-JP" altLang="en-US" dirty="0" smtClean="0">
+                <a:latin typeface="+mn-ea"/>
+              </a:rPr>
+              <a:t>伊藤，</a:t>
+            </a:r>
+            <a:r>
+              <a:rPr lang="en-US" altLang="ja-JP" dirty="0" smtClean="0">
+                <a:latin typeface="+mn-ea"/>
+              </a:rPr>
+              <a:t> </a:t>
+            </a:r>
+            <a:r>
+              <a:rPr lang="ja-JP" altLang="en-US" dirty="0" smtClean="0">
+                <a:latin typeface="+mn-ea"/>
+              </a:rPr>
+              <a:t>嵯峨山，</a:t>
+            </a:r>
+            <a:r>
+              <a:rPr lang="en-US" altLang="ja-JP" dirty="0" smtClean="0">
+                <a:latin typeface="+mn-ea"/>
+              </a:rPr>
+              <a:t> </a:t>
+            </a:r>
+            <a:r>
+              <a:rPr lang="ja-JP" altLang="en-US" dirty="0" smtClean="0">
+                <a:latin typeface="+mn-ea"/>
+              </a:rPr>
+              <a:t>高塚，</a:t>
+            </a:r>
+            <a:r>
+              <a:rPr lang="en-US" altLang="ja-JP" dirty="0">
+                <a:latin typeface="+mn-ea"/>
+              </a:rPr>
+              <a:t> </a:t>
+            </a:r>
+            <a:r>
+              <a:rPr lang="en-US" altLang="ja-JP" dirty="0" smtClean="0">
+                <a:latin typeface="+mn-ea"/>
+              </a:rPr>
+              <a:t>NICOGRAPH 2016</a:t>
+            </a:r>
+          </a:p>
+          <a:p>
+            <a:pPr marL="0" indent="0">
+              <a:buNone/>
+            </a:pPr>
+            <a:endParaRPr lang="en-US" altLang="ja-JP" dirty="0" smtClean="0">
+              <a:latin typeface="+mn-ea"/>
+            </a:endParaRPr>
+          </a:p>
+          <a:p>
+            <a:pPr marL="0" indent="0">
+              <a:buNone/>
+            </a:pPr>
+            <a:r>
+              <a:rPr lang="ja-JP" altLang="en-US" dirty="0" smtClean="0">
+                <a:latin typeface="+mn-ea"/>
+              </a:rPr>
+              <a:t>・「</a:t>
+            </a:r>
+            <a:r>
+              <a:rPr lang="en-US" altLang="ja-JP" dirty="0">
+                <a:latin typeface="+mn-ea"/>
+              </a:rPr>
+              <a:t>DIVA</a:t>
+            </a:r>
+            <a:r>
+              <a:rPr lang="ja-JP" altLang="en-US" dirty="0">
+                <a:latin typeface="+mn-ea"/>
+              </a:rPr>
+              <a:t>：</a:t>
+            </a:r>
+            <a:r>
+              <a:rPr lang="ja-JP" altLang="en-US" dirty="0" smtClean="0">
+                <a:latin typeface="+mn-ea"/>
+              </a:rPr>
+              <a:t>画像</a:t>
+            </a:r>
+            <a:r>
+              <a:rPr lang="ja-JP" altLang="en-US" dirty="0">
+                <a:latin typeface="+mn-ea"/>
+              </a:rPr>
+              <a:t>の印象に合わせた音楽自動アレンジの一手法の提案</a:t>
+            </a:r>
+            <a:r>
+              <a:rPr lang="ja-JP" altLang="en-US" dirty="0" smtClean="0">
+                <a:latin typeface="+mn-ea"/>
+              </a:rPr>
+              <a:t>」</a:t>
+            </a:r>
+            <a:endParaRPr lang="en-US" altLang="ja-JP" dirty="0">
+              <a:latin typeface="+mn-ea"/>
+            </a:endParaRPr>
+          </a:p>
+          <a:p>
+            <a:pPr marL="0" indent="0">
+              <a:buNone/>
+            </a:pPr>
+            <a:r>
+              <a:rPr lang="ja-JP" altLang="en-US" dirty="0">
+                <a:latin typeface="+mn-ea"/>
+              </a:rPr>
+              <a:t>大山</a:t>
+            </a:r>
+            <a:r>
+              <a:rPr lang="en-US" altLang="ja-JP" dirty="0">
+                <a:latin typeface="+mn-ea"/>
+              </a:rPr>
+              <a:t>, </a:t>
+            </a:r>
+            <a:r>
+              <a:rPr lang="ja-JP" altLang="en-US" dirty="0">
+                <a:latin typeface="+mn-ea"/>
+              </a:rPr>
+              <a:t>伊藤</a:t>
+            </a:r>
+            <a:r>
+              <a:rPr lang="en-US" altLang="ja-JP" dirty="0" smtClean="0">
+                <a:latin typeface="+mn-ea"/>
+              </a:rPr>
+              <a:t>,</a:t>
+            </a:r>
+            <a:r>
+              <a:rPr lang="ja-JP" altLang="en-US" dirty="0" smtClean="0">
+                <a:latin typeface="+mn-ea"/>
+              </a:rPr>
+              <a:t>芸術</a:t>
+            </a:r>
+            <a:r>
+              <a:rPr lang="ja-JP" altLang="en-US" dirty="0">
+                <a:latin typeface="+mn-ea"/>
+              </a:rPr>
+              <a:t>科学会論文誌</a:t>
+            </a:r>
+            <a:endParaRPr lang="en-US" altLang="ja-JP" dirty="0" smtClean="0">
+              <a:latin typeface="+mn-ea"/>
+            </a:endParaRPr>
+          </a:p>
+          <a:p>
+            <a:pPr marL="0" indent="0">
+              <a:buNone/>
+            </a:pPr>
+            <a:endParaRPr kumimoji="1" lang="en-US" altLang="ja-JP" dirty="0"/>
+          </a:p>
+          <a:p>
+            <a:pPr marL="0" indent="0">
+              <a:buNone/>
+            </a:pPr>
             <a:endParaRPr kumimoji="1" lang="ja-JP" altLang="en-US" dirty="0"/>
           </a:p>
         </p:txBody>
       </p:sp>
       <p:sp>
         <p:nvSpPr>
-          <p:cNvPr id="3" name="コンテンツ プレースホルダー 2"/>
-          <p:cNvSpPr>
-            <a:spLocks noGrp="1"/>
-          </p:cNvSpPr>
-          <p:nvPr>
-            <p:ph idx="1"/>
+          <p:cNvPr id="4" name="スライド番号プレースホルダー 3"/>
+          <p:cNvSpPr>
+            <a:spLocks noGrp="1"/>
+          </p:cNvSpPr>
+          <p:nvPr>
+            <p:ph type="sldNum" sz="quarter" idx="12"/>
           </p:nvPr>
         </p:nvSpPr>
         <p:spPr/>
@@ -5372,75 +5908,18 @@
           <a:bodyPr/>
           <a:lstStyle/>
           <a:p>
-            <a:pPr marL="0" indent="0">
-              <a:buNone/>
-            </a:pPr>
-            <a:r>
-              <a:rPr kumimoji="1" lang="ja-JP" altLang="en-US" dirty="0" smtClean="0"/>
-              <a:t>音楽データをスペクトログラムという横軸に時間、縦軸に周波数を表したヒートマップを作成するプログラムの作成をした。</a:t>
-            </a:r>
-            <a:endParaRPr kumimoji="1" lang="ja-JP" altLang="en-US" dirty="0"/>
-          </a:p>
-        </p:txBody>
-      </p:sp>
-      <p:sp>
-        <p:nvSpPr>
-          <p:cNvPr id="4" name="スライド番号プレースホルダー 3"/>
-          <p:cNvSpPr>
-            <a:spLocks noGrp="1"/>
-          </p:cNvSpPr>
-          <p:nvPr>
-            <p:ph type="sldNum" sz="quarter" idx="12"/>
-          </p:nvPr>
-        </p:nvSpPr>
-        <p:spPr/>
-        <p:txBody>
-          <a:bodyPr/>
-          <a:lstStyle/>
-          <a:p>
             <a:fld id="{B4451160-128F-4DAD-AE29-4A8CC0E7B9E9}" type="slidenum">
-              <a:rPr lang="ja-JP" altLang="en-US" smtClean="0"/>
-              <a:pPr/>
+              <a:rPr kumimoji="1" lang="ja-JP" altLang="en-US" smtClean="0"/>
               <a:t>7</a:t>
             </a:fld>
-            <a:endParaRPr lang="ja-JP" altLang="en-US" dirty="0"/>
-          </a:p>
-        </p:txBody>
-      </p:sp>
-      <p:pic>
-        <p:nvPicPr>
-          <p:cNvPr id="5" name="図 4"/>
-          <p:cNvPicPr>
-            <a:picLocks noChangeAspect="1"/>
-          </p:cNvPicPr>
-          <p:nvPr/>
-        </p:nvPicPr>
-        <p:blipFill>
-          <a:blip r:embed="rId2">
-            <a:extLst>
-              <a:ext uri="{28A0092B-C50C-407E-A947-70E740481C1C}">
-                <a14:useLocalDpi xmlns:a14="http://schemas.microsoft.com/office/drawing/2010/main" val="0"/>
-              </a:ext>
-            </a:extLst>
-          </a:blip>
-          <a:stretch>
-            <a:fillRect/>
-          </a:stretch>
-        </p:blipFill>
-        <p:spPr>
-          <a:xfrm>
-            <a:off x="912379" y="3431569"/>
-            <a:ext cx="7319241" cy="2619374"/>
-          </a:xfrm>
-          <a:prstGeom prst="rect">
-            <a:avLst/>
-          </a:prstGeom>
-        </p:spPr>
-      </p:pic>
+            <a:endParaRPr kumimoji="1" lang="ja-JP" altLang="en-US"/>
+          </a:p>
+        </p:txBody>
+      </p:sp>
     </p:spTree>
     <p:extLst>
       <p:ext uri="{BB962C8B-B14F-4D97-AF65-F5344CB8AC3E}">
-        <p14:creationId xmlns:p14="http://schemas.microsoft.com/office/powerpoint/2010/main" val="3872963283"/>
+        <p14:creationId xmlns:p14="http://schemas.microsoft.com/office/powerpoint/2010/main" val="3769541672"/>
       </p:ext>
     </p:extLst>
   </p:cSld>
@@ -5483,9 +5962,10 @@
           <a:lstStyle/>
           <a:p>
             <a:r>
-              <a:rPr kumimoji="1" lang="ja-JP" altLang="en-US" dirty="0"/>
-              <a:t>関連研究</a:t>
-            </a:r>
+              <a:rPr kumimoji="1" lang="ja-JP" altLang="en-US" dirty="0" smtClean="0"/>
+              <a:t>進捗状況</a:t>
+            </a:r>
+            <a:endParaRPr kumimoji="1" lang="ja-JP" altLang="en-US" dirty="0"/>
           </a:p>
         </p:txBody>
       </p:sp>
@@ -5499,308 +5979,132 @@
             <p:ph idx="1"/>
           </p:nvPr>
         </p:nvSpPr>
+        <p:spPr/>
+        <p:txBody>
+          <a:bodyPr/>
+          <a:lstStyle/>
+          <a:p>
+            <a:pPr marL="0" indent="0">
+              <a:buNone/>
+            </a:pPr>
+            <a:r>
+              <a:rPr kumimoji="1" lang="ja-JP" altLang="en-US" dirty="0" smtClean="0"/>
+              <a:t>音楽データを横軸に</a:t>
+            </a:r>
+            <a:r>
+              <a:rPr kumimoji="1" lang="ja-JP" altLang="en-US" dirty="0" smtClean="0"/>
+              <a:t>時間</a:t>
+            </a:r>
+            <a:r>
+              <a:rPr lang="ja-JP" altLang="en-US" dirty="0"/>
+              <a:t>，</a:t>
+            </a:r>
+            <a:r>
+              <a:rPr kumimoji="1" lang="ja-JP" altLang="en-US" dirty="0" smtClean="0"/>
+              <a:t>縦軸</a:t>
+            </a:r>
+            <a:r>
+              <a:rPr kumimoji="1" lang="ja-JP" altLang="en-US" dirty="0" smtClean="0"/>
+              <a:t>に周波数を表した</a:t>
+            </a:r>
+            <a:endParaRPr lang="en-US" altLang="ja-JP" dirty="0"/>
+          </a:p>
+          <a:p>
+            <a:pPr marL="0" indent="0">
+              <a:buNone/>
+            </a:pPr>
+            <a:r>
+              <a:rPr kumimoji="1" lang="ja-JP" altLang="en-US" dirty="0" smtClean="0"/>
+              <a:t>スペクトログラム</a:t>
+            </a:r>
+            <a:r>
+              <a:rPr lang="ja-JP" altLang="en-US" dirty="0"/>
+              <a:t>に</a:t>
+            </a:r>
+            <a:r>
+              <a:rPr kumimoji="1" lang="ja-JP" altLang="en-US" dirty="0" smtClean="0"/>
+              <a:t>するプログラムの作成を</a:t>
+            </a:r>
+            <a:r>
+              <a:rPr kumimoji="1" lang="ja-JP" altLang="en-US" dirty="0" smtClean="0"/>
+              <a:t>した．</a:t>
+            </a:r>
+            <a:endParaRPr kumimoji="1" lang="en-US" altLang="ja-JP" dirty="0" smtClean="0"/>
+          </a:p>
+          <a:p>
+            <a:pPr marL="0" indent="0">
+              <a:buNone/>
+            </a:pPr>
+            <a:r>
+              <a:rPr lang="ja-JP" altLang="en-US" dirty="0"/>
+              <a:t>これ</a:t>
+            </a:r>
+            <a:r>
+              <a:rPr lang="ja-JP" altLang="en-US" dirty="0" smtClean="0"/>
+              <a:t>を画像認識に通すことで音楽をジャンル分けしようと考えている</a:t>
+            </a:r>
+            <a:endParaRPr kumimoji="1" lang="ja-JP" altLang="en-US" dirty="0"/>
+          </a:p>
+        </p:txBody>
+      </p:sp>
+      <p:sp>
+        <p:nvSpPr>
+          <p:cNvPr id="4" name="スライド番号プレースホルダー 3"/>
+          <p:cNvSpPr>
+            <a:spLocks noGrp="1"/>
+          </p:cNvSpPr>
+          <p:nvPr>
+            <p:ph type="sldNum" sz="quarter" idx="12"/>
+          </p:nvPr>
+        </p:nvSpPr>
+        <p:spPr/>
+        <p:txBody>
+          <a:bodyPr/>
+          <a:lstStyle/>
+          <a:p>
+            <a:fld id="{B4451160-128F-4DAD-AE29-4A8CC0E7B9E9}" type="slidenum">
+              <a:rPr lang="ja-JP" altLang="en-US" smtClean="0"/>
+              <a:pPr/>
+              <a:t>8</a:t>
+            </a:fld>
+            <a:endParaRPr lang="ja-JP" altLang="en-US" dirty="0"/>
+          </a:p>
+        </p:txBody>
+      </p:sp>
+      <p:pic>
+        <p:nvPicPr>
+          <p:cNvPr id="5" name="図 4"/>
+          <p:cNvPicPr>
+            <a:picLocks noChangeAspect="1"/>
+          </p:cNvPicPr>
+          <p:nvPr/>
+        </p:nvPicPr>
+        <p:blipFill>
+          <a:blip r:embed="rId2">
+            <a:extLst>
+              <a:ext uri="{28A0092B-C50C-407E-A947-70E740481C1C}">
+                <a14:useLocalDpi xmlns:a14="http://schemas.microsoft.com/office/drawing/2010/main" val="0"/>
+              </a:ext>
+            </a:extLst>
+          </a:blip>
+          <a:stretch>
+            <a:fillRect/>
+          </a:stretch>
+        </p:blipFill>
         <p:spPr>
           <a:xfrm>
-            <a:off x="628650" y="1399430"/>
-            <a:ext cx="7886700" cy="5128591"/>
+            <a:off x="824915" y="3736977"/>
+            <a:ext cx="7319241" cy="2619374"/>
           </a:xfrm>
+          <a:prstGeom prst="rect">
+            <a:avLst/>
+          </a:prstGeom>
         </p:spPr>
-        <p:txBody>
-          <a:bodyPr>
-            <a:normAutofit fontScale="92500" lnSpcReduction="10000"/>
-          </a:bodyPr>
-          <a:lstStyle/>
-          <a:p>
-            <a:pPr marL="0" indent="0">
-              <a:buNone/>
-            </a:pPr>
-            <a:r>
-              <a:rPr kumimoji="1" lang="ja-JP" altLang="en-US" dirty="0" smtClean="0">
-                <a:latin typeface="+mn-ea"/>
-              </a:rPr>
-              <a:t>・「音楽動画への印象評価データセット構築とその特性の調査」</a:t>
-            </a:r>
-            <a:endParaRPr kumimoji="1" lang="en-US" altLang="ja-JP" dirty="0" smtClean="0">
-              <a:latin typeface="+mn-ea"/>
-            </a:endParaRPr>
-          </a:p>
-          <a:p>
-            <a:pPr marL="0" indent="0">
-              <a:buNone/>
-            </a:pPr>
-            <a:r>
-              <a:rPr kumimoji="1" lang="ja-JP" altLang="en-US" dirty="0" smtClean="0">
-                <a:latin typeface="+mn-ea"/>
-              </a:rPr>
-              <a:t>大野直樹，中村聡史，山本岳洋，</a:t>
-            </a:r>
-            <a:r>
-              <a:rPr lang="ja-JP" altLang="en-US" dirty="0" smtClean="0">
-                <a:latin typeface="+mn-ea"/>
-              </a:rPr>
-              <a:t>後藤真孝，情報処理学会</a:t>
-            </a:r>
-            <a:endParaRPr kumimoji="1" lang="en-US" altLang="ja-JP" dirty="0" smtClean="0">
-              <a:latin typeface="+mn-ea"/>
-            </a:endParaRPr>
-          </a:p>
-          <a:p>
-            <a:pPr marL="0" indent="0">
-              <a:buNone/>
-            </a:pPr>
-            <a:endParaRPr kumimoji="1" lang="en-US" altLang="ja-JP" dirty="0">
-              <a:latin typeface="+mn-ea"/>
-            </a:endParaRPr>
-          </a:p>
-          <a:p>
-            <a:pPr marL="0" indent="0">
-              <a:buNone/>
-            </a:pPr>
-            <a:r>
-              <a:rPr lang="ja-JP" altLang="en-US" dirty="0" smtClean="0">
-                <a:latin typeface="+mn-ea"/>
-              </a:rPr>
-              <a:t>・「</a:t>
-            </a:r>
-            <a:r>
-              <a:rPr lang="ja-JP" altLang="en-US" b="1" dirty="0">
-                <a:latin typeface="+mn-ea"/>
-              </a:rPr>
-              <a:t>動画特徴量からの印象推定に基づく動画</a:t>
-            </a:r>
-            <a:r>
-              <a:rPr lang="en-US" altLang="ja-JP" b="1" dirty="0">
-                <a:latin typeface="+mn-ea"/>
-              </a:rPr>
-              <a:t>BGM </a:t>
-            </a:r>
-            <a:r>
-              <a:rPr lang="ja-JP" altLang="en-US" b="1" dirty="0">
-                <a:latin typeface="+mn-ea"/>
-              </a:rPr>
-              <a:t>の自動素材選出</a:t>
-            </a:r>
-            <a:r>
-              <a:rPr lang="ja-JP" altLang="en-US" dirty="0" smtClean="0">
-                <a:latin typeface="+mn-ea"/>
-              </a:rPr>
-              <a:t>」</a:t>
-            </a:r>
-            <a:r>
-              <a:rPr lang="ja-JP" altLang="en-US" dirty="0">
-                <a:latin typeface="+mn-ea"/>
-              </a:rPr>
-              <a:t/>
-            </a:r>
-            <a:br>
-              <a:rPr lang="ja-JP" altLang="en-US" dirty="0">
-                <a:latin typeface="+mn-ea"/>
-              </a:rPr>
-            </a:br>
-            <a:r>
-              <a:rPr lang="ja-JP" altLang="en-US" dirty="0" smtClean="0">
-                <a:latin typeface="+mn-ea"/>
-              </a:rPr>
-              <a:t>清水，</a:t>
-            </a:r>
-            <a:r>
-              <a:rPr lang="en-US" altLang="ja-JP" dirty="0" smtClean="0">
-                <a:latin typeface="+mn-ea"/>
-              </a:rPr>
-              <a:t> </a:t>
-            </a:r>
-            <a:r>
-              <a:rPr lang="ja-JP" altLang="en-US" dirty="0" smtClean="0">
-                <a:latin typeface="+mn-ea"/>
-              </a:rPr>
-              <a:t>菅野，</a:t>
-            </a:r>
-            <a:r>
-              <a:rPr lang="en-US" altLang="ja-JP" dirty="0" smtClean="0">
-                <a:latin typeface="+mn-ea"/>
-              </a:rPr>
-              <a:t> </a:t>
-            </a:r>
-            <a:r>
-              <a:rPr lang="ja-JP" altLang="en-US" dirty="0" smtClean="0">
-                <a:latin typeface="+mn-ea"/>
-              </a:rPr>
-              <a:t>伊藤，</a:t>
-            </a:r>
-            <a:r>
-              <a:rPr lang="en-US" altLang="ja-JP" dirty="0" smtClean="0">
-                <a:latin typeface="+mn-ea"/>
-              </a:rPr>
-              <a:t> </a:t>
-            </a:r>
-            <a:r>
-              <a:rPr lang="ja-JP" altLang="en-US" dirty="0" smtClean="0">
-                <a:latin typeface="+mn-ea"/>
-              </a:rPr>
-              <a:t>嵯峨山，</a:t>
-            </a:r>
-            <a:r>
-              <a:rPr lang="en-US" altLang="ja-JP" dirty="0" smtClean="0">
-                <a:latin typeface="+mn-ea"/>
-              </a:rPr>
-              <a:t> </a:t>
-            </a:r>
-            <a:r>
-              <a:rPr lang="ja-JP" altLang="en-US" dirty="0" smtClean="0">
-                <a:latin typeface="+mn-ea"/>
-              </a:rPr>
-              <a:t>高塚，</a:t>
-            </a:r>
-            <a:r>
-              <a:rPr lang="en-US" altLang="ja-JP" dirty="0">
-                <a:latin typeface="+mn-ea"/>
-              </a:rPr>
-              <a:t> </a:t>
-            </a:r>
-            <a:r>
-              <a:rPr lang="en-US" altLang="ja-JP" dirty="0" smtClean="0">
-                <a:latin typeface="+mn-ea"/>
-              </a:rPr>
-              <a:t>NICOGRAPH 2016</a:t>
-            </a:r>
-          </a:p>
-          <a:p>
-            <a:pPr marL="0" indent="0">
-              <a:buNone/>
-            </a:pPr>
-            <a:endParaRPr lang="en-US" altLang="ja-JP" dirty="0" smtClean="0">
-              <a:latin typeface="+mn-ea"/>
-            </a:endParaRPr>
-          </a:p>
-          <a:p>
-            <a:pPr marL="0" indent="0">
-              <a:buNone/>
-            </a:pPr>
-            <a:r>
-              <a:rPr lang="ja-JP" altLang="en-US" dirty="0" smtClean="0">
-                <a:latin typeface="+mn-ea"/>
-              </a:rPr>
-              <a:t>・「</a:t>
-            </a:r>
-            <a:r>
-              <a:rPr lang="en-US" altLang="ja-JP" dirty="0">
-                <a:latin typeface="+mn-ea"/>
-              </a:rPr>
-              <a:t>DIVA</a:t>
-            </a:r>
-            <a:r>
-              <a:rPr lang="ja-JP" altLang="en-US" dirty="0">
-                <a:latin typeface="+mn-ea"/>
-              </a:rPr>
-              <a:t>：</a:t>
-            </a:r>
-            <a:r>
-              <a:rPr lang="ja-JP" altLang="en-US" dirty="0" smtClean="0">
-                <a:latin typeface="+mn-ea"/>
-              </a:rPr>
-              <a:t>画像</a:t>
-            </a:r>
-            <a:r>
-              <a:rPr lang="ja-JP" altLang="en-US" dirty="0">
-                <a:latin typeface="+mn-ea"/>
-              </a:rPr>
-              <a:t>の印象に合わせた音楽自動アレンジの一手法の提案</a:t>
-            </a:r>
-            <a:r>
-              <a:rPr lang="ja-JP" altLang="en-US" dirty="0" smtClean="0">
-                <a:latin typeface="+mn-ea"/>
-              </a:rPr>
-              <a:t>」</a:t>
-            </a:r>
-            <a:endParaRPr lang="en-US" altLang="ja-JP" dirty="0">
-              <a:latin typeface="+mn-ea"/>
-            </a:endParaRPr>
-          </a:p>
-          <a:p>
-            <a:pPr marL="0" indent="0">
-              <a:buNone/>
-            </a:pPr>
-            <a:r>
-              <a:rPr lang="ja-JP" altLang="en-US" dirty="0">
-                <a:latin typeface="+mn-ea"/>
-              </a:rPr>
-              <a:t>大山</a:t>
-            </a:r>
-            <a:r>
-              <a:rPr lang="en-US" altLang="ja-JP" dirty="0">
-                <a:latin typeface="+mn-ea"/>
-              </a:rPr>
-              <a:t>, </a:t>
-            </a:r>
-            <a:r>
-              <a:rPr lang="ja-JP" altLang="en-US" dirty="0">
-                <a:latin typeface="+mn-ea"/>
-              </a:rPr>
-              <a:t>伊藤</a:t>
-            </a:r>
-            <a:r>
-              <a:rPr lang="en-US" altLang="ja-JP" dirty="0" smtClean="0">
-                <a:latin typeface="+mn-ea"/>
-              </a:rPr>
-              <a:t>,</a:t>
-            </a:r>
-            <a:r>
-              <a:rPr lang="ja-JP" altLang="en-US" dirty="0" smtClean="0">
-                <a:latin typeface="+mn-ea"/>
-              </a:rPr>
-              <a:t>芸術</a:t>
-            </a:r>
-            <a:r>
-              <a:rPr lang="ja-JP" altLang="en-US" dirty="0">
-                <a:latin typeface="+mn-ea"/>
-              </a:rPr>
-              <a:t>科学会論文誌</a:t>
-            </a:r>
-            <a:endParaRPr lang="en-US" altLang="ja-JP" dirty="0" smtClean="0">
-              <a:latin typeface="+mn-ea"/>
-            </a:endParaRPr>
-          </a:p>
-          <a:p>
-            <a:pPr marL="0" indent="0">
-              <a:buNone/>
-            </a:pPr>
-            <a:endParaRPr kumimoji="1" lang="en-US" altLang="ja-JP" dirty="0"/>
-          </a:p>
-          <a:p>
-            <a:pPr marL="0" indent="0">
-              <a:buNone/>
-            </a:pPr>
-            <a:endParaRPr kumimoji="1" lang="ja-JP" altLang="en-US" dirty="0"/>
-          </a:p>
-        </p:txBody>
-      </p:sp>
-      <p:sp>
-        <p:nvSpPr>
-          <p:cNvPr id="4" name="スライド番号プレースホルダー 3"/>
-          <p:cNvSpPr>
-            <a:spLocks noGrp="1"/>
-          </p:cNvSpPr>
-          <p:nvPr>
-            <p:ph type="sldNum" sz="quarter" idx="12"/>
-          </p:nvPr>
-        </p:nvSpPr>
-        <p:spPr/>
-        <p:txBody>
-          <a:bodyPr/>
-          <a:lstStyle/>
-          <a:p>
-            <a:fld id="{B4451160-128F-4DAD-AE29-4A8CC0E7B9E9}" type="slidenum">
-              <a:rPr kumimoji="1" lang="ja-JP" altLang="en-US" smtClean="0"/>
-              <a:t>8</a:t>
-            </a:fld>
-            <a:endParaRPr kumimoji="1" lang="ja-JP" altLang="en-US"/>
-          </a:p>
-        </p:txBody>
-      </p:sp>
+      </p:pic>
     </p:spTree>
     <p:extLst>
       <p:ext uri="{BB962C8B-B14F-4D97-AF65-F5344CB8AC3E}">
-        <p14:creationId xmlns:p14="http://schemas.microsoft.com/office/powerpoint/2010/main" val="3769541672"/>
+        <p14:creationId xmlns:p14="http://schemas.microsoft.com/office/powerpoint/2010/main" val="3872963283"/>
       </p:ext>
     </p:extLst>
   </p:cSld>

--- a/学部_中間発表_1821144.pptx
+++ b/学部_中間発表_1821144.pptx
@@ -4029,15 +4029,7 @@
             </a:pPr>
             <a:r>
               <a:rPr lang="ja-JP" altLang="en-US" smtClean="0"/>
-              <a:t>・</a:t>
-            </a:r>
-            <a:r>
-              <a:rPr lang="ja-JP" altLang="en-US" smtClean="0"/>
-              <a:t>既存</a:t>
-            </a:r>
-            <a:r>
-              <a:rPr lang="ja-JP" altLang="en-US" smtClean="0"/>
-              <a:t>の</a:t>
+              <a:t>・既存の</a:t>
             </a:r>
             <a:r>
               <a:rPr lang="ja-JP" altLang="en-US" dirty="0"/>
@@ -4045,11 +4037,7 @@
             </a:r>
             <a:r>
               <a:rPr lang="ja-JP" altLang="en-US" dirty="0" smtClean="0"/>
-              <a:t>推薦システムでは推薦される観光地の情報は，画像が</a:t>
-            </a:r>
-            <a:r>
-              <a:rPr lang="ja-JP" altLang="en-US" dirty="0" smtClean="0"/>
-              <a:t>主</a:t>
+              <a:t>推薦システムでは推薦される観光地の情報は，画像が主</a:t>
             </a:r>
             <a:r>
               <a:rPr lang="ja-JP" altLang="en-US" dirty="0"/>
@@ -4254,31 +4242,7 @@
             </a:pPr>
             <a:r>
               <a:rPr lang="ja-JP" altLang="en-US" dirty="0" smtClean="0"/>
-              <a:t>・音楽データをジャンル分けし観光地推薦動画とマッチングすること</a:t>
-            </a:r>
-            <a:r>
-              <a:rPr lang="ja-JP" altLang="en-US" dirty="0" smtClean="0"/>
-              <a:t>でユーザーに、より</a:t>
-            </a:r>
-            <a:r>
-              <a:rPr lang="ja-JP" altLang="en-US" dirty="0" smtClean="0"/>
-              <a:t>観光地</a:t>
-            </a:r>
-            <a:r>
-              <a:rPr lang="ja-JP" altLang="en-US" dirty="0" smtClean="0"/>
-              <a:t>を</a:t>
-            </a:r>
-            <a:r>
-              <a:rPr lang="ja-JP" altLang="en-US" dirty="0" smtClean="0"/>
-              <a:t>印象深くできる</a:t>
-            </a:r>
-            <a:r>
-              <a:rPr lang="ja-JP" altLang="en-US" dirty="0" smtClean="0"/>
-              <a:t>と</a:t>
-            </a:r>
-            <a:r>
-              <a:rPr lang="ja-JP" altLang="en-US" dirty="0" smtClean="0"/>
-              <a:t>考えた．</a:t>
+              <a:t>・音楽データをジャンル分けし観光地推薦動画とマッチングすることでユーザーに、より観光地を印象深くできると考えた．</a:t>
             </a:r>
             <a:endParaRPr lang="ja-JP" altLang="en-US" dirty="0"/>
           </a:p>
@@ -4473,15 +4437,7 @@
             </a:r>
             <a:r>
               <a:rPr kumimoji="1" lang="ja-JP" altLang="en-US" dirty="0" smtClean="0"/>
-              <a:t>印象軸にジャンル</a:t>
-            </a:r>
-            <a:r>
-              <a:rPr kumimoji="1" lang="ja-JP" altLang="en-US" dirty="0" smtClean="0"/>
-              <a:t>分けした音楽と観光地推薦動画を合わせる想定をしているため，ジャンル分けした音楽と動画をどのように組み合わせるとより</a:t>
-            </a:r>
-            <a:r>
-              <a:rPr kumimoji="1" lang="ja-JP" altLang="en-US" dirty="0" smtClean="0"/>
-              <a:t>観光地</a:t>
+              <a:t>印象軸にジャンル分けした音楽と観光地推薦動画を合わせる想定をしているため，ジャンル分けした音楽と動画をどのように組み合わせるとより観光地</a:t>
             </a:r>
             <a:r>
               <a:rPr lang="ja-JP" altLang="en-US" dirty="0"/>
@@ -4489,15 +4445,7 @@
             </a:r>
             <a:r>
               <a:rPr lang="ja-JP" altLang="en-US" dirty="0" smtClean="0"/>
-              <a:t>を残</a:t>
-            </a:r>
-            <a:r>
-              <a:rPr lang="ja-JP" altLang="en-US" dirty="0" smtClean="0"/>
-              <a:t>しやすく</a:t>
-            </a:r>
-            <a:r>
-              <a:rPr lang="ja-JP" altLang="en-US" dirty="0" smtClean="0"/>
-              <a:t>なるか</a:t>
+              <a:t>を残しやすくなるか</a:t>
             </a:r>
             <a:r>
               <a:rPr kumimoji="1" lang="ja-JP" altLang="en-US" dirty="0" smtClean="0"/>
@@ -4692,15 +4640,7 @@
             </a:r>
             <a:r>
               <a:rPr kumimoji="1" lang="ja-JP" altLang="en-US" dirty="0" smtClean="0"/>
-              <a:t>などに</a:t>
-            </a:r>
-            <a:r>
-              <a:rPr kumimoji="1" lang="ja-JP" altLang="en-US" dirty="0" smtClean="0"/>
-              <a:t>投稿された大量の音楽データをジャンル分けし，観光地推薦動画とマッチング</a:t>
-            </a:r>
-            <a:r>
-              <a:rPr kumimoji="1" lang="ja-JP" altLang="en-US" dirty="0" smtClean="0"/>
-              <a:t>する</a:t>
+              <a:t>などに投稿された大量の音楽データをジャンル分けし，観光地推薦動画とマッチングする</a:t>
             </a:r>
             <a:r>
               <a:rPr lang="ja-JP" altLang="en-US" dirty="0"/>
@@ -5534,15 +5474,7 @@
             </a:r>
             <a:r>
               <a:rPr kumimoji="1" lang="ja-JP" altLang="en-US" sz="1400" dirty="0" smtClean="0"/>
-              <a:t>いくつ</a:t>
-            </a:r>
-            <a:r>
-              <a:rPr kumimoji="1" lang="ja-JP" altLang="en-US" sz="1400" dirty="0" smtClean="0"/>
-              <a:t>かの</a:t>
-            </a:r>
-            <a:r>
-              <a:rPr kumimoji="1" lang="ja-JP" altLang="en-US" sz="1400" dirty="0" smtClean="0"/>
-              <a:t>サーバーに処理を</a:t>
+              <a:t>いくつかのサーバーに処理を</a:t>
             </a:r>
             <a:r>
               <a:rPr kumimoji="1" lang="ja-JP" altLang="en-US" sz="1400" dirty="0" err="1" smtClean="0"/>
@@ -5553,6 +5485,136 @@
               <a:t>分散</a:t>
             </a:r>
             <a:endParaRPr kumimoji="1" lang="ja-JP" altLang="en-US" sz="1400" dirty="0"/>
+          </a:p>
+        </p:txBody>
+      </p:sp>
+      <p:pic>
+        <p:nvPicPr>
+          <p:cNvPr id="5" name="図 4"/>
+          <p:cNvPicPr>
+            <a:picLocks noChangeAspect="1"/>
+          </p:cNvPicPr>
+          <p:nvPr/>
+        </p:nvPicPr>
+        <p:blipFill>
+          <a:blip r:embed="rId2" cstate="print">
+            <a:extLst>
+              <a:ext uri="{28A0092B-C50C-407E-A947-70E740481C1C}">
+                <a14:useLocalDpi xmlns:a14="http://schemas.microsoft.com/office/drawing/2010/main" val="0"/>
+              </a:ext>
+            </a:extLst>
+          </a:blip>
+          <a:stretch>
+            <a:fillRect/>
+          </a:stretch>
+        </p:blipFill>
+        <p:spPr>
+          <a:xfrm>
+            <a:off x="784689" y="5412494"/>
+            <a:ext cx="1745309" cy="1308982"/>
+          </a:xfrm>
+          <a:prstGeom prst="rect">
+            <a:avLst/>
+          </a:prstGeom>
+        </p:spPr>
+      </p:pic>
+      <p:cxnSp>
+        <p:nvCxnSpPr>
+          <p:cNvPr id="10" name="直線コネクタ 9"/>
+          <p:cNvCxnSpPr/>
+          <p:nvPr/>
+        </p:nvCxnSpPr>
+        <p:spPr>
+          <a:xfrm flipH="1">
+            <a:off x="858741" y="4863342"/>
+            <a:ext cx="3781590" cy="479935"/>
+          </a:xfrm>
+          <a:prstGeom prst="line">
+            <a:avLst/>
+          </a:prstGeom>
+          <a:ln>
+            <a:solidFill>
+              <a:schemeClr val="tx1"/>
+            </a:solidFill>
+          </a:ln>
+        </p:spPr>
+        <p:style>
+          <a:lnRef idx="1">
+            <a:schemeClr val="accent1"/>
+          </a:lnRef>
+          <a:fillRef idx="0">
+            <a:schemeClr val="accent1"/>
+          </a:fillRef>
+          <a:effectRef idx="0">
+            <a:schemeClr val="accent1"/>
+          </a:effectRef>
+          <a:fontRef idx="minor">
+            <a:schemeClr val="tx1"/>
+          </a:fontRef>
+        </p:style>
+      </p:cxnSp>
+      <p:cxnSp>
+        <p:nvCxnSpPr>
+          <p:cNvPr id="17" name="直線コネクタ 16"/>
+          <p:cNvCxnSpPr/>
+          <p:nvPr/>
+        </p:nvCxnSpPr>
+        <p:spPr>
+          <a:xfrm flipH="1">
+            <a:off x="5984782" y="5301356"/>
+            <a:ext cx="352408" cy="320950"/>
+          </a:xfrm>
+          <a:prstGeom prst="line">
+            <a:avLst/>
+          </a:prstGeom>
+          <a:ln>
+            <a:solidFill>
+              <a:schemeClr val="tx1"/>
+            </a:solidFill>
+          </a:ln>
+        </p:spPr>
+        <p:style>
+          <a:lnRef idx="1">
+            <a:schemeClr val="accent1"/>
+          </a:lnRef>
+          <a:fillRef idx="0">
+            <a:schemeClr val="accent1"/>
+          </a:fillRef>
+          <a:effectRef idx="0">
+            <a:schemeClr val="accent1"/>
+          </a:effectRef>
+          <a:fontRef idx="minor">
+            <a:schemeClr val="tx1"/>
+          </a:fontRef>
+        </p:style>
+      </p:cxnSp>
+      <p:sp>
+        <p:nvSpPr>
+          <p:cNvPr id="18" name="テキスト ボックス 17"/>
+          <p:cNvSpPr txBox="1"/>
+          <p:nvPr/>
+        </p:nvSpPr>
+        <p:spPr>
+          <a:xfrm>
+            <a:off x="2775502" y="5412353"/>
+            <a:ext cx="2763759" cy="943997"/>
+          </a:xfrm>
+          <a:prstGeom prst="rect">
+            <a:avLst/>
+          </a:prstGeom>
+          <a:noFill/>
+        </p:spPr>
+        <p:txBody>
+          <a:bodyPr wrap="square" rtlCol="0">
+            <a:spAutoFit/>
+          </a:bodyPr>
+          <a:lstStyle/>
+          <a:p>
+            <a:r>
+              <a:rPr kumimoji="1" lang="ja-JP" altLang="en-US" dirty="0" smtClean="0"/>
+              <a:t>観光地から明るい印象を受けるので、“元気が出る”音楽とマッチング</a:t>
+            </a:r>
+            <a:endParaRPr kumimoji="1" lang="ja-JP" altLang="en-US" dirty="0"/>
           </a:p>
         </p:txBody>
       </p:sp>
@@ -5989,11 +6051,7 @@
             </a:pPr>
             <a:r>
               <a:rPr kumimoji="1" lang="ja-JP" altLang="en-US" dirty="0" smtClean="0"/>
-              <a:t>音楽データを横軸に</a:t>
-            </a:r>
-            <a:r>
-              <a:rPr kumimoji="1" lang="ja-JP" altLang="en-US" dirty="0" smtClean="0"/>
-              <a:t>時間</a:t>
+              <a:t>音楽データを横軸に時間</a:t>
             </a:r>
             <a:r>
               <a:rPr lang="ja-JP" altLang="en-US" dirty="0"/>
@@ -6001,11 +6059,7 @@
             </a:r>
             <a:r>
               <a:rPr kumimoji="1" lang="ja-JP" altLang="en-US" dirty="0" smtClean="0"/>
-              <a:t>縦軸</a:t>
-            </a:r>
-            <a:r>
-              <a:rPr kumimoji="1" lang="ja-JP" altLang="en-US" dirty="0" smtClean="0"/>
-              <a:t>に周波数を表した</a:t>
+              <a:t>縦軸に周波数を表した</a:t>
             </a:r>
             <a:endParaRPr lang="en-US" altLang="ja-JP" dirty="0"/>
           </a:p>
@@ -6023,11 +6077,7 @@
             </a:r>
             <a:r>
               <a:rPr kumimoji="1" lang="ja-JP" altLang="en-US" dirty="0" smtClean="0"/>
-              <a:t>するプログラムの作成を</a:t>
-            </a:r>
-            <a:r>
-              <a:rPr kumimoji="1" lang="ja-JP" altLang="en-US" dirty="0" smtClean="0"/>
-              <a:t>した．</a:t>
+              <a:t>するプログラムの作成をした．</a:t>
             </a:r>
             <a:endParaRPr kumimoji="1" lang="en-US" altLang="ja-JP" dirty="0" smtClean="0"/>
           </a:p>

--- a/学部_中間発表_1821144.pptx
+++ b/学部_中間発表_1821144.pptx
@@ -4028,7 +4028,7 @@
               <a:buNone/>
             </a:pPr>
             <a:r>
-              <a:rPr lang="ja-JP" altLang="en-US" smtClean="0"/>
+              <a:rPr lang="ja-JP" altLang="en-US" dirty="0" smtClean="0"/>
               <a:t>・既存の</a:t>
             </a:r>
             <a:r>
@@ -4055,7 +4055,11 @@
             </a:pPr>
             <a:r>
               <a:rPr lang="ja-JP" altLang="en-US" dirty="0" smtClean="0"/>
-              <a:t>画像よりも動画を使用したほうが観光地をより印象深くできるのではないだろうか。</a:t>
+              <a:t>画像よりも動画を使用したほうが観光地をより印象深くできるのではないだろう</a:t>
+            </a:r>
+            <a:r>
+              <a:rPr lang="ja-JP" altLang="en-US" dirty="0" smtClean="0"/>
+              <a:t>か．</a:t>
             </a:r>
             <a:endParaRPr lang="en-US" altLang="ja-JP" dirty="0" smtClean="0"/>
           </a:p>
@@ -4242,7 +4246,15 @@
             </a:pPr>
             <a:r>
               <a:rPr lang="ja-JP" altLang="en-US" dirty="0" smtClean="0"/>
-              <a:t>・音楽データをジャンル分けし観光地推薦動画とマッチングすることでユーザーに、より観光地を印象深くできると考えた．</a:t>
+              <a:t>・音楽データをジャンル分けし観光地推薦動画とマッチングすることでユーザー</a:t>
+            </a:r>
+            <a:r>
+              <a:rPr lang="ja-JP" altLang="en-US" dirty="0" smtClean="0"/>
+              <a:t>に，より</a:t>
+            </a:r>
+            <a:r>
+              <a:rPr lang="ja-JP" altLang="en-US" dirty="0" smtClean="0"/>
+              <a:t>観光地を印象深くできると考えた．</a:t>
             </a:r>
             <a:endParaRPr lang="ja-JP" altLang="en-US" dirty="0"/>
           </a:p>
@@ -4483,7 +4495,15 @@
             </a:pPr>
             <a:r>
               <a:rPr lang="ja-JP" altLang="en-US" dirty="0" smtClean="0"/>
-              <a:t>堂々、元気が出る、切ない、激しい、滑稽、かわいい</a:t>
+              <a:t>堂々，元気</a:t>
+            </a:r>
+            <a:r>
+              <a:rPr lang="ja-JP" altLang="en-US" dirty="0" smtClean="0"/>
+              <a:t>が</a:t>
+            </a:r>
+            <a:r>
+              <a:rPr lang="ja-JP" altLang="en-US" dirty="0" smtClean="0"/>
+              <a:t>出る，切ない，激しい，滑稽，かわいい</a:t>
             </a:r>
             <a:endParaRPr lang="en-US" altLang="ja-JP" dirty="0" smtClean="0"/>
           </a:p>
@@ -4505,11 +4525,23 @@
             </a:r>
             <a:r>
               <a:rPr lang="ja-JP" altLang="en-US" sz="2200" dirty="0"/>
-              <a:t>気持になる、楽しい、暗い気持ちになる、</a:t>
+              <a:t>気持に</a:t>
             </a:r>
             <a:r>
               <a:rPr lang="ja-JP" altLang="en-US" sz="2200" dirty="0" smtClean="0"/>
-              <a:t>悲しい）</a:t>
+              <a:t>なる，楽しい，暗い</a:t>
+            </a:r>
+            <a:r>
+              <a:rPr lang="ja-JP" altLang="en-US" sz="2200" dirty="0"/>
+              <a:t>気持ちに</a:t>
+            </a:r>
+            <a:r>
+              <a:rPr lang="ja-JP" altLang="en-US" sz="2200" dirty="0" smtClean="0"/>
+              <a:t>なる，悲しい</a:t>
+            </a:r>
+            <a:r>
+              <a:rPr lang="ja-JP" altLang="en-US" sz="2200" dirty="0" smtClean="0"/>
+              <a:t>）</a:t>
             </a:r>
             <a:endParaRPr kumimoji="1" lang="en-US" altLang="ja-JP" sz="2200" dirty="0" smtClean="0"/>
           </a:p>
@@ -4527,11 +4559,11 @@
             </a:r>
             <a:r>
               <a:rPr lang="ja-JP" altLang="en-US" sz="2100" dirty="0" smtClean="0"/>
-              <a:t>激しい</a:t>
+              <a:t>激しい，積極的な，強気な，穏やかな，消極的な，弱気</a:t>
             </a:r>
             <a:r>
               <a:rPr lang="ja-JP" altLang="en-US" sz="2100" dirty="0"/>
-              <a:t>、積極的な、強気な、穏やかな、消極的な、弱気な）</a:t>
+              <a:t>な）</a:t>
             </a:r>
             <a:endParaRPr kumimoji="1" lang="ja-JP" altLang="en-US" sz="2100" dirty="0"/>
           </a:p>
@@ -4698,7 +4730,15 @@
             </a:r>
             <a:r>
               <a:rPr lang="ja-JP" altLang="en-US" dirty="0" smtClean="0"/>
-              <a:t>による、実現可能性の評価．</a:t>
+              <a:t>に</a:t>
+            </a:r>
+            <a:r>
+              <a:rPr lang="ja-JP" altLang="en-US" dirty="0" smtClean="0"/>
+              <a:t>よる，実現</a:t>
+            </a:r>
+            <a:r>
+              <a:rPr lang="ja-JP" altLang="en-US" dirty="0" smtClean="0"/>
+              <a:t>可能性の評価．</a:t>
             </a:r>
             <a:endParaRPr kumimoji="1" lang="ja-JP" altLang="en-US" dirty="0"/>
           </a:p>
@@ -5470,11 +5510,15 @@
             </a:r>
             <a:r>
               <a:rPr lang="ja-JP" altLang="en-US" sz="1400" dirty="0" smtClean="0"/>
-              <a:t>し、</a:t>
+              <a:t>し，</a:t>
             </a:r>
             <a:r>
               <a:rPr kumimoji="1" lang="ja-JP" altLang="en-US" sz="1400" dirty="0" smtClean="0"/>
-              <a:t>いくつかのサーバーに処理を</a:t>
+              <a:t>いくつ</a:t>
+            </a:r>
+            <a:r>
+              <a:rPr kumimoji="1" lang="ja-JP" altLang="en-US" sz="1400" dirty="0" smtClean="0"/>
+              <a:t>かのサーバーに処理を</a:t>
             </a:r>
             <a:r>
               <a:rPr kumimoji="1" lang="ja-JP" altLang="en-US" sz="1400" dirty="0" err="1" smtClean="0"/>
@@ -5612,7 +5656,7 @@
           <a:p>
             <a:r>
               <a:rPr kumimoji="1" lang="ja-JP" altLang="en-US" dirty="0" smtClean="0"/>
-              <a:t>観光地から明るい印象を受けるので、“元気が出る”音楽とマッチング</a:t>
+              <a:t>観光地から明るい印象を受けるので，“元気が出る”音楽とマッチング</a:t>
             </a:r>
             <a:endParaRPr kumimoji="1" lang="ja-JP" altLang="en-US" dirty="0"/>
           </a:p>

--- a/学部_中間発表_1821144.pptx
+++ b/学部_中間発表_1821144.pptx
@@ -4037,15 +4037,23 @@
             </a:r>
             <a:r>
               <a:rPr lang="ja-JP" altLang="en-US" dirty="0" smtClean="0"/>
-              <a:t>推薦システムでは推薦される観光地の情報は，画像が主</a:t>
+              <a:t>推薦システムでは推薦される観光地の情報</a:t>
+            </a:r>
+            <a:r>
+              <a:rPr lang="ja-JP" altLang="en-US" dirty="0" smtClean="0"/>
+              <a:t>は、</a:t>
+            </a:r>
+            <a:r>
+              <a:rPr lang="ja-JP" altLang="en-US" dirty="0" smtClean="0"/>
+              <a:t>画像</a:t>
             </a:r>
             <a:r>
               <a:rPr lang="ja-JP" altLang="en-US" dirty="0"/>
-              <a:t>で</a:t>
+              <a:t>が主で</a:t>
             </a:r>
             <a:r>
               <a:rPr lang="ja-JP" altLang="en-US" dirty="0" smtClean="0"/>
-              <a:t>ある．</a:t>
+              <a:t>あり画像から観光地のイメージをつかむことができる．</a:t>
             </a:r>
             <a:endParaRPr lang="en-US" altLang="ja-JP" dirty="0" smtClean="0"/>
           </a:p>
@@ -4054,12 +4062,12 @@
               <a:buNone/>
             </a:pPr>
             <a:r>
+              <a:rPr lang="ja-JP" altLang="en-US" dirty="0"/>
+              <a:t>しかし</a:t>
+            </a:r>
+            <a:r>
               <a:rPr lang="ja-JP" altLang="en-US" dirty="0" smtClean="0"/>
-              <a:t>画像よりも動画を使用したほうが観光地をより印象深くできるのではないだろう</a:t>
-            </a:r>
-            <a:r>
-              <a:rPr lang="ja-JP" altLang="en-US" dirty="0" smtClean="0"/>
-              <a:t>か．</a:t>
+              <a:t>画像のみだとユーザーの印象に残りにくいと感じた．</a:t>
             </a:r>
             <a:endParaRPr lang="en-US" altLang="ja-JP" dirty="0" smtClean="0"/>
           </a:p>

--- a/学部_中間発表_1821144.pptx
+++ b/学部_中間発表_1821144.pptx
@@ -234,7 +234,7 @@
           <a:p>
             <a:fld id="{27571B5F-C8EC-4379-AD76-80FD414F3861}" type="datetimeFigureOut">
               <a:rPr kumimoji="1" lang="ja-JP" altLang="en-US" smtClean="0"/>
-              <a:t>2021/7/26</a:t>
+              <a:t>2021/7/27</a:t>
             </a:fld>
             <a:endParaRPr kumimoji="1" lang="ja-JP" altLang="en-US"/>
           </a:p>
@@ -753,7 +753,7 @@
           <a:p>
             <a:fld id="{22C6F9C5-C6AA-409B-AF03-98D7346F1423}" type="datetime1">
               <a:rPr kumimoji="1" lang="ja-JP" altLang="en-US" smtClean="0"/>
-              <a:t>2021/7/26</a:t>
+              <a:t>2021/7/27</a:t>
             </a:fld>
             <a:endParaRPr kumimoji="1" lang="ja-JP" altLang="en-US"/>
           </a:p>
@@ -956,7 +956,7 @@
           <a:p>
             <a:fld id="{22E0F957-B7A6-49B1-8F7C-E83B3F2002DA}" type="datetime1">
               <a:rPr kumimoji="1" lang="ja-JP" altLang="en-US" smtClean="0"/>
-              <a:t>2021/7/26</a:t>
+              <a:t>2021/7/27</a:t>
             </a:fld>
             <a:endParaRPr kumimoji="1" lang="ja-JP" altLang="en-US"/>
           </a:p>
@@ -1169,7 +1169,7 @@
           <a:p>
             <a:fld id="{DE6F7DB3-2648-413C-8B2E-93728F539CCD}" type="datetime1">
               <a:rPr kumimoji="1" lang="ja-JP" altLang="en-US" smtClean="0"/>
-              <a:t>2021/7/26</a:t>
+              <a:t>2021/7/27</a:t>
             </a:fld>
             <a:endParaRPr kumimoji="1" lang="ja-JP" altLang="en-US"/>
           </a:p>
@@ -1372,7 +1372,7 @@
           <a:p>
             <a:fld id="{A2D1DE2A-14E7-4A39-B37E-D38A93E354FC}" type="datetime1">
               <a:rPr kumimoji="1" lang="ja-JP" altLang="en-US" smtClean="0"/>
-              <a:t>2021/7/26</a:t>
+              <a:t>2021/7/27</a:t>
             </a:fld>
             <a:endParaRPr kumimoji="1" lang="ja-JP" altLang="en-US"/>
           </a:p>
@@ -1621,7 +1621,7 @@
           <a:p>
             <a:fld id="{991EEB29-6570-4D17-BF07-A0C0B34BA0FB}" type="datetime1">
               <a:rPr kumimoji="1" lang="ja-JP" altLang="en-US" smtClean="0"/>
-              <a:t>2021/7/26</a:t>
+              <a:t>2021/7/27</a:t>
             </a:fld>
             <a:endParaRPr kumimoji="1" lang="ja-JP" altLang="en-US"/>
           </a:p>
@@ -1918,7 +1918,7 @@
           <a:p>
             <a:fld id="{892B6420-66A4-43C3-BA46-EBDFB60516F0}" type="datetime1">
               <a:rPr kumimoji="1" lang="ja-JP" altLang="en-US" smtClean="0"/>
-              <a:t>2021/7/26</a:t>
+              <a:t>2021/7/27</a:t>
             </a:fld>
             <a:endParaRPr kumimoji="1" lang="ja-JP" altLang="en-US"/>
           </a:p>
@@ -2350,7 +2350,7 @@
           <a:p>
             <a:fld id="{5BE63C90-8833-49EB-8DFB-3A87587C56DF}" type="datetime1">
               <a:rPr kumimoji="1" lang="ja-JP" altLang="en-US" smtClean="0"/>
-              <a:t>2021/7/26</a:t>
+              <a:t>2021/7/27</a:t>
             </a:fld>
             <a:endParaRPr kumimoji="1" lang="ja-JP" altLang="en-US"/>
           </a:p>
@@ -2469,7 +2469,7 @@
           <a:p>
             <a:fld id="{FDB7B118-9258-4B93-98B1-2227223B18EF}" type="datetime1">
               <a:rPr kumimoji="1" lang="ja-JP" altLang="en-US" smtClean="0"/>
-              <a:t>2021/7/26</a:t>
+              <a:t>2021/7/27</a:t>
             </a:fld>
             <a:endParaRPr kumimoji="1" lang="ja-JP" altLang="en-US"/>
           </a:p>
@@ -2565,7 +2565,7 @@
           <a:p>
             <a:fld id="{9C334A37-8FFC-49D6-A0F3-FC06101E023C}" type="datetime1">
               <a:rPr kumimoji="1" lang="ja-JP" altLang="en-US" smtClean="0"/>
-              <a:t>2021/7/26</a:t>
+              <a:t>2021/7/27</a:t>
             </a:fld>
             <a:endParaRPr kumimoji="1" lang="ja-JP" altLang="en-US"/>
           </a:p>
@@ -2875,7 +2875,7 @@
           <a:p>
             <a:fld id="{0FAD949F-32A5-4343-9078-C3A89D3064D3}" type="datetime1">
               <a:rPr kumimoji="1" lang="ja-JP" altLang="en-US" smtClean="0"/>
-              <a:t>2021/7/26</a:t>
+              <a:t>2021/7/27</a:t>
             </a:fld>
             <a:endParaRPr kumimoji="1" lang="ja-JP" altLang="en-US"/>
           </a:p>
@@ -3133,7 +3133,7 @@
           <a:p>
             <a:fld id="{58C4534D-9999-497B-9C6B-5769B1D800E5}" type="datetime1">
               <a:rPr kumimoji="1" lang="ja-JP" altLang="en-US" smtClean="0"/>
-              <a:t>2021/7/26</a:t>
+              <a:t>2021/7/27</a:t>
             </a:fld>
             <a:endParaRPr kumimoji="1" lang="ja-JP" altLang="en-US"/>
           </a:p>
@@ -3379,7 +3379,7 @@
           <a:p>
             <a:fld id="{D73E1257-0E7D-4620-84B9-7FC7BB2FC946}" type="datetime1">
               <a:rPr kumimoji="1" lang="ja-JP" altLang="en-US" smtClean="0"/>
-              <a:t>2021/7/26</a:t>
+              <a:t>2021/7/27</a:t>
             </a:fld>
             <a:endParaRPr kumimoji="1" lang="ja-JP" altLang="en-US"/>
           </a:p>
@@ -4037,15 +4037,7 @@
             </a:r>
             <a:r>
               <a:rPr lang="ja-JP" altLang="en-US" dirty="0" smtClean="0"/>
-              <a:t>推薦システムでは推薦される観光地の情報</a:t>
-            </a:r>
-            <a:r>
-              <a:rPr lang="ja-JP" altLang="en-US" dirty="0" smtClean="0"/>
-              <a:t>は、</a:t>
-            </a:r>
-            <a:r>
-              <a:rPr lang="ja-JP" altLang="en-US" dirty="0" smtClean="0"/>
-              <a:t>画像</a:t>
+              <a:t>推薦システムでは推薦される観光地の情報は、画像</a:t>
             </a:r>
             <a:r>
               <a:rPr lang="ja-JP" altLang="en-US" dirty="0"/>
@@ -4128,6 +4120,66 @@
               <a:rPr kumimoji="1" lang="ja-JP" altLang="en-US" smtClean="0"/>
               <a:t>2</a:t>
             </a:fld>
+            <a:endParaRPr kumimoji="1" lang="ja-JP" altLang="en-US" dirty="0"/>
+          </a:p>
+        </p:txBody>
+      </p:sp>
+      <p:sp>
+        <p:nvSpPr>
+          <p:cNvPr id="6" name="テキスト ボックス 5"/>
+          <p:cNvSpPr txBox="1"/>
+          <p:nvPr/>
+        </p:nvSpPr>
+        <p:spPr>
+          <a:xfrm>
+            <a:off x="5080883" y="477078"/>
+            <a:ext cx="3697357" cy="1200329"/>
+          </a:xfrm>
+          <a:prstGeom prst="rect">
+            <a:avLst/>
+          </a:prstGeom>
+          <a:noFill/>
+        </p:spPr>
+        <p:txBody>
+          <a:bodyPr wrap="square" rtlCol="0">
+            <a:spAutoFit/>
+          </a:bodyPr>
+          <a:lstStyle/>
+          <a:p>
+            <a:r>
+              <a:rPr lang="ja-JP" altLang="en-US" dirty="0"/>
+              <a:t>ラウンドロビンを利用した観光地推薦動画に使用する大量音楽</a:t>
+            </a:r>
+            <a:r>
+              <a:rPr lang="ja-JP" altLang="en-US" dirty="0" smtClean="0"/>
+              <a:t>の</a:t>
+            </a:r>
+            <a:endParaRPr lang="en-US" altLang="ja-JP" dirty="0" smtClean="0"/>
+          </a:p>
+          <a:p>
+            <a:r>
+              <a:rPr lang="ja-JP" altLang="en-US" dirty="0" smtClean="0"/>
+              <a:t>ジャンル</a:t>
+            </a:r>
+            <a:r>
+              <a:rPr lang="ja-JP" altLang="en-US" dirty="0"/>
+              <a:t>分けとその</a:t>
+            </a:r>
+            <a:r>
+              <a:rPr lang="ja-JP" altLang="en-US" dirty="0" smtClean="0"/>
+              <a:t>マッチング</a:t>
+            </a:r>
+            <a:endParaRPr lang="en-US" altLang="ja-JP" dirty="0" smtClean="0"/>
+          </a:p>
+          <a:p>
+            <a:r>
+              <a:rPr kumimoji="1" lang="en-US" altLang="ja-JP" dirty="0" smtClean="0"/>
+              <a:t>1821144 </a:t>
+            </a:r>
+            <a:r>
+              <a:rPr kumimoji="1" lang="ja-JP" altLang="en-US" dirty="0" smtClean="0"/>
+              <a:t>吉井 智哉</a:t>
+            </a:r>
             <a:endParaRPr kumimoji="1" lang="ja-JP" altLang="en-US" dirty="0"/>
           </a:p>
         </p:txBody>
@@ -4254,15 +4306,7 @@
             </a:pPr>
             <a:r>
               <a:rPr lang="ja-JP" altLang="en-US" dirty="0" smtClean="0"/>
-              <a:t>・音楽データをジャンル分けし観光地推薦動画とマッチングすることでユーザー</a:t>
-            </a:r>
-            <a:r>
-              <a:rPr lang="ja-JP" altLang="en-US" dirty="0" smtClean="0"/>
-              <a:t>に，より</a:t>
-            </a:r>
-            <a:r>
-              <a:rPr lang="ja-JP" altLang="en-US" dirty="0" smtClean="0"/>
-              <a:t>観光地を印象深くできると考えた．</a:t>
+              <a:t>・音楽データをジャンル分けし観光地推薦動画とマッチングすることでユーザーに，より観光地を印象深くできると考えた．</a:t>
             </a:r>
             <a:endParaRPr lang="ja-JP" altLang="en-US" dirty="0"/>
           </a:p>
@@ -4503,15 +4547,7 @@
             </a:pPr>
             <a:r>
               <a:rPr lang="ja-JP" altLang="en-US" dirty="0" smtClean="0"/>
-              <a:t>堂々，元気</a:t>
-            </a:r>
-            <a:r>
-              <a:rPr lang="ja-JP" altLang="en-US" dirty="0" smtClean="0"/>
-              <a:t>が</a:t>
-            </a:r>
-            <a:r>
-              <a:rPr lang="ja-JP" altLang="en-US" dirty="0" smtClean="0"/>
-              <a:t>出る，切ない，激しい，滑稽，かわいい</a:t>
+              <a:t>堂々，元気が出る，切ない，激しい，滑稽，かわいい</a:t>
             </a:r>
             <a:endParaRPr lang="en-US" altLang="ja-JP" dirty="0" smtClean="0"/>
           </a:p>
@@ -4545,11 +4581,7 @@
             </a:r>
             <a:r>
               <a:rPr lang="ja-JP" altLang="en-US" sz="2200" dirty="0" smtClean="0"/>
-              <a:t>なる，悲しい</a:t>
-            </a:r>
-            <a:r>
-              <a:rPr lang="ja-JP" altLang="en-US" sz="2200" dirty="0" smtClean="0"/>
-              <a:t>）</a:t>
+              <a:t>なる，悲しい）</a:t>
             </a:r>
             <a:endParaRPr kumimoji="1" lang="en-US" altLang="ja-JP" sz="2200" dirty="0" smtClean="0"/>
           </a:p>
@@ -4738,15 +4770,7 @@
             </a:r>
             <a:r>
               <a:rPr lang="ja-JP" altLang="en-US" dirty="0" smtClean="0"/>
-              <a:t>に</a:t>
-            </a:r>
-            <a:r>
-              <a:rPr lang="ja-JP" altLang="en-US" dirty="0" smtClean="0"/>
-              <a:t>よる，実現</a:t>
-            </a:r>
-            <a:r>
-              <a:rPr lang="ja-JP" altLang="en-US" dirty="0" smtClean="0"/>
-              <a:t>可能性の評価．</a:t>
+              <a:t>による，実現可能性の評価．</a:t>
             </a:r>
             <a:endParaRPr kumimoji="1" lang="ja-JP" altLang="en-US" dirty="0"/>
           </a:p>
@@ -5522,11 +5546,7 @@
             </a:r>
             <a:r>
               <a:rPr kumimoji="1" lang="ja-JP" altLang="en-US" sz="1400" dirty="0" smtClean="0"/>
-              <a:t>いくつ</a:t>
-            </a:r>
-            <a:r>
-              <a:rPr kumimoji="1" lang="ja-JP" altLang="en-US" sz="1400" dirty="0" smtClean="0"/>
-              <a:t>かのサーバーに処理を</a:t>
+              <a:t>いくつかのサーバーに処理を</a:t>
             </a:r>
             <a:r>
               <a:rPr kumimoji="1" lang="ja-JP" altLang="en-US" sz="1400" dirty="0" err="1" smtClean="0"/>
@@ -5751,7 +5771,31 @@
               <a:rPr kumimoji="1" lang="ja-JP" altLang="en-US" dirty="0" smtClean="0">
                 <a:latin typeface="+mn-ea"/>
               </a:rPr>
-              <a:t>・「音楽動画への印象評価データセット構築とその特性の調査」</a:t>
+              <a:t>・「音楽動画への印象評価データセット構築とその特性の調査</a:t>
+            </a:r>
+            <a:r>
+              <a:rPr kumimoji="1" lang="ja-JP" altLang="en-US" dirty="0" smtClean="0">
+                <a:latin typeface="+mn-ea"/>
+              </a:rPr>
+              <a:t>」</a:t>
+            </a:r>
+            <a:r>
+              <a:rPr kumimoji="1" lang="en-US" altLang="ja-JP" dirty="0" smtClean="0">
+                <a:latin typeface="+mn-ea"/>
+              </a:rPr>
+              <a:t>[2015 </a:t>
+            </a:r>
+            <a:r>
+              <a:rPr kumimoji="1" lang="ja-JP" altLang="en-US" dirty="0" smtClean="0">
+                <a:latin typeface="+mn-ea"/>
+              </a:rPr>
+              <a:t>大野</a:t>
+            </a:r>
+            <a:r>
+              <a:rPr kumimoji="1" lang="en-US" altLang="ja-JP" dirty="0" smtClean="0">
+                <a:latin typeface="+mn-ea"/>
+              </a:rPr>
+              <a:t>]</a:t>
             </a:r>
             <a:endParaRPr kumimoji="1" lang="en-US" altLang="ja-JP" dirty="0" smtClean="0">
               <a:latin typeface="+mn-ea"/>
@@ -5818,6 +5862,24 @@
                 <a:latin typeface="+mn-ea"/>
               </a:rPr>
               <a:t>」</a:t>
+            </a:r>
+            <a:r>
+              <a:rPr lang="en-US" altLang="ja-JP" dirty="0" smtClean="0">
+                <a:latin typeface="+mn-ea"/>
+              </a:rPr>
+              <a:t>[2016 </a:t>
+            </a:r>
+            <a:r>
+              <a:rPr lang="ja-JP" altLang="en-US" dirty="0" smtClean="0">
+                <a:latin typeface="+mn-ea"/>
+              </a:rPr>
+              <a:t>清水</a:t>
+            </a:r>
+            <a:r>
+              <a:rPr lang="en-US" altLang="ja-JP" dirty="0" smtClean="0">
+                <a:latin typeface="+mn-ea"/>
+              </a:rPr>
+              <a:t>]</a:t>
             </a:r>
             <a:r>
               <a:rPr lang="ja-JP" altLang="en-US" dirty="0">
@@ -5944,6 +6006,24 @@
                 <a:latin typeface="+mn-ea"/>
               </a:rPr>
               <a:t>」</a:t>
+            </a:r>
+            <a:r>
+              <a:rPr lang="en-US" altLang="ja-JP" dirty="0" smtClean="0">
+                <a:latin typeface="+mn-ea"/>
+              </a:rPr>
+              <a:t>[2007 </a:t>
+            </a:r>
+            <a:r>
+              <a:rPr lang="ja-JP" altLang="en-US" smtClean="0">
+                <a:latin typeface="+mn-ea"/>
+              </a:rPr>
+              <a:t>大山</a:t>
+            </a:r>
+            <a:r>
+              <a:rPr lang="en-US" altLang="ja-JP" smtClean="0">
+                <a:latin typeface="+mn-ea"/>
+              </a:rPr>
+              <a:t>]</a:t>
             </a:r>
             <a:endParaRPr lang="en-US" altLang="ja-JP" dirty="0">
               <a:latin typeface="+mn-ea"/>

--- a/学部_中間発表_1821144.pptx
+++ b/学部_中間発表_1821144.pptx
@@ -8,15 +8,15 @@
     <p:notesMasterId r:id="rId11"/>
   </p:notesMasterIdLst>
   <p:sldIdLst>
-    <p:sldId id="256" r:id="rId2"/>
-    <p:sldId id="257" r:id="rId3"/>
-    <p:sldId id="260" r:id="rId4"/>
-    <p:sldId id="259" r:id="rId5"/>
-    <p:sldId id="261" r:id="rId6"/>
-    <p:sldId id="262" r:id="rId7"/>
-    <p:sldId id="258" r:id="rId8"/>
-    <p:sldId id="265" r:id="rId9"/>
-    <p:sldId id="264" r:id="rId10"/>
+    <p:sldId id="257" r:id="rId2"/>
+    <p:sldId id="260" r:id="rId3"/>
+    <p:sldId id="259" r:id="rId4"/>
+    <p:sldId id="261" r:id="rId5"/>
+    <p:sldId id="262" r:id="rId6"/>
+    <p:sldId id="258" r:id="rId7"/>
+    <p:sldId id="265" r:id="rId8"/>
+    <p:sldId id="264" r:id="rId9"/>
+    <p:sldId id="256" r:id="rId10"/>
   </p:sldIdLst>
   <p:sldSz cx="9144000" cy="6858000" type="screen4x3"/>
   <p:notesSz cx="6858000" cy="9144000"/>
@@ -603,7 +603,7 @@
           <a:p>
             <a:fld id="{9D828324-DCC9-430F-AD2C-1DD1805E2C40}" type="slidenum">
               <a:rPr kumimoji="1" lang="ja-JP" altLang="en-US" smtClean="0"/>
-              <a:t>1</a:t>
+              <a:t>9</a:t>
             </a:fld>
             <a:endParaRPr kumimoji="1" lang="ja-JP" altLang="en-US"/>
           </a:p>
@@ -3792,41 +3792,133 @@
             <a:spLocks noGrp="1"/>
           </p:cNvSpPr>
           <p:nvPr>
-            <p:ph type="ctrTitle"/>
+            <p:ph type="title"/>
           </p:nvPr>
         </p:nvSpPr>
         <p:spPr>
           <a:xfrm>
-            <a:off x="742950" y="1058863"/>
-            <a:ext cx="7772400" cy="2387600"/>
+            <a:off x="628650" y="2330077"/>
+            <a:ext cx="7886700" cy="1325563"/>
           </a:xfrm>
         </p:spPr>
         <p:txBody>
+          <a:bodyPr/>
+          <a:lstStyle/>
+          <a:p>
+            <a:r>
+              <a:rPr kumimoji="1" lang="ja-JP" altLang="en-US" dirty="0"/>
+              <a:t>研究背景</a:t>
+            </a:r>
+          </a:p>
+        </p:txBody>
+      </p:sp>
+      <p:sp>
+        <p:nvSpPr>
+          <p:cNvPr id="3" name="コンテンツ プレースホルダー 2"/>
+          <p:cNvSpPr>
+            <a:spLocks noGrp="1"/>
+          </p:cNvSpPr>
+          <p:nvPr>
+            <p:ph idx="1"/>
+          </p:nvPr>
+        </p:nvSpPr>
+        <p:spPr>
+          <a:xfrm>
+            <a:off x="628650" y="4031311"/>
+            <a:ext cx="7886700" cy="2145652"/>
+          </a:xfrm>
+        </p:spPr>
+        <p:txBody>
           <a:bodyPr>
-            <a:normAutofit fontScale="90000"/>
+            <a:normAutofit/>
           </a:bodyPr>
           <a:lstStyle/>
           <a:p>
+            <a:pPr marL="0" indent="0">
+              <a:buNone/>
+            </a:pPr>
+            <a:r>
+              <a:rPr lang="ja-JP" altLang="en-US" dirty="0" smtClean="0"/>
+              <a:t>・既存の</a:t>
+            </a:r>
             <a:r>
               <a:rPr lang="ja-JP" altLang="en-US" dirty="0"/>
-              <a:t>ラウンドロビンを利用した観光地推薦動画に使用</a:t>
+              <a:t>観光地</a:t>
             </a:r>
             <a:r>
               <a:rPr lang="ja-JP" altLang="en-US" dirty="0" smtClean="0"/>
-              <a:t>する大量音楽のジャンル分けとそのマッチング</a:t>
-            </a:r>
-            <a:endParaRPr kumimoji="1" lang="ja-JP" altLang="en-US" dirty="0"/>
-          </a:p>
-        </p:txBody>
-      </p:sp>
-      <p:sp>
-        <p:nvSpPr>
-          <p:cNvPr id="3" name="サブタイトル 2"/>
-          <p:cNvSpPr>
-            <a:spLocks noGrp="1"/>
-          </p:cNvSpPr>
-          <p:nvPr>
-            <p:ph type="subTitle" idx="1"/>
+              <a:t>推薦システムでは推薦される観光地の情報は、画像</a:t>
+            </a:r>
+            <a:r>
+              <a:rPr lang="ja-JP" altLang="en-US" dirty="0"/>
+              <a:t>が主で</a:t>
+            </a:r>
+            <a:r>
+              <a:rPr lang="ja-JP" altLang="en-US" dirty="0" smtClean="0"/>
+              <a:t>あり画像から観光地のイメージをつかむことができる．</a:t>
+            </a:r>
+            <a:endParaRPr lang="en-US" altLang="ja-JP" dirty="0" smtClean="0"/>
+          </a:p>
+          <a:p>
+            <a:pPr marL="0" indent="0">
+              <a:buNone/>
+            </a:pPr>
+            <a:r>
+              <a:rPr lang="ja-JP" altLang="en-US" dirty="0"/>
+              <a:t>しかし</a:t>
+            </a:r>
+            <a:r>
+              <a:rPr lang="ja-JP" altLang="en-US" dirty="0" smtClean="0"/>
+              <a:t>画像のみだとユーザーの印象に残りにくいと感じた．</a:t>
+            </a:r>
+            <a:endParaRPr lang="en-US" altLang="ja-JP" dirty="0" smtClean="0"/>
+          </a:p>
+          <a:p>
+            <a:pPr marL="0" indent="0">
+              <a:buNone/>
+            </a:pPr>
+            <a:endParaRPr lang="en-US" altLang="ja-JP" dirty="0" smtClean="0"/>
+          </a:p>
+          <a:p>
+            <a:pPr marL="0" indent="0">
+              <a:buNone/>
+            </a:pPr>
+            <a:endParaRPr lang="en-US" altLang="ja-JP" dirty="0" smtClean="0"/>
+          </a:p>
+          <a:p>
+            <a:pPr marL="0" indent="0">
+              <a:buNone/>
+            </a:pPr>
+            <a:endParaRPr lang="en-US" altLang="ja-JP" dirty="0"/>
+          </a:p>
+          <a:p>
+            <a:pPr marL="0" indent="0">
+              <a:buNone/>
+            </a:pPr>
+            <a:endParaRPr lang="en-US" altLang="ja-JP" dirty="0" smtClean="0"/>
+          </a:p>
+          <a:p>
+            <a:pPr marL="0" indent="0">
+              <a:buNone/>
+            </a:pPr>
+            <a:endParaRPr kumimoji="1" lang="en-US" altLang="ja-JP" dirty="0" smtClean="0"/>
+          </a:p>
+          <a:p>
+            <a:pPr marL="0" indent="0">
+              <a:buNone/>
+            </a:pPr>
+            <a:endParaRPr lang="en-US" altLang="ja-JP" dirty="0"/>
+          </a:p>
+        </p:txBody>
+      </p:sp>
+      <p:sp>
+        <p:nvSpPr>
+          <p:cNvPr id="4" name="スライド番号プレースホルダー 3"/>
+          <p:cNvSpPr>
+            <a:spLocks noGrp="1"/>
+          </p:cNvSpPr>
+          <p:nvPr>
+            <p:ph type="sldNum" sz="quarter" idx="12"/>
           </p:nvPr>
         </p:nvSpPr>
         <p:spPr/>
@@ -3834,76 +3926,130 @@
           <a:bodyPr/>
           <a:lstStyle/>
           <a:p>
-            <a:r>
-              <a:rPr kumimoji="1" lang="ja-JP" altLang="en-US" dirty="0"/>
-              <a:t>学籍番号</a:t>
-            </a:r>
-            <a:r>
-              <a:rPr kumimoji="1" lang="ja-JP" altLang="en-US" dirty="0" smtClean="0"/>
-              <a:t>：</a:t>
-            </a:r>
-            <a:r>
-              <a:rPr kumimoji="1" lang="en-US" altLang="ja-JP" dirty="0" smtClean="0"/>
-              <a:t>1821144</a:t>
-            </a:r>
-            <a:r>
-              <a:rPr kumimoji="1" lang="en-US" altLang="ja-JP" dirty="0"/>
-              <a:t>	</a:t>
-            </a:r>
-            <a:r>
-              <a:rPr kumimoji="1" lang="ja-JP" altLang="en-US" dirty="0"/>
-              <a:t>氏名</a:t>
-            </a:r>
-            <a:r>
-              <a:rPr kumimoji="1" lang="ja-JP" altLang="en-US" dirty="0" smtClean="0"/>
-              <a:t>：吉井 智哉</a:t>
-            </a:r>
-            <a:endParaRPr kumimoji="1" lang="en-US" altLang="ja-JP" dirty="0"/>
-          </a:p>
-          <a:p>
-            <a:r>
-              <a:rPr lang="ja-JP" altLang="en-US" dirty="0"/>
-              <a:t>指導教員：鷹野孝典</a:t>
-            </a:r>
-          </a:p>
-          <a:p>
-            <a:endParaRPr kumimoji="1" lang="ja-JP" altLang="en-US" dirty="0"/>
-          </a:p>
-        </p:txBody>
-      </p:sp>
-      <p:sp>
-        <p:nvSpPr>
-          <p:cNvPr id="5" name="スライド番号プレースホルダー 4"/>
-          <p:cNvSpPr>
-            <a:spLocks noGrp="1"/>
-          </p:cNvSpPr>
-          <p:nvPr>
-            <p:ph type="sldNum" sz="quarter" idx="12"/>
-          </p:nvPr>
-        </p:nvSpPr>
-        <p:spPr/>
-        <p:txBody>
-          <a:bodyPr/>
-          <a:lstStyle/>
-          <a:p>
             <a:fld id="{B4451160-128F-4DAD-AE29-4A8CC0E7B9E9}" type="slidenum">
-              <a:rPr kumimoji="1" lang="ja-JP" altLang="en-US" sz="2000" smtClean="0"/>
+              <a:rPr kumimoji="1" lang="ja-JP" altLang="en-US" smtClean="0"/>
               <a:t>1</a:t>
             </a:fld>
-            <a:endParaRPr kumimoji="1" lang="ja-JP" altLang="en-US" sz="2000" dirty="0"/>
-          </a:p>
-        </p:txBody>
-      </p:sp>
-      <p:sp>
-        <p:nvSpPr>
-          <p:cNvPr id="4" name="テキスト ボックス 3"/>
+            <a:endParaRPr kumimoji="1" lang="ja-JP" altLang="en-US" dirty="0"/>
+          </a:p>
+        </p:txBody>
+      </p:sp>
+      <p:sp>
+        <p:nvSpPr>
+          <p:cNvPr id="6" name="テキスト ボックス 5"/>
           <p:cNvSpPr txBox="1"/>
           <p:nvPr/>
         </p:nvSpPr>
         <p:spPr>
           <a:xfrm>
-            <a:off x="5970048" y="117486"/>
-            <a:ext cx="3033203" cy="300082"/>
+            <a:off x="0" y="0"/>
+            <a:ext cx="9143999" cy="1231106"/>
+          </a:xfrm>
+          <a:prstGeom prst="rect">
+            <a:avLst/>
+          </a:prstGeom>
+        </p:spPr>
+        <p:style>
+          <a:lnRef idx="2">
+            <a:schemeClr val="dk1">
+              <a:shade val="50000"/>
+            </a:schemeClr>
+          </a:lnRef>
+          <a:fillRef idx="1">
+            <a:schemeClr val="dk1"/>
+          </a:fillRef>
+          <a:effectRef idx="0">
+            <a:schemeClr val="dk1"/>
+          </a:effectRef>
+          <a:fontRef idx="minor">
+            <a:schemeClr val="lt1"/>
+          </a:fontRef>
+        </p:style>
+        <p:txBody>
+          <a:bodyPr wrap="square" rtlCol="0">
+            <a:spAutoFit/>
+          </a:bodyPr>
+          <a:lstStyle/>
+          <a:p>
+            <a:pPr algn="ctr"/>
+            <a:r>
+              <a:rPr lang="ja-JP" altLang="en-US" sz="2800" dirty="0" smtClean="0"/>
+              <a:t>ラウンドロビン</a:t>
+            </a:r>
+            <a:r>
+              <a:rPr lang="ja-JP" altLang="en-US" sz="2800" dirty="0"/>
+              <a:t>を利用した観光地推薦動画に使用</a:t>
+            </a:r>
+            <a:r>
+              <a:rPr lang="ja-JP" altLang="en-US" sz="2800" dirty="0" smtClean="0"/>
+              <a:t>する</a:t>
+            </a:r>
+            <a:endParaRPr lang="en-US" altLang="ja-JP" sz="2800" dirty="0" smtClean="0"/>
+          </a:p>
+          <a:p>
+            <a:pPr algn="ctr"/>
+            <a:r>
+              <a:rPr lang="ja-JP" altLang="en-US" sz="2800" dirty="0" smtClean="0"/>
+              <a:t>大量</a:t>
+            </a:r>
+            <a:r>
+              <a:rPr lang="ja-JP" altLang="en-US" sz="2800" dirty="0"/>
+              <a:t>音楽</a:t>
+            </a:r>
+            <a:r>
+              <a:rPr lang="ja-JP" altLang="en-US" sz="2800" dirty="0" smtClean="0"/>
+              <a:t>のジャンル</a:t>
+            </a:r>
+            <a:r>
+              <a:rPr lang="ja-JP" altLang="en-US" sz="2800" dirty="0"/>
+              <a:t>分けとその</a:t>
+            </a:r>
+            <a:r>
+              <a:rPr lang="ja-JP" altLang="en-US" sz="2800" dirty="0" smtClean="0"/>
+              <a:t>マッチング</a:t>
+            </a:r>
+            <a:endParaRPr lang="en-US" altLang="ja-JP" sz="2800" dirty="0" smtClean="0"/>
+          </a:p>
+          <a:p>
+            <a:pPr algn="ctr"/>
+            <a:r>
+              <a:rPr kumimoji="1" lang="en-US" altLang="ja-JP" dirty="0" smtClean="0"/>
+              <a:t>1821144 </a:t>
+            </a:r>
+            <a:r>
+              <a:rPr lang="ja-JP" altLang="en-US" dirty="0" smtClean="0"/>
+              <a:t> </a:t>
+            </a:r>
+            <a:r>
+              <a:rPr kumimoji="1" lang="ja-JP" altLang="en-US" dirty="0" smtClean="0"/>
+              <a:t>吉井 智哉　</a:t>
+            </a:r>
+            <a:r>
+              <a:rPr lang="ja-JP" altLang="en-US" dirty="0" smtClean="0"/>
+              <a:t>指導</a:t>
+            </a:r>
+            <a:r>
+              <a:rPr lang="ja-JP" altLang="en-US" dirty="0"/>
+              <a:t>教員：鷹野孝</a:t>
+            </a:r>
+            <a:r>
+              <a:rPr lang="ja-JP" altLang="en-US" dirty="0" smtClean="0"/>
+              <a:t>典</a:t>
+            </a:r>
+            <a:endParaRPr lang="ja-JP" altLang="en-US" dirty="0"/>
+          </a:p>
+        </p:txBody>
+      </p:sp>
+      <p:sp>
+        <p:nvSpPr>
+          <p:cNvPr id="7" name="テキスト ボックス 6"/>
+          <p:cNvSpPr txBox="1"/>
+          <p:nvPr/>
+        </p:nvSpPr>
+        <p:spPr>
+          <a:xfrm>
+            <a:off x="5883965" y="1237445"/>
+            <a:ext cx="3260035" cy="369332"/>
           </a:xfrm>
           <a:prstGeom prst="rect">
             <a:avLst/>
@@ -3911,47 +4057,39 @@
           <a:noFill/>
         </p:spPr>
         <p:txBody>
-          <a:bodyPr wrap="none" rtlCol="0">
+          <a:bodyPr wrap="square" rtlCol="0">
             <a:spAutoFit/>
           </a:bodyPr>
           <a:lstStyle/>
           <a:p>
             <a:r>
-              <a:rPr lang="ja-JP" altLang="en-US" sz="1350" dirty="0"/>
-              <a:t>情報工学科 中間発表　</a:t>
-            </a:r>
-            <a:r>
-              <a:rPr lang="en-US" altLang="ja-JP" sz="1350" dirty="0" smtClean="0"/>
-              <a:t>2021</a:t>
-            </a:r>
-            <a:r>
-              <a:rPr lang="ja-JP" altLang="en-US" sz="1350" dirty="0" smtClean="0"/>
-              <a:t>年</a:t>
-            </a:r>
-            <a:r>
-              <a:rPr lang="en-US" altLang="ja-JP" sz="1350" dirty="0" smtClean="0"/>
-              <a:t>7</a:t>
-            </a:r>
-            <a:r>
-              <a:rPr lang="ja-JP" altLang="en-US" sz="1350" dirty="0" smtClean="0"/>
-              <a:t>月</a:t>
-            </a:r>
-            <a:r>
-              <a:rPr lang="en-US" altLang="ja-JP" sz="1350" dirty="0" smtClean="0"/>
-              <a:t>29</a:t>
-            </a:r>
-            <a:r>
-              <a:rPr lang="ja-JP" altLang="en-US" sz="1350" dirty="0" smtClean="0"/>
-              <a:t>日</a:t>
-            </a:r>
-            <a:endParaRPr lang="ja-JP" altLang="en-US" sz="1350" dirty="0"/>
+              <a:rPr lang="ja-JP" altLang="en-US" dirty="0" smtClean="0"/>
+              <a:t>情報</a:t>
+            </a:r>
+            <a:r>
+              <a:rPr lang="ja-JP" altLang="en-US" dirty="0"/>
+              <a:t>工</a:t>
+            </a:r>
+            <a:r>
+              <a:rPr lang="ja-JP" altLang="en-US" dirty="0" smtClean="0"/>
+              <a:t>学科　中間発表　</a:t>
+            </a:r>
+            <a:r>
+              <a:rPr lang="en-US" altLang="ja-JP" dirty="0" smtClean="0"/>
+              <a:t>07/29</a:t>
+            </a:r>
+            <a:r>
+              <a:rPr lang="ja-JP" altLang="en-US" dirty="0" smtClean="0"/>
+              <a:t>　</a:t>
+            </a:r>
+            <a:endParaRPr kumimoji="1" lang="ja-JP" altLang="en-US" dirty="0"/>
           </a:p>
         </p:txBody>
       </p:sp>
     </p:spTree>
     <p:extLst>
       <p:ext uri="{BB962C8B-B14F-4D97-AF65-F5344CB8AC3E}">
-        <p14:creationId xmlns:p14="http://schemas.microsoft.com/office/powerpoint/2010/main" val="4177902719"/>
+        <p14:creationId xmlns:p14="http://schemas.microsoft.com/office/powerpoint/2010/main" val="2751752632"/>
       </p:ext>
     </p:extLst>
   </p:cSld>
@@ -4002,7 +4140,7 @@
           <a:p>
             <a:r>
               <a:rPr kumimoji="1" lang="ja-JP" altLang="en-US" dirty="0"/>
-              <a:t>研究背景</a:t>
+              <a:t>研究動機</a:t>
             </a:r>
           </a:p>
         </p:txBody>
@@ -4017,10 +4155,15 @@
             <p:ph idx="1"/>
           </p:nvPr>
         </p:nvSpPr>
-        <p:spPr/>
+        <p:spPr>
+          <a:xfrm>
+            <a:off x="628650" y="1526650"/>
+            <a:ext cx="7886700" cy="4650313"/>
+          </a:xfrm>
+        </p:spPr>
         <p:txBody>
           <a:bodyPr>
-            <a:normAutofit/>
+            <a:normAutofit fontScale="92500" lnSpcReduction="10000"/>
           </a:bodyPr>
           <a:lstStyle/>
           <a:p>
@@ -4029,50 +4172,28 @@
             </a:pPr>
             <a:r>
               <a:rPr lang="ja-JP" altLang="en-US" dirty="0" smtClean="0"/>
-              <a:t>・既存の</a:t>
+              <a:t>・ただ</a:t>
             </a:r>
             <a:r>
               <a:rPr lang="ja-JP" altLang="en-US" dirty="0"/>
-              <a:t>観光地</a:t>
+              <a:t>の画像であって</a:t>
             </a:r>
             <a:r>
               <a:rPr lang="ja-JP" altLang="en-US" dirty="0" smtClean="0"/>
-              <a:t>推薦システムでは推薦される観光地の情報は、画像</a:t>
-            </a:r>
-            <a:r>
-              <a:rPr lang="ja-JP" altLang="en-US" dirty="0"/>
-              <a:t>が主で</a:t>
+              <a:t>も効果音や</a:t>
+            </a:r>
+            <a:r>
+              <a:rPr lang="en-US" altLang="ja-JP" dirty="0" smtClean="0"/>
+              <a:t>BGM</a:t>
+            </a:r>
+            <a:r>
+              <a:rPr lang="ja-JP" altLang="en-US" dirty="0" err="1" smtClean="0"/>
+              <a:t>が適</a:t>
             </a:r>
             <a:r>
               <a:rPr lang="ja-JP" altLang="en-US" dirty="0" smtClean="0"/>
-              <a:t>あり画像から観光地のイメージをつかむことができる．</a:t>
-            </a:r>
-            <a:endParaRPr lang="en-US" altLang="ja-JP" dirty="0" smtClean="0"/>
-          </a:p>
-          <a:p>
-            <a:pPr marL="0" indent="0">
-              <a:buNone/>
-            </a:pPr>
-            <a:r>
-              <a:rPr lang="ja-JP" altLang="en-US" dirty="0"/>
-              <a:t>しかし</a:t>
-            </a:r>
-            <a:r>
-              <a:rPr lang="ja-JP" altLang="en-US" dirty="0" smtClean="0"/>
-              <a:t>画像のみだとユーザーの印象に残りにくいと感じた．</a:t>
-            </a:r>
-            <a:endParaRPr lang="en-US" altLang="ja-JP" dirty="0" smtClean="0"/>
-          </a:p>
-          <a:p>
-            <a:pPr marL="0" indent="0">
-              <a:buNone/>
-            </a:pPr>
-            <a:endParaRPr lang="en-US" altLang="ja-JP" dirty="0" smtClean="0"/>
-          </a:p>
-          <a:p>
-            <a:pPr marL="0" indent="0">
-              <a:buNone/>
-            </a:pPr>
+              <a:t>切に使用されていると，その画像から得られる情報量は変わってくる．</a:t>
+            </a:r>
             <a:endParaRPr lang="en-US" altLang="ja-JP" dirty="0" smtClean="0"/>
           </a:p>
           <a:p>
@@ -4085,19 +4206,95 @@
             <a:pPr marL="0" indent="0">
               <a:buNone/>
             </a:pPr>
-            <a:endParaRPr lang="en-US" altLang="ja-JP" dirty="0" smtClean="0"/>
-          </a:p>
-          <a:p>
-            <a:pPr marL="0" indent="0">
-              <a:buNone/>
-            </a:pPr>
-            <a:endParaRPr kumimoji="1" lang="en-US" altLang="ja-JP" dirty="0" smtClean="0"/>
+            <a:r>
+              <a:rPr lang="ja-JP" altLang="en-US" dirty="0" smtClean="0"/>
+              <a:t>・音楽データをジャンル分けし観光地推薦動画とマッチングすることでユーザーに，より観光地を印象深くできると考えた．</a:t>
+            </a:r>
+            <a:endParaRPr lang="ja-JP" altLang="en-US" dirty="0"/>
           </a:p>
           <a:p>
             <a:pPr marL="0" indent="0">
               <a:buNone/>
             </a:pPr>
             <a:endParaRPr lang="en-US" altLang="ja-JP" dirty="0"/>
+          </a:p>
+          <a:p>
+            <a:pPr marL="0" indent="0">
+              <a:buNone/>
+            </a:pPr>
+            <a:r>
+              <a:rPr lang="ja-JP" altLang="en-US" dirty="0" smtClean="0"/>
+              <a:t>・</a:t>
+            </a:r>
+            <a:r>
+              <a:rPr lang="en-US" altLang="ja-JP" dirty="0" smtClean="0"/>
+              <a:t>1</a:t>
+            </a:r>
+            <a:r>
+              <a:rPr lang="ja-JP" altLang="en-US" dirty="0"/>
+              <a:t>台</a:t>
+            </a:r>
+            <a:r>
+              <a:rPr lang="ja-JP" altLang="en-US" dirty="0" smtClean="0"/>
+              <a:t>のサーバーで大量のデータを処理</a:t>
+            </a:r>
+            <a:r>
+              <a:rPr lang="ja-JP" altLang="en-US" dirty="0"/>
+              <a:t>する</a:t>
+            </a:r>
+            <a:r>
+              <a:rPr lang="ja-JP" altLang="en-US" dirty="0" smtClean="0"/>
+              <a:t>場合，処理</a:t>
+            </a:r>
+            <a:r>
+              <a:rPr lang="ja-JP" altLang="en-US" dirty="0"/>
+              <a:t>する速度にも限界が</a:t>
+            </a:r>
+            <a:r>
+              <a:rPr lang="ja-JP" altLang="en-US" dirty="0" smtClean="0"/>
+              <a:t>ある．</a:t>
+            </a:r>
+            <a:endParaRPr lang="en-US" altLang="ja-JP" dirty="0" smtClean="0"/>
+          </a:p>
+          <a:p>
+            <a:pPr marL="0" indent="0">
+              <a:buNone/>
+            </a:pPr>
+            <a:r>
+              <a:rPr lang="ja-JP" altLang="en-US" dirty="0" smtClean="0"/>
+              <a:t>処理</a:t>
+            </a:r>
+            <a:r>
+              <a:rPr lang="ja-JP" altLang="en-US" dirty="0"/>
+              <a:t>を複</a:t>
+            </a:r>
+            <a:r>
+              <a:rPr lang="ja-JP" altLang="en-US" dirty="0" smtClean="0"/>
+              <a:t>数台のサーバーに</a:t>
+            </a:r>
+            <a:r>
+              <a:rPr lang="ja-JP" altLang="en-US" dirty="0"/>
+              <a:t>分けること</a:t>
+            </a:r>
+            <a:r>
+              <a:rPr lang="ja-JP" altLang="en-US" dirty="0" smtClean="0"/>
+              <a:t>で処理の効率を上げる必要があると</a:t>
+            </a:r>
+            <a:r>
+              <a:rPr lang="ja-JP" altLang="en-US" dirty="0"/>
+              <a:t>考えた</a:t>
+            </a:r>
+            <a:r>
+              <a:rPr lang="ja-JP" altLang="en-US" dirty="0" smtClean="0"/>
+              <a:t>．</a:t>
+            </a:r>
+            <a:endParaRPr lang="ja-JP" altLang="en-US" dirty="0"/>
+          </a:p>
+          <a:p>
+            <a:pPr marL="0" indent="0">
+              <a:buNone/>
+            </a:pPr>
+            <a:endParaRPr kumimoji="1" lang="ja-JP" altLang="en-US" dirty="0"/>
           </a:p>
         </p:txBody>
       </p:sp>
@@ -4120,87 +4317,20 @@
               <a:rPr kumimoji="1" lang="ja-JP" altLang="en-US" smtClean="0"/>
               <a:t>2</a:t>
             </a:fld>
-            <a:endParaRPr kumimoji="1" lang="ja-JP" altLang="en-US" dirty="0"/>
-          </a:p>
-        </p:txBody>
-      </p:sp>
-      <p:sp>
-        <p:nvSpPr>
-          <p:cNvPr id="6" name="テキスト ボックス 5"/>
-          <p:cNvSpPr txBox="1"/>
-          <p:nvPr/>
-        </p:nvSpPr>
-        <p:spPr>
-          <a:xfrm>
-            <a:off x="5080883" y="477078"/>
-            <a:ext cx="3697357" cy="1200329"/>
-          </a:xfrm>
-          <a:prstGeom prst="rect">
-            <a:avLst/>
-          </a:prstGeom>
-          <a:noFill/>
-        </p:spPr>
-        <p:txBody>
-          <a:bodyPr wrap="square" rtlCol="0">
-            <a:spAutoFit/>
-          </a:bodyPr>
-          <a:lstStyle/>
-          <a:p>
-            <a:r>
-              <a:rPr lang="ja-JP" altLang="en-US" dirty="0"/>
-              <a:t>ラウンドロビンを利用した観光地推薦動画に使用する大量音楽</a:t>
-            </a:r>
-            <a:r>
-              <a:rPr lang="ja-JP" altLang="en-US" dirty="0" smtClean="0"/>
-              <a:t>の</a:t>
-            </a:r>
-            <a:endParaRPr lang="en-US" altLang="ja-JP" dirty="0" smtClean="0"/>
-          </a:p>
-          <a:p>
-            <a:r>
-              <a:rPr lang="ja-JP" altLang="en-US" dirty="0" smtClean="0"/>
-              <a:t>ジャンル</a:t>
-            </a:r>
-            <a:r>
-              <a:rPr lang="ja-JP" altLang="en-US" dirty="0"/>
-              <a:t>分けとその</a:t>
-            </a:r>
-            <a:r>
-              <a:rPr lang="ja-JP" altLang="en-US" dirty="0" smtClean="0"/>
-              <a:t>マッチング</a:t>
-            </a:r>
-            <a:endParaRPr lang="en-US" altLang="ja-JP" dirty="0" smtClean="0"/>
-          </a:p>
-          <a:p>
-            <a:r>
-              <a:rPr kumimoji="1" lang="en-US" altLang="ja-JP" dirty="0" smtClean="0"/>
-              <a:t>1821144 </a:t>
-            </a:r>
-            <a:r>
-              <a:rPr kumimoji="1" lang="ja-JP" altLang="en-US" dirty="0" smtClean="0"/>
-              <a:t>吉井 智哉</a:t>
-            </a:r>
-            <a:endParaRPr kumimoji="1" lang="ja-JP" altLang="en-US" dirty="0"/>
+            <a:endParaRPr kumimoji="1" lang="ja-JP" altLang="en-US"/>
           </a:p>
         </p:txBody>
       </p:sp>
     </p:spTree>
     <p:extLst>
       <p:ext uri="{BB962C8B-B14F-4D97-AF65-F5344CB8AC3E}">
-        <p14:creationId xmlns:p14="http://schemas.microsoft.com/office/powerpoint/2010/main" val="2751752632"/>
+        <p14:creationId xmlns:p14="http://schemas.microsoft.com/office/powerpoint/2010/main" val="3482704347"/>
       </p:ext>
     </p:extLst>
   </p:cSld>
   <p:clrMapOvr>
     <a:masterClrMapping/>
   </p:clrMapOvr>
-  <p:timing>
-    <p:tnLst>
-      <p:par>
-        <p:cTn id="1" dur="indefinite" restart="never" nodeType="tmRoot"/>
-      </p:par>
-    </p:tnLst>
-  </p:timing>
 </p:sld>
 </file>
 
@@ -4238,7 +4368,7 @@
           <a:p>
             <a:r>
               <a:rPr kumimoji="1" lang="ja-JP" altLang="en-US" dirty="0"/>
-              <a:t>研究動機</a:t>
+              <a:t>研究課題</a:t>
             </a:r>
           </a:p>
         </p:txBody>
@@ -4253,15 +4383,10 @@
             <p:ph idx="1"/>
           </p:nvPr>
         </p:nvSpPr>
-        <p:spPr>
-          <a:xfrm>
-            <a:off x="628650" y="1526650"/>
-            <a:ext cx="7886700" cy="4650313"/>
-          </a:xfrm>
-        </p:spPr>
+        <p:spPr/>
         <p:txBody>
           <a:bodyPr>
-            <a:normAutofit fontScale="92500" lnSpcReduction="10000"/>
+            <a:normAutofit/>
           </a:bodyPr>
           <a:lstStyle/>
           <a:p>
@@ -4269,30 +4394,30 @@
               <a:buNone/>
             </a:pPr>
             <a:r>
+              <a:rPr kumimoji="1" lang="en-US" altLang="ja-JP" dirty="0" smtClean="0"/>
+              <a:t>*8</a:t>
+            </a:r>
+            <a:r>
+              <a:rPr kumimoji="1" lang="ja-JP" altLang="en-US" dirty="0" err="1" smtClean="0"/>
+              <a:t>つの</a:t>
+            </a:r>
+            <a:r>
+              <a:rPr kumimoji="1" lang="ja-JP" altLang="en-US" dirty="0" smtClean="0"/>
+              <a:t>印象軸にジャンル分けした音楽と観光地推薦動画を合わせる想定をしているため，ジャンル分けした音楽と動画をどのように組み合わせるとより観光地</a:t>
+            </a:r>
+            <a:r>
+              <a:rPr lang="ja-JP" altLang="en-US" dirty="0"/>
+              <a:t>の印象</a:t>
+            </a:r>
+            <a:r>
               <a:rPr lang="ja-JP" altLang="en-US" dirty="0" smtClean="0"/>
-              <a:t>・ただ</a:t>
-            </a:r>
-            <a:r>
-              <a:rPr lang="ja-JP" altLang="en-US" dirty="0"/>
-              <a:t>の画像であって</a:t>
-            </a:r>
-            <a:r>
-              <a:rPr lang="ja-JP" altLang="en-US" dirty="0" smtClean="0"/>
-              <a:t>も効果音や</a:t>
-            </a:r>
-            <a:r>
-              <a:rPr lang="en-US" altLang="ja-JP" dirty="0" smtClean="0"/>
-              <a:t>BGM</a:t>
-            </a:r>
-            <a:r>
-              <a:rPr lang="ja-JP" altLang="en-US" dirty="0" err="1" smtClean="0"/>
-              <a:t>が適</a:t>
-            </a:r>
-            <a:r>
-              <a:rPr lang="ja-JP" altLang="en-US" dirty="0" smtClean="0"/>
-              <a:t>切に使用されていると，その画像から得られる情報量は変わってくる．</a:t>
-            </a:r>
-            <a:endParaRPr lang="en-US" altLang="ja-JP" dirty="0" smtClean="0"/>
+              <a:t>を残しやすくなるか</a:t>
+            </a:r>
+            <a:r>
+              <a:rPr kumimoji="1" lang="ja-JP" altLang="en-US" dirty="0" smtClean="0"/>
+              <a:t>．</a:t>
+            </a:r>
+            <a:endParaRPr kumimoji="1" lang="en-US" altLang="ja-JP" dirty="0" smtClean="0"/>
           </a:p>
           <a:p>
             <a:pPr marL="0" indent="0">
@@ -4305,94 +4430,84 @@
               <a:buNone/>
             </a:pPr>
             <a:r>
+              <a:rPr kumimoji="1" lang="en-US" altLang="ja-JP" dirty="0" smtClean="0"/>
+              <a:t>*8</a:t>
+            </a:r>
+            <a:r>
+              <a:rPr kumimoji="1" lang="ja-JP" altLang="en-US" dirty="0" err="1" smtClean="0"/>
+              <a:t>つの</a:t>
+            </a:r>
+            <a:r>
+              <a:rPr kumimoji="1" lang="ja-JP" altLang="en-US" dirty="0" smtClean="0"/>
+              <a:t>印象軸</a:t>
+            </a:r>
+            <a:endParaRPr kumimoji="1" lang="en-US" altLang="ja-JP" dirty="0" smtClean="0"/>
+          </a:p>
+          <a:p>
+            <a:pPr marL="0" indent="0">
+              <a:buNone/>
+            </a:pPr>
+            <a:r>
               <a:rPr lang="ja-JP" altLang="en-US" dirty="0" smtClean="0"/>
-              <a:t>・音楽データをジャンル分けし観光地推薦動画とマッチングすることでユーザーに，より観光地を印象深くできると考えた．</a:t>
-            </a:r>
-            <a:endParaRPr lang="ja-JP" altLang="en-US" dirty="0"/>
+              <a:t>堂々，元気が出る，切ない，激しい，滑稽，かわいい</a:t>
+            </a:r>
+            <a:endParaRPr lang="en-US" altLang="ja-JP" dirty="0" smtClean="0"/>
           </a:p>
           <a:p>
             <a:pPr marL="0" indent="0">
               <a:buNone/>
             </a:pPr>
-            <a:endParaRPr lang="en-US" altLang="ja-JP" dirty="0"/>
+            <a:r>
+              <a:rPr kumimoji="1" lang="en-US" altLang="ja-JP" sz="2200" dirty="0" smtClean="0"/>
+              <a:t>Valance</a:t>
+            </a:r>
+            <a:r>
+              <a:rPr kumimoji="1" lang="ja-JP" altLang="en-US" sz="2200" dirty="0" smtClean="0"/>
+              <a:t>（</a:t>
+            </a:r>
+            <a:r>
+              <a:rPr lang="ja-JP" altLang="en-US" sz="2200" dirty="0" smtClean="0"/>
+              <a:t>明るい</a:t>
+            </a:r>
+            <a:r>
+              <a:rPr lang="ja-JP" altLang="en-US" sz="2200" dirty="0"/>
+              <a:t>気持に</a:t>
+            </a:r>
+            <a:r>
+              <a:rPr lang="ja-JP" altLang="en-US" sz="2200" dirty="0" smtClean="0"/>
+              <a:t>なる，楽しい，暗い</a:t>
+            </a:r>
+            <a:r>
+              <a:rPr lang="ja-JP" altLang="en-US" sz="2200" dirty="0"/>
+              <a:t>気持ちに</a:t>
+            </a:r>
+            <a:r>
+              <a:rPr lang="ja-JP" altLang="en-US" sz="2200" dirty="0" smtClean="0"/>
+              <a:t>なる，悲しい）</a:t>
+            </a:r>
+            <a:endParaRPr kumimoji="1" lang="en-US" altLang="ja-JP" sz="2200" dirty="0" smtClean="0"/>
           </a:p>
           <a:p>
             <a:pPr marL="0" indent="0">
               <a:buNone/>
             </a:pPr>
             <a:r>
-              <a:rPr lang="ja-JP" altLang="en-US" dirty="0" smtClean="0"/>
-              <a:t>・</a:t>
-            </a:r>
-            <a:r>
-              <a:rPr lang="en-US" altLang="ja-JP" dirty="0" smtClean="0"/>
-              <a:t>1</a:t>
-            </a:r>
-            <a:r>
-              <a:rPr lang="ja-JP" altLang="en-US" dirty="0"/>
-              <a:t>台</a:t>
-            </a:r>
-            <a:r>
-              <a:rPr lang="ja-JP" altLang="en-US" dirty="0" smtClean="0"/>
-              <a:t>のサーバーで大量のデータを処理</a:t>
-            </a:r>
-            <a:r>
-              <a:rPr lang="ja-JP" altLang="en-US" dirty="0"/>
-              <a:t>する</a:t>
-            </a:r>
-            <a:r>
-              <a:rPr lang="ja-JP" altLang="en-US" dirty="0" smtClean="0"/>
-              <a:t>場合，処理</a:t>
-            </a:r>
-            <a:r>
-              <a:rPr lang="ja-JP" altLang="en-US" dirty="0"/>
-              <a:t>する速度にも限界が</a:t>
-            </a:r>
-            <a:r>
-              <a:rPr lang="ja-JP" altLang="en-US" dirty="0" smtClean="0"/>
-              <a:t>ある．</a:t>
-            </a:r>
-            <a:endParaRPr lang="en-US" altLang="ja-JP" dirty="0" smtClean="0"/>
-          </a:p>
-          <a:p>
-            <a:pPr marL="0" indent="0">
-              <a:buNone/>
-            </a:pPr>
-            <a:r>
-              <a:rPr lang="ja-JP" altLang="en-US" dirty="0" smtClean="0"/>
-              <a:t>処理</a:t>
-            </a:r>
-            <a:r>
-              <a:rPr lang="ja-JP" altLang="en-US" dirty="0"/>
-              <a:t>を複</a:t>
-            </a:r>
-            <a:r>
-              <a:rPr lang="ja-JP" altLang="en-US" dirty="0" smtClean="0"/>
-              <a:t>数台のサーバーに</a:t>
-            </a:r>
-            <a:r>
-              <a:rPr lang="ja-JP" altLang="en-US" dirty="0"/>
-              <a:t>分けること</a:t>
-            </a:r>
-            <a:r>
-              <a:rPr lang="ja-JP" altLang="en-US" dirty="0" smtClean="0"/>
-              <a:t>で処理の効率を上げる必要があると</a:t>
-            </a:r>
-            <a:r>
-              <a:rPr lang="ja-JP" altLang="en-US" dirty="0"/>
-              <a:t>考えた</a:t>
-            </a:r>
-            <a:r>
-              <a:rPr lang="ja-JP" altLang="en-US" dirty="0" smtClean="0"/>
-              <a:t>．</a:t>
-            </a:r>
-            <a:endParaRPr lang="ja-JP" altLang="en-US" dirty="0"/>
-          </a:p>
-          <a:p>
-            <a:pPr marL="0" indent="0">
-              <a:buNone/>
-            </a:pPr>
-            <a:endParaRPr kumimoji="1" lang="ja-JP" altLang="en-US" dirty="0"/>
+              <a:rPr kumimoji="1" lang="en-US" altLang="ja-JP" sz="2100" dirty="0" smtClean="0"/>
+              <a:t>Arousal</a:t>
+            </a:r>
+            <a:r>
+              <a:rPr kumimoji="1" lang="ja-JP" altLang="en-US" sz="2100" dirty="0" smtClean="0"/>
+              <a:t>（</a:t>
+            </a:r>
+            <a:r>
+              <a:rPr lang="ja-JP" altLang="en-US" sz="2100" dirty="0" smtClean="0"/>
+              <a:t>激しい，積極的な，強気な，穏やかな，消極的な，弱気</a:t>
+            </a:r>
+            <a:r>
+              <a:rPr lang="ja-JP" altLang="en-US" sz="2100" dirty="0"/>
+              <a:t>な）</a:t>
+            </a:r>
+            <a:endParaRPr kumimoji="1" lang="ja-JP" altLang="en-US" sz="2100" dirty="0"/>
           </a:p>
         </p:txBody>
       </p:sp>
@@ -4422,7 +4537,7 @@
     </p:spTree>
     <p:extLst>
       <p:ext uri="{BB962C8B-B14F-4D97-AF65-F5344CB8AC3E}">
-        <p14:creationId xmlns:p14="http://schemas.microsoft.com/office/powerpoint/2010/main" val="3482704347"/>
+        <p14:creationId xmlns:p14="http://schemas.microsoft.com/office/powerpoint/2010/main" val="1923407823"/>
       </p:ext>
     </p:extLst>
   </p:cSld>
@@ -4466,7 +4581,7 @@
           <a:p>
             <a:r>
               <a:rPr kumimoji="1" lang="ja-JP" altLang="en-US" dirty="0"/>
-              <a:t>研究課題</a:t>
+              <a:t>研究目的</a:t>
             </a:r>
           </a:p>
         </p:txBody>
@@ -4483,33 +4598,31 @@
         </p:nvSpPr>
         <p:spPr/>
         <p:txBody>
-          <a:bodyPr>
-            <a:normAutofit/>
-          </a:bodyPr>
+          <a:bodyPr/>
           <a:lstStyle/>
           <a:p>
             <a:pPr marL="0" indent="0">
               <a:buNone/>
             </a:pPr>
             <a:r>
-              <a:rPr kumimoji="1" lang="en-US" altLang="ja-JP" dirty="0" smtClean="0"/>
-              <a:t>*8</a:t>
-            </a:r>
-            <a:r>
-              <a:rPr kumimoji="1" lang="ja-JP" altLang="en-US" dirty="0" err="1" smtClean="0"/>
-              <a:t>つの</a:t>
+              <a:rPr lang="ja-JP" altLang="en-US" dirty="0" smtClean="0"/>
+              <a:t>・</a:t>
+            </a:r>
+            <a:r>
+              <a:rPr lang="en-US" altLang="ja-JP" dirty="0" smtClean="0"/>
+              <a:t>SNS</a:t>
             </a:r>
             <a:r>
               <a:rPr kumimoji="1" lang="ja-JP" altLang="en-US" dirty="0" smtClean="0"/>
-              <a:t>印象軸にジャンル分けした音楽と観光地推薦動画を合わせる想定をしているため，ジャンル分けした音楽と動画をどのように組み合わせるとより観光地</a:t>
+              <a:t>などに投稿された大量の音楽データをジャンル分けし，観光地推薦動画とマッチングする</a:t>
             </a:r>
             <a:r>
               <a:rPr lang="ja-JP" altLang="en-US" dirty="0"/>
-              <a:t>の印象</a:t>
+              <a:t>手法の</a:t>
             </a:r>
             <a:r>
               <a:rPr lang="ja-JP" altLang="en-US" dirty="0" smtClean="0"/>
-              <a:t>を残しやすくなるか</a:t>
+              <a:t>提案</a:t>
             </a:r>
             <a:r>
               <a:rPr kumimoji="1" lang="ja-JP" altLang="en-US" dirty="0" smtClean="0"/>
@@ -4528,16 +4641,8 @@
               <a:buNone/>
             </a:pPr>
             <a:r>
-              <a:rPr kumimoji="1" lang="en-US" altLang="ja-JP" dirty="0" smtClean="0"/>
-              <a:t>*8</a:t>
-            </a:r>
-            <a:r>
-              <a:rPr kumimoji="1" lang="ja-JP" altLang="en-US" dirty="0" err="1" smtClean="0"/>
-              <a:t>つの</a:t>
-            </a:r>
-            <a:r>
               <a:rPr kumimoji="1" lang="ja-JP" altLang="en-US" dirty="0" smtClean="0"/>
-              <a:t>印象軸</a:t>
+              <a:t>・実験システムの作成．</a:t>
             </a:r>
             <a:endParaRPr kumimoji="1" lang="en-US" altLang="ja-JP" dirty="0" smtClean="0"/>
           </a:p>
@@ -4545,67 +4650,31 @@
             <a:pPr marL="0" indent="0">
               <a:buNone/>
             </a:pPr>
+            <a:endParaRPr lang="en-US" altLang="ja-JP" dirty="0"/>
+          </a:p>
+          <a:p>
+            <a:pPr marL="0" indent="0">
+              <a:buNone/>
+            </a:pPr>
+            <a:endParaRPr kumimoji="1" lang="en-US" altLang="ja-JP" dirty="0" smtClean="0"/>
+          </a:p>
+          <a:p>
+            <a:pPr marL="0" indent="0">
+              <a:buNone/>
+            </a:pPr>
             <a:r>
               <a:rPr lang="ja-JP" altLang="en-US" dirty="0" smtClean="0"/>
-              <a:t>堂々，元気が出る，切ない，激しい，滑稽，かわいい</a:t>
-            </a:r>
-            <a:endParaRPr lang="en-US" altLang="ja-JP" dirty="0" smtClean="0"/>
-          </a:p>
-          <a:p>
-            <a:pPr marL="0" indent="0">
-              <a:buNone/>
-            </a:pPr>
-            <a:r>
-              <a:rPr kumimoji="1" lang="en-US" altLang="ja-JP" sz="2200" dirty="0" smtClean="0"/>
-              <a:t>Valance</a:t>
-            </a:r>
-            <a:r>
-              <a:rPr kumimoji="1" lang="ja-JP" altLang="en-US" sz="2200" dirty="0" smtClean="0"/>
-              <a:t>（</a:t>
-            </a:r>
-            <a:r>
-              <a:rPr lang="ja-JP" altLang="en-US" sz="2200" dirty="0" smtClean="0"/>
-              <a:t>明るい</a:t>
-            </a:r>
-            <a:r>
-              <a:rPr lang="ja-JP" altLang="en-US" sz="2200" dirty="0"/>
-              <a:t>気持に</a:t>
-            </a:r>
-            <a:r>
-              <a:rPr lang="ja-JP" altLang="en-US" sz="2200" dirty="0" smtClean="0"/>
-              <a:t>なる，楽しい，暗い</a:t>
-            </a:r>
-            <a:r>
-              <a:rPr lang="ja-JP" altLang="en-US" sz="2200" dirty="0"/>
-              <a:t>気持ちに</a:t>
-            </a:r>
-            <a:r>
-              <a:rPr lang="ja-JP" altLang="en-US" sz="2200" dirty="0" smtClean="0"/>
-              <a:t>なる，悲しい）</a:t>
-            </a:r>
-            <a:endParaRPr kumimoji="1" lang="en-US" altLang="ja-JP" sz="2200" dirty="0" smtClean="0"/>
-          </a:p>
-          <a:p>
-            <a:pPr marL="0" indent="0">
-              <a:buNone/>
-            </a:pPr>
-            <a:r>
-              <a:rPr kumimoji="1" lang="en-US" altLang="ja-JP" sz="2100" dirty="0" smtClean="0"/>
-              <a:t>Arousal</a:t>
-            </a:r>
-            <a:r>
-              <a:rPr kumimoji="1" lang="ja-JP" altLang="en-US" sz="2100" dirty="0" smtClean="0"/>
-              <a:t>（</a:t>
-            </a:r>
-            <a:r>
-              <a:rPr lang="ja-JP" altLang="en-US" sz="2100" dirty="0" smtClean="0"/>
-              <a:t>激しい，積極的な，強気な，穏やかな，消極的な，弱気</a:t>
-            </a:r>
-            <a:r>
-              <a:rPr lang="ja-JP" altLang="en-US" sz="2100" dirty="0"/>
-              <a:t>な）</a:t>
-            </a:r>
-            <a:endParaRPr kumimoji="1" lang="ja-JP" altLang="en-US" sz="2100" dirty="0"/>
+              <a:t>・</a:t>
+            </a:r>
+            <a:r>
+              <a:rPr lang="ja-JP" altLang="en-US" dirty="0"/>
+              <a:t>実験</a:t>
+            </a:r>
+            <a:r>
+              <a:rPr lang="ja-JP" altLang="en-US" dirty="0" smtClean="0"/>
+              <a:t>による，実現可能性の評価．</a:t>
+            </a:r>
+            <a:endParaRPr kumimoji="1" lang="ja-JP" altLang="en-US" dirty="0"/>
           </a:p>
         </p:txBody>
       </p:sp>
@@ -4635,7 +4704,7 @@
     </p:spTree>
     <p:extLst>
       <p:ext uri="{BB962C8B-B14F-4D97-AF65-F5344CB8AC3E}">
-        <p14:creationId xmlns:p14="http://schemas.microsoft.com/office/powerpoint/2010/main" val="1923407823"/>
+        <p14:creationId xmlns:p14="http://schemas.microsoft.com/office/powerpoint/2010/main" val="114472190"/>
       </p:ext>
     </p:extLst>
   </p:cSld>
@@ -4672,173 +4741,6 @@
             <p:ph type="title"/>
           </p:nvPr>
         </p:nvSpPr>
-        <p:spPr/>
-        <p:txBody>
-          <a:bodyPr/>
-          <a:lstStyle/>
-          <a:p>
-            <a:r>
-              <a:rPr kumimoji="1" lang="ja-JP" altLang="en-US" dirty="0"/>
-              <a:t>研究目的</a:t>
-            </a:r>
-          </a:p>
-        </p:txBody>
-      </p:sp>
-      <p:sp>
-        <p:nvSpPr>
-          <p:cNvPr id="3" name="コンテンツ プレースホルダー 2"/>
-          <p:cNvSpPr>
-            <a:spLocks noGrp="1"/>
-          </p:cNvSpPr>
-          <p:nvPr>
-            <p:ph idx="1"/>
-          </p:nvPr>
-        </p:nvSpPr>
-        <p:spPr/>
-        <p:txBody>
-          <a:bodyPr/>
-          <a:lstStyle/>
-          <a:p>
-            <a:pPr marL="0" indent="0">
-              <a:buNone/>
-            </a:pPr>
-            <a:r>
-              <a:rPr lang="ja-JP" altLang="en-US" dirty="0" smtClean="0"/>
-              <a:t>・</a:t>
-            </a:r>
-            <a:r>
-              <a:rPr lang="en-US" altLang="ja-JP" dirty="0" smtClean="0"/>
-              <a:t>SNS</a:t>
-            </a:r>
-            <a:r>
-              <a:rPr kumimoji="1" lang="ja-JP" altLang="en-US" dirty="0" smtClean="0"/>
-              <a:t>などに投稿された大量の音楽データをジャンル分けし，観光地推薦動画とマッチングする</a:t>
-            </a:r>
-            <a:r>
-              <a:rPr lang="ja-JP" altLang="en-US" dirty="0"/>
-              <a:t>手法の</a:t>
-            </a:r>
-            <a:r>
-              <a:rPr lang="ja-JP" altLang="en-US" dirty="0" smtClean="0"/>
-              <a:t>提案</a:t>
-            </a:r>
-            <a:r>
-              <a:rPr kumimoji="1" lang="ja-JP" altLang="en-US" dirty="0" smtClean="0"/>
-              <a:t>．</a:t>
-            </a:r>
-            <a:endParaRPr kumimoji="1" lang="en-US" altLang="ja-JP" dirty="0" smtClean="0"/>
-          </a:p>
-          <a:p>
-            <a:pPr marL="0" indent="0">
-              <a:buNone/>
-            </a:pPr>
-            <a:endParaRPr lang="en-US" altLang="ja-JP" dirty="0"/>
-          </a:p>
-          <a:p>
-            <a:pPr marL="0" indent="0">
-              <a:buNone/>
-            </a:pPr>
-            <a:r>
-              <a:rPr kumimoji="1" lang="ja-JP" altLang="en-US" dirty="0" smtClean="0"/>
-              <a:t>・実験システムの作成．</a:t>
-            </a:r>
-            <a:endParaRPr kumimoji="1" lang="en-US" altLang="ja-JP" dirty="0" smtClean="0"/>
-          </a:p>
-          <a:p>
-            <a:pPr marL="0" indent="0">
-              <a:buNone/>
-            </a:pPr>
-            <a:endParaRPr lang="en-US" altLang="ja-JP" dirty="0"/>
-          </a:p>
-          <a:p>
-            <a:pPr marL="0" indent="0">
-              <a:buNone/>
-            </a:pPr>
-            <a:endParaRPr kumimoji="1" lang="en-US" altLang="ja-JP" dirty="0" smtClean="0"/>
-          </a:p>
-          <a:p>
-            <a:pPr marL="0" indent="0">
-              <a:buNone/>
-            </a:pPr>
-            <a:r>
-              <a:rPr lang="ja-JP" altLang="en-US" dirty="0" smtClean="0"/>
-              <a:t>・</a:t>
-            </a:r>
-            <a:r>
-              <a:rPr lang="ja-JP" altLang="en-US" dirty="0"/>
-              <a:t>実験</a:t>
-            </a:r>
-            <a:r>
-              <a:rPr lang="ja-JP" altLang="en-US" dirty="0" smtClean="0"/>
-              <a:t>による，実現可能性の評価．</a:t>
-            </a:r>
-            <a:endParaRPr kumimoji="1" lang="ja-JP" altLang="en-US" dirty="0"/>
-          </a:p>
-        </p:txBody>
-      </p:sp>
-      <p:sp>
-        <p:nvSpPr>
-          <p:cNvPr id="4" name="スライド番号プレースホルダー 3"/>
-          <p:cNvSpPr>
-            <a:spLocks noGrp="1"/>
-          </p:cNvSpPr>
-          <p:nvPr>
-            <p:ph type="sldNum" sz="quarter" idx="12"/>
-          </p:nvPr>
-        </p:nvSpPr>
-        <p:spPr/>
-        <p:txBody>
-          <a:bodyPr/>
-          <a:lstStyle/>
-          <a:p>
-            <a:fld id="{B4451160-128F-4DAD-AE29-4A8CC0E7B9E9}" type="slidenum">
-              <a:rPr kumimoji="1" lang="ja-JP" altLang="en-US" smtClean="0"/>
-              <a:t>5</a:t>
-            </a:fld>
-            <a:endParaRPr kumimoji="1" lang="ja-JP" altLang="en-US"/>
-          </a:p>
-        </p:txBody>
-      </p:sp>
-    </p:spTree>
-    <p:extLst>
-      <p:ext uri="{BB962C8B-B14F-4D97-AF65-F5344CB8AC3E}">
-        <p14:creationId xmlns:p14="http://schemas.microsoft.com/office/powerpoint/2010/main" val="114472190"/>
-      </p:ext>
-    </p:extLst>
-  </p:cSld>
-  <p:clrMapOvr>
-    <a:masterClrMapping/>
-  </p:clrMapOvr>
-</p:sld>
-</file>
-
-<file path=ppt/slides/slide6.xml><?xml version="1.0" encoding="utf-8"?>
-<p:sld xmlns:a="http://schemas.openxmlformats.org/drawingml/2006/main" xmlns:r="http://schemas.openxmlformats.org/officeDocument/2006/relationships" xmlns:p="http://schemas.openxmlformats.org/presentationml/2006/main">
-  <p:cSld>
-    <p:spTree>
-      <p:nvGrpSpPr>
-        <p:cNvPr id="1" name=""/>
-        <p:cNvGrpSpPr/>
-        <p:nvPr/>
-      </p:nvGrpSpPr>
-      <p:grpSpPr>
-        <a:xfrm>
-          <a:off x="0" y="0"/>
-          <a:ext cx="0" cy="0"/>
-          <a:chOff x="0" y="0"/>
-          <a:chExt cx="0" cy="0"/>
-        </a:xfrm>
-      </p:grpSpPr>
-      <p:sp>
-        <p:nvSpPr>
-          <p:cNvPr id="2" name="タイトル 1"/>
-          <p:cNvSpPr>
-            <a:spLocks noGrp="1"/>
-          </p:cNvSpPr>
-          <p:nvPr>
-            <p:ph type="title"/>
-          </p:nvPr>
-        </p:nvSpPr>
         <p:spPr>
           <a:xfrm>
             <a:off x="628650" y="365127"/>
@@ -4910,7 +4812,7 @@
           <a:p>
             <a:fld id="{B4451160-128F-4DAD-AE29-4A8CC0E7B9E9}" type="slidenum">
               <a:rPr kumimoji="1" lang="ja-JP" altLang="en-US" smtClean="0"/>
-              <a:t>6</a:t>
+              <a:t>5</a:t>
             </a:fld>
             <a:endParaRPr kumimoji="1" lang="ja-JP" altLang="en-US"/>
           </a:p>
@@ -5703,6 +5605,426 @@
 </p:sld>
 </file>
 
+<file path=ppt/slides/slide6.xml><?xml version="1.0" encoding="utf-8"?>
+<p:sld xmlns:a="http://schemas.openxmlformats.org/drawingml/2006/main" xmlns:r="http://schemas.openxmlformats.org/officeDocument/2006/relationships" xmlns:p="http://schemas.openxmlformats.org/presentationml/2006/main">
+  <p:cSld>
+    <p:spTree>
+      <p:nvGrpSpPr>
+        <p:cNvPr id="1" name=""/>
+        <p:cNvGrpSpPr/>
+        <p:nvPr/>
+      </p:nvGrpSpPr>
+      <p:grpSpPr>
+        <a:xfrm>
+          <a:off x="0" y="0"/>
+          <a:ext cx="0" cy="0"/>
+          <a:chOff x="0" y="0"/>
+          <a:chExt cx="0" cy="0"/>
+        </a:xfrm>
+      </p:grpSpPr>
+      <p:sp>
+        <p:nvSpPr>
+          <p:cNvPr id="2" name="タイトル 1"/>
+          <p:cNvSpPr>
+            <a:spLocks noGrp="1"/>
+          </p:cNvSpPr>
+          <p:nvPr>
+            <p:ph type="title"/>
+          </p:nvPr>
+        </p:nvSpPr>
+        <p:spPr/>
+        <p:txBody>
+          <a:bodyPr/>
+          <a:lstStyle/>
+          <a:p>
+            <a:r>
+              <a:rPr kumimoji="1" lang="ja-JP" altLang="en-US" dirty="0"/>
+              <a:t>関連研究</a:t>
+            </a:r>
+          </a:p>
+        </p:txBody>
+      </p:sp>
+      <p:sp>
+        <p:nvSpPr>
+          <p:cNvPr id="3" name="コンテンツ プレースホルダー 2"/>
+          <p:cNvSpPr>
+            <a:spLocks noGrp="1"/>
+          </p:cNvSpPr>
+          <p:nvPr>
+            <p:ph idx="1"/>
+          </p:nvPr>
+        </p:nvSpPr>
+        <p:spPr>
+          <a:xfrm>
+            <a:off x="628650" y="1399430"/>
+            <a:ext cx="7886700" cy="5128591"/>
+          </a:xfrm>
+        </p:spPr>
+        <p:txBody>
+          <a:bodyPr>
+            <a:normAutofit fontScale="92500" lnSpcReduction="10000"/>
+          </a:bodyPr>
+          <a:lstStyle/>
+          <a:p>
+            <a:pPr marL="0" indent="0">
+              <a:buNone/>
+            </a:pPr>
+            <a:r>
+              <a:rPr kumimoji="1" lang="ja-JP" altLang="en-US" dirty="0" smtClean="0">
+                <a:latin typeface="+mn-ea"/>
+              </a:rPr>
+              <a:t>・「音楽動画への印象評価データセット構築とその特性の調査</a:t>
+            </a:r>
+            <a:r>
+              <a:rPr kumimoji="1" lang="ja-JP" altLang="en-US" dirty="0" smtClean="0">
+                <a:latin typeface="+mn-ea"/>
+              </a:rPr>
+              <a:t>」</a:t>
+            </a:r>
+            <a:r>
+              <a:rPr kumimoji="1" lang="en-US" altLang="ja-JP" dirty="0" smtClean="0">
+                <a:latin typeface="+mn-ea"/>
+              </a:rPr>
+              <a:t>[2015 </a:t>
+            </a:r>
+            <a:r>
+              <a:rPr kumimoji="1" lang="ja-JP" altLang="en-US" dirty="0" smtClean="0">
+                <a:latin typeface="+mn-ea"/>
+              </a:rPr>
+              <a:t>大野</a:t>
+            </a:r>
+            <a:r>
+              <a:rPr kumimoji="1" lang="en-US" altLang="ja-JP" dirty="0" smtClean="0">
+                <a:latin typeface="+mn-ea"/>
+              </a:rPr>
+              <a:t>]</a:t>
+            </a:r>
+            <a:endParaRPr kumimoji="1" lang="en-US" altLang="ja-JP" dirty="0" smtClean="0">
+              <a:latin typeface="+mn-ea"/>
+            </a:endParaRPr>
+          </a:p>
+          <a:p>
+            <a:pPr marL="0" indent="0">
+              <a:buNone/>
+            </a:pPr>
+            <a:r>
+              <a:rPr kumimoji="1" lang="ja-JP" altLang="en-US" dirty="0" smtClean="0">
+                <a:latin typeface="+mn-ea"/>
+              </a:rPr>
+              <a:t>大野直樹，中村聡史，山本岳洋，</a:t>
+            </a:r>
+            <a:r>
+              <a:rPr lang="ja-JP" altLang="en-US" dirty="0" smtClean="0">
+                <a:latin typeface="+mn-ea"/>
+              </a:rPr>
+              <a:t>後藤真孝，情報処理学会</a:t>
+            </a:r>
+            <a:endParaRPr kumimoji="1" lang="en-US" altLang="ja-JP" dirty="0" smtClean="0">
+              <a:latin typeface="+mn-ea"/>
+            </a:endParaRPr>
+          </a:p>
+          <a:p>
+            <a:pPr marL="0" indent="0">
+              <a:buNone/>
+            </a:pPr>
+            <a:endParaRPr kumimoji="1" lang="en-US" altLang="ja-JP" dirty="0">
+              <a:latin typeface="+mn-ea"/>
+            </a:endParaRPr>
+          </a:p>
+          <a:p>
+            <a:pPr marL="0" indent="0">
+              <a:buNone/>
+            </a:pPr>
+            <a:r>
+              <a:rPr lang="ja-JP" altLang="en-US" dirty="0" smtClean="0">
+                <a:latin typeface="+mn-ea"/>
+              </a:rPr>
+              <a:t>・「</a:t>
+            </a:r>
+            <a:r>
+              <a:rPr lang="ja-JP" altLang="en-US" b="1" dirty="0">
+                <a:latin typeface="+mn-ea"/>
+              </a:rPr>
+              <a:t>動画特徴量からの印象推定に基づく動画</a:t>
+            </a:r>
+            <a:r>
+              <a:rPr lang="en-US" altLang="ja-JP" b="1" dirty="0">
+                <a:latin typeface="+mn-ea"/>
+              </a:rPr>
+              <a:t>BGM </a:t>
+            </a:r>
+            <a:r>
+              <a:rPr lang="ja-JP" altLang="en-US" b="1" dirty="0">
+                <a:latin typeface="+mn-ea"/>
+              </a:rPr>
+              <a:t>の自動素材選出</a:t>
+            </a:r>
+            <a:r>
+              <a:rPr lang="ja-JP" altLang="en-US" dirty="0" smtClean="0">
+                <a:latin typeface="+mn-ea"/>
+              </a:rPr>
+              <a:t>」</a:t>
+            </a:r>
+            <a:r>
+              <a:rPr lang="en-US" altLang="ja-JP" dirty="0" smtClean="0">
+                <a:latin typeface="+mn-ea"/>
+              </a:rPr>
+              <a:t>[2016 </a:t>
+            </a:r>
+            <a:r>
+              <a:rPr lang="ja-JP" altLang="en-US" dirty="0" smtClean="0">
+                <a:latin typeface="+mn-ea"/>
+              </a:rPr>
+              <a:t>清水</a:t>
+            </a:r>
+            <a:r>
+              <a:rPr lang="en-US" altLang="ja-JP" dirty="0" smtClean="0">
+                <a:latin typeface="+mn-ea"/>
+              </a:rPr>
+              <a:t>]</a:t>
+            </a:r>
+            <a:r>
+              <a:rPr lang="ja-JP" altLang="en-US" dirty="0">
+                <a:latin typeface="+mn-ea"/>
+              </a:rPr>
+              <a:t/>
+            </a:r>
+            <a:br>
+              <a:rPr lang="ja-JP" altLang="en-US" dirty="0">
+                <a:latin typeface="+mn-ea"/>
+              </a:rPr>
+            </a:br>
+            <a:r>
+              <a:rPr lang="ja-JP" altLang="en-US" dirty="0" smtClean="0">
+                <a:latin typeface="+mn-ea"/>
+              </a:rPr>
+              <a:t>清水，</a:t>
+            </a:r>
+            <a:r>
+              <a:rPr lang="en-US" altLang="ja-JP" dirty="0" smtClean="0">
+                <a:latin typeface="+mn-ea"/>
+              </a:rPr>
+              <a:t> </a:t>
+            </a:r>
+            <a:r>
+              <a:rPr lang="ja-JP" altLang="en-US" dirty="0" smtClean="0">
+                <a:latin typeface="+mn-ea"/>
+              </a:rPr>
+              <a:t>菅野，</a:t>
+            </a:r>
+            <a:r>
+              <a:rPr lang="en-US" altLang="ja-JP" dirty="0" smtClean="0">
+                <a:latin typeface="+mn-ea"/>
+              </a:rPr>
+              <a:t> </a:t>
+            </a:r>
+            <a:r>
+              <a:rPr lang="ja-JP" altLang="en-US" dirty="0" smtClean="0">
+                <a:latin typeface="+mn-ea"/>
+              </a:rPr>
+              <a:t>伊藤，</a:t>
+            </a:r>
+            <a:r>
+              <a:rPr lang="en-US" altLang="ja-JP" dirty="0" smtClean="0">
+                <a:latin typeface="+mn-ea"/>
+              </a:rPr>
+              <a:t> </a:t>
+            </a:r>
+            <a:r>
+              <a:rPr lang="ja-JP" altLang="en-US" dirty="0" smtClean="0">
+                <a:latin typeface="+mn-ea"/>
+              </a:rPr>
+              <a:t>嵯峨山，</a:t>
+            </a:r>
+            <a:r>
+              <a:rPr lang="en-US" altLang="ja-JP" dirty="0" smtClean="0">
+                <a:latin typeface="+mn-ea"/>
+              </a:rPr>
+              <a:t> </a:t>
+            </a:r>
+            <a:r>
+              <a:rPr lang="ja-JP" altLang="en-US" dirty="0" smtClean="0">
+                <a:latin typeface="+mn-ea"/>
+              </a:rPr>
+              <a:t>高塚，</a:t>
+            </a:r>
+            <a:r>
+              <a:rPr lang="en-US" altLang="ja-JP" dirty="0">
+                <a:latin typeface="+mn-ea"/>
+              </a:rPr>
+              <a:t> </a:t>
+            </a:r>
+            <a:r>
+              <a:rPr lang="en-US" altLang="ja-JP" dirty="0" smtClean="0">
+                <a:latin typeface="+mn-ea"/>
+              </a:rPr>
+              <a:t>NICOGRAPH 2016</a:t>
+            </a:r>
+          </a:p>
+          <a:p>
+            <a:pPr marL="0" indent="0">
+              <a:buNone/>
+            </a:pPr>
+            <a:endParaRPr lang="en-US" altLang="ja-JP" dirty="0" smtClean="0">
+              <a:latin typeface="+mn-ea"/>
+            </a:endParaRPr>
+          </a:p>
+          <a:p>
+            <a:pPr marL="0" indent="0">
+              <a:buNone/>
+            </a:pPr>
+            <a:r>
+              <a:rPr lang="ja-JP" altLang="en-US" dirty="0" smtClean="0">
+                <a:latin typeface="+mn-ea"/>
+              </a:rPr>
+              <a:t>・「</a:t>
+            </a:r>
+            <a:r>
+              <a:rPr lang="en-US" altLang="ja-JP" dirty="0">
+                <a:latin typeface="+mn-ea"/>
+              </a:rPr>
+              <a:t>DIVA</a:t>
+            </a:r>
+            <a:r>
+              <a:rPr lang="ja-JP" altLang="en-US" dirty="0">
+                <a:latin typeface="+mn-ea"/>
+              </a:rPr>
+              <a:t>：</a:t>
+            </a:r>
+            <a:r>
+              <a:rPr lang="ja-JP" altLang="en-US" dirty="0" smtClean="0">
+                <a:latin typeface="+mn-ea"/>
+              </a:rPr>
+              <a:t>画像</a:t>
+            </a:r>
+            <a:r>
+              <a:rPr lang="ja-JP" altLang="en-US" dirty="0">
+                <a:latin typeface="+mn-ea"/>
+              </a:rPr>
+              <a:t>の印象に合わせた音楽自動アレンジの一手法の提案</a:t>
+            </a:r>
+            <a:r>
+              <a:rPr lang="ja-JP" altLang="en-US" dirty="0" smtClean="0">
+                <a:latin typeface="+mn-ea"/>
+              </a:rPr>
+              <a:t>」</a:t>
+            </a:r>
+            <a:r>
+              <a:rPr lang="en-US" altLang="ja-JP" dirty="0" smtClean="0">
+                <a:latin typeface="+mn-ea"/>
+              </a:rPr>
+              <a:t>[2007 </a:t>
+            </a:r>
+            <a:r>
+              <a:rPr lang="ja-JP" altLang="en-US" dirty="0" smtClean="0">
+                <a:latin typeface="+mn-ea"/>
+              </a:rPr>
+              <a:t>大山</a:t>
+            </a:r>
+            <a:r>
+              <a:rPr lang="en-US" altLang="ja-JP" dirty="0" smtClean="0">
+                <a:latin typeface="+mn-ea"/>
+              </a:rPr>
+              <a:t>]</a:t>
+            </a:r>
+            <a:endParaRPr lang="en-US" altLang="ja-JP" dirty="0">
+              <a:latin typeface="+mn-ea"/>
+            </a:endParaRPr>
+          </a:p>
+          <a:p>
+            <a:pPr marL="0" indent="0">
+              <a:buNone/>
+            </a:pPr>
+            <a:r>
+              <a:rPr lang="ja-JP" altLang="en-US" dirty="0">
+                <a:latin typeface="+mn-ea"/>
+              </a:rPr>
+              <a:t>大山</a:t>
+            </a:r>
+            <a:r>
+              <a:rPr lang="en-US" altLang="ja-JP" dirty="0">
+                <a:latin typeface="+mn-ea"/>
+              </a:rPr>
+              <a:t>, </a:t>
+            </a:r>
+            <a:r>
+              <a:rPr lang="ja-JP" altLang="en-US" dirty="0">
+                <a:latin typeface="+mn-ea"/>
+              </a:rPr>
+              <a:t>伊藤</a:t>
+            </a:r>
+            <a:r>
+              <a:rPr lang="en-US" altLang="ja-JP" dirty="0" smtClean="0">
+                <a:latin typeface="+mn-ea"/>
+              </a:rPr>
+              <a:t>,</a:t>
+            </a:r>
+            <a:r>
+              <a:rPr lang="ja-JP" altLang="en-US" dirty="0" smtClean="0">
+                <a:latin typeface="+mn-ea"/>
+              </a:rPr>
+              <a:t>芸術</a:t>
+            </a:r>
+            <a:r>
+              <a:rPr lang="ja-JP" altLang="en-US" dirty="0">
+                <a:latin typeface="+mn-ea"/>
+              </a:rPr>
+              <a:t>科学会論文誌</a:t>
+            </a:r>
+            <a:endParaRPr lang="en-US" altLang="ja-JP" dirty="0" smtClean="0">
+              <a:latin typeface="+mn-ea"/>
+            </a:endParaRPr>
+          </a:p>
+          <a:p>
+            <a:pPr marL="0" indent="0">
+              <a:buNone/>
+            </a:pPr>
+            <a:endParaRPr kumimoji="1" lang="en-US" altLang="ja-JP" dirty="0"/>
+          </a:p>
+          <a:p>
+            <a:pPr marL="0" indent="0">
+              <a:buNone/>
+            </a:pPr>
+            <a:endParaRPr kumimoji="1" lang="ja-JP" altLang="en-US" dirty="0"/>
+          </a:p>
+        </p:txBody>
+      </p:sp>
+      <p:sp>
+        <p:nvSpPr>
+          <p:cNvPr id="4" name="スライド番号プレースホルダー 3"/>
+          <p:cNvSpPr>
+            <a:spLocks noGrp="1"/>
+          </p:cNvSpPr>
+          <p:nvPr>
+            <p:ph type="sldNum" sz="quarter" idx="12"/>
+          </p:nvPr>
+        </p:nvSpPr>
+        <p:spPr/>
+        <p:txBody>
+          <a:bodyPr/>
+          <a:lstStyle/>
+          <a:p>
+            <a:fld id="{B4451160-128F-4DAD-AE29-4A8CC0E7B9E9}" type="slidenum">
+              <a:rPr kumimoji="1" lang="ja-JP" altLang="en-US" smtClean="0"/>
+              <a:t>6</a:t>
+            </a:fld>
+            <a:endParaRPr kumimoji="1" lang="ja-JP" altLang="en-US"/>
+          </a:p>
+        </p:txBody>
+      </p:sp>
+    </p:spTree>
+    <p:extLst>
+      <p:ext uri="{BB962C8B-B14F-4D97-AF65-F5344CB8AC3E}">
+        <p14:creationId xmlns:p14="http://schemas.microsoft.com/office/powerpoint/2010/main" val="3769541672"/>
+      </p:ext>
+    </p:extLst>
+  </p:cSld>
+  <p:clrMapOvr>
+    <a:masterClrMapping/>
+  </p:clrMapOvr>
+</p:sld>
+</file>
+
 <file path=ppt/slides/slide7.xml><?xml version="1.0" encoding="utf-8"?>
 <p:sld xmlns:a="http://schemas.openxmlformats.org/drawingml/2006/main" xmlns:r="http://schemas.openxmlformats.org/officeDocument/2006/relationships" xmlns:p="http://schemas.openxmlformats.org/presentationml/2006/main">
   <p:cSld>
@@ -5736,426 +6058,6 @@
           <a:lstStyle/>
           <a:p>
             <a:r>
-              <a:rPr kumimoji="1" lang="ja-JP" altLang="en-US" dirty="0"/>
-              <a:t>関連研究</a:t>
-            </a:r>
-          </a:p>
-        </p:txBody>
-      </p:sp>
-      <p:sp>
-        <p:nvSpPr>
-          <p:cNvPr id="3" name="コンテンツ プレースホルダー 2"/>
-          <p:cNvSpPr>
-            <a:spLocks noGrp="1"/>
-          </p:cNvSpPr>
-          <p:nvPr>
-            <p:ph idx="1"/>
-          </p:nvPr>
-        </p:nvSpPr>
-        <p:spPr>
-          <a:xfrm>
-            <a:off x="628650" y="1399430"/>
-            <a:ext cx="7886700" cy="5128591"/>
-          </a:xfrm>
-        </p:spPr>
-        <p:txBody>
-          <a:bodyPr>
-            <a:normAutofit fontScale="92500" lnSpcReduction="10000"/>
-          </a:bodyPr>
-          <a:lstStyle/>
-          <a:p>
-            <a:pPr marL="0" indent="0">
-              <a:buNone/>
-            </a:pPr>
-            <a:r>
-              <a:rPr kumimoji="1" lang="ja-JP" altLang="en-US" dirty="0" smtClean="0">
-                <a:latin typeface="+mn-ea"/>
-              </a:rPr>
-              <a:t>・「音楽動画への印象評価データセット構築とその特性の調査</a:t>
-            </a:r>
-            <a:r>
-              <a:rPr kumimoji="1" lang="ja-JP" altLang="en-US" dirty="0" smtClean="0">
-                <a:latin typeface="+mn-ea"/>
-              </a:rPr>
-              <a:t>」</a:t>
-            </a:r>
-            <a:r>
-              <a:rPr kumimoji="1" lang="en-US" altLang="ja-JP" dirty="0" smtClean="0">
-                <a:latin typeface="+mn-ea"/>
-              </a:rPr>
-              <a:t>[2015 </a:t>
-            </a:r>
-            <a:r>
-              <a:rPr kumimoji="1" lang="ja-JP" altLang="en-US" dirty="0" smtClean="0">
-                <a:latin typeface="+mn-ea"/>
-              </a:rPr>
-              <a:t>大野</a:t>
-            </a:r>
-            <a:r>
-              <a:rPr kumimoji="1" lang="en-US" altLang="ja-JP" dirty="0" smtClean="0">
-                <a:latin typeface="+mn-ea"/>
-              </a:rPr>
-              <a:t>]</a:t>
-            </a:r>
-            <a:endParaRPr kumimoji="1" lang="en-US" altLang="ja-JP" dirty="0" smtClean="0">
-              <a:latin typeface="+mn-ea"/>
-            </a:endParaRPr>
-          </a:p>
-          <a:p>
-            <a:pPr marL="0" indent="0">
-              <a:buNone/>
-            </a:pPr>
-            <a:r>
-              <a:rPr kumimoji="1" lang="ja-JP" altLang="en-US" dirty="0" smtClean="0">
-                <a:latin typeface="+mn-ea"/>
-              </a:rPr>
-              <a:t>大野直樹，中村聡史，山本岳洋，</a:t>
-            </a:r>
-            <a:r>
-              <a:rPr lang="ja-JP" altLang="en-US" dirty="0" smtClean="0">
-                <a:latin typeface="+mn-ea"/>
-              </a:rPr>
-              <a:t>後藤真孝，情報処理学会</a:t>
-            </a:r>
-            <a:endParaRPr kumimoji="1" lang="en-US" altLang="ja-JP" dirty="0" smtClean="0">
-              <a:latin typeface="+mn-ea"/>
-            </a:endParaRPr>
-          </a:p>
-          <a:p>
-            <a:pPr marL="0" indent="0">
-              <a:buNone/>
-            </a:pPr>
-            <a:endParaRPr kumimoji="1" lang="en-US" altLang="ja-JP" dirty="0">
-              <a:latin typeface="+mn-ea"/>
-            </a:endParaRPr>
-          </a:p>
-          <a:p>
-            <a:pPr marL="0" indent="0">
-              <a:buNone/>
-            </a:pPr>
-            <a:r>
-              <a:rPr lang="ja-JP" altLang="en-US" dirty="0" smtClean="0">
-                <a:latin typeface="+mn-ea"/>
-              </a:rPr>
-              <a:t>・「</a:t>
-            </a:r>
-            <a:r>
-              <a:rPr lang="ja-JP" altLang="en-US" b="1" dirty="0">
-                <a:latin typeface="+mn-ea"/>
-              </a:rPr>
-              <a:t>動画特徴量からの印象推定に基づく動画</a:t>
-            </a:r>
-            <a:r>
-              <a:rPr lang="en-US" altLang="ja-JP" b="1" dirty="0">
-                <a:latin typeface="+mn-ea"/>
-              </a:rPr>
-              <a:t>BGM </a:t>
-            </a:r>
-            <a:r>
-              <a:rPr lang="ja-JP" altLang="en-US" b="1" dirty="0">
-                <a:latin typeface="+mn-ea"/>
-              </a:rPr>
-              <a:t>の自動素材選出</a:t>
-            </a:r>
-            <a:r>
-              <a:rPr lang="ja-JP" altLang="en-US" dirty="0" smtClean="0">
-                <a:latin typeface="+mn-ea"/>
-              </a:rPr>
-              <a:t>」</a:t>
-            </a:r>
-            <a:r>
-              <a:rPr lang="en-US" altLang="ja-JP" dirty="0" smtClean="0">
-                <a:latin typeface="+mn-ea"/>
-              </a:rPr>
-              <a:t>[2016 </a:t>
-            </a:r>
-            <a:r>
-              <a:rPr lang="ja-JP" altLang="en-US" dirty="0" smtClean="0">
-                <a:latin typeface="+mn-ea"/>
-              </a:rPr>
-              <a:t>清水</a:t>
-            </a:r>
-            <a:r>
-              <a:rPr lang="en-US" altLang="ja-JP" dirty="0" smtClean="0">
-                <a:latin typeface="+mn-ea"/>
-              </a:rPr>
-              <a:t>]</a:t>
-            </a:r>
-            <a:r>
-              <a:rPr lang="ja-JP" altLang="en-US" dirty="0">
-                <a:latin typeface="+mn-ea"/>
-              </a:rPr>
-              <a:t/>
-            </a:r>
-            <a:br>
-              <a:rPr lang="ja-JP" altLang="en-US" dirty="0">
-                <a:latin typeface="+mn-ea"/>
-              </a:rPr>
-            </a:br>
-            <a:r>
-              <a:rPr lang="ja-JP" altLang="en-US" dirty="0" smtClean="0">
-                <a:latin typeface="+mn-ea"/>
-              </a:rPr>
-              <a:t>清水，</a:t>
-            </a:r>
-            <a:r>
-              <a:rPr lang="en-US" altLang="ja-JP" dirty="0" smtClean="0">
-                <a:latin typeface="+mn-ea"/>
-              </a:rPr>
-              <a:t> </a:t>
-            </a:r>
-            <a:r>
-              <a:rPr lang="ja-JP" altLang="en-US" dirty="0" smtClean="0">
-                <a:latin typeface="+mn-ea"/>
-              </a:rPr>
-              <a:t>菅野，</a:t>
-            </a:r>
-            <a:r>
-              <a:rPr lang="en-US" altLang="ja-JP" dirty="0" smtClean="0">
-                <a:latin typeface="+mn-ea"/>
-              </a:rPr>
-              <a:t> </a:t>
-            </a:r>
-            <a:r>
-              <a:rPr lang="ja-JP" altLang="en-US" dirty="0" smtClean="0">
-                <a:latin typeface="+mn-ea"/>
-              </a:rPr>
-              <a:t>伊藤，</a:t>
-            </a:r>
-            <a:r>
-              <a:rPr lang="en-US" altLang="ja-JP" dirty="0" smtClean="0">
-                <a:latin typeface="+mn-ea"/>
-              </a:rPr>
-              <a:t> </a:t>
-            </a:r>
-            <a:r>
-              <a:rPr lang="ja-JP" altLang="en-US" dirty="0" smtClean="0">
-                <a:latin typeface="+mn-ea"/>
-              </a:rPr>
-              <a:t>嵯峨山，</a:t>
-            </a:r>
-            <a:r>
-              <a:rPr lang="en-US" altLang="ja-JP" dirty="0" smtClean="0">
-                <a:latin typeface="+mn-ea"/>
-              </a:rPr>
-              <a:t> </a:t>
-            </a:r>
-            <a:r>
-              <a:rPr lang="ja-JP" altLang="en-US" dirty="0" smtClean="0">
-                <a:latin typeface="+mn-ea"/>
-              </a:rPr>
-              <a:t>高塚，</a:t>
-            </a:r>
-            <a:r>
-              <a:rPr lang="en-US" altLang="ja-JP" dirty="0">
-                <a:latin typeface="+mn-ea"/>
-              </a:rPr>
-              <a:t> </a:t>
-            </a:r>
-            <a:r>
-              <a:rPr lang="en-US" altLang="ja-JP" dirty="0" smtClean="0">
-                <a:latin typeface="+mn-ea"/>
-              </a:rPr>
-              <a:t>NICOGRAPH 2016</a:t>
-            </a:r>
-          </a:p>
-          <a:p>
-            <a:pPr marL="0" indent="0">
-              <a:buNone/>
-            </a:pPr>
-            <a:endParaRPr lang="en-US" altLang="ja-JP" dirty="0" smtClean="0">
-              <a:latin typeface="+mn-ea"/>
-            </a:endParaRPr>
-          </a:p>
-          <a:p>
-            <a:pPr marL="0" indent="0">
-              <a:buNone/>
-            </a:pPr>
-            <a:r>
-              <a:rPr lang="ja-JP" altLang="en-US" dirty="0" smtClean="0">
-                <a:latin typeface="+mn-ea"/>
-              </a:rPr>
-              <a:t>・「</a:t>
-            </a:r>
-            <a:r>
-              <a:rPr lang="en-US" altLang="ja-JP" dirty="0">
-                <a:latin typeface="+mn-ea"/>
-              </a:rPr>
-              <a:t>DIVA</a:t>
-            </a:r>
-            <a:r>
-              <a:rPr lang="ja-JP" altLang="en-US" dirty="0">
-                <a:latin typeface="+mn-ea"/>
-              </a:rPr>
-              <a:t>：</a:t>
-            </a:r>
-            <a:r>
-              <a:rPr lang="ja-JP" altLang="en-US" dirty="0" smtClean="0">
-                <a:latin typeface="+mn-ea"/>
-              </a:rPr>
-              <a:t>画像</a:t>
-            </a:r>
-            <a:r>
-              <a:rPr lang="ja-JP" altLang="en-US" dirty="0">
-                <a:latin typeface="+mn-ea"/>
-              </a:rPr>
-              <a:t>の印象に合わせた音楽自動アレンジの一手法の提案</a:t>
-            </a:r>
-            <a:r>
-              <a:rPr lang="ja-JP" altLang="en-US" dirty="0" smtClean="0">
-                <a:latin typeface="+mn-ea"/>
-              </a:rPr>
-              <a:t>」</a:t>
-            </a:r>
-            <a:r>
-              <a:rPr lang="en-US" altLang="ja-JP" dirty="0" smtClean="0">
-                <a:latin typeface="+mn-ea"/>
-              </a:rPr>
-              <a:t>[2007 </a:t>
-            </a:r>
-            <a:r>
-              <a:rPr lang="ja-JP" altLang="en-US" smtClean="0">
-                <a:latin typeface="+mn-ea"/>
-              </a:rPr>
-              <a:t>大山</a:t>
-            </a:r>
-            <a:r>
-              <a:rPr lang="en-US" altLang="ja-JP" smtClean="0">
-                <a:latin typeface="+mn-ea"/>
-              </a:rPr>
-              <a:t>]</a:t>
-            </a:r>
-            <a:endParaRPr lang="en-US" altLang="ja-JP" dirty="0">
-              <a:latin typeface="+mn-ea"/>
-            </a:endParaRPr>
-          </a:p>
-          <a:p>
-            <a:pPr marL="0" indent="0">
-              <a:buNone/>
-            </a:pPr>
-            <a:r>
-              <a:rPr lang="ja-JP" altLang="en-US" dirty="0">
-                <a:latin typeface="+mn-ea"/>
-              </a:rPr>
-              <a:t>大山</a:t>
-            </a:r>
-            <a:r>
-              <a:rPr lang="en-US" altLang="ja-JP" dirty="0">
-                <a:latin typeface="+mn-ea"/>
-              </a:rPr>
-              <a:t>, </a:t>
-            </a:r>
-            <a:r>
-              <a:rPr lang="ja-JP" altLang="en-US" dirty="0">
-                <a:latin typeface="+mn-ea"/>
-              </a:rPr>
-              <a:t>伊藤</a:t>
-            </a:r>
-            <a:r>
-              <a:rPr lang="en-US" altLang="ja-JP" dirty="0" smtClean="0">
-                <a:latin typeface="+mn-ea"/>
-              </a:rPr>
-              <a:t>,</a:t>
-            </a:r>
-            <a:r>
-              <a:rPr lang="ja-JP" altLang="en-US" dirty="0" smtClean="0">
-                <a:latin typeface="+mn-ea"/>
-              </a:rPr>
-              <a:t>芸術</a:t>
-            </a:r>
-            <a:r>
-              <a:rPr lang="ja-JP" altLang="en-US" dirty="0">
-                <a:latin typeface="+mn-ea"/>
-              </a:rPr>
-              <a:t>科学会論文誌</a:t>
-            </a:r>
-            <a:endParaRPr lang="en-US" altLang="ja-JP" dirty="0" smtClean="0">
-              <a:latin typeface="+mn-ea"/>
-            </a:endParaRPr>
-          </a:p>
-          <a:p>
-            <a:pPr marL="0" indent="0">
-              <a:buNone/>
-            </a:pPr>
-            <a:endParaRPr kumimoji="1" lang="en-US" altLang="ja-JP" dirty="0"/>
-          </a:p>
-          <a:p>
-            <a:pPr marL="0" indent="0">
-              <a:buNone/>
-            </a:pPr>
-            <a:endParaRPr kumimoji="1" lang="ja-JP" altLang="en-US" dirty="0"/>
-          </a:p>
-        </p:txBody>
-      </p:sp>
-      <p:sp>
-        <p:nvSpPr>
-          <p:cNvPr id="4" name="スライド番号プレースホルダー 3"/>
-          <p:cNvSpPr>
-            <a:spLocks noGrp="1"/>
-          </p:cNvSpPr>
-          <p:nvPr>
-            <p:ph type="sldNum" sz="quarter" idx="12"/>
-          </p:nvPr>
-        </p:nvSpPr>
-        <p:spPr/>
-        <p:txBody>
-          <a:bodyPr/>
-          <a:lstStyle/>
-          <a:p>
-            <a:fld id="{B4451160-128F-4DAD-AE29-4A8CC0E7B9E9}" type="slidenum">
-              <a:rPr kumimoji="1" lang="ja-JP" altLang="en-US" smtClean="0"/>
-              <a:t>7</a:t>
-            </a:fld>
-            <a:endParaRPr kumimoji="1" lang="ja-JP" altLang="en-US"/>
-          </a:p>
-        </p:txBody>
-      </p:sp>
-    </p:spTree>
-    <p:extLst>
-      <p:ext uri="{BB962C8B-B14F-4D97-AF65-F5344CB8AC3E}">
-        <p14:creationId xmlns:p14="http://schemas.microsoft.com/office/powerpoint/2010/main" val="3769541672"/>
-      </p:ext>
-    </p:extLst>
-  </p:cSld>
-  <p:clrMapOvr>
-    <a:masterClrMapping/>
-  </p:clrMapOvr>
-</p:sld>
-</file>
-
-<file path=ppt/slides/slide8.xml><?xml version="1.0" encoding="utf-8"?>
-<p:sld xmlns:a="http://schemas.openxmlformats.org/drawingml/2006/main" xmlns:r="http://schemas.openxmlformats.org/officeDocument/2006/relationships" xmlns:p="http://schemas.openxmlformats.org/presentationml/2006/main">
-  <p:cSld>
-    <p:spTree>
-      <p:nvGrpSpPr>
-        <p:cNvPr id="1" name=""/>
-        <p:cNvGrpSpPr/>
-        <p:nvPr/>
-      </p:nvGrpSpPr>
-      <p:grpSpPr>
-        <a:xfrm>
-          <a:off x="0" y="0"/>
-          <a:ext cx="0" cy="0"/>
-          <a:chOff x="0" y="0"/>
-          <a:chExt cx="0" cy="0"/>
-        </a:xfrm>
-      </p:grpSpPr>
-      <p:sp>
-        <p:nvSpPr>
-          <p:cNvPr id="2" name="タイトル 1"/>
-          <p:cNvSpPr>
-            <a:spLocks noGrp="1"/>
-          </p:cNvSpPr>
-          <p:nvPr>
-            <p:ph type="title"/>
-          </p:nvPr>
-        </p:nvSpPr>
-        <p:spPr/>
-        <p:txBody>
-          <a:bodyPr/>
-          <a:lstStyle/>
-          <a:p>
-            <a:r>
               <a:rPr kumimoji="1" lang="ja-JP" altLang="en-US" dirty="0" smtClean="0"/>
               <a:t>進捗状況</a:t>
             </a:r>
@@ -6247,7 +6149,7 @@
             <a:fld id="{B4451160-128F-4DAD-AE29-4A8CC0E7B9E9}" type="slidenum">
               <a:rPr lang="ja-JP" altLang="en-US" smtClean="0"/>
               <a:pPr/>
-              <a:t>8</a:t>
+              <a:t>7</a:t>
             </a:fld>
             <a:endParaRPr lang="ja-JP" altLang="en-US" dirty="0"/>
           </a:p>
@@ -6296,7 +6198,7 @@
 </p:sld>
 </file>
 
-<file path=ppt/slides/slide9.xml><?xml version="1.0" encoding="utf-8"?>
+<file path=ppt/slides/slide8.xml><?xml version="1.0" encoding="utf-8"?>
 <p:sld xmlns:a="http://schemas.openxmlformats.org/drawingml/2006/main" xmlns:r="http://schemas.openxmlformats.org/officeDocument/2006/relationships" xmlns:p="http://schemas.openxmlformats.org/presentationml/2006/main">
   <p:cSld>
     <p:spTree>
@@ -6352,7 +6254,7 @@
           <a:p>
             <a:fld id="{B4451160-128F-4DAD-AE29-4A8CC0E7B9E9}" type="slidenum">
               <a:rPr kumimoji="1" lang="ja-JP" altLang="en-US" smtClean="0"/>
-              <a:t>9</a:t>
+              <a:t>8</a:t>
             </a:fld>
             <a:endParaRPr kumimoji="1" lang="ja-JP" altLang="en-US"/>
           </a:p>
@@ -7103,6 +7005,152 @@
   <p:clrMapOvr>
     <a:masterClrMapping/>
   </p:clrMapOvr>
+</p:sld>
+</file>
+
+<file path=ppt/slides/slide9.xml><?xml version="1.0" encoding="utf-8"?>
+<p:sld xmlns:a="http://schemas.openxmlformats.org/drawingml/2006/main" xmlns:r="http://schemas.openxmlformats.org/officeDocument/2006/relationships" xmlns:p="http://schemas.openxmlformats.org/presentationml/2006/main">
+  <p:cSld>
+    <p:spTree>
+      <p:nvGrpSpPr>
+        <p:cNvPr id="1" name=""/>
+        <p:cNvGrpSpPr/>
+        <p:nvPr/>
+      </p:nvGrpSpPr>
+      <p:grpSpPr>
+        <a:xfrm>
+          <a:off x="0" y="0"/>
+          <a:ext cx="0" cy="0"/>
+          <a:chOff x="0" y="0"/>
+          <a:chExt cx="0" cy="0"/>
+        </a:xfrm>
+      </p:grpSpPr>
+      <p:sp>
+        <p:nvSpPr>
+          <p:cNvPr id="2" name="タイトル 1"/>
+          <p:cNvSpPr>
+            <a:spLocks noGrp="1"/>
+          </p:cNvSpPr>
+          <p:nvPr>
+            <p:ph type="ctrTitle"/>
+          </p:nvPr>
+        </p:nvSpPr>
+        <p:spPr>
+          <a:xfrm>
+            <a:off x="742950" y="1058863"/>
+            <a:ext cx="7772400" cy="2387600"/>
+          </a:xfrm>
+        </p:spPr>
+        <p:txBody>
+          <a:bodyPr>
+            <a:normAutofit fontScale="90000"/>
+          </a:bodyPr>
+          <a:lstStyle/>
+          <a:p>
+            <a:r>
+              <a:rPr lang="ja-JP" altLang="en-US" dirty="0"/>
+              <a:t>ラウンドロビンを利用した観光地推薦動画に使用</a:t>
+            </a:r>
+            <a:r>
+              <a:rPr lang="ja-JP" altLang="en-US" dirty="0" smtClean="0"/>
+              <a:t>する大量音楽のジャンル分けとそのマッチング</a:t>
+            </a:r>
+            <a:endParaRPr kumimoji="1" lang="ja-JP" altLang="en-US" dirty="0"/>
+          </a:p>
+        </p:txBody>
+      </p:sp>
+      <p:sp>
+        <p:nvSpPr>
+          <p:cNvPr id="3" name="サブタイトル 2"/>
+          <p:cNvSpPr>
+            <a:spLocks noGrp="1"/>
+          </p:cNvSpPr>
+          <p:nvPr>
+            <p:ph type="subTitle" idx="1"/>
+          </p:nvPr>
+        </p:nvSpPr>
+        <p:spPr/>
+        <p:txBody>
+          <a:bodyPr/>
+          <a:lstStyle/>
+          <a:p>
+            <a:r>
+              <a:rPr kumimoji="1" lang="ja-JP" altLang="en-US" dirty="0"/>
+              <a:t>学籍番号</a:t>
+            </a:r>
+            <a:r>
+              <a:rPr kumimoji="1" lang="ja-JP" altLang="en-US" dirty="0" smtClean="0"/>
+              <a:t>：</a:t>
+            </a:r>
+            <a:r>
+              <a:rPr kumimoji="1" lang="en-US" altLang="ja-JP" dirty="0" smtClean="0"/>
+              <a:t>1821144</a:t>
+            </a:r>
+            <a:r>
+              <a:rPr kumimoji="1" lang="en-US" altLang="ja-JP" dirty="0"/>
+              <a:t>	</a:t>
+            </a:r>
+            <a:r>
+              <a:rPr kumimoji="1" lang="ja-JP" altLang="en-US" dirty="0"/>
+              <a:t>氏名</a:t>
+            </a:r>
+            <a:r>
+              <a:rPr kumimoji="1" lang="ja-JP" altLang="en-US" dirty="0" smtClean="0"/>
+              <a:t>：吉井 智哉</a:t>
+            </a:r>
+            <a:endParaRPr kumimoji="1" lang="en-US" altLang="ja-JP" dirty="0"/>
+          </a:p>
+          <a:p>
+            <a:r>
+              <a:rPr lang="ja-JP" altLang="en-US" dirty="0"/>
+              <a:t>指導教員：鷹野孝典</a:t>
+            </a:r>
+          </a:p>
+          <a:p>
+            <a:endParaRPr kumimoji="1" lang="ja-JP" altLang="en-US" dirty="0"/>
+          </a:p>
+        </p:txBody>
+      </p:sp>
+      <p:sp>
+        <p:nvSpPr>
+          <p:cNvPr id="5" name="スライド番号プレースホルダー 4"/>
+          <p:cNvSpPr>
+            <a:spLocks noGrp="1"/>
+          </p:cNvSpPr>
+          <p:nvPr>
+            <p:ph type="sldNum" sz="quarter" idx="12"/>
+          </p:nvPr>
+        </p:nvSpPr>
+        <p:spPr/>
+        <p:txBody>
+          <a:bodyPr/>
+          <a:lstStyle/>
+          <a:p>
+            <a:fld id="{B4451160-128F-4DAD-AE29-4A8CC0E7B9E9}" type="slidenum">
+              <a:rPr kumimoji="1" lang="ja-JP" altLang="en-US" sz="2000" smtClean="0"/>
+              <a:t>9</a:t>
+            </a:fld>
+            <a:endParaRPr kumimoji="1" lang="ja-JP" altLang="en-US" sz="2000" dirty="0"/>
+          </a:p>
+        </p:txBody>
+      </p:sp>
+    </p:spTree>
+    <p:extLst>
+      <p:ext uri="{BB962C8B-B14F-4D97-AF65-F5344CB8AC3E}">
+        <p14:creationId xmlns:p14="http://schemas.microsoft.com/office/powerpoint/2010/main" val="4177902719"/>
+      </p:ext>
+    </p:extLst>
+  </p:cSld>
+  <p:clrMapOvr>
+    <a:masterClrMapping/>
+  </p:clrMapOvr>
+  <p:timing>
+    <p:tnLst>
+      <p:par>
+        <p:cTn id="1" dur="indefinite" restart="never" nodeType="tmRoot"/>
+      </p:par>
+    </p:tnLst>
+  </p:timing>
 </p:sld>
 </file>
 

--- a/学部_中間発表_1821144.pptx
+++ b/学部_中間発表_1821144.pptx
@@ -4076,7 +4076,7 @@
             </a:r>
             <a:r>
               <a:rPr lang="en-US" altLang="ja-JP" dirty="0" smtClean="0"/>
-              <a:t>07/29</a:t>
+              <a:t>07/28</a:t>
             </a:r>
             <a:r>
               <a:rPr lang="ja-JP" altLang="en-US" dirty="0" smtClean="0"/>
@@ -4163,7 +4163,7 @@
         </p:spPr>
         <p:txBody>
           <a:bodyPr>
-            <a:normAutofit fontScale="92500" lnSpcReduction="10000"/>
+            <a:normAutofit fontScale="92500"/>
           </a:bodyPr>
           <a:lstStyle/>
           <a:p>
@@ -4192,7 +4192,23 @@
             </a:r>
             <a:r>
               <a:rPr lang="ja-JP" altLang="en-US" dirty="0" smtClean="0"/>
-              <a:t>切に使用されていると，その画像から得られる情報量は変わってくる．</a:t>
+              <a:t>切に使用されていると，その画像から</a:t>
+            </a:r>
+            <a:r>
+              <a:rPr lang="ja-JP" altLang="en-US" dirty="0" smtClean="0"/>
+              <a:t>得られる印象</a:t>
+            </a:r>
+            <a:r>
+              <a:rPr lang="en-US" altLang="ja-JP" dirty="0" smtClean="0"/>
+              <a:t>	</a:t>
+            </a:r>
+            <a:r>
+              <a:rPr lang="ja-JP" altLang="en-US" dirty="0" smtClean="0"/>
+              <a:t>は</a:t>
+            </a:r>
+            <a:r>
+              <a:rPr lang="ja-JP" altLang="en-US" dirty="0" smtClean="0"/>
+              <a:t>変わってくる．</a:t>
             </a:r>
             <a:endParaRPr lang="en-US" altLang="ja-JP" dirty="0" smtClean="0"/>
           </a:p>
@@ -4278,15 +4294,11 @@
             </a:r>
             <a:r>
               <a:rPr lang="ja-JP" altLang="en-US" dirty="0" smtClean="0"/>
-              <a:t>で処理の効率を上げる必要があると</a:t>
-            </a:r>
-            <a:r>
-              <a:rPr lang="ja-JP" altLang="en-US" dirty="0"/>
-              <a:t>考えた</a:t>
+              <a:t>で処理の効率を上げる必要が</a:t>
             </a:r>
             <a:r>
               <a:rPr lang="ja-JP" altLang="en-US" dirty="0" smtClean="0"/>
-              <a:t>．</a:t>
+              <a:t>あると考えた．</a:t>
             </a:r>
             <a:endParaRPr lang="ja-JP" altLang="en-US" dirty="0"/>
           </a:p>
@@ -6125,7 +6137,15 @@
             </a:r>
             <a:r>
               <a:rPr lang="ja-JP" altLang="en-US" dirty="0" smtClean="0"/>
-              <a:t>を画像認識に通すことで音楽をジャンル分けしようと考えている</a:t>
+              <a:t>を画像認識に通すことで音楽をジャンル分けしようと考えて</a:t>
+            </a:r>
+            <a:r>
+              <a:rPr lang="ja-JP" altLang="en-US" dirty="0" smtClean="0"/>
+              <a:t>いる</a:t>
+            </a:r>
+            <a:r>
+              <a:rPr lang="ja-JP" altLang="en-US" dirty="0" smtClean="0"/>
+              <a:t>．</a:t>
             </a:r>
             <a:endParaRPr kumimoji="1" lang="ja-JP" altLang="en-US" dirty="0"/>
           </a:p>

--- a/学部_中間発表_1821144.pptx
+++ b/学部_中間発表_1821144.pptx
@@ -3847,7 +3847,11 @@
             </a:r>
             <a:r>
               <a:rPr lang="ja-JP" altLang="en-US" dirty="0" smtClean="0"/>
-              <a:t>推薦システムでは推薦される観光地の情報は、画像</a:t>
+              <a:t>推薦システムでは推薦される観光地の情報</a:t>
+            </a:r>
+            <a:r>
+              <a:rPr lang="ja-JP" altLang="en-US" dirty="0" smtClean="0"/>
+              <a:t>は，画像</a:t>
             </a:r>
             <a:r>
               <a:rPr lang="ja-JP" altLang="en-US" dirty="0"/>
@@ -5729,7 +5733,19 @@
               <a:rPr lang="ja-JP" altLang="en-US" dirty="0" smtClean="0">
                 <a:latin typeface="+mn-ea"/>
               </a:rPr>
-              <a:t>後藤真孝，情報処理学会</a:t>
+              <a:t>後藤真孝，情報処理</a:t>
+            </a:r>
+            <a:r>
+              <a:rPr lang="ja-JP" altLang="en-US" dirty="0" smtClean="0">
+                <a:latin typeface="+mn-ea"/>
+              </a:rPr>
+              <a:t>学会，</a:t>
+            </a:r>
+            <a:r>
+              <a:rPr lang="en-US" altLang="ja-JP" dirty="0" smtClean="0">
+                <a:latin typeface="+mn-ea"/>
+              </a:rPr>
+              <a:t>2015</a:t>
             </a:r>
             <a:endParaRPr kumimoji="1" lang="en-US" altLang="ja-JP" dirty="0" smtClean="0">
               <a:latin typeface="+mn-ea"/>
@@ -5981,7 +5997,19 @@
               <a:rPr lang="ja-JP" altLang="en-US" dirty="0">
                 <a:latin typeface="+mn-ea"/>
               </a:rPr>
-              <a:t>科学会論文誌</a:t>
+              <a:t>科学会</a:t>
+            </a:r>
+            <a:r>
+              <a:rPr lang="ja-JP" altLang="en-US" dirty="0" smtClean="0">
+                <a:latin typeface="+mn-ea"/>
+              </a:rPr>
+              <a:t>論文誌，</a:t>
+            </a:r>
+            <a:r>
+              <a:rPr lang="en-US" altLang="ja-JP" smtClean="0">
+                <a:latin typeface="+mn-ea"/>
+              </a:rPr>
+              <a:t>2007</a:t>
             </a:r>
             <a:endParaRPr lang="en-US" altLang="ja-JP" dirty="0" smtClean="0">
               <a:latin typeface="+mn-ea"/>

--- a/学部_中間発表_1821144.pptx
+++ b/学部_中間発表_1821144.pptx
@@ -4630,11 +4630,23 @@
             </a:r>
             <a:r>
               <a:rPr kumimoji="1" lang="ja-JP" altLang="en-US" dirty="0" smtClean="0"/>
-              <a:t>などに投稿された大量の音楽データをジャンル分けし，観光地推薦動画とマッチングする</a:t>
-            </a:r>
-            <a:r>
-              <a:rPr lang="ja-JP" altLang="en-US" dirty="0"/>
-              <a:t>手法の</a:t>
+              <a:t>などに投稿された大量の音楽データをジャンル分けし，観光地推薦動画と</a:t>
+            </a:r>
+            <a:r>
+              <a:rPr kumimoji="1" lang="ja-JP" altLang="en-US" smtClean="0"/>
+              <a:t>マッチング</a:t>
+            </a:r>
+            <a:r>
+              <a:rPr kumimoji="1" lang="ja-JP" altLang="en-US" smtClean="0"/>
+              <a:t>する</a:t>
+            </a:r>
+            <a:r>
+              <a:rPr lang="ja-JP" altLang="en-US"/>
+              <a:t>システム</a:t>
+            </a:r>
+            <a:r>
+              <a:rPr lang="ja-JP" altLang="en-US" smtClean="0"/>
+              <a:t>の</a:t>
             </a:r>
             <a:r>
               <a:rPr lang="ja-JP" altLang="en-US" dirty="0" smtClean="0"/>
@@ -6006,7 +6018,7 @@
               <a:t>論文誌，</a:t>
             </a:r>
             <a:r>
-              <a:rPr lang="en-US" altLang="ja-JP" smtClean="0">
+              <a:rPr lang="en-US" altLang="ja-JP" dirty="0" smtClean="0">
                 <a:latin typeface="+mn-ea"/>
               </a:rPr>
               <a:t>2007</a:t>

--- a/学部_中間発表_1821144.pptx
+++ b/学部_中間発表_1821144.pptx
@@ -4161,13 +4161,13 @@
         </p:nvSpPr>
         <p:spPr>
           <a:xfrm>
-            <a:off x="628650" y="1526650"/>
-            <a:ext cx="7886700" cy="4650313"/>
+            <a:off x="440575" y="1363288"/>
+            <a:ext cx="8354290" cy="4929448"/>
           </a:xfrm>
         </p:spPr>
         <p:txBody>
           <a:bodyPr>
-            <a:normAutofit fontScale="92500"/>
+            <a:normAutofit fontScale="92500" lnSpcReduction="10000"/>
           </a:bodyPr>
           <a:lstStyle/>
           <a:p>
@@ -4199,16 +4199,8 @@
               <a:t>切に使用されていると，その画像から</a:t>
             </a:r>
             <a:r>
-              <a:rPr lang="ja-JP" altLang="en-US" dirty="0" smtClean="0"/>
-              <a:t>得られる印象</a:t>
-            </a:r>
-            <a:r>
-              <a:rPr lang="en-US" altLang="ja-JP" dirty="0" smtClean="0"/>
-              <a:t>	</a:t>
-            </a:r>
-            <a:r>
-              <a:rPr lang="ja-JP" altLang="en-US" dirty="0" smtClean="0"/>
-              <a:t>は</a:t>
+              <a:rPr lang="ja-JP" altLang="en-US" smtClean="0"/>
+              <a:t>得られる印象は</a:t>
             </a:r>
             <a:r>
               <a:rPr lang="ja-JP" altLang="en-US" dirty="0" smtClean="0"/>
@@ -4236,7 +4228,7 @@
             <a:pPr marL="0" indent="0">
               <a:buNone/>
             </a:pPr>
-            <a:endParaRPr lang="en-US" altLang="ja-JP" dirty="0"/>
+            <a:endParaRPr lang="en-US" altLang="ja-JP" dirty="0" smtClean="0"/>
           </a:p>
           <a:p>
             <a:pPr marL="0" indent="0">
@@ -4244,7 +4236,33 @@
             </a:pPr>
             <a:r>
               <a:rPr lang="ja-JP" altLang="en-US" dirty="0" smtClean="0"/>
-              <a:t>・</a:t>
+              <a:t>・現在ではスマートフォンなどで誰も音楽を作成することが可能になっている．そのため</a:t>
+            </a:r>
+            <a:r>
+              <a:rPr lang="en-US" altLang="ja-JP" dirty="0" smtClean="0"/>
+              <a:t>SNS</a:t>
+            </a:r>
+            <a:r>
+              <a:rPr lang="ja-JP" altLang="en-US" dirty="0" smtClean="0"/>
+              <a:t>などに投稿される音楽の量が大量になってきた．</a:t>
+            </a:r>
+            <a:endParaRPr lang="en-US" altLang="ja-JP" dirty="0" smtClean="0"/>
+          </a:p>
+          <a:p>
+            <a:pPr marL="0" indent="0">
+              <a:buNone/>
+            </a:pPr>
+            <a:r>
+              <a:rPr lang="ja-JP" altLang="en-US" dirty="0" smtClean="0"/>
+              <a:t>大量</a:t>
+            </a:r>
+            <a:r>
+              <a:rPr lang="ja-JP" altLang="en-US" dirty="0"/>
+              <a:t>のデータを処理する</a:t>
+            </a:r>
+            <a:r>
+              <a:rPr lang="ja-JP" altLang="en-US" dirty="0" smtClean="0"/>
+              <a:t>場合，</a:t>
             </a:r>
             <a:r>
               <a:rPr lang="en-US" altLang="ja-JP" dirty="0" smtClean="0"/>
@@ -4256,15 +4274,11 @@
             </a:r>
             <a:r>
               <a:rPr lang="ja-JP" altLang="en-US" dirty="0" smtClean="0"/>
-              <a:t>のサーバーで大量のデータを処理</a:t>
-            </a:r>
-            <a:r>
-              <a:rPr lang="ja-JP" altLang="en-US" dirty="0"/>
-              <a:t>する</a:t>
+              <a:t>のサーバー</a:t>
             </a:r>
             <a:r>
               <a:rPr lang="ja-JP" altLang="en-US" dirty="0" smtClean="0"/>
-              <a:t>場合，処理</a:t>
+              <a:t>で処理</a:t>
             </a:r>
             <a:r>
               <a:rPr lang="ja-JP" altLang="en-US" dirty="0"/>
@@ -4272,17 +4286,11 @@
             </a:r>
             <a:r>
               <a:rPr lang="ja-JP" altLang="en-US" dirty="0" smtClean="0"/>
-              <a:t>ある．</a:t>
-            </a:r>
-            <a:endParaRPr lang="en-US" altLang="ja-JP" dirty="0" smtClean="0"/>
-          </a:p>
-          <a:p>
-            <a:pPr marL="0" indent="0">
-              <a:buNone/>
-            </a:pPr>
+              <a:t>ある</a:t>
+            </a:r>
             <a:r>
               <a:rPr lang="ja-JP" altLang="en-US" dirty="0" smtClean="0"/>
-              <a:t>処理</a:t>
+              <a:t>．処理</a:t>
             </a:r>
             <a:r>
               <a:rPr lang="ja-JP" altLang="en-US" dirty="0"/>
@@ -4305,12 +4313,6 @@
               <a:t>あると考えた．</a:t>
             </a:r>
             <a:endParaRPr lang="ja-JP" altLang="en-US" dirty="0"/>
-          </a:p>
-          <a:p>
-            <a:pPr marL="0" indent="0">
-              <a:buNone/>
-            </a:pPr>
-            <a:endParaRPr kumimoji="1" lang="ja-JP" altLang="en-US" dirty="0"/>
           </a:p>
         </p:txBody>
       </p:sp>
@@ -4630,22 +4632,18 @@
             </a:r>
             <a:r>
               <a:rPr kumimoji="1" lang="ja-JP" altLang="en-US" dirty="0" smtClean="0"/>
-              <a:t>などに投稿された大量の音楽データをジャンル分けし，観光地推薦動画と</a:t>
-            </a:r>
-            <a:r>
-              <a:rPr kumimoji="1" lang="ja-JP" altLang="en-US" smtClean="0"/>
-              <a:t>マッチング</a:t>
-            </a:r>
-            <a:r>
-              <a:rPr kumimoji="1" lang="ja-JP" altLang="en-US" smtClean="0"/>
+              <a:t>などに投稿された大量の音楽データをジャンル分けし，観光地推薦動画とマッチング</a:t>
+            </a:r>
+            <a:r>
+              <a:rPr kumimoji="1" lang="ja-JP" altLang="en-US" dirty="0" smtClean="0"/>
               <a:t>する</a:t>
             </a:r>
             <a:r>
-              <a:rPr lang="ja-JP" altLang="en-US"/>
+              <a:rPr lang="ja-JP" altLang="en-US" dirty="0"/>
               <a:t>システム</a:t>
             </a:r>
             <a:r>
-              <a:rPr lang="ja-JP" altLang="en-US" smtClean="0"/>
+              <a:rPr lang="ja-JP" altLang="en-US" dirty="0" smtClean="0"/>
               <a:t>の</a:t>
             </a:r>
             <a:r>

--- a/学部_中間発表_1821144.pptx
+++ b/学部_中間発表_1821144.pptx
@@ -3947,7 +3947,7 @@
         <p:spPr>
           <a:xfrm>
             <a:off x="0" y="0"/>
-            <a:ext cx="9143999" cy="1231106"/>
+            <a:ext cx="9143999" cy="1446550"/>
           </a:xfrm>
           <a:prstGeom prst="rect">
             <a:avLst/>
@@ -3977,70 +3977,62 @@
           <a:p>
             <a:pPr algn="ctr"/>
             <a:r>
-              <a:rPr lang="ja-JP" altLang="en-US" sz="2800" dirty="0" smtClean="0"/>
+              <a:rPr lang="ja-JP" altLang="en-US" sz="3200" dirty="0" smtClean="0"/>
               <a:t>ラウンドロビン</a:t>
             </a:r>
             <a:r>
-              <a:rPr lang="ja-JP" altLang="en-US" sz="2800" dirty="0"/>
+              <a:rPr lang="ja-JP" altLang="en-US" sz="3200" dirty="0"/>
               <a:t>を利用した観光地推薦動画に使用</a:t>
             </a:r>
             <a:r>
-              <a:rPr lang="ja-JP" altLang="en-US" sz="2800" dirty="0" smtClean="0"/>
-              <a:t>する</a:t>
-            </a:r>
-            <a:endParaRPr lang="en-US" altLang="ja-JP" sz="2800" dirty="0" smtClean="0"/>
+              <a:rPr lang="ja-JP" altLang="en-US" sz="3200" dirty="0" smtClean="0"/>
+              <a:t>する大量</a:t>
+            </a:r>
+            <a:r>
+              <a:rPr lang="ja-JP" altLang="en-US" sz="3200" dirty="0"/>
+              <a:t>音楽</a:t>
+            </a:r>
+            <a:r>
+              <a:rPr lang="ja-JP" altLang="en-US" sz="3200" dirty="0" smtClean="0"/>
+              <a:t>のジャンル</a:t>
+            </a:r>
+            <a:r>
+              <a:rPr lang="ja-JP" altLang="en-US" sz="3200" dirty="0"/>
+              <a:t>分けとその</a:t>
+            </a:r>
+            <a:r>
+              <a:rPr lang="ja-JP" altLang="en-US" sz="3200" dirty="0" smtClean="0"/>
+              <a:t>マッチング</a:t>
+            </a:r>
+            <a:endParaRPr lang="en-US" altLang="ja-JP" sz="3200" dirty="0" smtClean="0"/>
           </a:p>
           <a:p>
             <a:pPr algn="ctr"/>
             <a:r>
-              <a:rPr lang="ja-JP" altLang="en-US" sz="2800" dirty="0" smtClean="0"/>
-              <a:t>大量</a:t>
-            </a:r>
-            <a:r>
-              <a:rPr lang="ja-JP" altLang="en-US" sz="2800" dirty="0"/>
-              <a:t>音楽</a:t>
-            </a:r>
-            <a:r>
-              <a:rPr lang="ja-JP" altLang="en-US" sz="2800" dirty="0" smtClean="0"/>
-              <a:t>のジャンル</a:t>
-            </a:r>
-            <a:r>
-              <a:rPr lang="ja-JP" altLang="en-US" sz="2800" dirty="0"/>
-              <a:t>分けとその</a:t>
-            </a:r>
-            <a:r>
-              <a:rPr lang="ja-JP" altLang="en-US" sz="2800" dirty="0" smtClean="0"/>
-              <a:t>マッチング</a:t>
-            </a:r>
-            <a:endParaRPr lang="en-US" altLang="ja-JP" sz="2800" dirty="0" smtClean="0"/>
-          </a:p>
-          <a:p>
-            <a:pPr algn="ctr"/>
-            <a:r>
-              <a:rPr kumimoji="1" lang="en-US" altLang="ja-JP" dirty="0" smtClean="0"/>
+              <a:rPr kumimoji="1" lang="en-US" altLang="ja-JP" sz="2400" dirty="0" smtClean="0"/>
               <a:t>1821144 </a:t>
             </a:r>
             <a:r>
-              <a:rPr lang="ja-JP" altLang="en-US" dirty="0" smtClean="0"/>
+              <a:rPr lang="ja-JP" altLang="en-US" sz="2400" dirty="0" smtClean="0"/>
               <a:t> </a:t>
             </a:r>
             <a:r>
-              <a:rPr kumimoji="1" lang="ja-JP" altLang="en-US" dirty="0" smtClean="0"/>
+              <a:rPr kumimoji="1" lang="ja-JP" altLang="en-US" sz="2400" dirty="0" smtClean="0"/>
               <a:t>吉井 智哉　</a:t>
             </a:r>
             <a:r>
-              <a:rPr lang="ja-JP" altLang="en-US" dirty="0" smtClean="0"/>
+              <a:rPr lang="ja-JP" altLang="en-US" sz="2400" dirty="0" smtClean="0"/>
               <a:t>指導</a:t>
             </a:r>
             <a:r>
-              <a:rPr lang="ja-JP" altLang="en-US" dirty="0"/>
+              <a:rPr lang="ja-JP" altLang="en-US" sz="2400" dirty="0"/>
               <a:t>教員：鷹野孝</a:t>
             </a:r>
             <a:r>
-              <a:rPr lang="ja-JP" altLang="en-US" dirty="0" smtClean="0"/>
+              <a:rPr lang="ja-JP" altLang="en-US" sz="2400" dirty="0" smtClean="0"/>
               <a:t>典</a:t>
             </a:r>
-            <a:endParaRPr lang="ja-JP" altLang="en-US" dirty="0"/>
+            <a:endParaRPr lang="ja-JP" altLang="en-US" sz="2400" dirty="0"/>
           </a:p>
         </p:txBody>
       </p:sp>
@@ -4052,8 +4044,8 @@
         </p:nvSpPr>
         <p:spPr>
           <a:xfrm>
-            <a:off x="5883965" y="1237445"/>
-            <a:ext cx="3260035" cy="369332"/>
+            <a:off x="5981322" y="1446550"/>
+            <a:ext cx="3162677" cy="369332"/>
           </a:xfrm>
           <a:prstGeom prst="rect">
             <a:avLst/>
@@ -4199,7 +4191,7 @@
               <a:t>切に使用されていると，その画像から</a:t>
             </a:r>
             <a:r>
-              <a:rPr lang="ja-JP" altLang="en-US" smtClean="0"/>
+              <a:rPr lang="ja-JP" altLang="en-US" dirty="0" smtClean="0"/>
               <a:t>得られる印象は</a:t>
             </a:r>
             <a:r>

--- a/学部_中間発表_1821144.pptx
+++ b/学部_中間発表_1821144.pptx
@@ -4071,8 +4071,8 @@
               <a:t>学科　中間発表　</a:t>
             </a:r>
             <a:r>
-              <a:rPr lang="en-US" altLang="ja-JP" dirty="0" smtClean="0"/>
-              <a:t>07/28</a:t>
+              <a:rPr lang="en-US" altLang="ja-JP" smtClean="0"/>
+              <a:t>2021</a:t>
             </a:r>
             <a:r>
               <a:rPr lang="ja-JP" altLang="en-US" dirty="0" smtClean="0"/>

--- a/学部_中間発表_1821144.pptx
+++ b/学部_中間発表_1821144.pptx
@@ -9,11 +9,11 @@
   </p:notesMasterIdLst>
   <p:sldIdLst>
     <p:sldId id="257" r:id="rId2"/>
-    <p:sldId id="260" r:id="rId3"/>
-    <p:sldId id="259" r:id="rId4"/>
-    <p:sldId id="261" r:id="rId5"/>
-    <p:sldId id="262" r:id="rId6"/>
-    <p:sldId id="258" r:id="rId7"/>
+    <p:sldId id="258" r:id="rId3"/>
+    <p:sldId id="260" r:id="rId4"/>
+    <p:sldId id="259" r:id="rId5"/>
+    <p:sldId id="261" r:id="rId6"/>
+    <p:sldId id="262" r:id="rId7"/>
     <p:sldId id="265" r:id="rId8"/>
     <p:sldId id="264" r:id="rId9"/>
     <p:sldId id="256" r:id="rId10"/>
@@ -4071,7 +4071,7 @@
               <a:t>学科　中間発表　</a:t>
             </a:r>
             <a:r>
-              <a:rPr lang="en-US" altLang="ja-JP" smtClean="0"/>
+              <a:rPr lang="en-US" altLang="ja-JP" dirty="0" smtClean="0"/>
               <a:t>2021</a:t>
             </a:r>
             <a:r>
@@ -4136,7 +4136,7 @@
           <a:p>
             <a:r>
               <a:rPr kumimoji="1" lang="ja-JP" altLang="en-US" dirty="0"/>
-              <a:t>研究動機</a:t>
+              <a:t>関連研究</a:t>
             </a:r>
           </a:p>
         </p:txBody>
@@ -4153,13 +4153,13 @@
         </p:nvSpPr>
         <p:spPr>
           <a:xfrm>
-            <a:off x="440575" y="1363288"/>
-            <a:ext cx="8354290" cy="4929448"/>
+            <a:off x="628650" y="1399430"/>
+            <a:ext cx="7886700" cy="5128591"/>
           </a:xfrm>
         </p:spPr>
         <p:txBody>
           <a:bodyPr>
-            <a:normAutofit fontScale="92500" lnSpcReduction="10000"/>
+            <a:normAutofit fontScale="92500" lnSpcReduction="20000"/>
           </a:bodyPr>
           <a:lstStyle/>
           <a:p>
@@ -4167,144 +4167,429 @@
               <a:buNone/>
             </a:pPr>
             <a:r>
+              <a:rPr kumimoji="1" lang="ja-JP" altLang="en-US" dirty="0" smtClean="0">
+                <a:latin typeface="+mn-ea"/>
+              </a:rPr>
+              <a:t>・</a:t>
+            </a:r>
+            <a:r>
+              <a:rPr lang="en-US" altLang="ja-JP" dirty="0">
+                <a:latin typeface="+mn-ea"/>
+              </a:rPr>
+              <a:t>[</a:t>
+            </a:r>
+            <a:r>
+              <a:rPr lang="en-US" altLang="ja-JP" dirty="0" smtClean="0">
+                <a:latin typeface="+mn-ea"/>
+              </a:rPr>
+              <a:t>2015 </a:t>
+            </a:r>
+            <a:r>
+              <a:rPr lang="ja-JP" altLang="en-US" dirty="0">
+                <a:latin typeface="+mn-ea"/>
+              </a:rPr>
+              <a:t>大野</a:t>
+            </a:r>
+            <a:r>
+              <a:rPr lang="en-US" altLang="ja-JP" dirty="0" smtClean="0">
+                <a:latin typeface="+mn-ea"/>
+              </a:rPr>
+              <a:t>]</a:t>
+            </a:r>
+            <a:r>
+              <a:rPr lang="ja-JP" altLang="en-US" dirty="0">
+                <a:latin typeface="+mn-ea"/>
+              </a:rPr>
+              <a:t>大野</a:t>
+            </a:r>
+            <a:r>
+              <a:rPr lang="ja-JP" altLang="en-US" dirty="0" smtClean="0">
+                <a:latin typeface="+mn-ea"/>
+              </a:rPr>
+              <a:t>直樹，中村聡史，山本</a:t>
+            </a:r>
+            <a:r>
+              <a:rPr lang="ja-JP" altLang="en-US" dirty="0">
+                <a:latin typeface="+mn-ea"/>
+              </a:rPr>
+              <a:t>岳</a:t>
+            </a:r>
+            <a:r>
+              <a:rPr lang="ja-JP" altLang="en-US" dirty="0" smtClean="0">
+                <a:latin typeface="+mn-ea"/>
+              </a:rPr>
+              <a:t>洋，</a:t>
+            </a:r>
+            <a:endParaRPr lang="en-US" altLang="ja-JP" dirty="0" smtClean="0">
+              <a:latin typeface="+mn-ea"/>
+            </a:endParaRPr>
+          </a:p>
+          <a:p>
+            <a:pPr marL="0" indent="0">
+              <a:buNone/>
+            </a:pPr>
+            <a:r>
+              <a:rPr lang="ja-JP" altLang="en-US" dirty="0" smtClean="0">
+                <a:latin typeface="+mn-ea"/>
+              </a:rPr>
+              <a:t>後藤</a:t>
+            </a:r>
+            <a:r>
+              <a:rPr lang="ja-JP" altLang="en-US" dirty="0">
+                <a:latin typeface="+mn-ea"/>
+              </a:rPr>
+              <a:t>真</a:t>
+            </a:r>
+            <a:r>
+              <a:rPr lang="ja-JP" altLang="en-US" dirty="0" smtClean="0">
+                <a:latin typeface="+mn-ea"/>
+              </a:rPr>
+              <a:t>孝，</a:t>
+            </a:r>
+            <a:endParaRPr lang="en-US" altLang="ja-JP" dirty="0" smtClean="0">
+              <a:latin typeface="+mn-ea"/>
+            </a:endParaRPr>
+          </a:p>
+          <a:p>
+            <a:pPr marL="0" indent="0">
+              <a:buNone/>
+            </a:pPr>
+            <a:r>
+              <a:rPr kumimoji="1" lang="ja-JP" altLang="en-US" dirty="0" smtClean="0">
+                <a:latin typeface="+mn-ea"/>
+              </a:rPr>
+              <a:t>「</a:t>
+            </a:r>
+            <a:r>
+              <a:rPr kumimoji="1" lang="ja-JP" altLang="en-US" dirty="0" smtClean="0">
+                <a:latin typeface="+mn-ea"/>
+              </a:rPr>
+              <a:t>音楽動画への印象評価データセット構築とその特性の調査</a:t>
+            </a:r>
+            <a:r>
+              <a:rPr kumimoji="1" lang="ja-JP" altLang="en-US" dirty="0" smtClean="0">
+                <a:latin typeface="+mn-ea"/>
+              </a:rPr>
+              <a:t>」</a:t>
+            </a:r>
+            <a:r>
+              <a:rPr lang="ja-JP" altLang="en-US" dirty="0" smtClean="0">
+                <a:latin typeface="+mn-ea"/>
+              </a:rPr>
+              <a:t>，情報</a:t>
+            </a:r>
+            <a:r>
+              <a:rPr lang="ja-JP" altLang="en-US" dirty="0" smtClean="0">
+                <a:latin typeface="+mn-ea"/>
+              </a:rPr>
+              <a:t>処理</a:t>
+            </a:r>
+            <a:r>
+              <a:rPr lang="ja-JP" altLang="en-US" dirty="0" smtClean="0">
+                <a:latin typeface="+mn-ea"/>
+              </a:rPr>
+              <a:t>学会，</a:t>
+            </a:r>
+            <a:r>
+              <a:rPr lang="en-US" altLang="ja-JP" dirty="0" smtClean="0">
+                <a:latin typeface="+mn-ea"/>
+              </a:rPr>
+              <a:t>2015</a:t>
+            </a:r>
+            <a:endParaRPr kumimoji="1" lang="en-US" altLang="ja-JP" dirty="0" smtClean="0">
+              <a:latin typeface="+mn-ea"/>
+            </a:endParaRPr>
+          </a:p>
+          <a:p>
+            <a:pPr marL="0" indent="0">
+              <a:buNone/>
+            </a:pPr>
+            <a:endParaRPr kumimoji="1" lang="en-US" altLang="ja-JP" dirty="0">
+              <a:latin typeface="+mn-ea"/>
+            </a:endParaRPr>
+          </a:p>
+          <a:p>
+            <a:pPr marL="0" indent="0">
+              <a:buNone/>
+            </a:pPr>
+            <a:r>
+              <a:rPr lang="ja-JP" altLang="en-US" dirty="0" smtClean="0">
+                <a:latin typeface="+mn-ea"/>
+              </a:rPr>
+              <a:t>・</a:t>
+            </a:r>
+            <a:r>
+              <a:rPr lang="en-US" altLang="ja-JP" dirty="0">
+                <a:latin typeface="+mn-ea"/>
+              </a:rPr>
+              <a:t>[2016 </a:t>
+            </a:r>
+            <a:r>
+              <a:rPr lang="ja-JP" altLang="en-US" dirty="0">
+                <a:latin typeface="+mn-ea"/>
+              </a:rPr>
+              <a:t>清水</a:t>
+            </a:r>
+            <a:r>
+              <a:rPr lang="en-US" altLang="ja-JP" dirty="0" smtClean="0">
+                <a:latin typeface="+mn-ea"/>
+              </a:rPr>
+              <a:t>]</a:t>
+            </a:r>
+            <a:r>
+              <a:rPr lang="ja-JP" altLang="en-US" dirty="0" smtClean="0">
+                <a:latin typeface="+mn-ea"/>
+              </a:rPr>
+              <a:t>清水</a:t>
+            </a:r>
+            <a:r>
+              <a:rPr lang="ja-JP" altLang="en-US" dirty="0"/>
+              <a:t>柚里奈</a:t>
+            </a:r>
+            <a:r>
+              <a:rPr lang="ja-JP" altLang="en-US" dirty="0" smtClean="0">
+                <a:latin typeface="+mn-ea"/>
+              </a:rPr>
+              <a:t>，菅野</a:t>
+            </a:r>
+            <a:r>
               <a:rPr lang="ja-JP" altLang="en-US" dirty="0" smtClean="0"/>
-              <a:t>・ただ</a:t>
+              <a:t>沙也</a:t>
+            </a:r>
+            <a:r>
+              <a:rPr lang="ja-JP" altLang="en-US" dirty="0" smtClean="0">
+                <a:latin typeface="+mn-ea"/>
+              </a:rPr>
+              <a:t>，伊藤</a:t>
+            </a:r>
+            <a:r>
+              <a:rPr lang="ja-JP" altLang="en-US" dirty="0" smtClean="0"/>
+              <a:t>貴之</a:t>
+            </a:r>
+            <a:r>
+              <a:rPr lang="en-US" altLang="ja-JP" dirty="0" smtClean="0"/>
+              <a:t> </a:t>
+            </a:r>
+            <a:r>
+              <a:rPr lang="ja-JP" altLang="en-US" dirty="0" err="1" smtClean="0">
+                <a:latin typeface="+mn-ea"/>
+              </a:rPr>
+              <a:t>，</a:t>
+            </a:r>
+            <a:r>
+              <a:rPr lang="ja-JP" altLang="en-US" dirty="0" smtClean="0">
+                <a:latin typeface="+mn-ea"/>
+              </a:rPr>
+              <a:t>嵯峨山</a:t>
             </a:r>
             <a:r>
               <a:rPr lang="ja-JP" altLang="en-US" dirty="0"/>
-              <a:t>の画像であって</a:t>
-            </a:r>
-            <a:r>
-              <a:rPr lang="ja-JP" altLang="en-US" dirty="0" smtClean="0"/>
-              <a:t>も効果音や</a:t>
-            </a:r>
-            <a:r>
-              <a:rPr lang="en-US" altLang="ja-JP" dirty="0" smtClean="0"/>
-              <a:t>BGM</a:t>
-            </a:r>
-            <a:r>
-              <a:rPr lang="ja-JP" altLang="en-US" dirty="0" err="1" smtClean="0"/>
-              <a:t>が適</a:t>
-            </a:r>
-            <a:r>
-              <a:rPr lang="ja-JP" altLang="en-US" dirty="0" smtClean="0"/>
-              <a:t>切に使用されていると，その画像から</a:t>
-            </a:r>
-            <a:r>
-              <a:rPr lang="ja-JP" altLang="en-US" dirty="0" smtClean="0"/>
-              <a:t>得られる印象は</a:t>
-            </a:r>
-            <a:r>
-              <a:rPr lang="ja-JP" altLang="en-US" dirty="0" smtClean="0"/>
-              <a:t>変わってくる．</a:t>
-            </a:r>
-            <a:endParaRPr lang="en-US" altLang="ja-JP" dirty="0" smtClean="0"/>
+              <a:t>茂樹</a:t>
+            </a:r>
+            <a:r>
+              <a:rPr lang="ja-JP" altLang="en-US" dirty="0" smtClean="0">
+                <a:latin typeface="+mn-ea"/>
+              </a:rPr>
+              <a:t>，高塚</a:t>
+            </a:r>
+            <a:r>
+              <a:rPr lang="ja-JP" altLang="en-US" dirty="0"/>
+              <a:t>正浩</a:t>
+            </a:r>
+            <a:r>
+              <a:rPr lang="ja-JP" altLang="en-US" dirty="0" smtClean="0">
+                <a:latin typeface="+mn-ea"/>
+              </a:rPr>
+              <a:t>，</a:t>
+            </a:r>
+            <a:endParaRPr lang="en-US" altLang="ja-JP" dirty="0" smtClean="0">
+              <a:latin typeface="+mn-ea"/>
+            </a:endParaRPr>
           </a:p>
           <a:p>
             <a:pPr marL="0" indent="0">
               <a:buNone/>
             </a:pPr>
-            <a:endParaRPr lang="en-US" altLang="ja-JP" dirty="0"/>
+            <a:r>
+              <a:rPr lang="ja-JP" altLang="en-US" dirty="0" smtClean="0">
+                <a:latin typeface="+mn-ea"/>
+              </a:rPr>
+              <a:t>「</a:t>
+            </a:r>
+            <a:r>
+              <a:rPr lang="ja-JP" altLang="en-US" dirty="0">
+                <a:latin typeface="+mn-ea"/>
+              </a:rPr>
+              <a:t>動画特徴量からの印象推定に基づく動画</a:t>
+            </a:r>
+            <a:r>
+              <a:rPr lang="en-US" altLang="ja-JP" dirty="0">
+                <a:latin typeface="+mn-ea"/>
+              </a:rPr>
+              <a:t>BGM </a:t>
+            </a:r>
+            <a:r>
+              <a:rPr lang="ja-JP" altLang="en-US" dirty="0">
+                <a:latin typeface="+mn-ea"/>
+              </a:rPr>
+              <a:t>の自動素材</a:t>
+            </a:r>
+            <a:r>
+              <a:rPr lang="ja-JP" altLang="en-US" dirty="0" smtClean="0">
+                <a:latin typeface="+mn-ea"/>
+              </a:rPr>
+              <a:t>選出」</a:t>
+            </a:r>
+            <a:r>
+              <a:rPr lang="ja-JP" altLang="en-US" dirty="0" smtClean="0">
+                <a:latin typeface="+mn-ea"/>
+              </a:rPr>
+              <a:t>，</a:t>
+            </a:r>
+            <a:r>
+              <a:rPr lang="en-US" altLang="ja-JP" dirty="0">
+                <a:latin typeface="+mn-ea"/>
+              </a:rPr>
+              <a:t> </a:t>
+            </a:r>
+            <a:r>
+              <a:rPr lang="en-US" altLang="ja-JP" dirty="0" smtClean="0">
+                <a:latin typeface="+mn-ea"/>
+              </a:rPr>
+              <a:t>NICOGRAPH 2016</a:t>
+            </a:r>
           </a:p>
           <a:p>
             <a:pPr marL="0" indent="0">
               <a:buNone/>
             </a:pPr>
-            <a:r>
-              <a:rPr lang="ja-JP" altLang="en-US" dirty="0" smtClean="0"/>
-              <a:t>・音楽データをジャンル分けし観光地推薦動画とマッチングすることでユーザーに，より観光地を印象深くできると考えた．</a:t>
-            </a:r>
-            <a:endParaRPr lang="ja-JP" altLang="en-US" dirty="0"/>
+            <a:endParaRPr lang="en-US" altLang="ja-JP" dirty="0" smtClean="0">
+              <a:latin typeface="+mn-ea"/>
+            </a:endParaRPr>
           </a:p>
           <a:p>
             <a:pPr marL="0" indent="0">
               <a:buNone/>
             </a:pPr>
-            <a:endParaRPr lang="en-US" altLang="ja-JP" dirty="0" smtClean="0"/>
+            <a:r>
+              <a:rPr lang="ja-JP" altLang="en-US" dirty="0" smtClean="0">
+                <a:latin typeface="+mn-ea"/>
+              </a:rPr>
+              <a:t>・</a:t>
+            </a:r>
+            <a:r>
+              <a:rPr lang="en-US" altLang="ja-JP" dirty="0">
+                <a:latin typeface="+mn-ea"/>
+              </a:rPr>
+              <a:t>[2007 </a:t>
+            </a:r>
+            <a:r>
+              <a:rPr lang="ja-JP" altLang="en-US" dirty="0">
+                <a:latin typeface="+mn-ea"/>
+              </a:rPr>
+              <a:t>大山</a:t>
+            </a:r>
+            <a:r>
+              <a:rPr lang="en-US" altLang="ja-JP" dirty="0" smtClean="0">
+                <a:latin typeface="+mn-ea"/>
+              </a:rPr>
+              <a:t>]</a:t>
+            </a:r>
+            <a:r>
+              <a:rPr lang="ja-JP" altLang="en-US" dirty="0" smtClean="0">
+                <a:latin typeface="+mn-ea"/>
+              </a:rPr>
+              <a:t>大山喜</a:t>
+            </a:r>
+            <a:r>
+              <a:rPr lang="ja-JP" altLang="en-US" dirty="0">
+                <a:latin typeface="+mn-ea"/>
+              </a:rPr>
+              <a:t>冴，伊藤貴之</a:t>
+            </a:r>
+            <a:r>
+              <a:rPr lang="ja-JP" altLang="en-US" dirty="0" smtClean="0">
+                <a:latin typeface="+mn-ea"/>
+              </a:rPr>
+              <a:t>，</a:t>
+            </a:r>
+            <a:endParaRPr lang="en-US" altLang="ja-JP" dirty="0" smtClean="0">
+              <a:latin typeface="+mn-ea"/>
+            </a:endParaRPr>
           </a:p>
           <a:p>
             <a:pPr marL="0" indent="0">
               <a:buNone/>
             </a:pPr>
             <a:r>
-              <a:rPr lang="ja-JP" altLang="en-US" dirty="0" smtClean="0"/>
-              <a:t>・現在ではスマートフォンなどで誰も音楽を作成することが可能になっている．そのため</a:t>
-            </a:r>
-            <a:r>
-              <a:rPr lang="en-US" altLang="ja-JP" dirty="0" smtClean="0"/>
-              <a:t>SNS</a:t>
-            </a:r>
-            <a:r>
-              <a:rPr lang="ja-JP" altLang="en-US" dirty="0" smtClean="0"/>
-              <a:t>などに投稿される音楽の量が大量になってきた．</a:t>
-            </a:r>
-            <a:endParaRPr lang="en-US" altLang="ja-JP" dirty="0" smtClean="0"/>
+              <a:rPr lang="ja-JP" altLang="en-US" dirty="0" smtClean="0">
+                <a:latin typeface="+mn-ea"/>
+              </a:rPr>
+              <a:t>「</a:t>
+            </a:r>
+            <a:r>
+              <a:rPr lang="en-US" altLang="ja-JP" dirty="0">
+                <a:latin typeface="+mn-ea"/>
+              </a:rPr>
+              <a:t>DIVA</a:t>
+            </a:r>
+            <a:r>
+              <a:rPr lang="ja-JP" altLang="en-US" dirty="0">
+                <a:latin typeface="+mn-ea"/>
+              </a:rPr>
+              <a:t>：</a:t>
+            </a:r>
+            <a:r>
+              <a:rPr lang="ja-JP" altLang="en-US" dirty="0" smtClean="0">
+                <a:latin typeface="+mn-ea"/>
+              </a:rPr>
+              <a:t>画像</a:t>
+            </a:r>
+            <a:r>
+              <a:rPr lang="ja-JP" altLang="en-US" dirty="0">
+                <a:latin typeface="+mn-ea"/>
+              </a:rPr>
+              <a:t>の印象に合わせた音楽自動アレンジの一手法の提案</a:t>
+            </a:r>
+            <a:r>
+              <a:rPr lang="ja-JP" altLang="en-US" dirty="0" smtClean="0">
+                <a:latin typeface="+mn-ea"/>
+              </a:rPr>
+              <a:t>」，芸術</a:t>
+            </a:r>
+            <a:r>
+              <a:rPr lang="ja-JP" altLang="en-US" dirty="0">
+                <a:latin typeface="+mn-ea"/>
+              </a:rPr>
+              <a:t>科学会</a:t>
+            </a:r>
+            <a:r>
+              <a:rPr lang="ja-JP" altLang="en-US" dirty="0" smtClean="0">
+                <a:latin typeface="+mn-ea"/>
+              </a:rPr>
+              <a:t>論文誌，</a:t>
+            </a:r>
+            <a:r>
+              <a:rPr lang="en-US" altLang="ja-JP" dirty="0" smtClean="0">
+                <a:latin typeface="+mn-ea"/>
+              </a:rPr>
+              <a:t>2007</a:t>
+            </a:r>
+            <a:endParaRPr lang="en-US" altLang="ja-JP" dirty="0" smtClean="0">
+              <a:latin typeface="+mn-ea"/>
+            </a:endParaRPr>
           </a:p>
           <a:p>
             <a:pPr marL="0" indent="0">
               <a:buNone/>
             </a:pPr>
-            <a:r>
-              <a:rPr lang="ja-JP" altLang="en-US" dirty="0" smtClean="0"/>
-              <a:t>大量</a:t>
-            </a:r>
-            <a:r>
-              <a:rPr lang="ja-JP" altLang="en-US" dirty="0"/>
-              <a:t>のデータを処理する</a:t>
-            </a:r>
-            <a:r>
-              <a:rPr lang="ja-JP" altLang="en-US" dirty="0" smtClean="0"/>
-              <a:t>場合，</a:t>
-            </a:r>
-            <a:r>
-              <a:rPr lang="en-US" altLang="ja-JP" dirty="0" smtClean="0"/>
-              <a:t>1</a:t>
-            </a:r>
-            <a:r>
-              <a:rPr lang="ja-JP" altLang="en-US" dirty="0"/>
-              <a:t>台</a:t>
-            </a:r>
-            <a:r>
-              <a:rPr lang="ja-JP" altLang="en-US" dirty="0" smtClean="0"/>
-              <a:t>のサーバー</a:t>
-            </a:r>
-            <a:r>
-              <a:rPr lang="ja-JP" altLang="en-US" dirty="0" smtClean="0"/>
-              <a:t>で処理</a:t>
-            </a:r>
-            <a:r>
-              <a:rPr lang="ja-JP" altLang="en-US" dirty="0"/>
-              <a:t>する速度にも限界が</a:t>
-            </a:r>
-            <a:r>
-              <a:rPr lang="ja-JP" altLang="en-US" dirty="0" smtClean="0"/>
-              <a:t>ある</a:t>
-            </a:r>
-            <a:r>
-              <a:rPr lang="ja-JP" altLang="en-US" dirty="0" smtClean="0"/>
-              <a:t>．処理</a:t>
-            </a:r>
-            <a:r>
-              <a:rPr lang="ja-JP" altLang="en-US" dirty="0"/>
-              <a:t>を複</a:t>
-            </a:r>
-            <a:r>
-              <a:rPr lang="ja-JP" altLang="en-US" dirty="0" smtClean="0"/>
-              <a:t>数台のサーバーに</a:t>
-            </a:r>
-            <a:r>
-              <a:rPr lang="ja-JP" altLang="en-US" dirty="0"/>
-              <a:t>分けること</a:t>
-            </a:r>
-            <a:r>
-              <a:rPr lang="ja-JP" altLang="en-US" dirty="0" smtClean="0"/>
-              <a:t>で処理の効率を上げる必要が</a:t>
-            </a:r>
-            <a:r>
-              <a:rPr lang="ja-JP" altLang="en-US" dirty="0" smtClean="0"/>
-              <a:t>あると考えた．</a:t>
-            </a:r>
-            <a:endParaRPr lang="ja-JP" altLang="en-US" dirty="0"/>
+            <a:endParaRPr kumimoji="1" lang="en-US" altLang="ja-JP" dirty="0"/>
+          </a:p>
+          <a:p>
+            <a:pPr marL="0" indent="0">
+              <a:buNone/>
+            </a:pPr>
+            <a:endParaRPr kumimoji="1" lang="ja-JP" altLang="en-US" dirty="0"/>
           </a:p>
         </p:txBody>
       </p:sp>
@@ -4334,7 +4619,7 @@
     </p:spTree>
     <p:extLst>
       <p:ext uri="{BB962C8B-B14F-4D97-AF65-F5344CB8AC3E}">
-        <p14:creationId xmlns:p14="http://schemas.microsoft.com/office/powerpoint/2010/main" val="3482704347"/>
+        <p14:creationId xmlns:p14="http://schemas.microsoft.com/office/powerpoint/2010/main" val="3769541672"/>
       </p:ext>
     </p:extLst>
   </p:cSld>
@@ -4378,7 +4663,7 @@
           <a:p>
             <a:r>
               <a:rPr kumimoji="1" lang="ja-JP" altLang="en-US" dirty="0"/>
-              <a:t>研究課題</a:t>
+              <a:t>研究動機</a:t>
             </a:r>
           </a:p>
         </p:txBody>
@@ -4393,10 +4678,15 @@
             <p:ph idx="1"/>
           </p:nvPr>
         </p:nvSpPr>
-        <p:spPr/>
+        <p:spPr>
+          <a:xfrm>
+            <a:off x="440575" y="1363288"/>
+            <a:ext cx="8354290" cy="4929448"/>
+          </a:xfrm>
+        </p:spPr>
         <p:txBody>
           <a:bodyPr>
-            <a:normAutofit/>
+            <a:normAutofit fontScale="92500" lnSpcReduction="10000"/>
           </a:bodyPr>
           <a:lstStyle/>
           <a:p>
@@ -4404,30 +4694,46 @@
               <a:buNone/>
             </a:pPr>
             <a:r>
-              <a:rPr kumimoji="1" lang="en-US" altLang="ja-JP" dirty="0" smtClean="0"/>
-              <a:t>*8</a:t>
-            </a:r>
-            <a:r>
-              <a:rPr kumimoji="1" lang="ja-JP" altLang="en-US" dirty="0" err="1" smtClean="0"/>
-              <a:t>つの</a:t>
-            </a:r>
-            <a:r>
-              <a:rPr kumimoji="1" lang="ja-JP" altLang="en-US" dirty="0" smtClean="0"/>
-              <a:t>印象軸にジャンル分けした音楽と観光地推薦動画を合わせる想定をしているため，ジャンル分けした音楽と動画をどのように組み合わせるとより観光地</a:t>
+              <a:rPr lang="ja-JP" altLang="en-US" dirty="0" smtClean="0"/>
+              <a:t>・ただ</a:t>
             </a:r>
             <a:r>
               <a:rPr lang="ja-JP" altLang="en-US" dirty="0"/>
-              <a:t>の印象</a:t>
+              <a:t>の画像であって</a:t>
             </a:r>
             <a:r>
               <a:rPr lang="ja-JP" altLang="en-US" dirty="0" smtClean="0"/>
-              <a:t>を残しやすくなるか</a:t>
-            </a:r>
-            <a:r>
-              <a:rPr kumimoji="1" lang="ja-JP" altLang="en-US" dirty="0" smtClean="0"/>
-              <a:t>．</a:t>
-            </a:r>
-            <a:endParaRPr kumimoji="1" lang="en-US" altLang="ja-JP" dirty="0" smtClean="0"/>
+              <a:t>も効果音や</a:t>
+            </a:r>
+            <a:r>
+              <a:rPr lang="en-US" altLang="ja-JP" dirty="0" smtClean="0"/>
+              <a:t>BGM</a:t>
+            </a:r>
+            <a:r>
+              <a:rPr lang="ja-JP" altLang="en-US" dirty="0" err="1" smtClean="0"/>
+              <a:t>が適</a:t>
+            </a:r>
+            <a:r>
+              <a:rPr lang="ja-JP" altLang="en-US" dirty="0" smtClean="0"/>
+              <a:t>切に使用されている</a:t>
+            </a:r>
+            <a:r>
+              <a:rPr lang="ja-JP" altLang="en-US" dirty="0" smtClean="0"/>
+              <a:t>と，その</a:t>
+            </a:r>
+            <a:r>
+              <a:rPr lang="ja-JP" altLang="en-US" dirty="0" smtClean="0"/>
+              <a:t>画像から</a:t>
+            </a:r>
+            <a:r>
+              <a:rPr lang="ja-JP" altLang="en-US" dirty="0" smtClean="0"/>
+              <a:t>得られる印象は</a:t>
+            </a:r>
+            <a:r>
+              <a:rPr lang="ja-JP" altLang="en-US" dirty="0" smtClean="0"/>
+              <a:t>変わってくる．</a:t>
+            </a:r>
+            <a:endParaRPr lang="en-US" altLang="ja-JP" dirty="0" smtClean="0"/>
           </a:p>
           <a:p>
             <a:pPr marL="0" indent="0">
@@ -4440,26 +4746,40 @@
               <a:buNone/>
             </a:pPr>
             <a:r>
-              <a:rPr kumimoji="1" lang="en-US" altLang="ja-JP" dirty="0" smtClean="0"/>
-              <a:t>*8</a:t>
-            </a:r>
-            <a:r>
-              <a:rPr kumimoji="1" lang="ja-JP" altLang="en-US" dirty="0" err="1" smtClean="0"/>
-              <a:t>つの</a:t>
-            </a:r>
-            <a:r>
-              <a:rPr kumimoji="1" lang="ja-JP" altLang="en-US" dirty="0" smtClean="0"/>
-              <a:t>印象軸</a:t>
-            </a:r>
-            <a:endParaRPr kumimoji="1" lang="en-US" altLang="ja-JP" dirty="0" smtClean="0"/>
+              <a:rPr lang="ja-JP" altLang="en-US" dirty="0" smtClean="0"/>
+              <a:t>・音楽データをジャンル分けし観光地推薦動画とマッチングすることでユーザー</a:t>
+            </a:r>
+            <a:r>
+              <a:rPr lang="ja-JP" altLang="en-US" dirty="0" smtClean="0"/>
+              <a:t>に，より</a:t>
+            </a:r>
+            <a:r>
+              <a:rPr lang="ja-JP" altLang="en-US" dirty="0" smtClean="0"/>
+              <a:t>観光地を印象深くできると考えた．</a:t>
+            </a:r>
+            <a:endParaRPr lang="ja-JP" altLang="en-US" dirty="0"/>
           </a:p>
           <a:p>
             <a:pPr marL="0" indent="0">
               <a:buNone/>
             </a:pPr>
+            <a:endParaRPr lang="en-US" altLang="ja-JP" dirty="0" smtClean="0"/>
+          </a:p>
+          <a:p>
+            <a:pPr marL="0" indent="0">
+              <a:buNone/>
+            </a:pPr>
             <a:r>
               <a:rPr lang="ja-JP" altLang="en-US" dirty="0" smtClean="0"/>
-              <a:t>堂々，元気が出る，切ない，激しい，滑稽，かわいい</a:t>
+              <a:t>・現在ではスマートフォンなどで誰も音楽を作成することが可能になっている．そのため</a:t>
+            </a:r>
+            <a:r>
+              <a:rPr lang="en-US" altLang="ja-JP" dirty="0" smtClean="0"/>
+              <a:t>SNS</a:t>
+            </a:r>
+            <a:r>
+              <a:rPr lang="ja-JP" altLang="en-US" dirty="0" smtClean="0"/>
+              <a:t>などに投稿される音楽の量が大量になってきた．</a:t>
             </a:r>
             <a:endParaRPr lang="en-US" altLang="ja-JP" dirty="0" smtClean="0"/>
           </a:p>
@@ -4468,56 +4788,66 @@
               <a:buNone/>
             </a:pPr>
             <a:r>
-              <a:rPr kumimoji="1" lang="en-US" altLang="ja-JP" sz="2200" dirty="0" smtClean="0"/>
-              <a:t>Valance</a:t>
-            </a:r>
-            <a:r>
-              <a:rPr kumimoji="1" lang="ja-JP" altLang="en-US" sz="2200" dirty="0" smtClean="0"/>
-              <a:t>（</a:t>
-            </a:r>
-            <a:r>
-              <a:rPr lang="ja-JP" altLang="en-US" sz="2200" dirty="0" smtClean="0"/>
-              <a:t>明るい</a:t>
-            </a:r>
-            <a:r>
-              <a:rPr lang="ja-JP" altLang="en-US" sz="2200" dirty="0"/>
-              <a:t>気持に</a:t>
-            </a:r>
-            <a:r>
-              <a:rPr lang="ja-JP" altLang="en-US" sz="2200" dirty="0" smtClean="0"/>
-              <a:t>なる，楽しい，暗い</a:t>
-            </a:r>
-            <a:r>
-              <a:rPr lang="ja-JP" altLang="en-US" sz="2200" dirty="0"/>
-              <a:t>気持ちに</a:t>
-            </a:r>
-            <a:r>
-              <a:rPr lang="ja-JP" altLang="en-US" sz="2200" dirty="0" smtClean="0"/>
-              <a:t>なる，悲しい）</a:t>
-            </a:r>
-            <a:endParaRPr kumimoji="1" lang="en-US" altLang="ja-JP" sz="2200" dirty="0" smtClean="0"/>
-          </a:p>
-          <a:p>
-            <a:pPr marL="0" indent="0">
-              <a:buNone/>
-            </a:pPr>
-            <a:r>
-              <a:rPr kumimoji="1" lang="en-US" altLang="ja-JP" sz="2100" dirty="0" smtClean="0"/>
-              <a:t>Arousal</a:t>
-            </a:r>
-            <a:r>
-              <a:rPr kumimoji="1" lang="ja-JP" altLang="en-US" sz="2100" dirty="0" smtClean="0"/>
-              <a:t>（</a:t>
-            </a:r>
-            <a:r>
-              <a:rPr lang="ja-JP" altLang="en-US" sz="2100" dirty="0" smtClean="0"/>
-              <a:t>激しい，積極的な，強気な，穏やかな，消極的な，弱気</a:t>
-            </a:r>
-            <a:r>
-              <a:rPr lang="ja-JP" altLang="en-US" sz="2100" dirty="0"/>
-              <a:t>な）</a:t>
-            </a:r>
-            <a:endParaRPr kumimoji="1" lang="ja-JP" altLang="en-US" sz="2100" dirty="0"/>
+              <a:rPr lang="ja-JP" altLang="en-US" dirty="0" smtClean="0"/>
+              <a:t>大量</a:t>
+            </a:r>
+            <a:r>
+              <a:rPr lang="ja-JP" altLang="en-US" dirty="0"/>
+              <a:t>のデータを処理する</a:t>
+            </a:r>
+            <a:r>
+              <a:rPr lang="ja-JP" altLang="en-US" dirty="0" smtClean="0"/>
+              <a:t>場合，</a:t>
+            </a:r>
+            <a:r>
+              <a:rPr lang="en-US" altLang="ja-JP" dirty="0" smtClean="0"/>
+              <a:t>1</a:t>
+            </a:r>
+            <a:r>
+              <a:rPr lang="ja-JP" altLang="en-US" dirty="0"/>
+              <a:t>台</a:t>
+            </a:r>
+            <a:r>
+              <a:rPr lang="ja-JP" altLang="en-US" dirty="0" smtClean="0"/>
+              <a:t>のサーバー</a:t>
+            </a:r>
+            <a:r>
+              <a:rPr lang="ja-JP" altLang="en-US" dirty="0" smtClean="0"/>
+              <a:t>で処理</a:t>
+            </a:r>
+            <a:r>
+              <a:rPr lang="ja-JP" altLang="en-US" dirty="0"/>
+              <a:t>する速度にも限界が</a:t>
+            </a:r>
+            <a:r>
+              <a:rPr lang="ja-JP" altLang="en-US" dirty="0" smtClean="0"/>
+              <a:t>ある</a:t>
+            </a:r>
+            <a:r>
+              <a:rPr lang="ja-JP" altLang="en-US" dirty="0" smtClean="0"/>
+              <a:t>．処理</a:t>
+            </a:r>
+            <a:r>
+              <a:rPr lang="ja-JP" altLang="en-US" dirty="0"/>
+              <a:t>を複</a:t>
+            </a:r>
+            <a:r>
+              <a:rPr lang="ja-JP" altLang="en-US" dirty="0" smtClean="0"/>
+              <a:t>数台のサーバーに</a:t>
+            </a:r>
+            <a:r>
+              <a:rPr lang="ja-JP" altLang="en-US" dirty="0"/>
+              <a:t>分けること</a:t>
+            </a:r>
+            <a:r>
+              <a:rPr lang="ja-JP" altLang="en-US" dirty="0" smtClean="0"/>
+              <a:t>で処理の効率を上げる必要が</a:t>
+            </a:r>
+            <a:r>
+              <a:rPr lang="ja-JP" altLang="en-US" dirty="0" smtClean="0"/>
+              <a:t>あると考えた．</a:t>
+            </a:r>
+            <a:endParaRPr lang="ja-JP" altLang="en-US" dirty="0"/>
           </a:p>
         </p:txBody>
       </p:sp>
@@ -4547,7 +4877,7 @@
     </p:spTree>
     <p:extLst>
       <p:ext uri="{BB962C8B-B14F-4D97-AF65-F5344CB8AC3E}">
-        <p14:creationId xmlns:p14="http://schemas.microsoft.com/office/powerpoint/2010/main" val="1923407823"/>
+        <p14:creationId xmlns:p14="http://schemas.microsoft.com/office/powerpoint/2010/main" val="3482704347"/>
       </p:ext>
     </p:extLst>
   </p:cSld>
@@ -4591,7 +4921,7 @@
           <a:p>
             <a:r>
               <a:rPr kumimoji="1" lang="ja-JP" altLang="en-US" dirty="0"/>
-              <a:t>研究目的</a:t>
+              <a:t>研究課題</a:t>
             </a:r>
           </a:p>
         </p:txBody>
@@ -4608,39 +4938,41 @@
         </p:nvSpPr>
         <p:spPr/>
         <p:txBody>
-          <a:bodyPr/>
+          <a:bodyPr>
+            <a:normAutofit/>
+          </a:bodyPr>
           <a:lstStyle/>
           <a:p>
             <a:pPr marL="0" indent="0">
               <a:buNone/>
             </a:pPr>
             <a:r>
+              <a:rPr kumimoji="1" lang="en-US" altLang="ja-JP" dirty="0" smtClean="0"/>
+              <a:t>*8</a:t>
+            </a:r>
+            <a:r>
+              <a:rPr kumimoji="1" lang="ja-JP" altLang="en-US" dirty="0" err="1" smtClean="0"/>
+              <a:t>つの</a:t>
+            </a:r>
+            <a:r>
+              <a:rPr kumimoji="1" lang="ja-JP" altLang="en-US" dirty="0" smtClean="0"/>
+              <a:t>印象軸にジャンル分けした音楽と観光地推薦動画を合わせる想定をしている</a:t>
+            </a:r>
+            <a:r>
+              <a:rPr kumimoji="1" lang="ja-JP" altLang="en-US" dirty="0" smtClean="0"/>
+              <a:t>ため，ジャンル</a:t>
+            </a:r>
+            <a:r>
+              <a:rPr kumimoji="1" lang="ja-JP" altLang="en-US" dirty="0" smtClean="0"/>
+              <a:t>分けした音楽と動画をどのように組み合わせるとより観光地</a:t>
+            </a:r>
+            <a:r>
+              <a:rPr lang="ja-JP" altLang="en-US" dirty="0"/>
+              <a:t>の印象</a:t>
+            </a:r>
+            <a:r>
               <a:rPr lang="ja-JP" altLang="en-US" dirty="0" smtClean="0"/>
-              <a:t>・</a:t>
-            </a:r>
-            <a:r>
-              <a:rPr lang="en-US" altLang="ja-JP" dirty="0" smtClean="0"/>
-              <a:t>SNS</a:t>
-            </a:r>
-            <a:r>
-              <a:rPr kumimoji="1" lang="ja-JP" altLang="en-US" dirty="0" smtClean="0"/>
-              <a:t>などに投稿された大量の音楽データをジャンル分けし，観光地推薦動画とマッチング</a:t>
-            </a:r>
-            <a:r>
-              <a:rPr kumimoji="1" lang="ja-JP" altLang="en-US" dirty="0" smtClean="0"/>
-              <a:t>する</a:t>
-            </a:r>
-            <a:r>
-              <a:rPr lang="ja-JP" altLang="en-US" dirty="0"/>
-              <a:t>システム</a:t>
-            </a:r>
-            <a:r>
-              <a:rPr lang="ja-JP" altLang="en-US" dirty="0" smtClean="0"/>
-              <a:t>の</a:t>
-            </a:r>
-            <a:r>
-              <a:rPr lang="ja-JP" altLang="en-US" dirty="0" smtClean="0"/>
-              <a:t>提案</a:t>
+              <a:t>を残しやすくなるか</a:t>
             </a:r>
             <a:r>
               <a:rPr kumimoji="1" lang="ja-JP" altLang="en-US" dirty="0" smtClean="0"/>
@@ -4659,8 +4991,16 @@
               <a:buNone/>
             </a:pPr>
             <a:r>
+              <a:rPr kumimoji="1" lang="en-US" altLang="ja-JP" dirty="0" smtClean="0"/>
+              <a:t>*8</a:t>
+            </a:r>
+            <a:r>
+              <a:rPr kumimoji="1" lang="ja-JP" altLang="en-US" dirty="0" err="1" smtClean="0"/>
+              <a:t>つの</a:t>
+            </a:r>
+            <a:r>
               <a:rPr kumimoji="1" lang="ja-JP" altLang="en-US" dirty="0" smtClean="0"/>
-              <a:t>・実験システムの作成．</a:t>
+              <a:t>印象軸</a:t>
             </a:r>
             <a:endParaRPr kumimoji="1" lang="en-US" altLang="ja-JP" dirty="0" smtClean="0"/>
           </a:p>
@@ -4668,31 +5008,79 @@
             <a:pPr marL="0" indent="0">
               <a:buNone/>
             </a:pPr>
-            <a:endParaRPr lang="en-US" altLang="ja-JP" dirty="0"/>
+            <a:r>
+              <a:rPr lang="ja-JP" altLang="en-US" dirty="0" smtClean="0"/>
+              <a:t>堂々，元気</a:t>
+            </a:r>
+            <a:r>
+              <a:rPr lang="ja-JP" altLang="en-US" dirty="0" smtClean="0"/>
+              <a:t>が</a:t>
+            </a:r>
+            <a:r>
+              <a:rPr lang="ja-JP" altLang="en-US" dirty="0" smtClean="0"/>
+              <a:t>出る，切ない，激しい，滑稽，かわいい</a:t>
+            </a:r>
+            <a:endParaRPr lang="en-US" altLang="ja-JP" dirty="0" smtClean="0"/>
           </a:p>
           <a:p>
             <a:pPr marL="0" indent="0">
               <a:buNone/>
             </a:pPr>
-            <a:endParaRPr kumimoji="1" lang="en-US" altLang="ja-JP" dirty="0" smtClean="0"/>
+            <a:r>
+              <a:rPr kumimoji="1" lang="en-US" altLang="ja-JP" sz="2200" dirty="0" smtClean="0"/>
+              <a:t>Valance</a:t>
+            </a:r>
+            <a:r>
+              <a:rPr kumimoji="1" lang="ja-JP" altLang="en-US" sz="2200" dirty="0" smtClean="0"/>
+              <a:t>（</a:t>
+            </a:r>
+            <a:r>
+              <a:rPr lang="ja-JP" altLang="en-US" sz="2200" dirty="0" smtClean="0"/>
+              <a:t>明るい</a:t>
+            </a:r>
+            <a:r>
+              <a:rPr lang="ja-JP" altLang="en-US" sz="2200" dirty="0"/>
+              <a:t>気持に</a:t>
+            </a:r>
+            <a:r>
+              <a:rPr lang="ja-JP" altLang="en-US" sz="2200" dirty="0" smtClean="0"/>
+              <a:t>なる，楽しい，暗い</a:t>
+            </a:r>
+            <a:r>
+              <a:rPr lang="ja-JP" altLang="en-US" sz="2200" dirty="0"/>
+              <a:t>気持ちに</a:t>
+            </a:r>
+            <a:r>
+              <a:rPr lang="ja-JP" altLang="en-US" sz="2200" dirty="0" smtClean="0"/>
+              <a:t>なる，悲しい</a:t>
+            </a:r>
+            <a:r>
+              <a:rPr lang="ja-JP" altLang="en-US" sz="2200" dirty="0" smtClean="0"/>
+              <a:t>）</a:t>
+            </a:r>
+            <a:endParaRPr kumimoji="1" lang="en-US" altLang="ja-JP" sz="2200" dirty="0" smtClean="0"/>
           </a:p>
           <a:p>
             <a:pPr marL="0" indent="0">
               <a:buNone/>
             </a:pPr>
             <a:r>
-              <a:rPr lang="ja-JP" altLang="en-US" dirty="0" smtClean="0"/>
-              <a:t>・</a:t>
-            </a:r>
-            <a:r>
-              <a:rPr lang="ja-JP" altLang="en-US" dirty="0"/>
-              <a:t>実験</a:t>
-            </a:r>
-            <a:r>
-              <a:rPr lang="ja-JP" altLang="en-US" dirty="0" smtClean="0"/>
-              <a:t>による，実現可能性の評価．</a:t>
-            </a:r>
-            <a:endParaRPr kumimoji="1" lang="ja-JP" altLang="en-US" dirty="0"/>
+              <a:rPr kumimoji="1" lang="en-US" altLang="ja-JP" sz="2100" dirty="0" smtClean="0"/>
+              <a:t>Arousal</a:t>
+            </a:r>
+            <a:r>
+              <a:rPr kumimoji="1" lang="ja-JP" altLang="en-US" sz="2100" dirty="0" smtClean="0"/>
+              <a:t>（</a:t>
+            </a:r>
+            <a:r>
+              <a:rPr lang="ja-JP" altLang="en-US" sz="2100" dirty="0" smtClean="0"/>
+              <a:t>激しい，積極的な，強気な，穏やかな，消極的な，弱気</a:t>
+            </a:r>
+            <a:r>
+              <a:rPr lang="ja-JP" altLang="en-US" sz="2100" dirty="0"/>
+              <a:t>な）</a:t>
+            </a:r>
+            <a:endParaRPr kumimoji="1" lang="ja-JP" altLang="en-US" sz="2100" dirty="0"/>
           </a:p>
         </p:txBody>
       </p:sp>
@@ -4722,7 +5110,7 @@
     </p:spTree>
     <p:extLst>
       <p:ext uri="{BB962C8B-B14F-4D97-AF65-F5344CB8AC3E}">
-        <p14:creationId xmlns:p14="http://schemas.microsoft.com/office/powerpoint/2010/main" val="114472190"/>
+        <p14:creationId xmlns:p14="http://schemas.microsoft.com/office/powerpoint/2010/main" val="1923407823"/>
       </p:ext>
     </p:extLst>
   </p:cSld>
@@ -4759,6 +5147,197 @@
             <p:ph type="title"/>
           </p:nvPr>
         </p:nvSpPr>
+        <p:spPr/>
+        <p:txBody>
+          <a:bodyPr/>
+          <a:lstStyle/>
+          <a:p>
+            <a:r>
+              <a:rPr kumimoji="1" lang="ja-JP" altLang="en-US" dirty="0"/>
+              <a:t>研究目的</a:t>
+            </a:r>
+          </a:p>
+        </p:txBody>
+      </p:sp>
+      <p:sp>
+        <p:nvSpPr>
+          <p:cNvPr id="3" name="コンテンツ プレースホルダー 2"/>
+          <p:cNvSpPr>
+            <a:spLocks noGrp="1"/>
+          </p:cNvSpPr>
+          <p:nvPr>
+            <p:ph idx="1"/>
+          </p:nvPr>
+        </p:nvSpPr>
+        <p:spPr/>
+        <p:txBody>
+          <a:bodyPr/>
+          <a:lstStyle/>
+          <a:p>
+            <a:pPr marL="0" indent="0">
+              <a:buNone/>
+            </a:pPr>
+            <a:r>
+              <a:rPr lang="ja-JP" altLang="en-US" dirty="0" smtClean="0"/>
+              <a:t>・</a:t>
+            </a:r>
+            <a:r>
+              <a:rPr lang="en-US" altLang="ja-JP" dirty="0" smtClean="0"/>
+              <a:t>SNS</a:t>
+            </a:r>
+            <a:r>
+              <a:rPr kumimoji="1" lang="ja-JP" altLang="en-US" dirty="0" smtClean="0"/>
+              <a:t>などに投稿された大量の音楽データをジャンル分け</a:t>
+            </a:r>
+            <a:r>
+              <a:rPr kumimoji="1" lang="ja-JP" altLang="en-US" dirty="0" smtClean="0"/>
+              <a:t>し，観光地</a:t>
+            </a:r>
+            <a:r>
+              <a:rPr kumimoji="1" lang="ja-JP" altLang="en-US" dirty="0" smtClean="0"/>
+              <a:t>推薦動画とマッチング</a:t>
+            </a:r>
+            <a:r>
+              <a:rPr kumimoji="1" lang="ja-JP" altLang="en-US" dirty="0" smtClean="0"/>
+              <a:t>する</a:t>
+            </a:r>
+            <a:r>
+              <a:rPr lang="ja-JP" altLang="en-US" dirty="0"/>
+              <a:t>システム</a:t>
+            </a:r>
+            <a:r>
+              <a:rPr lang="ja-JP" altLang="en-US" dirty="0" smtClean="0"/>
+              <a:t>の</a:t>
+            </a:r>
+            <a:r>
+              <a:rPr lang="ja-JP" altLang="en-US" dirty="0" smtClean="0"/>
+              <a:t>提案</a:t>
+            </a:r>
+            <a:r>
+              <a:rPr kumimoji="1" lang="ja-JP" altLang="en-US" dirty="0" smtClean="0"/>
+              <a:t>．</a:t>
+            </a:r>
+            <a:endParaRPr kumimoji="1" lang="en-US" altLang="ja-JP" dirty="0" smtClean="0"/>
+          </a:p>
+          <a:p>
+            <a:pPr marL="0" indent="0">
+              <a:buNone/>
+            </a:pPr>
+            <a:endParaRPr lang="en-US" altLang="ja-JP" dirty="0"/>
+          </a:p>
+          <a:p>
+            <a:pPr marL="0" indent="0">
+              <a:buNone/>
+            </a:pPr>
+            <a:r>
+              <a:rPr kumimoji="1" lang="ja-JP" altLang="en-US" dirty="0" smtClean="0"/>
+              <a:t>・実験システムの作成．</a:t>
+            </a:r>
+            <a:endParaRPr kumimoji="1" lang="en-US" altLang="ja-JP" dirty="0" smtClean="0"/>
+          </a:p>
+          <a:p>
+            <a:pPr marL="0" indent="0">
+              <a:buNone/>
+            </a:pPr>
+            <a:endParaRPr lang="en-US" altLang="ja-JP" dirty="0"/>
+          </a:p>
+          <a:p>
+            <a:pPr marL="0" indent="0">
+              <a:buNone/>
+            </a:pPr>
+            <a:endParaRPr kumimoji="1" lang="en-US" altLang="ja-JP" dirty="0" smtClean="0"/>
+          </a:p>
+          <a:p>
+            <a:pPr marL="0" indent="0">
+              <a:buNone/>
+            </a:pPr>
+            <a:r>
+              <a:rPr lang="ja-JP" altLang="en-US" dirty="0" smtClean="0"/>
+              <a:t>・</a:t>
+            </a:r>
+            <a:r>
+              <a:rPr lang="ja-JP" altLang="en-US" dirty="0"/>
+              <a:t>実験</a:t>
+            </a:r>
+            <a:r>
+              <a:rPr lang="ja-JP" altLang="en-US" dirty="0" smtClean="0"/>
+              <a:t>に</a:t>
+            </a:r>
+            <a:r>
+              <a:rPr lang="ja-JP" altLang="en-US" dirty="0" smtClean="0"/>
+              <a:t>よる，実現</a:t>
+            </a:r>
+            <a:r>
+              <a:rPr lang="ja-JP" altLang="en-US" dirty="0" smtClean="0"/>
+              <a:t>可能性の評価．</a:t>
+            </a:r>
+            <a:endParaRPr kumimoji="1" lang="ja-JP" altLang="en-US" dirty="0"/>
+          </a:p>
+        </p:txBody>
+      </p:sp>
+      <p:sp>
+        <p:nvSpPr>
+          <p:cNvPr id="4" name="スライド番号プレースホルダー 3"/>
+          <p:cNvSpPr>
+            <a:spLocks noGrp="1"/>
+          </p:cNvSpPr>
+          <p:nvPr>
+            <p:ph type="sldNum" sz="quarter" idx="12"/>
+          </p:nvPr>
+        </p:nvSpPr>
+        <p:spPr/>
+        <p:txBody>
+          <a:bodyPr/>
+          <a:lstStyle/>
+          <a:p>
+            <a:fld id="{B4451160-128F-4DAD-AE29-4A8CC0E7B9E9}" type="slidenum">
+              <a:rPr kumimoji="1" lang="ja-JP" altLang="en-US" smtClean="0"/>
+              <a:t>5</a:t>
+            </a:fld>
+            <a:endParaRPr kumimoji="1" lang="ja-JP" altLang="en-US"/>
+          </a:p>
+        </p:txBody>
+      </p:sp>
+    </p:spTree>
+    <p:extLst>
+      <p:ext uri="{BB962C8B-B14F-4D97-AF65-F5344CB8AC3E}">
+        <p14:creationId xmlns:p14="http://schemas.microsoft.com/office/powerpoint/2010/main" val="114472190"/>
+      </p:ext>
+    </p:extLst>
+  </p:cSld>
+  <p:clrMapOvr>
+    <a:masterClrMapping/>
+  </p:clrMapOvr>
+</p:sld>
+</file>
+
+<file path=ppt/slides/slide6.xml><?xml version="1.0" encoding="utf-8"?>
+<p:sld xmlns:a="http://schemas.openxmlformats.org/drawingml/2006/main" xmlns:r="http://schemas.openxmlformats.org/officeDocument/2006/relationships" xmlns:p="http://schemas.openxmlformats.org/presentationml/2006/main">
+  <p:cSld>
+    <p:spTree>
+      <p:nvGrpSpPr>
+        <p:cNvPr id="1" name=""/>
+        <p:cNvGrpSpPr/>
+        <p:nvPr/>
+      </p:nvGrpSpPr>
+      <p:grpSpPr>
+        <a:xfrm>
+          <a:off x="0" y="0"/>
+          <a:ext cx="0" cy="0"/>
+          <a:chOff x="0" y="0"/>
+          <a:chExt cx="0" cy="0"/>
+        </a:xfrm>
+      </p:grpSpPr>
+      <p:sp>
+        <p:nvSpPr>
+          <p:cNvPr id="2" name="タイトル 1"/>
+          <p:cNvSpPr>
+            <a:spLocks noGrp="1"/>
+          </p:cNvSpPr>
+          <p:nvPr>
+            <p:ph type="title"/>
+          </p:nvPr>
+        </p:nvSpPr>
         <p:spPr>
           <a:xfrm>
             <a:off x="628650" y="365127"/>
@@ -4830,7 +5409,7 @@
           <a:p>
             <a:fld id="{B4451160-128F-4DAD-AE29-4A8CC0E7B9E9}" type="slidenum">
               <a:rPr kumimoji="1" lang="ja-JP" altLang="en-US" smtClean="0"/>
-              <a:t>5</a:t>
+              <a:t>6</a:t>
             </a:fld>
             <a:endParaRPr kumimoji="1" lang="ja-JP" altLang="en-US"/>
           </a:p>
@@ -5466,7 +6045,11 @@
             </a:r>
             <a:r>
               <a:rPr kumimoji="1" lang="ja-JP" altLang="en-US" sz="1400" dirty="0" smtClean="0"/>
-              <a:t>いくつかのサーバーに処理を</a:t>
+              <a:t>いくつ</a:t>
+            </a:r>
+            <a:r>
+              <a:rPr kumimoji="1" lang="ja-JP" altLang="en-US" sz="1400" dirty="0" smtClean="0"/>
+              <a:t>かのサーバーに処理を</a:t>
             </a:r>
             <a:r>
               <a:rPr kumimoji="1" lang="ja-JP" altLang="en-US" sz="1400" dirty="0" err="1" smtClean="0"/>
@@ -5604,7 +6187,15 @@
           <a:p>
             <a:r>
               <a:rPr kumimoji="1" lang="ja-JP" altLang="en-US" dirty="0" smtClean="0"/>
-              <a:t>観光地から明るい印象を受けるので，“元気が出る”音楽とマッチング</a:t>
+              <a:t>観光地から明るい印象を受ける</a:t>
+            </a:r>
+            <a:r>
+              <a:rPr kumimoji="1" lang="ja-JP" altLang="en-US" dirty="0" smtClean="0"/>
+              <a:t>ので，“</a:t>
+            </a:r>
+            <a:r>
+              <a:rPr kumimoji="1" lang="ja-JP" altLang="en-US" dirty="0" smtClean="0"/>
+              <a:t>元気が出る”音楽とマッチング</a:t>
             </a:r>
             <a:endParaRPr kumimoji="1" lang="ja-JP" altLang="en-US" dirty="0"/>
           </a:p>
@@ -5614,450 +6205,6 @@
     <p:extLst>
       <p:ext uri="{BB962C8B-B14F-4D97-AF65-F5344CB8AC3E}">
         <p14:creationId xmlns:p14="http://schemas.microsoft.com/office/powerpoint/2010/main" val="4224668961"/>
-      </p:ext>
-    </p:extLst>
-  </p:cSld>
-  <p:clrMapOvr>
-    <a:masterClrMapping/>
-  </p:clrMapOvr>
-</p:sld>
-</file>
-
-<file path=ppt/slides/slide6.xml><?xml version="1.0" encoding="utf-8"?>
-<p:sld xmlns:a="http://schemas.openxmlformats.org/drawingml/2006/main" xmlns:r="http://schemas.openxmlformats.org/officeDocument/2006/relationships" xmlns:p="http://schemas.openxmlformats.org/presentationml/2006/main">
-  <p:cSld>
-    <p:spTree>
-      <p:nvGrpSpPr>
-        <p:cNvPr id="1" name=""/>
-        <p:cNvGrpSpPr/>
-        <p:nvPr/>
-      </p:nvGrpSpPr>
-      <p:grpSpPr>
-        <a:xfrm>
-          <a:off x="0" y="0"/>
-          <a:ext cx="0" cy="0"/>
-          <a:chOff x="0" y="0"/>
-          <a:chExt cx="0" cy="0"/>
-        </a:xfrm>
-      </p:grpSpPr>
-      <p:sp>
-        <p:nvSpPr>
-          <p:cNvPr id="2" name="タイトル 1"/>
-          <p:cNvSpPr>
-            <a:spLocks noGrp="1"/>
-          </p:cNvSpPr>
-          <p:nvPr>
-            <p:ph type="title"/>
-          </p:nvPr>
-        </p:nvSpPr>
-        <p:spPr/>
-        <p:txBody>
-          <a:bodyPr/>
-          <a:lstStyle/>
-          <a:p>
-            <a:r>
-              <a:rPr kumimoji="1" lang="ja-JP" altLang="en-US" dirty="0"/>
-              <a:t>関連研究</a:t>
-            </a:r>
-          </a:p>
-        </p:txBody>
-      </p:sp>
-      <p:sp>
-        <p:nvSpPr>
-          <p:cNvPr id="3" name="コンテンツ プレースホルダー 2"/>
-          <p:cNvSpPr>
-            <a:spLocks noGrp="1"/>
-          </p:cNvSpPr>
-          <p:nvPr>
-            <p:ph idx="1"/>
-          </p:nvPr>
-        </p:nvSpPr>
-        <p:spPr>
-          <a:xfrm>
-            <a:off x="628650" y="1399430"/>
-            <a:ext cx="7886700" cy="5128591"/>
-          </a:xfrm>
-        </p:spPr>
-        <p:txBody>
-          <a:bodyPr>
-            <a:normAutofit fontScale="92500" lnSpcReduction="10000"/>
-          </a:bodyPr>
-          <a:lstStyle/>
-          <a:p>
-            <a:pPr marL="0" indent="0">
-              <a:buNone/>
-            </a:pPr>
-            <a:r>
-              <a:rPr kumimoji="1" lang="ja-JP" altLang="en-US" dirty="0" smtClean="0">
-                <a:latin typeface="+mn-ea"/>
-              </a:rPr>
-              <a:t>・「音楽動画への印象評価データセット構築とその特性の調査</a:t>
-            </a:r>
-            <a:r>
-              <a:rPr kumimoji="1" lang="ja-JP" altLang="en-US" dirty="0" smtClean="0">
-                <a:latin typeface="+mn-ea"/>
-              </a:rPr>
-              <a:t>」</a:t>
-            </a:r>
-            <a:r>
-              <a:rPr kumimoji="1" lang="en-US" altLang="ja-JP" dirty="0" smtClean="0">
-                <a:latin typeface="+mn-ea"/>
-              </a:rPr>
-              <a:t>[2015 </a:t>
-            </a:r>
-            <a:r>
-              <a:rPr kumimoji="1" lang="ja-JP" altLang="en-US" dirty="0" smtClean="0">
-                <a:latin typeface="+mn-ea"/>
-              </a:rPr>
-              <a:t>大野</a:t>
-            </a:r>
-            <a:r>
-              <a:rPr kumimoji="1" lang="en-US" altLang="ja-JP" dirty="0" smtClean="0">
-                <a:latin typeface="+mn-ea"/>
-              </a:rPr>
-              <a:t>]</a:t>
-            </a:r>
-            <a:endParaRPr kumimoji="1" lang="en-US" altLang="ja-JP" dirty="0" smtClean="0">
-              <a:latin typeface="+mn-ea"/>
-            </a:endParaRPr>
-          </a:p>
-          <a:p>
-            <a:pPr marL="0" indent="0">
-              <a:buNone/>
-            </a:pPr>
-            <a:r>
-              <a:rPr kumimoji="1" lang="ja-JP" altLang="en-US" dirty="0" smtClean="0">
-                <a:latin typeface="+mn-ea"/>
-              </a:rPr>
-              <a:t>大野直樹，中村聡史，山本岳洋，</a:t>
-            </a:r>
-            <a:r>
-              <a:rPr lang="ja-JP" altLang="en-US" dirty="0" smtClean="0">
-                <a:latin typeface="+mn-ea"/>
-              </a:rPr>
-              <a:t>後藤真孝，情報処理</a:t>
-            </a:r>
-            <a:r>
-              <a:rPr lang="ja-JP" altLang="en-US" dirty="0" smtClean="0">
-                <a:latin typeface="+mn-ea"/>
-              </a:rPr>
-              <a:t>学会，</a:t>
-            </a:r>
-            <a:r>
-              <a:rPr lang="en-US" altLang="ja-JP" dirty="0" smtClean="0">
-                <a:latin typeface="+mn-ea"/>
-              </a:rPr>
-              <a:t>2015</a:t>
-            </a:r>
-            <a:endParaRPr kumimoji="1" lang="en-US" altLang="ja-JP" dirty="0" smtClean="0">
-              <a:latin typeface="+mn-ea"/>
-            </a:endParaRPr>
-          </a:p>
-          <a:p>
-            <a:pPr marL="0" indent="0">
-              <a:buNone/>
-            </a:pPr>
-            <a:endParaRPr kumimoji="1" lang="en-US" altLang="ja-JP" dirty="0">
-              <a:latin typeface="+mn-ea"/>
-            </a:endParaRPr>
-          </a:p>
-          <a:p>
-            <a:pPr marL="0" indent="0">
-              <a:buNone/>
-            </a:pPr>
-            <a:r>
-              <a:rPr lang="ja-JP" altLang="en-US" dirty="0" smtClean="0">
-                <a:latin typeface="+mn-ea"/>
-              </a:rPr>
-              <a:t>・「</a:t>
-            </a:r>
-            <a:r>
-              <a:rPr lang="ja-JP" altLang="en-US" b="1" dirty="0">
-                <a:latin typeface="+mn-ea"/>
-              </a:rPr>
-              <a:t>動画特徴量からの印象推定に基づく動画</a:t>
-            </a:r>
-            <a:r>
-              <a:rPr lang="en-US" altLang="ja-JP" b="1" dirty="0">
-                <a:latin typeface="+mn-ea"/>
-              </a:rPr>
-              <a:t>BGM </a:t>
-            </a:r>
-            <a:r>
-              <a:rPr lang="ja-JP" altLang="en-US" b="1" dirty="0">
-                <a:latin typeface="+mn-ea"/>
-              </a:rPr>
-              <a:t>の自動素材選出</a:t>
-            </a:r>
-            <a:r>
-              <a:rPr lang="ja-JP" altLang="en-US" dirty="0" smtClean="0">
-                <a:latin typeface="+mn-ea"/>
-              </a:rPr>
-              <a:t>」</a:t>
-            </a:r>
-            <a:r>
-              <a:rPr lang="en-US" altLang="ja-JP" dirty="0" smtClean="0">
-                <a:latin typeface="+mn-ea"/>
-              </a:rPr>
-              <a:t>[2016 </a:t>
-            </a:r>
-            <a:r>
-              <a:rPr lang="ja-JP" altLang="en-US" dirty="0" smtClean="0">
-                <a:latin typeface="+mn-ea"/>
-              </a:rPr>
-              <a:t>清水</a:t>
-            </a:r>
-            <a:r>
-              <a:rPr lang="en-US" altLang="ja-JP" dirty="0" smtClean="0">
-                <a:latin typeface="+mn-ea"/>
-              </a:rPr>
-              <a:t>]</a:t>
-            </a:r>
-            <a:r>
-              <a:rPr lang="ja-JP" altLang="en-US" dirty="0">
-                <a:latin typeface="+mn-ea"/>
-              </a:rPr>
-              <a:t/>
-            </a:r>
-            <a:br>
-              <a:rPr lang="ja-JP" altLang="en-US" dirty="0">
-                <a:latin typeface="+mn-ea"/>
-              </a:rPr>
-            </a:br>
-            <a:r>
-              <a:rPr lang="ja-JP" altLang="en-US" dirty="0" smtClean="0">
-                <a:latin typeface="+mn-ea"/>
-              </a:rPr>
-              <a:t>清水，</a:t>
-            </a:r>
-            <a:r>
-              <a:rPr lang="en-US" altLang="ja-JP" dirty="0" smtClean="0">
-                <a:latin typeface="+mn-ea"/>
-              </a:rPr>
-              <a:t> </a:t>
-            </a:r>
-            <a:r>
-              <a:rPr lang="ja-JP" altLang="en-US" dirty="0" smtClean="0">
-                <a:latin typeface="+mn-ea"/>
-              </a:rPr>
-              <a:t>菅野，</a:t>
-            </a:r>
-            <a:r>
-              <a:rPr lang="en-US" altLang="ja-JP" dirty="0" smtClean="0">
-                <a:latin typeface="+mn-ea"/>
-              </a:rPr>
-              <a:t> </a:t>
-            </a:r>
-            <a:r>
-              <a:rPr lang="ja-JP" altLang="en-US" dirty="0" smtClean="0">
-                <a:latin typeface="+mn-ea"/>
-              </a:rPr>
-              <a:t>伊藤，</a:t>
-            </a:r>
-            <a:r>
-              <a:rPr lang="en-US" altLang="ja-JP" dirty="0" smtClean="0">
-                <a:latin typeface="+mn-ea"/>
-              </a:rPr>
-              <a:t> </a:t>
-            </a:r>
-            <a:r>
-              <a:rPr lang="ja-JP" altLang="en-US" dirty="0" smtClean="0">
-                <a:latin typeface="+mn-ea"/>
-              </a:rPr>
-              <a:t>嵯峨山，</a:t>
-            </a:r>
-            <a:r>
-              <a:rPr lang="en-US" altLang="ja-JP" dirty="0" smtClean="0">
-                <a:latin typeface="+mn-ea"/>
-              </a:rPr>
-              <a:t> </a:t>
-            </a:r>
-            <a:r>
-              <a:rPr lang="ja-JP" altLang="en-US" dirty="0" smtClean="0">
-                <a:latin typeface="+mn-ea"/>
-              </a:rPr>
-              <a:t>高塚，</a:t>
-            </a:r>
-            <a:r>
-              <a:rPr lang="en-US" altLang="ja-JP" dirty="0">
-                <a:latin typeface="+mn-ea"/>
-              </a:rPr>
-              <a:t> </a:t>
-            </a:r>
-            <a:r>
-              <a:rPr lang="en-US" altLang="ja-JP" dirty="0" smtClean="0">
-                <a:latin typeface="+mn-ea"/>
-              </a:rPr>
-              <a:t>NICOGRAPH 2016</a:t>
-            </a:r>
-          </a:p>
-          <a:p>
-            <a:pPr marL="0" indent="0">
-              <a:buNone/>
-            </a:pPr>
-            <a:endParaRPr lang="en-US" altLang="ja-JP" dirty="0" smtClean="0">
-              <a:latin typeface="+mn-ea"/>
-            </a:endParaRPr>
-          </a:p>
-          <a:p>
-            <a:pPr marL="0" indent="0">
-              <a:buNone/>
-            </a:pPr>
-            <a:r>
-              <a:rPr lang="ja-JP" altLang="en-US" dirty="0" smtClean="0">
-                <a:latin typeface="+mn-ea"/>
-              </a:rPr>
-              <a:t>・「</a:t>
-            </a:r>
-            <a:r>
-              <a:rPr lang="en-US" altLang="ja-JP" dirty="0">
-                <a:latin typeface="+mn-ea"/>
-              </a:rPr>
-              <a:t>DIVA</a:t>
-            </a:r>
-            <a:r>
-              <a:rPr lang="ja-JP" altLang="en-US" dirty="0">
-                <a:latin typeface="+mn-ea"/>
-              </a:rPr>
-              <a:t>：</a:t>
-            </a:r>
-            <a:r>
-              <a:rPr lang="ja-JP" altLang="en-US" dirty="0" smtClean="0">
-                <a:latin typeface="+mn-ea"/>
-              </a:rPr>
-              <a:t>画像</a:t>
-            </a:r>
-            <a:r>
-              <a:rPr lang="ja-JP" altLang="en-US" dirty="0">
-                <a:latin typeface="+mn-ea"/>
-              </a:rPr>
-              <a:t>の印象に合わせた音楽自動アレンジの一手法の提案</a:t>
-            </a:r>
-            <a:r>
-              <a:rPr lang="ja-JP" altLang="en-US" dirty="0" smtClean="0">
-                <a:latin typeface="+mn-ea"/>
-              </a:rPr>
-              <a:t>」</a:t>
-            </a:r>
-            <a:r>
-              <a:rPr lang="en-US" altLang="ja-JP" dirty="0" smtClean="0">
-                <a:latin typeface="+mn-ea"/>
-              </a:rPr>
-              <a:t>[2007 </a:t>
-            </a:r>
-            <a:r>
-              <a:rPr lang="ja-JP" altLang="en-US" dirty="0" smtClean="0">
-                <a:latin typeface="+mn-ea"/>
-              </a:rPr>
-              <a:t>大山</a:t>
-            </a:r>
-            <a:r>
-              <a:rPr lang="en-US" altLang="ja-JP" dirty="0" smtClean="0">
-                <a:latin typeface="+mn-ea"/>
-              </a:rPr>
-              <a:t>]</a:t>
-            </a:r>
-            <a:endParaRPr lang="en-US" altLang="ja-JP" dirty="0">
-              <a:latin typeface="+mn-ea"/>
-            </a:endParaRPr>
-          </a:p>
-          <a:p>
-            <a:pPr marL="0" indent="0">
-              <a:buNone/>
-            </a:pPr>
-            <a:r>
-              <a:rPr lang="ja-JP" altLang="en-US" dirty="0">
-                <a:latin typeface="+mn-ea"/>
-              </a:rPr>
-              <a:t>大山</a:t>
-            </a:r>
-            <a:r>
-              <a:rPr lang="en-US" altLang="ja-JP" dirty="0">
-                <a:latin typeface="+mn-ea"/>
-              </a:rPr>
-              <a:t>, </a:t>
-            </a:r>
-            <a:r>
-              <a:rPr lang="ja-JP" altLang="en-US" dirty="0">
-                <a:latin typeface="+mn-ea"/>
-              </a:rPr>
-              <a:t>伊藤</a:t>
-            </a:r>
-            <a:r>
-              <a:rPr lang="en-US" altLang="ja-JP" dirty="0" smtClean="0">
-                <a:latin typeface="+mn-ea"/>
-              </a:rPr>
-              <a:t>,</a:t>
-            </a:r>
-            <a:r>
-              <a:rPr lang="ja-JP" altLang="en-US" dirty="0" smtClean="0">
-                <a:latin typeface="+mn-ea"/>
-              </a:rPr>
-              <a:t>芸術</a:t>
-            </a:r>
-            <a:r>
-              <a:rPr lang="ja-JP" altLang="en-US" dirty="0">
-                <a:latin typeface="+mn-ea"/>
-              </a:rPr>
-              <a:t>科学会</a:t>
-            </a:r>
-            <a:r>
-              <a:rPr lang="ja-JP" altLang="en-US" dirty="0" smtClean="0">
-                <a:latin typeface="+mn-ea"/>
-              </a:rPr>
-              <a:t>論文誌，</a:t>
-            </a:r>
-            <a:r>
-              <a:rPr lang="en-US" altLang="ja-JP" dirty="0" smtClean="0">
-                <a:latin typeface="+mn-ea"/>
-              </a:rPr>
-              <a:t>2007</a:t>
-            </a:r>
-            <a:endParaRPr lang="en-US" altLang="ja-JP" dirty="0" smtClean="0">
-              <a:latin typeface="+mn-ea"/>
-            </a:endParaRPr>
-          </a:p>
-          <a:p>
-            <a:pPr marL="0" indent="0">
-              <a:buNone/>
-            </a:pPr>
-            <a:endParaRPr kumimoji="1" lang="en-US" altLang="ja-JP" dirty="0"/>
-          </a:p>
-          <a:p>
-            <a:pPr marL="0" indent="0">
-              <a:buNone/>
-            </a:pPr>
-            <a:endParaRPr kumimoji="1" lang="ja-JP" altLang="en-US" dirty="0"/>
-          </a:p>
-        </p:txBody>
-      </p:sp>
-      <p:sp>
-        <p:nvSpPr>
-          <p:cNvPr id="4" name="スライド番号プレースホルダー 3"/>
-          <p:cNvSpPr>
-            <a:spLocks noGrp="1"/>
-          </p:cNvSpPr>
-          <p:nvPr>
-            <p:ph type="sldNum" sz="quarter" idx="12"/>
-          </p:nvPr>
-        </p:nvSpPr>
-        <p:spPr/>
-        <p:txBody>
-          <a:bodyPr/>
-          <a:lstStyle/>
-          <a:p>
-            <a:fld id="{B4451160-128F-4DAD-AE29-4A8CC0E7B9E9}" type="slidenum">
-              <a:rPr kumimoji="1" lang="ja-JP" altLang="en-US" smtClean="0"/>
-              <a:t>6</a:t>
-            </a:fld>
-            <a:endParaRPr kumimoji="1" lang="ja-JP" altLang="en-US"/>
-          </a:p>
-        </p:txBody>
-      </p:sp>
-    </p:spTree>
-    <p:extLst>
-      <p:ext uri="{BB962C8B-B14F-4D97-AF65-F5344CB8AC3E}">
-        <p14:creationId xmlns:p14="http://schemas.microsoft.com/office/powerpoint/2010/main" val="3769541672"/>
       </p:ext>
     </p:extLst>
   </p:cSld>
@@ -6127,15 +6274,23 @@
             </a:pPr>
             <a:r>
               <a:rPr kumimoji="1" lang="ja-JP" altLang="en-US" dirty="0" smtClean="0"/>
-              <a:t>音楽データを横軸に時間</a:t>
-            </a:r>
-            <a:r>
-              <a:rPr lang="ja-JP" altLang="en-US" dirty="0"/>
+              <a:t>音楽データを横軸に</a:t>
+            </a:r>
+            <a:r>
+              <a:rPr kumimoji="1" lang="ja-JP" altLang="en-US" dirty="0" smtClean="0"/>
+              <a:t>時間</a:t>
+            </a:r>
+            <a:r>
+              <a:rPr lang="ja-JP" altLang="en-US" dirty="0" smtClean="0"/>
               <a:t>，</a:t>
             </a:r>
             <a:r>
               <a:rPr kumimoji="1" lang="ja-JP" altLang="en-US" dirty="0" smtClean="0"/>
-              <a:t>縦軸に周波数を表した</a:t>
+              <a:t>縦軸</a:t>
+            </a:r>
+            <a:r>
+              <a:rPr kumimoji="1" lang="ja-JP" altLang="en-US" dirty="0" smtClean="0"/>
+              <a:t>に周波数を表した</a:t>
             </a:r>
             <a:endParaRPr lang="en-US" altLang="ja-JP" dirty="0"/>
           </a:p>
@@ -6207,7 +6362,7 @@
       </p:sp>
       <p:pic>
         <p:nvPicPr>
-          <p:cNvPr id="5" name="図 4"/>
+          <p:cNvPr id="6" name="図 5"/>
           <p:cNvPicPr>
             <a:picLocks noChangeAspect="1"/>
           </p:cNvPicPr>
@@ -6227,8 +6382,8 @@
         </p:blipFill>
         <p:spPr>
           <a:xfrm>
-            <a:off x="824915" y="3736977"/>
-            <a:ext cx="7319241" cy="2619374"/>
+            <a:off x="628650" y="3735002"/>
+            <a:ext cx="7324760" cy="2621349"/>
           </a:xfrm>
           <a:prstGeom prst="rect">
             <a:avLst/>

--- a/学部_中間発表_1821144.pptx
+++ b/学部_中間発表_1821144.pptx
@@ -3838,8 +3838,12 @@
               <a:buNone/>
             </a:pPr>
             <a:r>
+              <a:rPr lang="ja-JP" altLang="en-US" smtClean="0"/>
+              <a:t>既存</a:t>
+            </a:r>
+            <a:r>
               <a:rPr lang="ja-JP" altLang="en-US" dirty="0" smtClean="0"/>
-              <a:t>・既存の</a:t>
+              <a:t>の</a:t>
             </a:r>
             <a:r>
               <a:rPr lang="ja-JP" altLang="en-US" dirty="0"/>
@@ -3859,16 +3863,21 @@
             </a:r>
             <a:r>
               <a:rPr lang="ja-JP" altLang="en-US" dirty="0" smtClean="0"/>
-              <a:t>あり画像から観光地のイメージをつかむことができる．</a:t>
-            </a:r>
-            <a:endParaRPr lang="en-US" altLang="ja-JP" dirty="0" smtClean="0"/>
-          </a:p>
-          <a:p>
-            <a:pPr marL="0" indent="0">
-              <a:buNone/>
-            </a:pPr>
-            <a:r>
-              <a:rPr lang="ja-JP" altLang="en-US" dirty="0"/>
+              <a:t>あり画像から観光地のイメージをつかむことができる</a:t>
+            </a:r>
+            <a:r>
+              <a:rPr lang="ja-JP" altLang="en-US" dirty="0" smtClean="0"/>
+              <a:t>．</a:t>
+            </a:r>
+            <a:r>
+              <a:rPr lang="en-US" altLang="ja-JP" dirty="0"/>
+              <a:t/>
+            </a:r>
+            <a:br>
+              <a:rPr lang="en-US" altLang="ja-JP" dirty="0"/>
+            </a:br>
+            <a:r>
+              <a:rPr lang="ja-JP" altLang="en-US" dirty="0" smtClean="0"/>
               <a:t>しかし</a:t>
             </a:r>
             <a:r>
@@ -4159,30 +4168,15 @@
         </p:spPr>
         <p:txBody>
           <a:bodyPr>
-            <a:normAutofit fontScale="92500" lnSpcReduction="20000"/>
+            <a:normAutofit fontScale="92500"/>
           </a:bodyPr>
           <a:lstStyle/>
           <a:p>
-            <a:pPr marL="0" indent="0">
-              <a:buNone/>
-            </a:pPr>
-            <a:r>
-              <a:rPr kumimoji="1" lang="ja-JP" altLang="en-US" dirty="0" smtClean="0">
-                <a:latin typeface="+mn-ea"/>
-              </a:rPr>
-              <a:t>・</a:t>
-            </a:r>
-            <a:r>
-              <a:rPr lang="en-US" altLang="ja-JP" dirty="0">
-                <a:latin typeface="+mn-ea"/>
-              </a:rPr>
-              <a:t>[</a:t>
-            </a:r>
             <a:r>
               <a:rPr lang="en-US" altLang="ja-JP" dirty="0" smtClean="0">
                 <a:latin typeface="+mn-ea"/>
               </a:rPr>
-              <a:t>2015 </a:t>
+              <a:t>[2015 </a:t>
             </a:r>
             <a:r>
               <a:rPr lang="ja-JP" altLang="en-US" dirty="0">
@@ -4246,14 +4240,17 @@
               </a:rPr>
               <a:t>孝，</a:t>
             </a:r>
-            <a:endParaRPr lang="en-US" altLang="ja-JP" dirty="0" smtClean="0">
-              <a:latin typeface="+mn-ea"/>
-            </a:endParaRPr>
-          </a:p>
-          <a:p>
-            <a:pPr marL="0" indent="0">
-              <a:buNone/>
-            </a:pPr>
+            <a:r>
+              <a:rPr lang="en-US" altLang="ja-JP" dirty="0">
+                <a:latin typeface="+mn-ea"/>
+              </a:rPr>
+              <a:t/>
+            </a:r>
+            <a:br>
+              <a:rPr lang="en-US" altLang="ja-JP" dirty="0">
+                <a:latin typeface="+mn-ea"/>
+              </a:rPr>
+            </a:br>
             <a:r>
               <a:rPr kumimoji="1" lang="ja-JP" altLang="en-US" dirty="0" smtClean="0">
                 <a:latin typeface="+mn-ea"/>
@@ -4309,20 +4306,17 @@
             </a:endParaRPr>
           </a:p>
           <a:p>
-            <a:pPr marL="0" indent="0">
-              <a:buNone/>
-            </a:pPr>
-            <a:r>
-              <a:rPr lang="ja-JP" altLang="en-US" dirty="0" smtClean="0">
+            <a:r>
+              <a:rPr lang="en-US" altLang="ja-JP" dirty="0" smtClean="0">
                 <a:latin typeface="+mn-ea"/>
               </a:rPr>
-              <a:t>・</a:t>
+              <a:t>[</a:t>
             </a:r>
             <a:r>
               <a:rPr lang="en-US" altLang="ja-JP" dirty="0">
                 <a:latin typeface="+mn-ea"/>
               </a:rPr>
-              <a:t>[2016 </a:t>
+              <a:t>2016 </a:t>
             </a:r>
             <a:r>
               <a:rPr lang="ja-JP" altLang="en-US" dirty="0">
@@ -4400,39 +4394,43 @@
               <a:rPr lang="ja-JP" altLang="en-US" dirty="0" smtClean="0">
                 <a:latin typeface="+mn-ea"/>
               </a:rPr>
-              <a:t>，</a:t>
-            </a:r>
-            <a:endParaRPr lang="en-US" altLang="ja-JP" dirty="0" smtClean="0">
-              <a:latin typeface="+mn-ea"/>
-            </a:endParaRPr>
-          </a:p>
-          <a:p>
-            <a:pPr marL="0" indent="0">
-              <a:buNone/>
-            </a:pPr>
+              <a:t>，「</a:t>
+            </a:r>
+            <a:r>
+              <a:rPr lang="ja-JP" altLang="en-US" dirty="0">
+                <a:latin typeface="+mn-ea"/>
+              </a:rPr>
+              <a:t>動画特徴量からの印象推定</a:t>
+            </a:r>
             <a:r>
               <a:rPr lang="ja-JP" altLang="en-US" dirty="0" smtClean="0">
                 <a:latin typeface="+mn-ea"/>
               </a:rPr>
-              <a:t>「</a:t>
+              <a:t>に基づく</a:t>
             </a:r>
             <a:r>
               <a:rPr lang="ja-JP" altLang="en-US" dirty="0">
                 <a:latin typeface="+mn-ea"/>
               </a:rPr>
-              <a:t>動画特徴量からの印象推定に基づく動画</a:t>
-            </a:r>
-            <a:r>
-              <a:rPr lang="en-US" altLang="ja-JP" dirty="0">
+              <a:t>動画</a:t>
+            </a:r>
+            <a:r>
+              <a:rPr lang="en-US" altLang="ja-JP" dirty="0" smtClean="0">
                 <a:latin typeface="+mn-ea"/>
               </a:rPr>
-              <a:t>BGM </a:t>
+              <a:t>BGM</a:t>
+            </a:r>
+            <a:r>
+              <a:rPr lang="ja-JP" altLang="en-US" dirty="0" smtClean="0">
+                <a:latin typeface="+mn-ea"/>
+              </a:rPr>
+              <a:t>の</a:t>
             </a:r>
             <a:r>
               <a:rPr lang="ja-JP" altLang="en-US" dirty="0">
                 <a:latin typeface="+mn-ea"/>
               </a:rPr>
-              <a:t>の自動素材</a:t>
+              <a:t>自動素材</a:t>
             </a:r>
             <a:r>
               <a:rPr lang="ja-JP" altLang="en-US" dirty="0" smtClean="0">
@@ -4468,20 +4466,17 @@
             </a:endParaRPr>
           </a:p>
           <a:p>
-            <a:pPr marL="0" indent="0">
-              <a:buNone/>
-            </a:pPr>
-            <a:r>
-              <a:rPr lang="ja-JP" altLang="en-US" dirty="0" smtClean="0">
+            <a:r>
+              <a:rPr lang="en-US" altLang="ja-JP" dirty="0" smtClean="0">
                 <a:latin typeface="+mn-ea"/>
               </a:rPr>
-              <a:t>・</a:t>
+              <a:t>[</a:t>
             </a:r>
             <a:r>
               <a:rPr lang="en-US" altLang="ja-JP" dirty="0">
                 <a:latin typeface="+mn-ea"/>
               </a:rPr>
-              <a:t>[2007 </a:t>
+              <a:t>2007 </a:t>
             </a:r>
             <a:r>
               <a:rPr lang="ja-JP" altLang="en-US" dirty="0">
@@ -4513,14 +4508,17 @@
               </a:rPr>
               <a:t>，</a:t>
             </a:r>
-            <a:endParaRPr lang="en-US" altLang="ja-JP" dirty="0" smtClean="0">
-              <a:latin typeface="+mn-ea"/>
-            </a:endParaRPr>
-          </a:p>
-          <a:p>
-            <a:pPr marL="0" indent="0">
-              <a:buNone/>
-            </a:pPr>
+            <a:r>
+              <a:rPr lang="en-US" altLang="ja-JP" dirty="0">
+                <a:latin typeface="+mn-ea"/>
+              </a:rPr>
+              <a:t/>
+            </a:r>
+            <a:br>
+              <a:rPr lang="en-US" altLang="ja-JP" dirty="0">
+                <a:latin typeface="+mn-ea"/>
+              </a:rPr>
+            </a:br>
             <a:r>
               <a:rPr lang="ja-JP" altLang="en-US" dirty="0" smtClean="0">
                 <a:latin typeface="+mn-ea"/>
@@ -4690,12 +4688,9 @@
           </a:bodyPr>
           <a:lstStyle/>
           <a:p>
-            <a:pPr marL="0" indent="0">
-              <a:buNone/>
-            </a:pPr>
             <a:r>
               <a:rPr lang="ja-JP" altLang="en-US" dirty="0" smtClean="0"/>
-              <a:t>・ただ</a:t>
+              <a:t>ただ</a:t>
             </a:r>
             <a:r>
               <a:rPr lang="ja-JP" altLang="en-US" dirty="0"/>
@@ -4742,12 +4737,13 @@
             <a:endParaRPr lang="en-US" altLang="ja-JP" dirty="0"/>
           </a:p>
           <a:p>
-            <a:pPr marL="0" indent="0">
-              <a:buNone/>
-            </a:pPr>
             <a:r>
               <a:rPr lang="ja-JP" altLang="en-US" dirty="0" smtClean="0"/>
-              <a:t>・音楽データをジャンル分けし観光地推薦動画とマッチングすることでユーザー</a:t>
+              <a:t>音楽</a:t>
+            </a:r>
+            <a:r>
+              <a:rPr lang="ja-JP" altLang="en-US" dirty="0" smtClean="0"/>
+              <a:t>データをジャンル分けし観光地推薦動画とマッチングすることでユーザー</a:t>
             </a:r>
             <a:r>
               <a:rPr lang="ja-JP" altLang="en-US" dirty="0" smtClean="0"/>
@@ -4766,12 +4762,9 @@
             <a:endParaRPr lang="en-US" altLang="ja-JP" dirty="0" smtClean="0"/>
           </a:p>
           <a:p>
-            <a:pPr marL="0" indent="0">
-              <a:buNone/>
-            </a:pPr>
             <a:r>
               <a:rPr lang="ja-JP" altLang="en-US" dirty="0" smtClean="0"/>
-              <a:t>・現在ではスマートフォンなどで誰も音楽を作成することが可能になっている．そのため</a:t>
+              <a:t>現在ではスマートフォンなどで誰も音楽を作成することが可能になっている．そのため</a:t>
             </a:r>
             <a:r>
               <a:rPr lang="en-US" altLang="ja-JP" dirty="0" smtClean="0"/>
@@ -4781,12 +4774,13 @@
               <a:rPr lang="ja-JP" altLang="en-US" dirty="0" smtClean="0"/>
               <a:t>などに投稿される音楽の量が大量になってきた．</a:t>
             </a:r>
-            <a:endParaRPr lang="en-US" altLang="ja-JP" dirty="0" smtClean="0"/>
-          </a:p>
-          <a:p>
-            <a:pPr marL="0" indent="0">
-              <a:buNone/>
-            </a:pPr>
+            <a:r>
+              <a:rPr lang="en-US" altLang="ja-JP" dirty="0" smtClean="0"/>
+              <a:t/>
+            </a:r>
+            <a:br>
+              <a:rPr lang="en-US" altLang="ja-JP" dirty="0" smtClean="0"/>
+            </a:br>
             <a:r>
               <a:rPr lang="ja-JP" altLang="en-US" dirty="0" smtClean="0"/>
               <a:t>大量</a:t>
@@ -5174,13 +5168,6 @@
           <a:bodyPr/>
           <a:lstStyle/>
           <a:p>
-            <a:pPr marL="0" indent="0">
-              <a:buNone/>
-            </a:pPr>
-            <a:r>
-              <a:rPr lang="ja-JP" altLang="en-US" dirty="0" smtClean="0"/>
-              <a:t>・</a:t>
-            </a:r>
             <a:r>
               <a:rPr lang="en-US" altLang="ja-JP" dirty="0" smtClean="0"/>
               <a:t>SNS</a:t>
@@ -5226,12 +5213,13 @@
             <a:endParaRPr lang="en-US" altLang="ja-JP" dirty="0"/>
           </a:p>
           <a:p>
-            <a:pPr marL="0" indent="0">
-              <a:buNone/>
-            </a:pPr>
             <a:r>
               <a:rPr kumimoji="1" lang="ja-JP" altLang="en-US" dirty="0" smtClean="0"/>
-              <a:t>・実験システムの作成．</a:t>
+              <a:t>実験</a:t>
+            </a:r>
+            <a:r>
+              <a:rPr kumimoji="1" lang="ja-JP" altLang="en-US" dirty="0" smtClean="0"/>
+              <a:t>システムの作成．</a:t>
             </a:r>
             <a:endParaRPr kumimoji="1" lang="en-US" altLang="ja-JP" dirty="0" smtClean="0"/>
           </a:p>
@@ -5248,15 +5236,8 @@
             <a:endParaRPr kumimoji="1" lang="en-US" altLang="ja-JP" dirty="0" smtClean="0"/>
           </a:p>
           <a:p>
-            <a:pPr marL="0" indent="0">
-              <a:buNone/>
-            </a:pPr>
             <a:r>
               <a:rPr lang="ja-JP" altLang="en-US" dirty="0" smtClean="0"/>
-              <a:t>・</a:t>
-            </a:r>
-            <a:r>
-              <a:rPr lang="ja-JP" altLang="en-US" dirty="0"/>
               <a:t>実験</a:t>
             </a:r>
             <a:r>
@@ -6290,14 +6271,19 @@
             </a:r>
             <a:r>
               <a:rPr kumimoji="1" lang="ja-JP" altLang="en-US" dirty="0" smtClean="0"/>
-              <a:t>に周波数を表した</a:t>
-            </a:r>
-            <a:endParaRPr lang="en-US" altLang="ja-JP" dirty="0"/>
-          </a:p>
-          <a:p>
-            <a:pPr marL="0" indent="0">
-              <a:buNone/>
-            </a:pPr>
+              <a:t>に周波数を</a:t>
+            </a:r>
+            <a:r>
+              <a:rPr kumimoji="1" lang="ja-JP" altLang="en-US" dirty="0" smtClean="0"/>
+              <a:t>表した</a:t>
+            </a:r>
+            <a:r>
+              <a:rPr lang="en-US" altLang="ja-JP" dirty="0"/>
+              <a:t/>
+            </a:r>
+            <a:br>
+              <a:rPr lang="en-US" altLang="ja-JP" dirty="0"/>
+            </a:br>
             <a:r>
               <a:rPr kumimoji="1" lang="ja-JP" altLang="en-US" dirty="0" smtClean="0"/>
               <a:t>スペクトログラム</a:t>
@@ -6308,16 +6294,21 @@
             </a:r>
             <a:r>
               <a:rPr kumimoji="1" lang="ja-JP" altLang="en-US" dirty="0" smtClean="0"/>
-              <a:t>するプログラムの作成をした．</a:t>
-            </a:r>
-            <a:endParaRPr kumimoji="1" lang="en-US" altLang="ja-JP" dirty="0" smtClean="0"/>
-          </a:p>
-          <a:p>
-            <a:pPr marL="0" indent="0">
-              <a:buNone/>
-            </a:pPr>
-            <a:r>
-              <a:rPr lang="ja-JP" altLang="en-US" dirty="0"/>
+              <a:t>するプログラムの作成を</a:t>
+            </a:r>
+            <a:r>
+              <a:rPr kumimoji="1" lang="ja-JP" altLang="en-US" dirty="0" smtClean="0"/>
+              <a:t>した．</a:t>
+            </a:r>
+            <a:r>
+              <a:rPr lang="en-US" altLang="ja-JP" dirty="0"/>
+              <a:t/>
+            </a:r>
+            <a:br>
+              <a:rPr lang="en-US" altLang="ja-JP" dirty="0"/>
+            </a:br>
+            <a:r>
+              <a:rPr lang="ja-JP" altLang="en-US" dirty="0" smtClean="0"/>
               <a:t>これ</a:t>
             </a:r>
             <a:r>
